--- a/기획서/신버전/룸 시스템.pptx
+++ b/기획서/신버전/룸 시스템.pptx
@@ -5,17 +5,19 @@
     <p:sldMasterId id="2147483660" r:id="rId1"/>
   </p:sldMasterIdLst>
   <p:notesMasterIdLst>
-    <p:notesMasterId r:id="rId7"/>
+    <p:notesMasterId r:id="rId9"/>
   </p:notesMasterIdLst>
   <p:handoutMasterIdLst>
-    <p:handoutMasterId r:id="rId8"/>
+    <p:handoutMasterId r:id="rId10"/>
   </p:handoutMasterIdLst>
   <p:sldIdLst>
     <p:sldId id="256" r:id="rId2"/>
     <p:sldId id="257" r:id="rId3"/>
     <p:sldId id="258" r:id="rId4"/>
     <p:sldId id="260" r:id="rId5"/>
-    <p:sldId id="263" r:id="rId6"/>
+    <p:sldId id="265" r:id="rId6"/>
+    <p:sldId id="263" r:id="rId7"/>
+    <p:sldId id="264" r:id="rId8"/>
   </p:sldIdLst>
   <p:sldSz cx="6858000" cy="9906000" type="A4"/>
   <p:notesSz cx="6858000" cy="9144000"/>
@@ -4123,7 +4125,7 @@
         </p:nvSpPr>
         <p:spPr>
           <a:xfrm>
-            <a:off x="280315" y="2095834"/>
+            <a:off x="280315" y="2034874"/>
             <a:ext cx="6297381" cy="3046988"/>
           </a:xfrm>
           <a:prstGeom prst="rect">
@@ -4395,7 +4397,7 @@
                 <a:latin typeface="HY그래픽M" panose="02030600000101010101" pitchFamily="18" charset="-127"/>
                 <a:ea typeface="HY그래픽M" panose="02030600000101010101" pitchFamily="18" charset="-127"/>
               </a:rPr>
-              <a:t>스폰위치에서</a:t>
+              <a:t>리스폰포인트</a:t>
             </a:r>
             <a:r>
               <a:rPr lang="ko-KR" altLang="en-US" sz="1600" b="1" dirty="0">
@@ -4405,7 +4407,7 @@
                 <a:latin typeface="HY그래픽M" panose="02030600000101010101" pitchFamily="18" charset="-127"/>
                 <a:ea typeface="HY그래픽M" panose="02030600000101010101" pitchFamily="18" charset="-127"/>
               </a:rPr>
-              <a:t> </a:t>
+              <a:t> 에서 </a:t>
             </a:r>
             <a:r>
               <a:rPr lang="ko-KR" altLang="en-US" sz="1600" b="1" dirty="0" err="1">
@@ -4485,7 +4487,7 @@
         </p:nvSpPr>
         <p:spPr>
           <a:xfrm>
-            <a:off x="280315" y="5354009"/>
+            <a:off x="280315" y="5293049"/>
             <a:ext cx="6297381" cy="369332"/>
           </a:xfrm>
           <a:prstGeom prst="rect">
@@ -4591,7 +4593,7 @@
         </p:blipFill>
         <p:spPr>
           <a:xfrm>
-            <a:off x="280306" y="5834383"/>
+            <a:off x="280306" y="5773423"/>
             <a:ext cx="6272550" cy="3518560"/>
           </a:xfrm>
           <a:prstGeom prst="rect">
@@ -4613,6 +4615,361 @@
 </file>
 
 <file path=ppt/slides/slide4.xml><?xml version="1.0" encoding="utf-8"?>
+<p:sld xmlns:a="http://schemas.openxmlformats.org/drawingml/2006/main" xmlns:r="http://schemas.openxmlformats.org/officeDocument/2006/relationships" xmlns:p="http://schemas.openxmlformats.org/presentationml/2006/main">
+  <p:cSld>
+    <p:spTree>
+      <p:nvGrpSpPr>
+        <p:cNvPr id="1" name=""/>
+        <p:cNvGrpSpPr/>
+        <p:nvPr/>
+      </p:nvGrpSpPr>
+      <p:grpSpPr>
+        <a:xfrm>
+          <a:off x="0" y="0"/>
+          <a:ext cx="0" cy="0"/>
+          <a:chOff x="0" y="0"/>
+          <a:chExt cx="0" cy="0"/>
+        </a:xfrm>
+      </p:grpSpPr>
+      <p:sp>
+        <p:nvSpPr>
+          <p:cNvPr id="31" name="직사각형 30">
+            <a:extLst>
+              <a:ext uri="{FF2B5EF4-FFF2-40B4-BE49-F238E27FC236}">
+                <a16:creationId xmlns:a16="http://schemas.microsoft.com/office/drawing/2014/main" id="{408EFC51-8FFE-4ADF-89E4-7E6457F42BE2}"/>
+              </a:ext>
+            </a:extLst>
+          </p:cNvPr>
+          <p:cNvSpPr/>
+          <p:nvPr/>
+        </p:nvSpPr>
+        <p:spPr>
+          <a:xfrm>
+            <a:off x="5" y="1125001"/>
+            <a:ext cx="6876481" cy="8781003"/>
+          </a:xfrm>
+          <a:prstGeom prst="rect">
+            <a:avLst/>
+          </a:prstGeom>
+          <a:solidFill>
+            <a:schemeClr val="bg2">
+              <a:lumMod val="25000"/>
+            </a:schemeClr>
+          </a:solidFill>
+          <a:ln>
+            <a:noFill/>
+          </a:ln>
+        </p:spPr>
+        <p:style>
+          <a:lnRef idx="2">
+            <a:schemeClr val="accent1">
+              <a:shade val="50000"/>
+            </a:schemeClr>
+          </a:lnRef>
+          <a:fillRef idx="1">
+            <a:schemeClr val="accent1"/>
+          </a:fillRef>
+          <a:effectRef idx="0">
+            <a:schemeClr val="accent1"/>
+          </a:effectRef>
+          <a:fontRef idx="minor">
+            <a:schemeClr val="lt1"/>
+          </a:fontRef>
+        </p:style>
+        <p:txBody>
+          <a:bodyPr rtlCol="0" anchor="ctr"/>
+          <a:lstStyle/>
+          <a:p>
+            <a:pPr algn="ctr"/>
+            <a:endParaRPr lang="ko-KR" altLang="en-US" dirty="0"/>
+          </a:p>
+        </p:txBody>
+      </p:sp>
+      <p:grpSp>
+        <p:nvGrpSpPr>
+          <p:cNvPr id="48" name="그룹 47">
+            <a:extLst>
+              <a:ext uri="{FF2B5EF4-FFF2-40B4-BE49-F238E27FC236}">
+                <a16:creationId xmlns:a16="http://schemas.microsoft.com/office/drawing/2014/main" id="{5F81BAD5-5816-4FCF-8474-BB3D63A02951}"/>
+              </a:ext>
+            </a:extLst>
+          </p:cNvPr>
+          <p:cNvGrpSpPr/>
+          <p:nvPr/>
+        </p:nvGrpSpPr>
+        <p:grpSpPr>
+          <a:xfrm>
+            <a:off x="0" y="1046534"/>
+            <a:ext cx="6876480" cy="455116"/>
+            <a:chOff x="121920" y="1124997"/>
+            <a:chExt cx="6614160" cy="455116"/>
+          </a:xfrm>
+        </p:grpSpPr>
+        <p:sp>
+          <p:nvSpPr>
+            <p:cNvPr id="49" name="사각형: 둥근 모서리 48">
+              <a:extLst>
+                <a:ext uri="{FF2B5EF4-FFF2-40B4-BE49-F238E27FC236}">
+                  <a16:creationId xmlns:a16="http://schemas.microsoft.com/office/drawing/2014/main" id="{38110464-CEF5-4BD1-BE78-BECC49E498AB}"/>
+                </a:ext>
+              </a:extLst>
+            </p:cNvPr>
+            <p:cNvSpPr/>
+            <p:nvPr/>
+          </p:nvSpPr>
+          <p:spPr>
+            <a:xfrm>
+              <a:off x="121920" y="1124997"/>
+              <a:ext cx="6614160" cy="455116"/>
+            </a:xfrm>
+            <a:prstGeom prst="roundRect">
+              <a:avLst/>
+            </a:prstGeom>
+            <a:solidFill>
+              <a:schemeClr val="bg2">
+                <a:lumMod val="75000"/>
+              </a:schemeClr>
+            </a:solidFill>
+            <a:ln>
+              <a:noFill/>
+            </a:ln>
+          </p:spPr>
+          <p:style>
+            <a:lnRef idx="2">
+              <a:schemeClr val="accent1">
+                <a:shade val="50000"/>
+              </a:schemeClr>
+            </a:lnRef>
+            <a:fillRef idx="1">
+              <a:schemeClr val="accent1"/>
+            </a:fillRef>
+            <a:effectRef idx="0">
+              <a:schemeClr val="accent1"/>
+            </a:effectRef>
+            <a:fontRef idx="minor">
+              <a:schemeClr val="lt1"/>
+            </a:fontRef>
+          </p:style>
+          <p:txBody>
+            <a:bodyPr rtlCol="0" anchor="ctr"/>
+            <a:lstStyle/>
+            <a:p>
+              <a:pPr algn="ctr"/>
+              <a:endParaRPr lang="ko-KR" altLang="en-US" dirty="0"/>
+            </a:p>
+          </p:txBody>
+        </p:sp>
+        <p:sp>
+          <p:nvSpPr>
+            <p:cNvPr id="50" name="사각형: 둥근 모서리 49">
+              <a:extLst>
+                <a:ext uri="{FF2B5EF4-FFF2-40B4-BE49-F238E27FC236}">
+                  <a16:creationId xmlns:a16="http://schemas.microsoft.com/office/drawing/2014/main" id="{95635ADE-9FB9-4161-B441-501D5774BE0B}"/>
+                </a:ext>
+              </a:extLst>
+            </p:cNvPr>
+            <p:cNvSpPr/>
+            <p:nvPr/>
+          </p:nvSpPr>
+          <p:spPr>
+            <a:xfrm>
+              <a:off x="433199" y="1195522"/>
+              <a:ext cx="5991603" cy="318170"/>
+            </a:xfrm>
+            <a:prstGeom prst="roundRect">
+              <a:avLst/>
+            </a:prstGeom>
+            <a:solidFill>
+              <a:schemeClr val="bg2">
+                <a:lumMod val="50000"/>
+              </a:schemeClr>
+            </a:solidFill>
+            <a:ln>
+              <a:noFill/>
+            </a:ln>
+          </p:spPr>
+          <p:style>
+            <a:lnRef idx="2">
+              <a:schemeClr val="accent1">
+                <a:shade val="50000"/>
+              </a:schemeClr>
+            </a:lnRef>
+            <a:fillRef idx="1">
+              <a:schemeClr val="accent1"/>
+            </a:fillRef>
+            <a:effectRef idx="0">
+              <a:schemeClr val="accent1"/>
+            </a:effectRef>
+            <a:fontRef idx="minor">
+              <a:schemeClr val="lt1"/>
+            </a:fontRef>
+          </p:style>
+          <p:txBody>
+            <a:bodyPr rtlCol="0" anchor="ctr"/>
+            <a:lstStyle/>
+            <a:p>
+              <a:pPr algn="ctr"/>
+              <a:r>
+                <a:rPr lang="ko-KR" altLang="en-US" b="1" dirty="0">
+                  <a:latin typeface="메이플스토리" panose="02000300000000000000" pitchFamily="2" charset="-127"/>
+                  <a:ea typeface="메이플스토리" panose="02000300000000000000" pitchFamily="2" charset="-127"/>
+                </a:rPr>
+                <a:t>룸 규칙</a:t>
+              </a:r>
+            </a:p>
+          </p:txBody>
+        </p:sp>
+      </p:grpSp>
+      <p:sp>
+        <p:nvSpPr>
+          <p:cNvPr id="11" name="직사각형 10">
+            <a:extLst>
+              <a:ext uri="{FF2B5EF4-FFF2-40B4-BE49-F238E27FC236}">
+                <a16:creationId xmlns:a16="http://schemas.microsoft.com/office/drawing/2014/main" id="{FB72557A-8282-4C7B-8EFE-735F2A789930}"/>
+              </a:ext>
+            </a:extLst>
+          </p:cNvPr>
+          <p:cNvSpPr/>
+          <p:nvPr/>
+        </p:nvSpPr>
+        <p:spPr>
+          <a:xfrm>
+            <a:off x="2756733" y="33681"/>
+            <a:ext cx="1344535" cy="923330"/>
+          </a:xfrm>
+          <a:prstGeom prst="rect">
+            <a:avLst/>
+          </a:prstGeom>
+          <a:noFill/>
+        </p:spPr>
+        <p:txBody>
+          <a:bodyPr wrap="none" lIns="91440" tIns="45720" rIns="91440" bIns="45720">
+            <a:spAutoFit/>
+          </a:bodyPr>
+          <a:lstStyle/>
+          <a:p>
+            <a:pPr algn="ctr"/>
+            <a:r>
+              <a:rPr lang="en-US" altLang="ko-KR" sz="5400" b="1" cap="none" spc="0" dirty="0">
+                <a:ln w="0"/>
+                <a:solidFill>
+                  <a:schemeClr val="tx1"/>
+                </a:solidFill>
+                <a:latin typeface="+mj-ea"/>
+                <a:ea typeface="+mj-ea"/>
+              </a:rPr>
+              <a:t>WA</a:t>
+            </a:r>
+          </a:p>
+        </p:txBody>
+      </p:sp>
+      <p:sp>
+        <p:nvSpPr>
+          <p:cNvPr id="7" name="TextBox 6">
+            <a:extLst>
+              <a:ext uri="{FF2B5EF4-FFF2-40B4-BE49-F238E27FC236}">
+                <a16:creationId xmlns:a16="http://schemas.microsoft.com/office/drawing/2014/main" id="{0303DF18-0C83-4CE1-A6FF-74D4ABA7E9AA}"/>
+              </a:ext>
+            </a:extLst>
+          </p:cNvPr>
+          <p:cNvSpPr txBox="1"/>
+          <p:nvPr/>
+        </p:nvSpPr>
+        <p:spPr>
+          <a:xfrm>
+            <a:off x="280315" y="2034874"/>
+            <a:ext cx="6297381" cy="830997"/>
+          </a:xfrm>
+          <a:prstGeom prst="rect">
+            <a:avLst/>
+          </a:prstGeom>
+          <a:solidFill>
+            <a:schemeClr val="bg1">
+              <a:alpha val="20000"/>
+            </a:schemeClr>
+          </a:solidFill>
+        </p:spPr>
+        <p:txBody>
+          <a:bodyPr wrap="square" rtlCol="0">
+            <a:spAutoFit/>
+          </a:bodyPr>
+          <a:lstStyle/>
+          <a:p>
+            <a:pPr marL="285705" indent="-285705">
+              <a:buFontTx/>
+              <a:buChar char="-"/>
+            </a:pPr>
+            <a:r>
+              <a:rPr lang="ko-KR" altLang="en-US" sz="1600" b="1" dirty="0">
+                <a:latin typeface="HY그래픽M" panose="02030600000101010101" pitchFamily="18" charset="-127"/>
+                <a:ea typeface="HY그래픽M" panose="02030600000101010101" pitchFamily="18" charset="-127"/>
+              </a:rPr>
+              <a:t> 룸 하나에는 하나의 </a:t>
+            </a:r>
+            <a:r>
+              <a:rPr lang="ko-KR" altLang="en-US" sz="1600" b="1" dirty="0" err="1">
+                <a:solidFill>
+                  <a:schemeClr val="accent4"/>
+                </a:solidFill>
+                <a:latin typeface="HY그래픽M" panose="02030600000101010101" pitchFamily="18" charset="-127"/>
+                <a:ea typeface="HY그래픽M" panose="02030600000101010101" pitchFamily="18" charset="-127"/>
+              </a:rPr>
+              <a:t>리스폰포인트</a:t>
+            </a:r>
+            <a:r>
+              <a:rPr lang="ko-KR" altLang="en-US" sz="1600" b="1" dirty="0">
+                <a:latin typeface="HY그래픽M" panose="02030600000101010101" pitchFamily="18" charset="-127"/>
+                <a:ea typeface="HY그래픽M" panose="02030600000101010101" pitchFamily="18" charset="-127"/>
+              </a:rPr>
+              <a:t> 가 되는 장소가 있다</a:t>
+            </a:r>
+            <a:r>
+              <a:rPr lang="en-US" altLang="ko-KR" sz="1600" b="1" dirty="0">
+                <a:latin typeface="HY그래픽M" panose="02030600000101010101" pitchFamily="18" charset="-127"/>
+                <a:ea typeface="HY그래픽M" panose="02030600000101010101" pitchFamily="18" charset="-127"/>
+              </a:rPr>
+              <a:t>.</a:t>
+            </a:r>
+          </a:p>
+          <a:p>
+            <a:pPr marL="285705" indent="-285705">
+              <a:buFontTx/>
+              <a:buChar char="-"/>
+            </a:pPr>
+            <a:endParaRPr lang="en-US" altLang="ko-KR" sz="1600" b="1" dirty="0">
+              <a:latin typeface="HY그래픽M" panose="02030600000101010101" pitchFamily="18" charset="-127"/>
+              <a:ea typeface="HY그래픽M" panose="02030600000101010101" pitchFamily="18" charset="-127"/>
+            </a:endParaRPr>
+          </a:p>
+          <a:p>
+            <a:pPr marL="285705" indent="-285705">
+              <a:buFontTx/>
+              <a:buChar char="-"/>
+            </a:pPr>
+            <a:r>
+              <a:rPr lang="en-US" altLang="ko-KR" sz="1600" b="1" dirty="0">
+                <a:latin typeface="HY그래픽M" panose="02030600000101010101" pitchFamily="18" charset="-127"/>
+                <a:ea typeface="HY그래픽M" panose="02030600000101010101" pitchFamily="18" charset="-127"/>
+              </a:rPr>
+              <a:t> </a:t>
+            </a:r>
+          </a:p>
+        </p:txBody>
+      </p:sp>
+    </p:spTree>
+    <p:extLst>
+      <p:ext uri="{BB962C8B-B14F-4D97-AF65-F5344CB8AC3E}">
+        <p14:creationId xmlns:p14="http://schemas.microsoft.com/office/powerpoint/2010/main" val="61941023"/>
+      </p:ext>
+    </p:extLst>
+  </p:cSld>
+  <p:clrMapOvr>
+    <a:masterClrMapping/>
+  </p:clrMapOvr>
+</p:sld>
+</file>
+
+<file path=ppt/slides/slide5.xml><?xml version="1.0" encoding="utf-8"?>
 <p:sld xmlns:a="http://schemas.openxmlformats.org/drawingml/2006/main" xmlns:r="http://schemas.openxmlformats.org/officeDocument/2006/relationships" xmlns:p="http://schemas.openxmlformats.org/presentationml/2006/main">
   <p:cSld>
     <p:spTree>
@@ -4820,10 +5177,10 @@
       </p:grpSp>
       <p:sp>
         <p:nvSpPr>
-          <p:cNvPr id="11" name="직사각형 10">
+          <p:cNvPr id="30" name="직사각형 29">
             <a:extLst>
               <a:ext uri="{FF2B5EF4-FFF2-40B4-BE49-F238E27FC236}">
-                <a16:creationId xmlns:a16="http://schemas.microsoft.com/office/drawing/2014/main" id="{FB72557A-8282-4C7B-8EFE-735F2A789930}"/>
+                <a16:creationId xmlns:a16="http://schemas.microsoft.com/office/drawing/2014/main" id="{CE6D56EF-766C-42D8-AD05-0F89A2126FDE}"/>
               </a:ext>
             </a:extLst>
           </p:cNvPr>
@@ -4864,7 +5221,7 @@
     </p:spTree>
     <p:extLst>
       <p:ext uri="{BB962C8B-B14F-4D97-AF65-F5344CB8AC3E}">
-        <p14:creationId xmlns:p14="http://schemas.microsoft.com/office/powerpoint/2010/main" val="61941023"/>
+        <p14:creationId xmlns:p14="http://schemas.microsoft.com/office/powerpoint/2010/main" val="3404595132"/>
       </p:ext>
     </p:extLst>
   </p:cSld>
@@ -4874,7 +5231,7 @@
 </p:sld>
 </file>
 
-<file path=ppt/slides/slide5.xml><?xml version="1.0" encoding="utf-8"?>
+<file path=ppt/slides/slide6.xml><?xml version="1.0" encoding="utf-8"?>
 <p:sld xmlns:a="http://schemas.openxmlformats.org/drawingml/2006/main" xmlns:r="http://schemas.openxmlformats.org/officeDocument/2006/relationships" xmlns:p="http://schemas.openxmlformats.org/presentationml/2006/main">
   <p:cSld>
     <p:spTree>
@@ -5074,7 +5431,7 @@
                   <a:latin typeface="메이플스토리" panose="02000300000000000000" pitchFamily="2" charset="-127"/>
                   <a:ea typeface="메이플스토리" panose="02000300000000000000" pitchFamily="2" charset="-127"/>
                 </a:rPr>
-                <a:t>플레이어에게 보이는 룸 시야</a:t>
+                <a:t>룸 이동</a:t>
               </a:r>
             </a:p>
           </p:txBody>
@@ -5127,6 +5484,268 @@
     <p:extLst>
       <p:ext uri="{BB962C8B-B14F-4D97-AF65-F5344CB8AC3E}">
         <p14:creationId xmlns:p14="http://schemas.microsoft.com/office/powerpoint/2010/main" val="2781172530"/>
+      </p:ext>
+    </p:extLst>
+  </p:cSld>
+  <p:clrMapOvr>
+    <a:masterClrMapping/>
+  </p:clrMapOvr>
+</p:sld>
+</file>
+
+<file path=ppt/slides/slide7.xml><?xml version="1.0" encoding="utf-8"?>
+<p:sld xmlns:a="http://schemas.openxmlformats.org/drawingml/2006/main" xmlns:r="http://schemas.openxmlformats.org/officeDocument/2006/relationships" xmlns:p="http://schemas.openxmlformats.org/presentationml/2006/main">
+  <p:cSld>
+    <p:spTree>
+      <p:nvGrpSpPr>
+        <p:cNvPr id="1" name=""/>
+        <p:cNvGrpSpPr/>
+        <p:nvPr/>
+      </p:nvGrpSpPr>
+      <p:grpSpPr>
+        <a:xfrm>
+          <a:off x="0" y="0"/>
+          <a:ext cx="0" cy="0"/>
+          <a:chOff x="0" y="0"/>
+          <a:chExt cx="0" cy="0"/>
+        </a:xfrm>
+      </p:grpSpPr>
+      <p:sp>
+        <p:nvSpPr>
+          <p:cNvPr id="31" name="직사각형 30">
+            <a:extLst>
+              <a:ext uri="{FF2B5EF4-FFF2-40B4-BE49-F238E27FC236}">
+                <a16:creationId xmlns:a16="http://schemas.microsoft.com/office/drawing/2014/main" id="{408EFC51-8FFE-4ADF-89E4-7E6457F42BE2}"/>
+              </a:ext>
+            </a:extLst>
+          </p:cNvPr>
+          <p:cNvSpPr/>
+          <p:nvPr/>
+        </p:nvSpPr>
+        <p:spPr>
+          <a:xfrm>
+            <a:off x="5" y="1125001"/>
+            <a:ext cx="6876481" cy="8781003"/>
+          </a:xfrm>
+          <a:prstGeom prst="rect">
+            <a:avLst/>
+          </a:prstGeom>
+          <a:solidFill>
+            <a:schemeClr val="bg2">
+              <a:lumMod val="25000"/>
+            </a:schemeClr>
+          </a:solidFill>
+          <a:ln>
+            <a:noFill/>
+          </a:ln>
+        </p:spPr>
+        <p:style>
+          <a:lnRef idx="2">
+            <a:schemeClr val="accent1">
+              <a:shade val="50000"/>
+            </a:schemeClr>
+          </a:lnRef>
+          <a:fillRef idx="1">
+            <a:schemeClr val="accent1"/>
+          </a:fillRef>
+          <a:effectRef idx="0">
+            <a:schemeClr val="accent1"/>
+          </a:effectRef>
+          <a:fontRef idx="minor">
+            <a:schemeClr val="lt1"/>
+          </a:fontRef>
+        </p:style>
+        <p:txBody>
+          <a:bodyPr rtlCol="0" anchor="ctr"/>
+          <a:lstStyle/>
+          <a:p>
+            <a:pPr algn="ctr"/>
+            <a:endParaRPr lang="ko-KR" altLang="en-US" dirty="0"/>
+          </a:p>
+        </p:txBody>
+      </p:sp>
+      <p:grpSp>
+        <p:nvGrpSpPr>
+          <p:cNvPr id="48" name="그룹 47">
+            <a:extLst>
+              <a:ext uri="{FF2B5EF4-FFF2-40B4-BE49-F238E27FC236}">
+                <a16:creationId xmlns:a16="http://schemas.microsoft.com/office/drawing/2014/main" id="{5F81BAD5-5816-4FCF-8474-BB3D63A02951}"/>
+              </a:ext>
+            </a:extLst>
+          </p:cNvPr>
+          <p:cNvGrpSpPr/>
+          <p:nvPr/>
+        </p:nvGrpSpPr>
+        <p:grpSpPr>
+          <a:xfrm>
+            <a:off x="0" y="1046534"/>
+            <a:ext cx="6876480" cy="455116"/>
+            <a:chOff x="121920" y="1124997"/>
+            <a:chExt cx="6614160" cy="455116"/>
+          </a:xfrm>
+        </p:grpSpPr>
+        <p:sp>
+          <p:nvSpPr>
+            <p:cNvPr id="49" name="사각형: 둥근 모서리 48">
+              <a:extLst>
+                <a:ext uri="{FF2B5EF4-FFF2-40B4-BE49-F238E27FC236}">
+                  <a16:creationId xmlns:a16="http://schemas.microsoft.com/office/drawing/2014/main" id="{38110464-CEF5-4BD1-BE78-BECC49E498AB}"/>
+                </a:ext>
+              </a:extLst>
+            </p:cNvPr>
+            <p:cNvSpPr/>
+            <p:nvPr/>
+          </p:nvSpPr>
+          <p:spPr>
+            <a:xfrm>
+              <a:off x="121920" y="1124997"/>
+              <a:ext cx="6614160" cy="455116"/>
+            </a:xfrm>
+            <a:prstGeom prst="roundRect">
+              <a:avLst/>
+            </a:prstGeom>
+            <a:solidFill>
+              <a:schemeClr val="bg2">
+                <a:lumMod val="75000"/>
+              </a:schemeClr>
+            </a:solidFill>
+            <a:ln>
+              <a:noFill/>
+            </a:ln>
+          </p:spPr>
+          <p:style>
+            <a:lnRef idx="2">
+              <a:schemeClr val="accent1">
+                <a:shade val="50000"/>
+              </a:schemeClr>
+            </a:lnRef>
+            <a:fillRef idx="1">
+              <a:schemeClr val="accent1"/>
+            </a:fillRef>
+            <a:effectRef idx="0">
+              <a:schemeClr val="accent1"/>
+            </a:effectRef>
+            <a:fontRef idx="minor">
+              <a:schemeClr val="lt1"/>
+            </a:fontRef>
+          </p:style>
+          <p:txBody>
+            <a:bodyPr rtlCol="0" anchor="ctr"/>
+            <a:lstStyle/>
+            <a:p>
+              <a:pPr algn="ctr"/>
+              <a:endParaRPr lang="ko-KR" altLang="en-US" dirty="0"/>
+            </a:p>
+          </p:txBody>
+        </p:sp>
+        <p:sp>
+          <p:nvSpPr>
+            <p:cNvPr id="50" name="사각형: 둥근 모서리 49">
+              <a:extLst>
+                <a:ext uri="{FF2B5EF4-FFF2-40B4-BE49-F238E27FC236}">
+                  <a16:creationId xmlns:a16="http://schemas.microsoft.com/office/drawing/2014/main" id="{95635ADE-9FB9-4161-B441-501D5774BE0B}"/>
+                </a:ext>
+              </a:extLst>
+            </p:cNvPr>
+            <p:cNvSpPr/>
+            <p:nvPr/>
+          </p:nvSpPr>
+          <p:spPr>
+            <a:xfrm>
+              <a:off x="433199" y="1195522"/>
+              <a:ext cx="5991603" cy="318170"/>
+            </a:xfrm>
+            <a:prstGeom prst="roundRect">
+              <a:avLst/>
+            </a:prstGeom>
+            <a:solidFill>
+              <a:schemeClr val="bg2">
+                <a:lumMod val="50000"/>
+              </a:schemeClr>
+            </a:solidFill>
+            <a:ln>
+              <a:noFill/>
+            </a:ln>
+          </p:spPr>
+          <p:style>
+            <a:lnRef idx="2">
+              <a:schemeClr val="accent1">
+                <a:shade val="50000"/>
+              </a:schemeClr>
+            </a:lnRef>
+            <a:fillRef idx="1">
+              <a:schemeClr val="accent1"/>
+            </a:fillRef>
+            <a:effectRef idx="0">
+              <a:schemeClr val="accent1"/>
+            </a:effectRef>
+            <a:fontRef idx="minor">
+              <a:schemeClr val="lt1"/>
+            </a:fontRef>
+          </p:style>
+          <p:txBody>
+            <a:bodyPr rtlCol="0" anchor="ctr"/>
+            <a:lstStyle/>
+            <a:p>
+              <a:pPr algn="ctr"/>
+              <a:r>
+                <a:rPr lang="ko-KR" altLang="en-US" b="1" dirty="0">
+                  <a:latin typeface="메이플스토리" panose="02000300000000000000" pitchFamily="2" charset="-127"/>
+                  <a:ea typeface="메이플스토리" panose="02000300000000000000" pitchFamily="2" charset="-127"/>
+                </a:rPr>
+                <a:t>룸 시야</a:t>
+              </a:r>
+            </a:p>
+          </p:txBody>
+        </p:sp>
+      </p:grpSp>
+      <p:sp>
+        <p:nvSpPr>
+          <p:cNvPr id="30" name="직사각형 29">
+            <a:extLst>
+              <a:ext uri="{FF2B5EF4-FFF2-40B4-BE49-F238E27FC236}">
+                <a16:creationId xmlns:a16="http://schemas.microsoft.com/office/drawing/2014/main" id="{CE6D56EF-766C-42D8-AD05-0F89A2126FDE}"/>
+              </a:ext>
+            </a:extLst>
+          </p:cNvPr>
+          <p:cNvSpPr/>
+          <p:nvPr/>
+        </p:nvSpPr>
+        <p:spPr>
+          <a:xfrm>
+            <a:off x="2756733" y="33681"/>
+            <a:ext cx="1344535" cy="923330"/>
+          </a:xfrm>
+          <a:prstGeom prst="rect">
+            <a:avLst/>
+          </a:prstGeom>
+          <a:noFill/>
+        </p:spPr>
+        <p:txBody>
+          <a:bodyPr wrap="none" lIns="91440" tIns="45720" rIns="91440" bIns="45720">
+            <a:spAutoFit/>
+          </a:bodyPr>
+          <a:lstStyle/>
+          <a:p>
+            <a:pPr algn="ctr"/>
+            <a:r>
+              <a:rPr lang="en-US" altLang="ko-KR" sz="5400" b="1" cap="none" spc="0" dirty="0">
+                <a:ln w="0"/>
+                <a:solidFill>
+                  <a:schemeClr val="tx1"/>
+                </a:solidFill>
+                <a:latin typeface="+mj-ea"/>
+                <a:ea typeface="+mj-ea"/>
+              </a:rPr>
+              <a:t>WA</a:t>
+            </a:r>
+          </a:p>
+        </p:txBody>
+      </p:sp>
+    </p:spTree>
+    <p:extLst>
+      <p:ext uri="{BB962C8B-B14F-4D97-AF65-F5344CB8AC3E}">
+        <p14:creationId xmlns:p14="http://schemas.microsoft.com/office/powerpoint/2010/main" val="88296258"/>
       </p:ext>
     </p:extLst>
   </p:cSld>

--- a/기획서/신버전/룸 시스템.pptx
+++ b/기획서/신버전/룸 시스템.pptx
@@ -218,7 +218,7 @@
           <a:p>
             <a:fld id="{D686C50E-113A-4B4A-8A5C-9EE1E9DBA064}" type="datetimeFigureOut">
               <a:rPr lang="ko-KR" altLang="en-US" smtClean="0"/>
-              <a:t>2021-03-30</a:t>
+              <a:t>2021-04-02</a:t>
             </a:fld>
             <a:endParaRPr lang="ko-KR" altLang="en-US" dirty="0"/>
           </a:p>
@@ -395,7 +395,7 @@
           <a:p>
             <a:fld id="{40EC3B2E-CA71-40FC-A78E-FA212ABD0BB7}" type="datetimeFigureOut">
               <a:rPr lang="ko-KR" altLang="en-US" smtClean="0"/>
-              <a:t>2021-03-30</a:t>
+              <a:t>2021-04-02</a:t>
             </a:fld>
             <a:endParaRPr lang="ko-KR" altLang="en-US" dirty="0"/>
           </a:p>
@@ -793,7 +793,7 @@
           <a:p>
             <a:fld id="{F8CAAD71-D53C-4447-AAA3-BC9075A67E69}" type="datetimeFigureOut">
               <a:rPr lang="ko-KR" altLang="en-US" smtClean="0"/>
-              <a:t>2021-03-30</a:t>
+              <a:t>2021-04-02</a:t>
             </a:fld>
             <a:endParaRPr lang="ko-KR" altLang="en-US" dirty="0"/>
           </a:p>
@@ -963,7 +963,7 @@
           <a:p>
             <a:fld id="{F8CAAD71-D53C-4447-AAA3-BC9075A67E69}" type="datetimeFigureOut">
               <a:rPr lang="ko-KR" altLang="en-US" smtClean="0"/>
-              <a:t>2021-03-30</a:t>
+              <a:t>2021-04-02</a:t>
             </a:fld>
             <a:endParaRPr lang="ko-KR" altLang="en-US" dirty="0"/>
           </a:p>
@@ -1143,7 +1143,7 @@
           <a:p>
             <a:fld id="{F8CAAD71-D53C-4447-AAA3-BC9075A67E69}" type="datetimeFigureOut">
               <a:rPr lang="ko-KR" altLang="en-US" smtClean="0"/>
-              <a:t>2021-03-30</a:t>
+              <a:t>2021-04-02</a:t>
             </a:fld>
             <a:endParaRPr lang="ko-KR" altLang="en-US" dirty="0"/>
           </a:p>
@@ -1313,7 +1313,7 @@
           <a:p>
             <a:fld id="{F8CAAD71-D53C-4447-AAA3-BC9075A67E69}" type="datetimeFigureOut">
               <a:rPr lang="ko-KR" altLang="en-US" smtClean="0"/>
-              <a:t>2021-03-30</a:t>
+              <a:t>2021-04-02</a:t>
             </a:fld>
             <a:endParaRPr lang="ko-KR" altLang="en-US" dirty="0"/>
           </a:p>
@@ -1557,7 +1557,7 @@
           <a:p>
             <a:fld id="{F8CAAD71-D53C-4447-AAA3-BC9075A67E69}" type="datetimeFigureOut">
               <a:rPr lang="ko-KR" altLang="en-US" smtClean="0"/>
-              <a:t>2021-03-30</a:t>
+              <a:t>2021-04-02</a:t>
             </a:fld>
             <a:endParaRPr lang="ko-KR" altLang="en-US" dirty="0"/>
           </a:p>
@@ -1789,7 +1789,7 @@
           <a:p>
             <a:fld id="{F8CAAD71-D53C-4447-AAA3-BC9075A67E69}" type="datetimeFigureOut">
               <a:rPr lang="ko-KR" altLang="en-US" smtClean="0"/>
-              <a:t>2021-03-30</a:t>
+              <a:t>2021-04-02</a:t>
             </a:fld>
             <a:endParaRPr lang="ko-KR" altLang="en-US" dirty="0"/>
           </a:p>
@@ -2156,7 +2156,7 @@
           <a:p>
             <a:fld id="{F8CAAD71-D53C-4447-AAA3-BC9075A67E69}" type="datetimeFigureOut">
               <a:rPr lang="ko-KR" altLang="en-US" smtClean="0"/>
-              <a:t>2021-03-30</a:t>
+              <a:t>2021-04-02</a:t>
             </a:fld>
             <a:endParaRPr lang="ko-KR" altLang="en-US" dirty="0"/>
           </a:p>
@@ -2274,7 +2274,7 @@
           <a:p>
             <a:fld id="{F8CAAD71-D53C-4447-AAA3-BC9075A67E69}" type="datetimeFigureOut">
               <a:rPr lang="ko-KR" altLang="en-US" smtClean="0"/>
-              <a:t>2021-03-30</a:t>
+              <a:t>2021-04-02</a:t>
             </a:fld>
             <a:endParaRPr lang="ko-KR" altLang="en-US" dirty="0"/>
           </a:p>
@@ -2369,7 +2369,7 @@
           <a:p>
             <a:fld id="{F8CAAD71-D53C-4447-AAA3-BC9075A67E69}" type="datetimeFigureOut">
               <a:rPr lang="ko-KR" altLang="en-US" smtClean="0"/>
-              <a:t>2021-03-30</a:t>
+              <a:t>2021-04-02</a:t>
             </a:fld>
             <a:endParaRPr lang="ko-KR" altLang="en-US" dirty="0"/>
           </a:p>
@@ -2646,7 +2646,7 @@
           <a:p>
             <a:fld id="{F8CAAD71-D53C-4447-AAA3-BC9075A67E69}" type="datetimeFigureOut">
               <a:rPr lang="ko-KR" altLang="en-US" smtClean="0"/>
-              <a:t>2021-03-30</a:t>
+              <a:t>2021-04-02</a:t>
             </a:fld>
             <a:endParaRPr lang="ko-KR" altLang="en-US" dirty="0"/>
           </a:p>
@@ -2903,7 +2903,7 @@
           <a:p>
             <a:fld id="{F8CAAD71-D53C-4447-AAA3-BC9075A67E69}" type="datetimeFigureOut">
               <a:rPr lang="ko-KR" altLang="en-US" smtClean="0"/>
-              <a:t>2021-03-30</a:t>
+              <a:t>2021-04-02</a:t>
             </a:fld>
             <a:endParaRPr lang="ko-KR" altLang="en-US" dirty="0"/>
           </a:p>
@@ -3116,7 +3116,7 @@
           <a:p>
             <a:fld id="{F8CAAD71-D53C-4447-AAA3-BC9075A67E69}" type="datetimeFigureOut">
               <a:rPr lang="ko-KR" altLang="en-US" smtClean="0"/>
-              <a:t>2021-03-30</a:t>
+              <a:t>2021-04-02</a:t>
             </a:fld>
             <a:endParaRPr lang="ko-KR" altLang="en-US" dirty="0"/>
           </a:p>

--- a/기획서/신버전/룸 시스템.pptx
+++ b/기획서/신버전/룸 시스템.pptx
@@ -2,24 +2,22 @@
 <file path=ppt/presentation.xml><?xml version="1.0" encoding="utf-8"?>
 <p:presentation xmlns:a="http://schemas.openxmlformats.org/drawingml/2006/main" xmlns:r="http://schemas.openxmlformats.org/officeDocument/2006/relationships" xmlns:p="http://schemas.openxmlformats.org/presentationml/2006/main" saveSubsetFonts="1">
   <p:sldMasterIdLst>
-    <p:sldMasterId id="2147483660" r:id="rId1"/>
+    <p:sldMasterId id="2147483684" r:id="rId1"/>
   </p:sldMasterIdLst>
   <p:notesMasterIdLst>
-    <p:notesMasterId r:id="rId9"/>
+    <p:notesMasterId r:id="rId7"/>
   </p:notesMasterIdLst>
   <p:handoutMasterIdLst>
-    <p:handoutMasterId r:id="rId10"/>
+    <p:handoutMasterId r:id="rId8"/>
   </p:handoutMasterIdLst>
   <p:sldIdLst>
     <p:sldId id="256" r:id="rId2"/>
     <p:sldId id="257" r:id="rId3"/>
     <p:sldId id="258" r:id="rId4"/>
     <p:sldId id="260" r:id="rId5"/>
-    <p:sldId id="265" r:id="rId6"/>
-    <p:sldId id="263" r:id="rId7"/>
-    <p:sldId id="264" r:id="rId8"/>
+    <p:sldId id="261" r:id="rId6"/>
   </p:sldIdLst>
-  <p:sldSz cx="6858000" cy="9906000" type="A4"/>
+  <p:sldSz cx="17610138" cy="9906000"/>
   <p:notesSz cx="6858000" cy="9144000"/>
   <p:defaultTextStyle>
     <a:defPPr>
@@ -218,7 +216,7 @@
           <a:p>
             <a:fld id="{D686C50E-113A-4B4A-8A5C-9EE1E9DBA064}" type="datetimeFigureOut">
               <a:rPr lang="ko-KR" altLang="en-US" smtClean="0"/>
-              <a:t>2021-04-02</a:t>
+              <a:t>2021-04-04</a:t>
             </a:fld>
             <a:endParaRPr lang="ko-KR" altLang="en-US" dirty="0"/>
           </a:p>
@@ -395,7 +393,7 @@
           <a:p>
             <a:fld id="{40EC3B2E-CA71-40FC-A78E-FA212ABD0BB7}" type="datetimeFigureOut">
               <a:rPr lang="ko-KR" altLang="en-US" smtClean="0"/>
-              <a:t>2021-04-02</a:t>
+              <a:t>2021-04-03</a:t>
             </a:fld>
             <a:endParaRPr lang="ko-KR" altLang="en-US" dirty="0"/>
           </a:p>
@@ -413,8 +411,8 @@
         </p:nvSpPr>
         <p:spPr>
           <a:xfrm>
-            <a:off x="2360613" y="1143000"/>
-            <a:ext cx="2136775" cy="3086100"/>
+            <a:off x="687388" y="1143000"/>
+            <a:ext cx="5483225" cy="3086100"/>
           </a:xfrm>
           <a:prstGeom prst="rect">
             <a:avLst/>
@@ -691,15 +689,15 @@
         </p:nvSpPr>
         <p:spPr>
           <a:xfrm>
-            <a:off x="514350" y="1621191"/>
-            <a:ext cx="5829300" cy="3448756"/>
+            <a:off x="2201267" y="1621191"/>
+            <a:ext cx="13207604" cy="3448756"/>
           </a:xfrm>
         </p:spPr>
         <p:txBody>
           <a:bodyPr anchor="b"/>
           <a:lstStyle>
             <a:lvl1pPr algn="ctr">
-              <a:defRPr sz="4499"/>
+              <a:defRPr sz="8666"/>
             </a:lvl1pPr>
           </a:lstStyle>
           <a:p>
@@ -723,8 +721,8 @@
         </p:nvSpPr>
         <p:spPr>
           <a:xfrm>
-            <a:off x="857250" y="5202944"/>
-            <a:ext cx="5143500" cy="2391656"/>
+            <a:off x="2201267" y="5202944"/>
+            <a:ext cx="13207604" cy="2391656"/>
           </a:xfrm>
         </p:spPr>
         <p:txBody>
@@ -732,39 +730,39 @@
           <a:lstStyle>
             <a:lvl1pPr marL="0" indent="0" algn="ctr">
               <a:buNone/>
-              <a:defRPr sz="1800"/>
+              <a:defRPr sz="3467"/>
             </a:lvl1pPr>
-            <a:lvl2pPr marL="342846" indent="0" algn="ctr">
+            <a:lvl2pPr marL="660380" indent="0" algn="ctr">
               <a:buNone/>
-              <a:defRPr sz="1499"/>
+              <a:defRPr sz="2889"/>
             </a:lvl2pPr>
-            <a:lvl3pPr marL="685692" indent="0" algn="ctr">
+            <a:lvl3pPr marL="1320759" indent="0" algn="ctr">
               <a:buNone/>
-              <a:defRPr sz="1351"/>
+              <a:defRPr sz="2600"/>
             </a:lvl3pPr>
-            <a:lvl4pPr marL="1028539" indent="0" algn="ctr">
+            <a:lvl4pPr marL="1981139" indent="0" algn="ctr">
               <a:buNone/>
-              <a:defRPr sz="1200"/>
+              <a:defRPr sz="2311"/>
             </a:lvl4pPr>
-            <a:lvl5pPr marL="1371385" indent="0" algn="ctr">
+            <a:lvl5pPr marL="2641519" indent="0" algn="ctr">
               <a:buNone/>
-              <a:defRPr sz="1200"/>
+              <a:defRPr sz="2311"/>
             </a:lvl5pPr>
-            <a:lvl6pPr marL="1714231" indent="0" algn="ctr">
+            <a:lvl6pPr marL="3301898" indent="0" algn="ctr">
               <a:buNone/>
-              <a:defRPr sz="1200"/>
+              <a:defRPr sz="2311"/>
             </a:lvl6pPr>
-            <a:lvl7pPr marL="2057078" indent="0" algn="ctr">
+            <a:lvl7pPr marL="3962278" indent="0" algn="ctr">
               <a:buNone/>
-              <a:defRPr sz="1200"/>
+              <a:defRPr sz="2311"/>
             </a:lvl7pPr>
-            <a:lvl8pPr marL="2399924" indent="0" algn="ctr">
+            <a:lvl8pPr marL="4622658" indent="0" algn="ctr">
               <a:buNone/>
-              <a:defRPr sz="1200"/>
+              <a:defRPr sz="2311"/>
             </a:lvl8pPr>
-            <a:lvl9pPr marL="2742770" indent="0" algn="ctr">
+            <a:lvl9pPr marL="5283037" indent="0" algn="ctr">
               <a:buNone/>
-              <a:defRPr sz="1200"/>
+              <a:defRPr sz="2311"/>
             </a:lvl9pPr>
           </a:lstStyle>
           <a:p>
@@ -793,7 +791,7 @@
           <a:p>
             <a:fld id="{F8CAAD71-D53C-4447-AAA3-BC9075A67E69}" type="datetimeFigureOut">
               <a:rPr lang="ko-KR" altLang="en-US" smtClean="0"/>
-              <a:t>2021-04-02</a:t>
+              <a:t>2021-04-03</a:t>
             </a:fld>
             <a:endParaRPr lang="ko-KR" altLang="en-US" dirty="0"/>
           </a:p>
@@ -844,7 +842,7 @@
     </p:spTree>
     <p:extLst>
       <p:ext uri="{BB962C8B-B14F-4D97-AF65-F5344CB8AC3E}">
-        <p14:creationId xmlns:p14="http://schemas.microsoft.com/office/powerpoint/2010/main" val="1634753437"/>
+        <p14:creationId xmlns:p14="http://schemas.microsoft.com/office/powerpoint/2010/main" val="192155579"/>
       </p:ext>
     </p:extLst>
   </p:cSld>
@@ -963,7 +961,7 @@
           <a:p>
             <a:fld id="{F8CAAD71-D53C-4447-AAA3-BC9075A67E69}" type="datetimeFigureOut">
               <a:rPr lang="ko-KR" altLang="en-US" smtClean="0"/>
-              <a:t>2021-04-02</a:t>
+              <a:t>2021-04-03</a:t>
             </a:fld>
             <a:endParaRPr lang="ko-KR" altLang="en-US" dirty="0"/>
           </a:p>
@@ -1014,7 +1012,7 @@
     </p:spTree>
     <p:extLst>
       <p:ext uri="{BB962C8B-B14F-4D97-AF65-F5344CB8AC3E}">
-        <p14:creationId xmlns:p14="http://schemas.microsoft.com/office/powerpoint/2010/main" val="391548444"/>
+        <p14:creationId xmlns:p14="http://schemas.microsoft.com/office/powerpoint/2010/main" val="1786799458"/>
       </p:ext>
     </p:extLst>
   </p:cSld>
@@ -1053,8 +1051,8 @@
         </p:nvSpPr>
         <p:spPr>
           <a:xfrm>
-            <a:off x="4907757" y="527407"/>
-            <a:ext cx="1478756" cy="8394877"/>
+            <a:off x="12602255" y="527403"/>
+            <a:ext cx="3797186" cy="8394877"/>
           </a:xfrm>
         </p:spPr>
         <p:txBody>
@@ -1081,8 +1079,8 @@
         </p:nvSpPr>
         <p:spPr>
           <a:xfrm>
-            <a:off x="471488" y="527407"/>
-            <a:ext cx="4350544" cy="8394877"/>
+            <a:off x="1210697" y="527403"/>
+            <a:ext cx="11171431" cy="8394877"/>
           </a:xfrm>
         </p:spPr>
         <p:txBody>
@@ -1143,7 +1141,7 @@
           <a:p>
             <a:fld id="{F8CAAD71-D53C-4447-AAA3-BC9075A67E69}" type="datetimeFigureOut">
               <a:rPr lang="ko-KR" altLang="en-US" smtClean="0"/>
-              <a:t>2021-04-02</a:t>
+              <a:t>2021-04-03</a:t>
             </a:fld>
             <a:endParaRPr lang="ko-KR" altLang="en-US" dirty="0"/>
           </a:p>
@@ -1194,7 +1192,7 @@
     </p:spTree>
     <p:extLst>
       <p:ext uri="{BB962C8B-B14F-4D97-AF65-F5344CB8AC3E}">
-        <p14:creationId xmlns:p14="http://schemas.microsoft.com/office/powerpoint/2010/main" val="505922702"/>
+        <p14:creationId xmlns:p14="http://schemas.microsoft.com/office/powerpoint/2010/main" val="93788668"/>
       </p:ext>
     </p:extLst>
   </p:cSld>
@@ -1313,7 +1311,7 @@
           <a:p>
             <a:fld id="{F8CAAD71-D53C-4447-AAA3-BC9075A67E69}" type="datetimeFigureOut">
               <a:rPr lang="ko-KR" altLang="en-US" smtClean="0"/>
-              <a:t>2021-04-02</a:t>
+              <a:t>2021-04-03</a:t>
             </a:fld>
             <a:endParaRPr lang="ko-KR" altLang="en-US" dirty="0"/>
           </a:p>
@@ -1364,7 +1362,7 @@
     </p:spTree>
     <p:extLst>
       <p:ext uri="{BB962C8B-B14F-4D97-AF65-F5344CB8AC3E}">
-        <p14:creationId xmlns:p14="http://schemas.microsoft.com/office/powerpoint/2010/main" val="2990589748"/>
+        <p14:creationId xmlns:p14="http://schemas.microsoft.com/office/powerpoint/2010/main" val="425656059"/>
       </p:ext>
     </p:extLst>
   </p:cSld>
@@ -1403,15 +1401,15 @@
         </p:nvSpPr>
         <p:spPr>
           <a:xfrm>
-            <a:off x="467918" y="2469625"/>
-            <a:ext cx="5915025" cy="4120620"/>
+            <a:off x="1201525" y="2469622"/>
+            <a:ext cx="15188744" cy="4120620"/>
           </a:xfrm>
         </p:spPr>
         <p:txBody>
           <a:bodyPr anchor="b"/>
           <a:lstStyle>
             <a:lvl1pPr>
-              <a:defRPr sz="4499"/>
+              <a:defRPr sz="8666"/>
             </a:lvl1pPr>
           </a:lstStyle>
           <a:p>
@@ -1435,8 +1433,8 @@
         </p:nvSpPr>
         <p:spPr>
           <a:xfrm>
-            <a:off x="467918" y="6629232"/>
-            <a:ext cx="5915025" cy="2166937"/>
+            <a:off x="1201525" y="6629225"/>
+            <a:ext cx="15188744" cy="2166937"/>
           </a:xfrm>
         </p:spPr>
         <p:txBody>
@@ -1444,15 +1442,17 @@
           <a:lstStyle>
             <a:lvl1pPr marL="0" indent="0">
               <a:buNone/>
-              <a:defRPr sz="1800">
+              <a:defRPr sz="3467">
                 <a:solidFill>
-                  <a:schemeClr val="tx1"/>
+                  <a:schemeClr val="tx1">
+                    <a:tint val="75000"/>
+                  </a:schemeClr>
                 </a:solidFill>
               </a:defRPr>
             </a:lvl1pPr>
-            <a:lvl2pPr marL="342846" indent="0">
+            <a:lvl2pPr marL="660380" indent="0">
               <a:buNone/>
-              <a:defRPr sz="1499">
+              <a:defRPr sz="2889">
                 <a:solidFill>
                   <a:schemeClr val="tx1">
                     <a:tint val="75000"/>
@@ -1460,9 +1460,9 @@
                 </a:solidFill>
               </a:defRPr>
             </a:lvl2pPr>
-            <a:lvl3pPr marL="685692" indent="0">
+            <a:lvl3pPr marL="1320759" indent="0">
               <a:buNone/>
-              <a:defRPr sz="1351">
+              <a:defRPr sz="2600">
                 <a:solidFill>
                   <a:schemeClr val="tx1">
                     <a:tint val="75000"/>
@@ -1470,9 +1470,9 @@
                 </a:solidFill>
               </a:defRPr>
             </a:lvl3pPr>
-            <a:lvl4pPr marL="1028539" indent="0">
+            <a:lvl4pPr marL="1981139" indent="0">
               <a:buNone/>
-              <a:defRPr sz="1200">
+              <a:defRPr sz="2311">
                 <a:solidFill>
                   <a:schemeClr val="tx1">
                     <a:tint val="75000"/>
@@ -1480,9 +1480,9 @@
                 </a:solidFill>
               </a:defRPr>
             </a:lvl4pPr>
-            <a:lvl5pPr marL="1371385" indent="0">
+            <a:lvl5pPr marL="2641519" indent="0">
               <a:buNone/>
-              <a:defRPr sz="1200">
+              <a:defRPr sz="2311">
                 <a:solidFill>
                   <a:schemeClr val="tx1">
                     <a:tint val="75000"/>
@@ -1490,9 +1490,9 @@
                 </a:solidFill>
               </a:defRPr>
             </a:lvl5pPr>
-            <a:lvl6pPr marL="1714231" indent="0">
+            <a:lvl6pPr marL="3301898" indent="0">
               <a:buNone/>
-              <a:defRPr sz="1200">
+              <a:defRPr sz="2311">
                 <a:solidFill>
                   <a:schemeClr val="tx1">
                     <a:tint val="75000"/>
@@ -1500,9 +1500,9 @@
                 </a:solidFill>
               </a:defRPr>
             </a:lvl6pPr>
-            <a:lvl7pPr marL="2057078" indent="0">
+            <a:lvl7pPr marL="3962278" indent="0">
               <a:buNone/>
-              <a:defRPr sz="1200">
+              <a:defRPr sz="2311">
                 <a:solidFill>
                   <a:schemeClr val="tx1">
                     <a:tint val="75000"/>
@@ -1510,9 +1510,9 @@
                 </a:solidFill>
               </a:defRPr>
             </a:lvl7pPr>
-            <a:lvl8pPr marL="2399924" indent="0">
+            <a:lvl8pPr marL="4622658" indent="0">
               <a:buNone/>
-              <a:defRPr sz="1200">
+              <a:defRPr sz="2311">
                 <a:solidFill>
                   <a:schemeClr val="tx1">
                     <a:tint val="75000"/>
@@ -1520,9 +1520,9 @@
                 </a:solidFill>
               </a:defRPr>
             </a:lvl8pPr>
-            <a:lvl9pPr marL="2742770" indent="0">
+            <a:lvl9pPr marL="5283037" indent="0">
               <a:buNone/>
-              <a:defRPr sz="1200">
+              <a:defRPr sz="2311">
                 <a:solidFill>
                   <a:schemeClr val="tx1">
                     <a:tint val="75000"/>
@@ -1557,7 +1557,7 @@
           <a:p>
             <a:fld id="{F8CAAD71-D53C-4447-AAA3-BC9075A67E69}" type="datetimeFigureOut">
               <a:rPr lang="ko-KR" altLang="en-US" smtClean="0"/>
-              <a:t>2021-04-02</a:t>
+              <a:t>2021-04-03</a:t>
             </a:fld>
             <a:endParaRPr lang="ko-KR" altLang="en-US" dirty="0"/>
           </a:p>
@@ -1608,7 +1608,7 @@
     </p:spTree>
     <p:extLst>
       <p:ext uri="{BB962C8B-B14F-4D97-AF65-F5344CB8AC3E}">
-        <p14:creationId xmlns:p14="http://schemas.microsoft.com/office/powerpoint/2010/main" val="524235767"/>
+        <p14:creationId xmlns:p14="http://schemas.microsoft.com/office/powerpoint/2010/main" val="4118989760"/>
       </p:ext>
     </p:extLst>
   </p:cSld>
@@ -1670,8 +1670,8 @@
         </p:nvSpPr>
         <p:spPr>
           <a:xfrm>
-            <a:off x="471488" y="2637014"/>
-            <a:ext cx="2914650" cy="6285266"/>
+            <a:off x="1210697" y="2637014"/>
+            <a:ext cx="7484309" cy="6285266"/>
           </a:xfrm>
         </p:spPr>
         <p:txBody>
@@ -1727,8 +1727,8 @@
         </p:nvSpPr>
         <p:spPr>
           <a:xfrm>
-            <a:off x="3471863" y="2637014"/>
-            <a:ext cx="2914650" cy="6285266"/>
+            <a:off x="8915132" y="2637014"/>
+            <a:ext cx="7484309" cy="6285266"/>
           </a:xfrm>
         </p:spPr>
         <p:txBody>
@@ -1789,7 +1789,7 @@
           <a:p>
             <a:fld id="{F8CAAD71-D53C-4447-AAA3-BC9075A67E69}" type="datetimeFigureOut">
               <a:rPr lang="ko-KR" altLang="en-US" smtClean="0"/>
-              <a:t>2021-04-02</a:t>
+              <a:t>2021-04-03</a:t>
             </a:fld>
             <a:endParaRPr lang="ko-KR" altLang="en-US" dirty="0"/>
           </a:p>
@@ -1840,7 +1840,7 @@
     </p:spTree>
     <p:extLst>
       <p:ext uri="{BB962C8B-B14F-4D97-AF65-F5344CB8AC3E}">
-        <p14:creationId xmlns:p14="http://schemas.microsoft.com/office/powerpoint/2010/main" val="3036044367"/>
+        <p14:creationId xmlns:p14="http://schemas.microsoft.com/office/powerpoint/2010/main" val="3151688471"/>
       </p:ext>
     </p:extLst>
   </p:cSld>
@@ -1879,8 +1879,8 @@
         </p:nvSpPr>
         <p:spPr>
           <a:xfrm>
-            <a:off x="472385" y="527406"/>
-            <a:ext cx="5915025" cy="1914702"/>
+            <a:off x="1212991" y="527404"/>
+            <a:ext cx="15188744" cy="1914702"/>
           </a:xfrm>
         </p:spPr>
         <p:txBody>
@@ -1907,8 +1907,8 @@
         </p:nvSpPr>
         <p:spPr>
           <a:xfrm>
-            <a:off x="472385" y="2428351"/>
-            <a:ext cx="2901255" cy="1190095"/>
+            <a:off x="1212991" y="2428347"/>
+            <a:ext cx="7449913" cy="1190095"/>
           </a:xfrm>
         </p:spPr>
         <p:txBody>
@@ -1916,39 +1916,39 @@
           <a:lstStyle>
             <a:lvl1pPr marL="0" indent="0">
               <a:buNone/>
-              <a:defRPr sz="1800" b="1"/>
+              <a:defRPr sz="3467" b="1"/>
             </a:lvl1pPr>
-            <a:lvl2pPr marL="342846" indent="0">
+            <a:lvl2pPr marL="660380" indent="0">
               <a:buNone/>
-              <a:defRPr sz="1499" b="1"/>
+              <a:defRPr sz="2889" b="1"/>
             </a:lvl2pPr>
-            <a:lvl3pPr marL="685692" indent="0">
+            <a:lvl3pPr marL="1320759" indent="0">
               <a:buNone/>
-              <a:defRPr sz="1351" b="1"/>
+              <a:defRPr sz="2600" b="1"/>
             </a:lvl3pPr>
-            <a:lvl4pPr marL="1028539" indent="0">
+            <a:lvl4pPr marL="1981139" indent="0">
               <a:buNone/>
-              <a:defRPr sz="1200" b="1"/>
+              <a:defRPr sz="2311" b="1"/>
             </a:lvl4pPr>
-            <a:lvl5pPr marL="1371385" indent="0">
+            <a:lvl5pPr marL="2641519" indent="0">
               <a:buNone/>
-              <a:defRPr sz="1200" b="1"/>
+              <a:defRPr sz="2311" b="1"/>
             </a:lvl5pPr>
-            <a:lvl6pPr marL="1714231" indent="0">
+            <a:lvl6pPr marL="3301898" indent="0">
               <a:buNone/>
-              <a:defRPr sz="1200" b="1"/>
+              <a:defRPr sz="2311" b="1"/>
             </a:lvl6pPr>
-            <a:lvl7pPr marL="2057078" indent="0">
+            <a:lvl7pPr marL="3962278" indent="0">
               <a:buNone/>
-              <a:defRPr sz="1200" b="1"/>
+              <a:defRPr sz="2311" b="1"/>
             </a:lvl7pPr>
-            <a:lvl8pPr marL="2399924" indent="0">
+            <a:lvl8pPr marL="4622658" indent="0">
               <a:buNone/>
-              <a:defRPr sz="1200" b="1"/>
+              <a:defRPr sz="2311" b="1"/>
             </a:lvl8pPr>
-            <a:lvl9pPr marL="2742770" indent="0">
+            <a:lvl9pPr marL="5283037" indent="0">
               <a:buNone/>
-              <a:defRPr sz="1200" b="1"/>
+              <a:defRPr sz="2311" b="1"/>
             </a:lvl9pPr>
           </a:lstStyle>
           <a:p>
@@ -1972,8 +1972,8 @@
         </p:nvSpPr>
         <p:spPr>
           <a:xfrm>
-            <a:off x="472385" y="3618444"/>
-            <a:ext cx="2901255" cy="5322183"/>
+            <a:off x="1212991" y="3618442"/>
+            <a:ext cx="7449913" cy="5322183"/>
           </a:xfrm>
         </p:spPr>
         <p:txBody>
@@ -2029,8 +2029,8 @@
         </p:nvSpPr>
         <p:spPr>
           <a:xfrm>
-            <a:off x="3471866" y="2428351"/>
-            <a:ext cx="2915543" cy="1190095"/>
+            <a:off x="8915133" y="2428347"/>
+            <a:ext cx="7486602" cy="1190095"/>
           </a:xfrm>
         </p:spPr>
         <p:txBody>
@@ -2038,39 +2038,39 @@
           <a:lstStyle>
             <a:lvl1pPr marL="0" indent="0">
               <a:buNone/>
-              <a:defRPr sz="1800" b="1"/>
+              <a:defRPr sz="3467" b="1"/>
             </a:lvl1pPr>
-            <a:lvl2pPr marL="342846" indent="0">
+            <a:lvl2pPr marL="660380" indent="0">
               <a:buNone/>
-              <a:defRPr sz="1499" b="1"/>
+              <a:defRPr sz="2889" b="1"/>
             </a:lvl2pPr>
-            <a:lvl3pPr marL="685692" indent="0">
+            <a:lvl3pPr marL="1320759" indent="0">
               <a:buNone/>
-              <a:defRPr sz="1351" b="1"/>
+              <a:defRPr sz="2600" b="1"/>
             </a:lvl3pPr>
-            <a:lvl4pPr marL="1028539" indent="0">
+            <a:lvl4pPr marL="1981139" indent="0">
               <a:buNone/>
-              <a:defRPr sz="1200" b="1"/>
+              <a:defRPr sz="2311" b="1"/>
             </a:lvl4pPr>
-            <a:lvl5pPr marL="1371385" indent="0">
+            <a:lvl5pPr marL="2641519" indent="0">
               <a:buNone/>
-              <a:defRPr sz="1200" b="1"/>
+              <a:defRPr sz="2311" b="1"/>
             </a:lvl5pPr>
-            <a:lvl6pPr marL="1714231" indent="0">
+            <a:lvl6pPr marL="3301898" indent="0">
               <a:buNone/>
-              <a:defRPr sz="1200" b="1"/>
+              <a:defRPr sz="2311" b="1"/>
             </a:lvl6pPr>
-            <a:lvl7pPr marL="2057078" indent="0">
+            <a:lvl7pPr marL="3962278" indent="0">
               <a:buNone/>
-              <a:defRPr sz="1200" b="1"/>
+              <a:defRPr sz="2311" b="1"/>
             </a:lvl7pPr>
-            <a:lvl8pPr marL="2399924" indent="0">
+            <a:lvl8pPr marL="4622658" indent="0">
               <a:buNone/>
-              <a:defRPr sz="1200" b="1"/>
+              <a:defRPr sz="2311" b="1"/>
             </a:lvl8pPr>
-            <a:lvl9pPr marL="2742770" indent="0">
+            <a:lvl9pPr marL="5283037" indent="0">
               <a:buNone/>
-              <a:defRPr sz="1200" b="1"/>
+              <a:defRPr sz="2311" b="1"/>
             </a:lvl9pPr>
           </a:lstStyle>
           <a:p>
@@ -2094,8 +2094,8 @@
         </p:nvSpPr>
         <p:spPr>
           <a:xfrm>
-            <a:off x="3471866" y="3618444"/>
-            <a:ext cx="2915543" cy="5322183"/>
+            <a:off x="8915133" y="3618442"/>
+            <a:ext cx="7486602" cy="5322183"/>
           </a:xfrm>
         </p:spPr>
         <p:txBody>
@@ -2156,7 +2156,7 @@
           <a:p>
             <a:fld id="{F8CAAD71-D53C-4447-AAA3-BC9075A67E69}" type="datetimeFigureOut">
               <a:rPr lang="ko-KR" altLang="en-US" smtClean="0"/>
-              <a:t>2021-04-02</a:t>
+              <a:t>2021-04-03</a:t>
             </a:fld>
             <a:endParaRPr lang="ko-KR" altLang="en-US" dirty="0"/>
           </a:p>
@@ -2207,7 +2207,7 @@
     </p:spTree>
     <p:extLst>
       <p:ext uri="{BB962C8B-B14F-4D97-AF65-F5344CB8AC3E}">
-        <p14:creationId xmlns:p14="http://schemas.microsoft.com/office/powerpoint/2010/main" val="2828787623"/>
+        <p14:creationId xmlns:p14="http://schemas.microsoft.com/office/powerpoint/2010/main" val="418011634"/>
       </p:ext>
     </p:extLst>
   </p:cSld>
@@ -2274,7 +2274,7 @@
           <a:p>
             <a:fld id="{F8CAAD71-D53C-4447-AAA3-BC9075A67E69}" type="datetimeFigureOut">
               <a:rPr lang="ko-KR" altLang="en-US" smtClean="0"/>
-              <a:t>2021-04-02</a:t>
+              <a:t>2021-04-03</a:t>
             </a:fld>
             <a:endParaRPr lang="ko-KR" altLang="en-US" dirty="0"/>
           </a:p>
@@ -2325,7 +2325,7 @@
     </p:spTree>
     <p:extLst>
       <p:ext uri="{BB962C8B-B14F-4D97-AF65-F5344CB8AC3E}">
-        <p14:creationId xmlns:p14="http://schemas.microsoft.com/office/powerpoint/2010/main" val="2978124317"/>
+        <p14:creationId xmlns:p14="http://schemas.microsoft.com/office/powerpoint/2010/main" val="1923658782"/>
       </p:ext>
     </p:extLst>
   </p:cSld>
@@ -2369,7 +2369,7 @@
           <a:p>
             <a:fld id="{F8CAAD71-D53C-4447-AAA3-BC9075A67E69}" type="datetimeFigureOut">
               <a:rPr lang="ko-KR" altLang="en-US" smtClean="0"/>
-              <a:t>2021-04-02</a:t>
+              <a:t>2021-04-03</a:t>
             </a:fld>
             <a:endParaRPr lang="ko-KR" altLang="en-US" dirty="0"/>
           </a:p>
@@ -2420,7 +2420,7 @@
     </p:spTree>
     <p:extLst>
       <p:ext uri="{BB962C8B-B14F-4D97-AF65-F5344CB8AC3E}">
-        <p14:creationId xmlns:p14="http://schemas.microsoft.com/office/powerpoint/2010/main" val="206218361"/>
+        <p14:creationId xmlns:p14="http://schemas.microsoft.com/office/powerpoint/2010/main" val="4172233487"/>
       </p:ext>
     </p:extLst>
   </p:cSld>
@@ -2459,15 +2459,15 @@
         </p:nvSpPr>
         <p:spPr>
           <a:xfrm>
-            <a:off x="472381" y="660400"/>
-            <a:ext cx="2211884" cy="2311400"/>
+            <a:off x="1212992" y="660400"/>
+            <a:ext cx="5679727" cy="2311400"/>
           </a:xfrm>
         </p:spPr>
         <p:txBody>
           <a:bodyPr anchor="b"/>
           <a:lstStyle>
             <a:lvl1pPr>
-              <a:defRPr sz="2401"/>
+              <a:defRPr sz="4622"/>
             </a:lvl1pPr>
           </a:lstStyle>
           <a:p>
@@ -2491,39 +2491,39 @@
         </p:nvSpPr>
         <p:spPr>
           <a:xfrm>
-            <a:off x="2915547" y="1426290"/>
-            <a:ext cx="3471863" cy="7039681"/>
+            <a:off x="7486603" y="1426281"/>
+            <a:ext cx="8915132" cy="7039681"/>
           </a:xfrm>
         </p:spPr>
         <p:txBody>
           <a:bodyPr/>
           <a:lstStyle>
             <a:lvl1pPr>
-              <a:defRPr sz="2401"/>
+              <a:defRPr sz="4622"/>
             </a:lvl1pPr>
             <a:lvl2pPr>
-              <a:defRPr sz="2100"/>
+              <a:defRPr sz="4044"/>
             </a:lvl2pPr>
             <a:lvl3pPr>
-              <a:defRPr sz="1800"/>
+              <a:defRPr sz="3467"/>
             </a:lvl3pPr>
             <a:lvl4pPr>
-              <a:defRPr sz="1499"/>
+              <a:defRPr sz="2889"/>
             </a:lvl4pPr>
             <a:lvl5pPr>
-              <a:defRPr sz="1499"/>
+              <a:defRPr sz="2889"/>
             </a:lvl5pPr>
             <a:lvl6pPr>
-              <a:defRPr sz="1499"/>
+              <a:defRPr sz="2889"/>
             </a:lvl6pPr>
             <a:lvl7pPr>
-              <a:defRPr sz="1499"/>
+              <a:defRPr sz="2889"/>
             </a:lvl7pPr>
             <a:lvl8pPr>
-              <a:defRPr sz="1499"/>
+              <a:defRPr sz="2889"/>
             </a:lvl8pPr>
             <a:lvl9pPr>
-              <a:defRPr sz="1499"/>
+              <a:defRPr sz="2889"/>
             </a:lvl9pPr>
           </a:lstStyle>
           <a:p>
@@ -2576,8 +2576,8 @@
         </p:nvSpPr>
         <p:spPr>
           <a:xfrm>
-            <a:off x="472381" y="2971804"/>
-            <a:ext cx="2211884" cy="5505627"/>
+            <a:off x="1212992" y="2971800"/>
+            <a:ext cx="5679727" cy="5505627"/>
           </a:xfrm>
         </p:spPr>
         <p:txBody>
@@ -2585,39 +2585,39 @@
           <a:lstStyle>
             <a:lvl1pPr marL="0" indent="0">
               <a:buNone/>
-              <a:defRPr sz="1200"/>
+              <a:defRPr sz="2311"/>
             </a:lvl1pPr>
-            <a:lvl2pPr marL="342846" indent="0">
+            <a:lvl2pPr marL="660380" indent="0">
               <a:buNone/>
-              <a:defRPr sz="1050"/>
+              <a:defRPr sz="2022"/>
             </a:lvl2pPr>
-            <a:lvl3pPr marL="685692" indent="0">
+            <a:lvl3pPr marL="1320759" indent="0">
               <a:buNone/>
-              <a:defRPr sz="900"/>
+              <a:defRPr sz="1733"/>
             </a:lvl3pPr>
-            <a:lvl4pPr marL="1028539" indent="0">
+            <a:lvl4pPr marL="1981139" indent="0">
               <a:buNone/>
-              <a:defRPr sz="750"/>
+              <a:defRPr sz="1444"/>
             </a:lvl4pPr>
-            <a:lvl5pPr marL="1371385" indent="0">
+            <a:lvl5pPr marL="2641519" indent="0">
               <a:buNone/>
-              <a:defRPr sz="750"/>
+              <a:defRPr sz="1444"/>
             </a:lvl5pPr>
-            <a:lvl6pPr marL="1714231" indent="0">
+            <a:lvl6pPr marL="3301898" indent="0">
               <a:buNone/>
-              <a:defRPr sz="750"/>
+              <a:defRPr sz="1444"/>
             </a:lvl6pPr>
-            <a:lvl7pPr marL="2057078" indent="0">
+            <a:lvl7pPr marL="3962278" indent="0">
               <a:buNone/>
-              <a:defRPr sz="750"/>
+              <a:defRPr sz="1444"/>
             </a:lvl7pPr>
-            <a:lvl8pPr marL="2399924" indent="0">
+            <a:lvl8pPr marL="4622658" indent="0">
               <a:buNone/>
-              <a:defRPr sz="750"/>
+              <a:defRPr sz="1444"/>
             </a:lvl8pPr>
-            <a:lvl9pPr marL="2742770" indent="0">
+            <a:lvl9pPr marL="5283037" indent="0">
               <a:buNone/>
-              <a:defRPr sz="750"/>
+              <a:defRPr sz="1444"/>
             </a:lvl9pPr>
           </a:lstStyle>
           <a:p>
@@ -2646,7 +2646,7 @@
           <a:p>
             <a:fld id="{F8CAAD71-D53C-4447-AAA3-BC9075A67E69}" type="datetimeFigureOut">
               <a:rPr lang="ko-KR" altLang="en-US" smtClean="0"/>
-              <a:t>2021-04-02</a:t>
+              <a:t>2021-04-03</a:t>
             </a:fld>
             <a:endParaRPr lang="ko-KR" altLang="en-US" dirty="0"/>
           </a:p>
@@ -2697,7 +2697,7 @@
     </p:spTree>
     <p:extLst>
       <p:ext uri="{BB962C8B-B14F-4D97-AF65-F5344CB8AC3E}">
-        <p14:creationId xmlns:p14="http://schemas.microsoft.com/office/powerpoint/2010/main" val="3639207105"/>
+        <p14:creationId xmlns:p14="http://schemas.microsoft.com/office/powerpoint/2010/main" val="3947178222"/>
       </p:ext>
     </p:extLst>
   </p:cSld>
@@ -2736,15 +2736,15 @@
         </p:nvSpPr>
         <p:spPr>
           <a:xfrm>
-            <a:off x="472381" y="660400"/>
-            <a:ext cx="2211884" cy="2311400"/>
+            <a:off x="1212992" y="660400"/>
+            <a:ext cx="5679727" cy="2311400"/>
           </a:xfrm>
         </p:spPr>
         <p:txBody>
           <a:bodyPr anchor="b"/>
           <a:lstStyle>
             <a:lvl1pPr>
-              <a:defRPr sz="2401"/>
+              <a:defRPr sz="4622"/>
             </a:lvl1pPr>
           </a:lstStyle>
           <a:p>
@@ -2768,8 +2768,8 @@
         </p:nvSpPr>
         <p:spPr>
           <a:xfrm>
-            <a:off x="2915547" y="1426290"/>
-            <a:ext cx="3471863" cy="7039681"/>
+            <a:off x="7486603" y="1426281"/>
+            <a:ext cx="8915132" cy="7039681"/>
           </a:xfrm>
         </p:spPr>
         <p:txBody>
@@ -2777,44 +2777,44 @@
           <a:lstStyle>
             <a:lvl1pPr marL="0" indent="0">
               <a:buNone/>
-              <a:defRPr sz="2401"/>
+              <a:defRPr sz="4622"/>
             </a:lvl1pPr>
-            <a:lvl2pPr marL="342846" indent="0">
+            <a:lvl2pPr marL="660380" indent="0">
               <a:buNone/>
-              <a:defRPr sz="2100"/>
+              <a:defRPr sz="4044"/>
             </a:lvl2pPr>
-            <a:lvl3pPr marL="685692" indent="0">
+            <a:lvl3pPr marL="1320759" indent="0">
               <a:buNone/>
-              <a:defRPr sz="1800"/>
+              <a:defRPr sz="3467"/>
             </a:lvl3pPr>
-            <a:lvl4pPr marL="1028539" indent="0">
+            <a:lvl4pPr marL="1981139" indent="0">
               <a:buNone/>
-              <a:defRPr sz="1499"/>
+              <a:defRPr sz="2889"/>
             </a:lvl4pPr>
-            <a:lvl5pPr marL="1371385" indent="0">
+            <a:lvl5pPr marL="2641519" indent="0">
               <a:buNone/>
-              <a:defRPr sz="1499"/>
+              <a:defRPr sz="2889"/>
             </a:lvl5pPr>
-            <a:lvl6pPr marL="1714231" indent="0">
+            <a:lvl6pPr marL="3301898" indent="0">
               <a:buNone/>
-              <a:defRPr sz="1499"/>
+              <a:defRPr sz="2889"/>
             </a:lvl6pPr>
-            <a:lvl7pPr marL="2057078" indent="0">
+            <a:lvl7pPr marL="3962278" indent="0">
               <a:buNone/>
-              <a:defRPr sz="1499"/>
+              <a:defRPr sz="2889"/>
             </a:lvl7pPr>
-            <a:lvl8pPr marL="2399924" indent="0">
+            <a:lvl8pPr marL="4622658" indent="0">
               <a:buNone/>
-              <a:defRPr sz="1499"/>
+              <a:defRPr sz="2889"/>
             </a:lvl8pPr>
-            <a:lvl9pPr marL="2742770" indent="0">
+            <a:lvl9pPr marL="5283037" indent="0">
               <a:buNone/>
-              <a:defRPr sz="1499"/>
+              <a:defRPr sz="2889"/>
             </a:lvl9pPr>
           </a:lstStyle>
           <a:p>
             <a:r>
-              <a:rPr lang="ko-KR" altLang="en-US" dirty="0"/>
+              <a:rPr lang="ko-KR" altLang="en-US"/>
               <a:t>그림을 추가하려면 아이콘을 클릭하십시오</a:t>
             </a:r>
             <a:endParaRPr lang="en-US" dirty="0"/>
@@ -2833,8 +2833,8 @@
         </p:nvSpPr>
         <p:spPr>
           <a:xfrm>
-            <a:off x="472381" y="2971804"/>
-            <a:ext cx="2211884" cy="5505627"/>
+            <a:off x="1212992" y="2971800"/>
+            <a:ext cx="5679727" cy="5505627"/>
           </a:xfrm>
         </p:spPr>
         <p:txBody>
@@ -2842,39 +2842,39 @@
           <a:lstStyle>
             <a:lvl1pPr marL="0" indent="0">
               <a:buNone/>
-              <a:defRPr sz="1200"/>
+              <a:defRPr sz="2311"/>
             </a:lvl1pPr>
-            <a:lvl2pPr marL="342846" indent="0">
+            <a:lvl2pPr marL="660380" indent="0">
               <a:buNone/>
-              <a:defRPr sz="1050"/>
+              <a:defRPr sz="2022"/>
             </a:lvl2pPr>
-            <a:lvl3pPr marL="685692" indent="0">
+            <a:lvl3pPr marL="1320759" indent="0">
               <a:buNone/>
-              <a:defRPr sz="900"/>
+              <a:defRPr sz="1733"/>
             </a:lvl3pPr>
-            <a:lvl4pPr marL="1028539" indent="0">
+            <a:lvl4pPr marL="1981139" indent="0">
               <a:buNone/>
-              <a:defRPr sz="750"/>
+              <a:defRPr sz="1444"/>
             </a:lvl4pPr>
-            <a:lvl5pPr marL="1371385" indent="0">
+            <a:lvl5pPr marL="2641519" indent="0">
               <a:buNone/>
-              <a:defRPr sz="750"/>
+              <a:defRPr sz="1444"/>
             </a:lvl5pPr>
-            <a:lvl6pPr marL="1714231" indent="0">
+            <a:lvl6pPr marL="3301898" indent="0">
               <a:buNone/>
-              <a:defRPr sz="750"/>
+              <a:defRPr sz="1444"/>
             </a:lvl6pPr>
-            <a:lvl7pPr marL="2057078" indent="0">
+            <a:lvl7pPr marL="3962278" indent="0">
               <a:buNone/>
-              <a:defRPr sz="750"/>
+              <a:defRPr sz="1444"/>
             </a:lvl7pPr>
-            <a:lvl8pPr marL="2399924" indent="0">
+            <a:lvl8pPr marL="4622658" indent="0">
               <a:buNone/>
-              <a:defRPr sz="750"/>
+              <a:defRPr sz="1444"/>
             </a:lvl8pPr>
-            <a:lvl9pPr marL="2742770" indent="0">
+            <a:lvl9pPr marL="5283037" indent="0">
               <a:buNone/>
-              <a:defRPr sz="750"/>
+              <a:defRPr sz="1444"/>
             </a:lvl9pPr>
           </a:lstStyle>
           <a:p>
@@ -2903,7 +2903,7 @@
           <a:p>
             <a:fld id="{F8CAAD71-D53C-4447-AAA3-BC9075A67E69}" type="datetimeFigureOut">
               <a:rPr lang="ko-KR" altLang="en-US" smtClean="0"/>
-              <a:t>2021-04-02</a:t>
+              <a:t>2021-04-03</a:t>
             </a:fld>
             <a:endParaRPr lang="ko-KR" altLang="en-US" dirty="0"/>
           </a:p>
@@ -2954,7 +2954,7 @@
     </p:spTree>
     <p:extLst>
       <p:ext uri="{BB962C8B-B14F-4D97-AF65-F5344CB8AC3E}">
-        <p14:creationId xmlns:p14="http://schemas.microsoft.com/office/powerpoint/2010/main" val="364123659"/>
+        <p14:creationId xmlns:p14="http://schemas.microsoft.com/office/powerpoint/2010/main" val="274660157"/>
       </p:ext>
     </p:extLst>
   </p:cSld>
@@ -2968,9 +2968,14 @@
 <p:sldMaster xmlns:a="http://schemas.openxmlformats.org/drawingml/2006/main" xmlns:r="http://schemas.openxmlformats.org/officeDocument/2006/relationships" xmlns:p="http://schemas.openxmlformats.org/presentationml/2006/main">
   <p:cSld>
     <p:bg>
-      <p:bgRef idx="1001">
-        <a:schemeClr val="bg1"/>
-      </p:bgRef>
+      <p:bgPr>
+        <a:solidFill>
+          <a:schemeClr val="bg2">
+            <a:lumMod val="25000"/>
+          </a:schemeClr>
+        </a:solidFill>
+        <a:effectLst/>
+      </p:bgPr>
     </p:bg>
     <p:spTree>
       <p:nvGrpSpPr>
@@ -2998,8 +3003,8 @@
         </p:nvSpPr>
         <p:spPr>
           <a:xfrm>
-            <a:off x="471492" y="527406"/>
-            <a:ext cx="5915025" cy="1914702"/>
+            <a:off x="1210697" y="527404"/>
+            <a:ext cx="15188744" cy="1914702"/>
           </a:xfrm>
           <a:prstGeom prst="rect">
             <a:avLst/>
@@ -3031,8 +3036,8 @@
         </p:nvSpPr>
         <p:spPr>
           <a:xfrm>
-            <a:off x="471492" y="2637014"/>
-            <a:ext cx="5915025" cy="6285266"/>
+            <a:off x="1210697" y="2637014"/>
+            <a:ext cx="15188744" cy="6285266"/>
           </a:xfrm>
           <a:prstGeom prst="rect">
             <a:avLst/>
@@ -3093,8 +3098,8 @@
         </p:nvSpPr>
         <p:spPr>
           <a:xfrm>
-            <a:off x="471488" y="9181404"/>
-            <a:ext cx="1543050" cy="527403"/>
+            <a:off x="1210697" y="9181395"/>
+            <a:ext cx="3962281" cy="527403"/>
           </a:xfrm>
           <a:prstGeom prst="rect">
             <a:avLst/>
@@ -3104,7 +3109,7 @@
           <a:bodyPr vert="horz" lIns="91440" tIns="45720" rIns="91440" bIns="45720" rtlCol="0" anchor="ctr"/>
           <a:lstStyle>
             <a:lvl1pPr algn="l">
-              <a:defRPr sz="900">
+              <a:defRPr sz="1733">
                 <a:solidFill>
                   <a:schemeClr val="tx1">
                     <a:tint val="75000"/>
@@ -3116,7 +3121,7 @@
           <a:p>
             <a:fld id="{F8CAAD71-D53C-4447-AAA3-BC9075A67E69}" type="datetimeFigureOut">
               <a:rPr lang="ko-KR" altLang="en-US" smtClean="0"/>
-              <a:t>2021-04-02</a:t>
+              <a:t>2021-04-03</a:t>
             </a:fld>
             <a:endParaRPr lang="ko-KR" altLang="en-US" dirty="0"/>
           </a:p>
@@ -3134,8 +3139,8 @@
         </p:nvSpPr>
         <p:spPr>
           <a:xfrm>
-            <a:off x="2271717" y="9181404"/>
-            <a:ext cx="2314575" cy="527403"/>
+            <a:off x="5833358" y="9181395"/>
+            <a:ext cx="5943422" cy="527403"/>
           </a:xfrm>
           <a:prstGeom prst="rect">
             <a:avLst/>
@@ -3145,7 +3150,7 @@
           <a:bodyPr vert="horz" lIns="91440" tIns="45720" rIns="91440" bIns="45720" rtlCol="0" anchor="ctr"/>
           <a:lstStyle>
             <a:lvl1pPr algn="ctr">
-              <a:defRPr sz="900">
+              <a:defRPr sz="1733">
                 <a:solidFill>
                   <a:schemeClr val="tx1">
                     <a:tint val="75000"/>
@@ -3171,8 +3176,8 @@
         </p:nvSpPr>
         <p:spPr>
           <a:xfrm>
-            <a:off x="4843463" y="9181404"/>
-            <a:ext cx="1543050" cy="527403"/>
+            <a:off x="12437160" y="9181395"/>
+            <a:ext cx="3962281" cy="527403"/>
           </a:xfrm>
           <a:prstGeom prst="rect">
             <a:avLst/>
@@ -3182,7 +3187,7 @@
           <a:bodyPr vert="horz" lIns="91440" tIns="45720" rIns="91440" bIns="45720" rtlCol="0" anchor="ctr"/>
           <a:lstStyle>
             <a:lvl1pPr algn="r">
-              <a:defRPr sz="900">
+              <a:defRPr sz="1733">
                 <a:solidFill>
                   <a:schemeClr val="tx1">
                     <a:tint val="75000"/>
@@ -3203,27 +3208,27 @@
     </p:spTree>
     <p:extLst>
       <p:ext uri="{BB962C8B-B14F-4D97-AF65-F5344CB8AC3E}">
-        <p14:creationId xmlns:p14="http://schemas.microsoft.com/office/powerpoint/2010/main" val="1160621443"/>
+        <p14:creationId xmlns:p14="http://schemas.microsoft.com/office/powerpoint/2010/main" val="2973087251"/>
       </p:ext>
     </p:extLst>
   </p:cSld>
   <p:clrMap bg1="lt1" tx1="dk1" bg2="lt2" tx2="dk2" accent1="accent1" accent2="accent2" accent3="accent3" accent4="accent4" accent5="accent5" accent6="accent6" hlink="hlink" folHlink="folHlink"/>
   <p:sldLayoutIdLst>
-    <p:sldLayoutId id="2147483661" r:id="rId1"/>
-    <p:sldLayoutId id="2147483662" r:id="rId2"/>
-    <p:sldLayoutId id="2147483663" r:id="rId3"/>
-    <p:sldLayoutId id="2147483664" r:id="rId4"/>
-    <p:sldLayoutId id="2147483665" r:id="rId5"/>
-    <p:sldLayoutId id="2147483666" r:id="rId6"/>
-    <p:sldLayoutId id="2147483667" r:id="rId7"/>
-    <p:sldLayoutId id="2147483668" r:id="rId8"/>
-    <p:sldLayoutId id="2147483669" r:id="rId9"/>
-    <p:sldLayoutId id="2147483670" r:id="rId10"/>
-    <p:sldLayoutId id="2147483671" r:id="rId11"/>
+    <p:sldLayoutId id="2147483685" r:id="rId1"/>
+    <p:sldLayoutId id="2147483686" r:id="rId2"/>
+    <p:sldLayoutId id="2147483687" r:id="rId3"/>
+    <p:sldLayoutId id="2147483688" r:id="rId4"/>
+    <p:sldLayoutId id="2147483689" r:id="rId5"/>
+    <p:sldLayoutId id="2147483690" r:id="rId6"/>
+    <p:sldLayoutId id="2147483691" r:id="rId7"/>
+    <p:sldLayoutId id="2147483692" r:id="rId8"/>
+    <p:sldLayoutId id="2147483693" r:id="rId9"/>
+    <p:sldLayoutId id="2147483694" r:id="rId10"/>
+    <p:sldLayoutId id="2147483695" r:id="rId11"/>
   </p:sldLayoutIdLst>
   <p:txStyles>
     <p:titleStyle>
-      <a:lvl1pPr algn="l" defTabSz="685692" rtl="0" eaLnBrk="1" latinLnBrk="1" hangingPunct="1">
+      <a:lvl1pPr algn="l" defTabSz="1320759" rtl="0" eaLnBrk="1" latinLnBrk="1" hangingPunct="1">
         <a:lnSpc>
           <a:spcPct val="90000"/>
         </a:lnSpc>
@@ -3231,7 +3236,7 @@
           <a:spcPct val="0"/>
         </a:spcBef>
         <a:buNone/>
-        <a:defRPr sz="3300" kern="1200">
+        <a:defRPr sz="6355" kern="1200">
           <a:solidFill>
             <a:schemeClr val="tx1"/>
           </a:solidFill>
@@ -3242,16 +3247,16 @@
       </a:lvl1pPr>
     </p:titleStyle>
     <p:bodyStyle>
-      <a:lvl1pPr marL="171422" indent="-171422" algn="l" defTabSz="685692" rtl="0" eaLnBrk="1" latinLnBrk="1" hangingPunct="1">
+      <a:lvl1pPr marL="330190" indent="-330190" algn="l" defTabSz="1320759" rtl="0" eaLnBrk="1" latinLnBrk="1" hangingPunct="1">
         <a:lnSpc>
           <a:spcPct val="90000"/>
         </a:lnSpc>
         <a:spcBef>
-          <a:spcPts val="750"/>
+          <a:spcPts val="1444"/>
         </a:spcBef>
         <a:buFont typeface="Arial" panose="020B0604020202020204" pitchFamily="34" charset="0"/>
         <a:buChar char="•"/>
-        <a:defRPr sz="2100" kern="1200">
+        <a:defRPr sz="4044" kern="1200">
           <a:solidFill>
             <a:schemeClr val="tx1"/>
           </a:solidFill>
@@ -3260,16 +3265,16 @@
           <a:cs typeface="+mn-cs"/>
         </a:defRPr>
       </a:lvl1pPr>
-      <a:lvl2pPr marL="514270" indent="-171422" algn="l" defTabSz="685692" rtl="0" eaLnBrk="1" latinLnBrk="1" hangingPunct="1">
+      <a:lvl2pPr marL="990570" indent="-330190" algn="l" defTabSz="1320759" rtl="0" eaLnBrk="1" latinLnBrk="1" hangingPunct="1">
         <a:lnSpc>
           <a:spcPct val="90000"/>
         </a:lnSpc>
         <a:spcBef>
-          <a:spcPts val="376"/>
+          <a:spcPts val="722"/>
         </a:spcBef>
         <a:buFont typeface="Arial" panose="020B0604020202020204" pitchFamily="34" charset="0"/>
         <a:buChar char="•"/>
-        <a:defRPr sz="1800" kern="1200">
+        <a:defRPr sz="3467" kern="1200">
           <a:solidFill>
             <a:schemeClr val="tx1"/>
           </a:solidFill>
@@ -3278,16 +3283,16 @@
           <a:cs typeface="+mn-cs"/>
         </a:defRPr>
       </a:lvl2pPr>
-      <a:lvl3pPr marL="857115" indent="-171422" algn="l" defTabSz="685692" rtl="0" eaLnBrk="1" latinLnBrk="1" hangingPunct="1">
+      <a:lvl3pPr marL="1650949" indent="-330190" algn="l" defTabSz="1320759" rtl="0" eaLnBrk="1" latinLnBrk="1" hangingPunct="1">
         <a:lnSpc>
           <a:spcPct val="90000"/>
         </a:lnSpc>
         <a:spcBef>
-          <a:spcPts val="376"/>
+          <a:spcPts val="722"/>
         </a:spcBef>
         <a:buFont typeface="Arial" panose="020B0604020202020204" pitchFamily="34" charset="0"/>
         <a:buChar char="•"/>
-        <a:defRPr sz="1499" kern="1200">
+        <a:defRPr sz="2889" kern="1200">
           <a:solidFill>
             <a:schemeClr val="tx1"/>
           </a:solidFill>
@@ -3296,16 +3301,16 @@
           <a:cs typeface="+mn-cs"/>
         </a:defRPr>
       </a:lvl3pPr>
-      <a:lvl4pPr marL="1199963" indent="-171422" algn="l" defTabSz="685692" rtl="0" eaLnBrk="1" latinLnBrk="1" hangingPunct="1">
+      <a:lvl4pPr marL="2311329" indent="-330190" algn="l" defTabSz="1320759" rtl="0" eaLnBrk="1" latinLnBrk="1" hangingPunct="1">
         <a:lnSpc>
           <a:spcPct val="90000"/>
         </a:lnSpc>
         <a:spcBef>
-          <a:spcPts val="376"/>
+          <a:spcPts val="722"/>
         </a:spcBef>
         <a:buFont typeface="Arial" panose="020B0604020202020204" pitchFamily="34" charset="0"/>
         <a:buChar char="•"/>
-        <a:defRPr sz="1351" kern="1200">
+        <a:defRPr sz="2600" kern="1200">
           <a:solidFill>
             <a:schemeClr val="tx1"/>
           </a:solidFill>
@@ -3314,16 +3319,16 @@
           <a:cs typeface="+mn-cs"/>
         </a:defRPr>
       </a:lvl4pPr>
-      <a:lvl5pPr marL="1542809" indent="-171422" algn="l" defTabSz="685692" rtl="0" eaLnBrk="1" latinLnBrk="1" hangingPunct="1">
+      <a:lvl5pPr marL="2971709" indent="-330190" algn="l" defTabSz="1320759" rtl="0" eaLnBrk="1" latinLnBrk="1" hangingPunct="1">
         <a:lnSpc>
           <a:spcPct val="90000"/>
         </a:lnSpc>
         <a:spcBef>
-          <a:spcPts val="376"/>
+          <a:spcPts val="722"/>
         </a:spcBef>
         <a:buFont typeface="Arial" panose="020B0604020202020204" pitchFamily="34" charset="0"/>
         <a:buChar char="•"/>
-        <a:defRPr sz="1351" kern="1200">
+        <a:defRPr sz="2600" kern="1200">
           <a:solidFill>
             <a:schemeClr val="tx1"/>
           </a:solidFill>
@@ -3332,16 +3337,16 @@
           <a:cs typeface="+mn-cs"/>
         </a:defRPr>
       </a:lvl5pPr>
-      <a:lvl6pPr marL="1885655" indent="-171422" algn="l" defTabSz="685692" rtl="0" eaLnBrk="1" latinLnBrk="1" hangingPunct="1">
+      <a:lvl6pPr marL="3632088" indent="-330190" algn="l" defTabSz="1320759" rtl="0" eaLnBrk="1" latinLnBrk="1" hangingPunct="1">
         <a:lnSpc>
           <a:spcPct val="90000"/>
         </a:lnSpc>
         <a:spcBef>
-          <a:spcPts val="376"/>
+          <a:spcPts val="722"/>
         </a:spcBef>
         <a:buFont typeface="Arial" panose="020B0604020202020204" pitchFamily="34" charset="0"/>
         <a:buChar char="•"/>
-        <a:defRPr sz="1351" kern="1200">
+        <a:defRPr sz="2600" kern="1200">
           <a:solidFill>
             <a:schemeClr val="tx1"/>
           </a:solidFill>
@@ -3350,16 +3355,16 @@
           <a:cs typeface="+mn-cs"/>
         </a:defRPr>
       </a:lvl6pPr>
-      <a:lvl7pPr marL="2228502" indent="-171422" algn="l" defTabSz="685692" rtl="0" eaLnBrk="1" latinLnBrk="1" hangingPunct="1">
+      <a:lvl7pPr marL="4292468" indent="-330190" algn="l" defTabSz="1320759" rtl="0" eaLnBrk="1" latinLnBrk="1" hangingPunct="1">
         <a:lnSpc>
           <a:spcPct val="90000"/>
         </a:lnSpc>
         <a:spcBef>
-          <a:spcPts val="376"/>
+          <a:spcPts val="722"/>
         </a:spcBef>
         <a:buFont typeface="Arial" panose="020B0604020202020204" pitchFamily="34" charset="0"/>
         <a:buChar char="•"/>
-        <a:defRPr sz="1351" kern="1200">
+        <a:defRPr sz="2600" kern="1200">
           <a:solidFill>
             <a:schemeClr val="tx1"/>
           </a:solidFill>
@@ -3368,16 +3373,16 @@
           <a:cs typeface="+mn-cs"/>
         </a:defRPr>
       </a:lvl7pPr>
-      <a:lvl8pPr marL="2571348" indent="-171422" algn="l" defTabSz="685692" rtl="0" eaLnBrk="1" latinLnBrk="1" hangingPunct="1">
+      <a:lvl8pPr marL="4952848" indent="-330190" algn="l" defTabSz="1320759" rtl="0" eaLnBrk="1" latinLnBrk="1" hangingPunct="1">
         <a:lnSpc>
           <a:spcPct val="90000"/>
         </a:lnSpc>
         <a:spcBef>
-          <a:spcPts val="376"/>
+          <a:spcPts val="722"/>
         </a:spcBef>
         <a:buFont typeface="Arial" panose="020B0604020202020204" pitchFamily="34" charset="0"/>
         <a:buChar char="•"/>
-        <a:defRPr sz="1351" kern="1200">
+        <a:defRPr sz="2600" kern="1200">
           <a:solidFill>
             <a:schemeClr val="tx1"/>
           </a:solidFill>
@@ -3386,16 +3391,16 @@
           <a:cs typeface="+mn-cs"/>
         </a:defRPr>
       </a:lvl8pPr>
-      <a:lvl9pPr marL="2914194" indent="-171422" algn="l" defTabSz="685692" rtl="0" eaLnBrk="1" latinLnBrk="1" hangingPunct="1">
+      <a:lvl9pPr marL="5613227" indent="-330190" algn="l" defTabSz="1320759" rtl="0" eaLnBrk="1" latinLnBrk="1" hangingPunct="1">
         <a:lnSpc>
           <a:spcPct val="90000"/>
         </a:lnSpc>
         <a:spcBef>
-          <a:spcPts val="376"/>
+          <a:spcPts val="722"/>
         </a:spcBef>
         <a:buFont typeface="Arial" panose="020B0604020202020204" pitchFamily="34" charset="0"/>
         <a:buChar char="•"/>
-        <a:defRPr sz="1351" kern="1200">
+        <a:defRPr sz="2600" kern="1200">
           <a:solidFill>
             <a:schemeClr val="tx1"/>
           </a:solidFill>
@@ -3409,8 +3414,8 @@
       <a:defPPr>
         <a:defRPr lang="en-US"/>
       </a:defPPr>
-      <a:lvl1pPr marL="0" algn="l" defTabSz="685692" rtl="0" eaLnBrk="1" latinLnBrk="1" hangingPunct="1">
-        <a:defRPr sz="1351" kern="1200">
+      <a:lvl1pPr marL="0" algn="l" defTabSz="1320759" rtl="0" eaLnBrk="1" latinLnBrk="1" hangingPunct="1">
+        <a:defRPr sz="2600" kern="1200">
           <a:solidFill>
             <a:schemeClr val="tx1"/>
           </a:solidFill>
@@ -3419,8 +3424,8 @@
           <a:cs typeface="+mn-cs"/>
         </a:defRPr>
       </a:lvl1pPr>
-      <a:lvl2pPr marL="342846" algn="l" defTabSz="685692" rtl="0" eaLnBrk="1" latinLnBrk="1" hangingPunct="1">
-        <a:defRPr sz="1351" kern="1200">
+      <a:lvl2pPr marL="660380" algn="l" defTabSz="1320759" rtl="0" eaLnBrk="1" latinLnBrk="1" hangingPunct="1">
+        <a:defRPr sz="2600" kern="1200">
           <a:solidFill>
             <a:schemeClr val="tx1"/>
           </a:solidFill>
@@ -3429,8 +3434,8 @@
           <a:cs typeface="+mn-cs"/>
         </a:defRPr>
       </a:lvl2pPr>
-      <a:lvl3pPr marL="685692" algn="l" defTabSz="685692" rtl="0" eaLnBrk="1" latinLnBrk="1" hangingPunct="1">
-        <a:defRPr sz="1351" kern="1200">
+      <a:lvl3pPr marL="1320759" algn="l" defTabSz="1320759" rtl="0" eaLnBrk="1" latinLnBrk="1" hangingPunct="1">
+        <a:defRPr sz="2600" kern="1200">
           <a:solidFill>
             <a:schemeClr val="tx1"/>
           </a:solidFill>
@@ -3439,8 +3444,8 @@
           <a:cs typeface="+mn-cs"/>
         </a:defRPr>
       </a:lvl3pPr>
-      <a:lvl4pPr marL="1028539" algn="l" defTabSz="685692" rtl="0" eaLnBrk="1" latinLnBrk="1" hangingPunct="1">
-        <a:defRPr sz="1351" kern="1200">
+      <a:lvl4pPr marL="1981139" algn="l" defTabSz="1320759" rtl="0" eaLnBrk="1" latinLnBrk="1" hangingPunct="1">
+        <a:defRPr sz="2600" kern="1200">
           <a:solidFill>
             <a:schemeClr val="tx1"/>
           </a:solidFill>
@@ -3449,8 +3454,8 @@
           <a:cs typeface="+mn-cs"/>
         </a:defRPr>
       </a:lvl4pPr>
-      <a:lvl5pPr marL="1371385" algn="l" defTabSz="685692" rtl="0" eaLnBrk="1" latinLnBrk="1" hangingPunct="1">
-        <a:defRPr sz="1351" kern="1200">
+      <a:lvl5pPr marL="2641519" algn="l" defTabSz="1320759" rtl="0" eaLnBrk="1" latinLnBrk="1" hangingPunct="1">
+        <a:defRPr sz="2600" kern="1200">
           <a:solidFill>
             <a:schemeClr val="tx1"/>
           </a:solidFill>
@@ -3459,8 +3464,8 @@
           <a:cs typeface="+mn-cs"/>
         </a:defRPr>
       </a:lvl5pPr>
-      <a:lvl6pPr marL="1714231" algn="l" defTabSz="685692" rtl="0" eaLnBrk="1" latinLnBrk="1" hangingPunct="1">
-        <a:defRPr sz="1351" kern="1200">
+      <a:lvl6pPr marL="3301898" algn="l" defTabSz="1320759" rtl="0" eaLnBrk="1" latinLnBrk="1" hangingPunct="1">
+        <a:defRPr sz="2600" kern="1200">
           <a:solidFill>
             <a:schemeClr val="tx1"/>
           </a:solidFill>
@@ -3469,8 +3474,8 @@
           <a:cs typeface="+mn-cs"/>
         </a:defRPr>
       </a:lvl6pPr>
-      <a:lvl7pPr marL="2057078" algn="l" defTabSz="685692" rtl="0" eaLnBrk="1" latinLnBrk="1" hangingPunct="1">
-        <a:defRPr sz="1351" kern="1200">
+      <a:lvl7pPr marL="3962278" algn="l" defTabSz="1320759" rtl="0" eaLnBrk="1" latinLnBrk="1" hangingPunct="1">
+        <a:defRPr sz="2600" kern="1200">
           <a:solidFill>
             <a:schemeClr val="tx1"/>
           </a:solidFill>
@@ -3479,8 +3484,8 @@
           <a:cs typeface="+mn-cs"/>
         </a:defRPr>
       </a:lvl7pPr>
-      <a:lvl8pPr marL="2399924" algn="l" defTabSz="685692" rtl="0" eaLnBrk="1" latinLnBrk="1" hangingPunct="1">
-        <a:defRPr sz="1351" kern="1200">
+      <a:lvl8pPr marL="4622658" algn="l" defTabSz="1320759" rtl="0" eaLnBrk="1" latinLnBrk="1" hangingPunct="1">
+        <a:defRPr sz="2600" kern="1200">
           <a:solidFill>
             <a:schemeClr val="tx1"/>
           </a:solidFill>
@@ -3489,8 +3494,8 @@
           <a:cs typeface="+mn-cs"/>
         </a:defRPr>
       </a:lvl8pPr>
-      <a:lvl9pPr marL="2742770" algn="l" defTabSz="685692" rtl="0" eaLnBrk="1" latinLnBrk="1" hangingPunct="1">
-        <a:defRPr sz="1351" kern="1200">
+      <a:lvl9pPr marL="5283037" algn="l" defTabSz="1320759" rtl="0" eaLnBrk="1" latinLnBrk="1" hangingPunct="1">
+        <a:defRPr sz="2600" kern="1200">
           <a:solidFill>
             <a:schemeClr val="tx1"/>
           </a:solidFill>
@@ -3535,16 +3540,14 @@
         </p:nvSpPr>
         <p:spPr>
           <a:xfrm>
-            <a:off x="0" y="1014161"/>
-            <a:ext cx="6858000" cy="954107"/>
+            <a:off x="0" y="1014163"/>
+            <a:ext cx="17610138" cy="954107"/>
           </a:xfrm>
           <a:prstGeom prst="rect">
             <a:avLst/>
           </a:prstGeom>
           <a:solidFill>
-            <a:schemeClr val="bg2">
-              <a:lumMod val="25000"/>
-            </a:schemeClr>
+            <a:schemeClr val="tx1"/>
           </a:solidFill>
         </p:spPr>
         <p:txBody>
@@ -3582,7 +3585,7 @@
                 <a:latin typeface="휴먼모음T" panose="02030504000101010101" pitchFamily="18" charset="-127"/>
                 <a:ea typeface="휴먼모음T" panose="02030504000101010101" pitchFamily="18" charset="-127"/>
               </a:rPr>
-              <a:t>플레이어 캐릭터</a:t>
+              <a:t>룸 시스템</a:t>
             </a:r>
           </a:p>
         </p:txBody>
@@ -3601,7 +3604,7 @@
         </p:nvSpPr>
         <p:spPr>
           <a:xfrm>
-            <a:off x="2756733" y="33681"/>
+            <a:off x="8132804" y="33681"/>
             <a:ext cx="1344535" cy="923330"/>
           </a:xfrm>
           <a:prstGeom prst="rect">
@@ -3617,11 +3620,12 @@
           <a:p>
             <a:pPr algn="ctr"/>
             <a:r>
-              <a:rPr lang="en-US" altLang="ko-KR" sz="5400" b="1" cap="none" spc="0" dirty="0">
-                <a:ln w="0"/>
-                <a:solidFill>
-                  <a:schemeClr val="tx1"/>
-                </a:solidFill>
+              <a:rPr lang="en-US" altLang="ko-KR" sz="5400" b="1" dirty="0">
+                <a:ln w="0">
+                  <a:solidFill>
+                    <a:schemeClr val="bg1"/>
+                  </a:solidFill>
+                </a:ln>
                 <a:latin typeface="+mj-ea"/>
                 <a:ea typeface="+mj-ea"/>
               </a:rPr>
@@ -3662,10 +3666,10 @@
       </p:grpSpPr>
       <p:sp>
         <p:nvSpPr>
-          <p:cNvPr id="4" name="직사각형 3">
+          <p:cNvPr id="8" name="사각형: 둥근 모서리 7">
             <a:extLst>
               <a:ext uri="{FF2B5EF4-FFF2-40B4-BE49-F238E27FC236}">
-                <a16:creationId xmlns:a16="http://schemas.microsoft.com/office/drawing/2014/main" id="{1ABED4FF-1D54-4CFD-8ED4-3331C278F3EA}"/>
+                <a16:creationId xmlns:a16="http://schemas.microsoft.com/office/drawing/2014/main" id="{6621E09A-072E-4221-9694-044F1CE109E0}"/>
               </a:ext>
             </a:extLst>
           </p:cNvPr>
@@ -3674,59 +3678,14 @@
         </p:nvSpPr>
         <p:spPr>
           <a:xfrm>
-            <a:off x="2756733" y="33681"/>
-            <a:ext cx="1344535" cy="923330"/>
+            <a:off x="101601" y="993855"/>
+            <a:ext cx="17406942" cy="318170"/>
           </a:xfrm>
-          <a:prstGeom prst="rect">
-            <a:avLst/>
-          </a:prstGeom>
-          <a:noFill/>
-        </p:spPr>
-        <p:txBody>
-          <a:bodyPr wrap="none" lIns="91440" tIns="45720" rIns="91440" bIns="45720">
-            <a:spAutoFit/>
-          </a:bodyPr>
-          <a:lstStyle/>
-          <a:p>
-            <a:pPr algn="ctr"/>
-            <a:r>
-              <a:rPr lang="en-US" altLang="ko-KR" sz="5400" b="1" cap="none" spc="0" dirty="0">
-                <a:ln w="0"/>
-                <a:solidFill>
-                  <a:schemeClr val="tx1"/>
-                </a:solidFill>
-                <a:latin typeface="+mj-ea"/>
-                <a:ea typeface="+mj-ea"/>
-              </a:rPr>
-              <a:t>WA</a:t>
-            </a:r>
-          </a:p>
-        </p:txBody>
-      </p:sp>
-      <p:sp>
-        <p:nvSpPr>
-          <p:cNvPr id="5" name="직사각형 4">
-            <a:extLst>
-              <a:ext uri="{FF2B5EF4-FFF2-40B4-BE49-F238E27FC236}">
-                <a16:creationId xmlns:a16="http://schemas.microsoft.com/office/drawing/2014/main" id="{751DFE29-EF6C-430F-8803-74CC939C1D6D}"/>
-              </a:ext>
-            </a:extLst>
-          </p:cNvPr>
-          <p:cNvSpPr/>
-          <p:nvPr/>
-        </p:nvSpPr>
-        <p:spPr>
-          <a:xfrm>
-            <a:off x="5" y="1125001"/>
-            <a:ext cx="6876481" cy="8781003"/>
-          </a:xfrm>
-          <a:prstGeom prst="rect">
+          <a:prstGeom prst="roundRect">
             <a:avLst/>
           </a:prstGeom>
           <a:solidFill>
-            <a:schemeClr val="bg2">
-              <a:lumMod val="25000"/>
-            </a:schemeClr>
+            <a:schemeClr val="tx1"/>
           </a:solidFill>
           <a:ln>
             <a:noFill/>
@@ -3753,145 +3712,60 @@
           <a:lstStyle/>
           <a:p>
             <a:pPr algn="ctr"/>
-            <a:endParaRPr lang="ko-KR" altLang="en-US" dirty="0"/>
-          </a:p>
-        </p:txBody>
-      </p:sp>
-      <p:grpSp>
-        <p:nvGrpSpPr>
-          <p:cNvPr id="6" name="그룹 5">
+            <a:r>
+              <a:rPr lang="ko-KR" altLang="en-US" b="1" dirty="0">
+                <a:latin typeface="메이플스토리" panose="02000300000000000000" pitchFamily="2" charset="-127"/>
+                <a:ea typeface="메이플스토리" panose="02000300000000000000" pitchFamily="2" charset="-127"/>
+              </a:rPr>
+              <a:t>목차</a:t>
+            </a:r>
+          </a:p>
+        </p:txBody>
+      </p:sp>
+      <p:sp>
+        <p:nvSpPr>
+          <p:cNvPr id="9" name="직사각형 8">
             <a:extLst>
               <a:ext uri="{FF2B5EF4-FFF2-40B4-BE49-F238E27FC236}">
-                <a16:creationId xmlns:a16="http://schemas.microsoft.com/office/drawing/2014/main" id="{8E8A782D-0629-4886-B638-327FEFD4B6A1}"/>
+                <a16:creationId xmlns:a16="http://schemas.microsoft.com/office/drawing/2014/main" id="{94F2371C-0352-412D-8908-A2E16DD190D5}"/>
               </a:ext>
             </a:extLst>
           </p:cNvPr>
-          <p:cNvGrpSpPr/>
+          <p:cNvSpPr/>
           <p:nvPr/>
-        </p:nvGrpSpPr>
-        <p:grpSpPr>
+        </p:nvSpPr>
+        <p:spPr>
           <a:xfrm>
-            <a:off x="0" y="1046534"/>
-            <a:ext cx="6876480" cy="455116"/>
-            <a:chOff x="121920" y="1124997"/>
-            <a:chExt cx="6614160" cy="455116"/>
+            <a:off x="8132804" y="33681"/>
+            <a:ext cx="1344535" cy="923330"/>
           </a:xfrm>
-        </p:grpSpPr>
-        <p:sp>
-          <p:nvSpPr>
-            <p:cNvPr id="7" name="사각형: 둥근 모서리 6">
-              <a:extLst>
-                <a:ext uri="{FF2B5EF4-FFF2-40B4-BE49-F238E27FC236}">
-                  <a16:creationId xmlns:a16="http://schemas.microsoft.com/office/drawing/2014/main" id="{BD2F14F3-73A8-406B-983F-EC035BB840B0}"/>
-                </a:ext>
-              </a:extLst>
-            </p:cNvPr>
-            <p:cNvSpPr/>
-            <p:nvPr/>
-          </p:nvSpPr>
-          <p:spPr>
-            <a:xfrm>
-              <a:off x="121920" y="1124997"/>
-              <a:ext cx="6614160" cy="455116"/>
-            </a:xfrm>
-            <a:prstGeom prst="roundRect">
-              <a:avLst/>
-            </a:prstGeom>
-            <a:solidFill>
-              <a:schemeClr val="bg2">
-                <a:lumMod val="75000"/>
-              </a:schemeClr>
-            </a:solidFill>
-            <a:ln>
-              <a:noFill/>
-            </a:ln>
-          </p:spPr>
-          <p:style>
-            <a:lnRef idx="2">
-              <a:schemeClr val="accent1">
-                <a:shade val="50000"/>
-              </a:schemeClr>
-            </a:lnRef>
-            <a:fillRef idx="1">
-              <a:schemeClr val="accent1"/>
-            </a:fillRef>
-            <a:effectRef idx="0">
-              <a:schemeClr val="accent1"/>
-            </a:effectRef>
-            <a:fontRef idx="minor">
-              <a:schemeClr val="lt1"/>
-            </a:fontRef>
-          </p:style>
-          <p:txBody>
-            <a:bodyPr rtlCol="0" anchor="ctr"/>
-            <a:lstStyle/>
-            <a:p>
-              <a:pPr algn="ctr"/>
-              <a:endParaRPr lang="ko-KR" altLang="en-US" dirty="0"/>
-            </a:p>
-          </p:txBody>
-        </p:sp>
-        <p:sp>
-          <p:nvSpPr>
-            <p:cNvPr id="8" name="사각형: 둥근 모서리 7">
-              <a:extLst>
-                <a:ext uri="{FF2B5EF4-FFF2-40B4-BE49-F238E27FC236}">
-                  <a16:creationId xmlns:a16="http://schemas.microsoft.com/office/drawing/2014/main" id="{6621E09A-072E-4221-9694-044F1CE109E0}"/>
-                </a:ext>
-              </a:extLst>
-            </p:cNvPr>
-            <p:cNvSpPr/>
-            <p:nvPr/>
-          </p:nvSpPr>
-          <p:spPr>
-            <a:xfrm>
-              <a:off x="433199" y="1195522"/>
-              <a:ext cx="5991603" cy="318170"/>
-            </a:xfrm>
-            <a:prstGeom prst="roundRect">
-              <a:avLst/>
-            </a:prstGeom>
-            <a:solidFill>
-              <a:schemeClr val="bg2">
-                <a:lumMod val="50000"/>
-              </a:schemeClr>
-            </a:solidFill>
-            <a:ln>
-              <a:noFill/>
-            </a:ln>
-          </p:spPr>
-          <p:style>
-            <a:lnRef idx="2">
-              <a:schemeClr val="accent1">
-                <a:shade val="50000"/>
-              </a:schemeClr>
-            </a:lnRef>
-            <a:fillRef idx="1">
-              <a:schemeClr val="accent1"/>
-            </a:fillRef>
-            <a:effectRef idx="0">
-              <a:schemeClr val="accent1"/>
-            </a:effectRef>
-            <a:fontRef idx="minor">
-              <a:schemeClr val="lt1"/>
-            </a:fontRef>
-          </p:style>
-          <p:txBody>
-            <a:bodyPr rtlCol="0" anchor="ctr"/>
-            <a:lstStyle/>
-            <a:p>
-              <a:pPr algn="ctr"/>
-              <a:r>
-                <a:rPr lang="ko-KR" altLang="en-US" b="1" dirty="0">
-                  <a:latin typeface="메이플스토리" panose="02000300000000000000" pitchFamily="2" charset="-127"/>
-                  <a:ea typeface="메이플스토리" panose="02000300000000000000" pitchFamily="2" charset="-127"/>
-                </a:rPr>
-                <a:t>목차</a:t>
-              </a:r>
-            </a:p>
-          </p:txBody>
-        </p:sp>
-      </p:grpSp>
+          <a:prstGeom prst="rect">
+            <a:avLst/>
+          </a:prstGeom>
+          <a:noFill/>
+        </p:spPr>
+        <p:txBody>
+          <a:bodyPr wrap="none" lIns="91440" tIns="45720" rIns="91440" bIns="45720">
+            <a:spAutoFit/>
+          </a:bodyPr>
+          <a:lstStyle/>
+          <a:p>
+            <a:pPr algn="ctr"/>
+            <a:r>
+              <a:rPr lang="en-US" altLang="ko-KR" sz="5400" b="1" dirty="0">
+                <a:ln w="0">
+                  <a:solidFill>
+                    <a:schemeClr val="bg1"/>
+                  </a:solidFill>
+                </a:ln>
+                <a:latin typeface="+mj-ea"/>
+                <a:ea typeface="+mj-ea"/>
+              </a:rPr>
+              <a:t>WA</a:t>
+            </a:r>
+          </a:p>
+        </p:txBody>
+      </p:sp>
     </p:spTree>
     <p:extLst>
       <p:ext uri="{BB962C8B-B14F-4D97-AF65-F5344CB8AC3E}">
@@ -3924,10 +3798,10 @@
       </p:grpSpPr>
       <p:sp>
         <p:nvSpPr>
-          <p:cNvPr id="5" name="직사각형 4">
+          <p:cNvPr id="2" name="직사각형 1">
             <a:extLst>
               <a:ext uri="{FF2B5EF4-FFF2-40B4-BE49-F238E27FC236}">
-                <a16:creationId xmlns:a16="http://schemas.microsoft.com/office/drawing/2014/main" id="{9D5C8F1C-618E-453B-B0D8-4FC03B7C54E4}"/>
+                <a16:creationId xmlns:a16="http://schemas.microsoft.com/office/drawing/2014/main" id="{EFD0C04B-38D5-4978-AE90-0704889ACE15}"/>
               </a:ext>
             </a:extLst>
           </p:cNvPr>
@@ -3936,19 +3810,21 @@
         </p:nvSpPr>
         <p:spPr>
           <a:xfrm>
-            <a:off x="5" y="1125001"/>
-            <a:ext cx="6876481" cy="8781003"/>
+            <a:off x="120090" y="5037601"/>
+            <a:ext cx="8559798" cy="4834718"/>
           </a:xfrm>
           <a:prstGeom prst="rect">
             <a:avLst/>
           </a:prstGeom>
           <a:solidFill>
-            <a:schemeClr val="bg2">
-              <a:lumMod val="25000"/>
+            <a:schemeClr val="bg1">
+              <a:alpha val="20000"/>
             </a:schemeClr>
           </a:solidFill>
           <a:ln>
-            <a:noFill/>
+            <a:solidFill>
+              <a:schemeClr val="bg1"/>
+            </a:solidFill>
           </a:ln>
         </p:spPr>
         <p:style>
@@ -3972,145 +3848,10 @@
           <a:lstStyle/>
           <a:p>
             <a:pPr algn="ctr"/>
-            <a:endParaRPr lang="ko-KR" altLang="en-US" dirty="0"/>
-          </a:p>
-        </p:txBody>
-      </p:sp>
-      <p:grpSp>
-        <p:nvGrpSpPr>
-          <p:cNvPr id="4" name="그룹 3">
-            <a:extLst>
-              <a:ext uri="{FF2B5EF4-FFF2-40B4-BE49-F238E27FC236}">
-                <a16:creationId xmlns:a16="http://schemas.microsoft.com/office/drawing/2014/main" id="{2FF68A75-4CAD-4048-86E3-091D26B4CFC4}"/>
-              </a:ext>
-            </a:extLst>
-          </p:cNvPr>
-          <p:cNvGrpSpPr/>
-          <p:nvPr/>
-        </p:nvGrpSpPr>
-        <p:grpSpPr>
-          <a:xfrm>
-            <a:off x="0" y="1046534"/>
-            <a:ext cx="6876480" cy="455116"/>
-            <a:chOff x="121920" y="1124997"/>
-            <a:chExt cx="6614160" cy="455116"/>
-          </a:xfrm>
-        </p:grpSpPr>
-        <p:sp>
-          <p:nvSpPr>
-            <p:cNvPr id="30" name="사각형: 둥근 모서리 29">
-              <a:extLst>
-                <a:ext uri="{FF2B5EF4-FFF2-40B4-BE49-F238E27FC236}">
-                  <a16:creationId xmlns:a16="http://schemas.microsoft.com/office/drawing/2014/main" id="{CE5D4C72-F8F7-4CBE-99AA-BD38877EF19D}"/>
-                </a:ext>
-              </a:extLst>
-            </p:cNvPr>
-            <p:cNvSpPr/>
-            <p:nvPr/>
-          </p:nvSpPr>
-          <p:spPr>
-            <a:xfrm>
-              <a:off x="121920" y="1124997"/>
-              <a:ext cx="6614160" cy="455116"/>
-            </a:xfrm>
-            <a:prstGeom prst="roundRect">
-              <a:avLst/>
-            </a:prstGeom>
-            <a:solidFill>
-              <a:schemeClr val="bg2">
-                <a:lumMod val="75000"/>
-              </a:schemeClr>
-            </a:solidFill>
-            <a:ln>
-              <a:noFill/>
-            </a:ln>
-          </p:spPr>
-          <p:style>
-            <a:lnRef idx="2">
-              <a:schemeClr val="accent1">
-                <a:shade val="50000"/>
-              </a:schemeClr>
-            </a:lnRef>
-            <a:fillRef idx="1">
-              <a:schemeClr val="accent1"/>
-            </a:fillRef>
-            <a:effectRef idx="0">
-              <a:schemeClr val="accent1"/>
-            </a:effectRef>
-            <a:fontRef idx="minor">
-              <a:schemeClr val="lt1"/>
-            </a:fontRef>
-          </p:style>
-          <p:txBody>
-            <a:bodyPr rtlCol="0" anchor="ctr"/>
-            <a:lstStyle/>
-            <a:p>
-              <a:pPr algn="ctr"/>
-              <a:endParaRPr lang="ko-KR" altLang="en-US" dirty="0"/>
-            </a:p>
-          </p:txBody>
-        </p:sp>
-        <p:sp>
-          <p:nvSpPr>
-            <p:cNvPr id="31" name="사각형: 둥근 모서리 30">
-              <a:extLst>
-                <a:ext uri="{FF2B5EF4-FFF2-40B4-BE49-F238E27FC236}">
-                  <a16:creationId xmlns:a16="http://schemas.microsoft.com/office/drawing/2014/main" id="{4FF35DCF-0658-4607-90B3-A44EA8F81ECF}"/>
-                </a:ext>
-              </a:extLst>
-            </p:cNvPr>
-            <p:cNvSpPr/>
-            <p:nvPr/>
-          </p:nvSpPr>
-          <p:spPr>
-            <a:xfrm>
-              <a:off x="433199" y="1195522"/>
-              <a:ext cx="5991603" cy="318170"/>
-            </a:xfrm>
-            <a:prstGeom prst="roundRect">
-              <a:avLst/>
-            </a:prstGeom>
-            <a:solidFill>
-              <a:schemeClr val="bg2">
-                <a:lumMod val="50000"/>
-              </a:schemeClr>
-            </a:solidFill>
-            <a:ln>
-              <a:noFill/>
-            </a:ln>
-          </p:spPr>
-          <p:style>
-            <a:lnRef idx="2">
-              <a:schemeClr val="accent1">
-                <a:shade val="50000"/>
-              </a:schemeClr>
-            </a:lnRef>
-            <a:fillRef idx="1">
-              <a:schemeClr val="accent1"/>
-            </a:fillRef>
-            <a:effectRef idx="0">
-              <a:schemeClr val="accent1"/>
-            </a:effectRef>
-            <a:fontRef idx="minor">
-              <a:schemeClr val="lt1"/>
-            </a:fontRef>
-          </p:style>
-          <p:txBody>
-            <a:bodyPr rtlCol="0" anchor="ctr"/>
-            <a:lstStyle/>
-            <a:p>
-              <a:pPr algn="ctr"/>
-              <a:r>
-                <a:rPr lang="ko-KR" altLang="en-US" b="1" dirty="0">
-                  <a:latin typeface="메이플스토리" panose="02000300000000000000" pitchFamily="2" charset="-127"/>
-                  <a:ea typeface="메이플스토리" panose="02000300000000000000" pitchFamily="2" charset="-127"/>
-                </a:rPr>
-                <a:t>개요</a:t>
-              </a:r>
-            </a:p>
-          </p:txBody>
-        </p:sp>
-      </p:grpSp>
+            <a:endParaRPr lang="ko-KR" altLang="en-US"/>
+          </a:p>
+        </p:txBody>
+      </p:sp>
       <p:sp>
         <p:nvSpPr>
           <p:cNvPr id="3" name="TextBox 2">
@@ -4125,8 +3866,8 @@
         </p:nvSpPr>
         <p:spPr>
           <a:xfrm>
-            <a:off x="280315" y="2034874"/>
-            <a:ext cx="6297381" cy="3046988"/>
+            <a:off x="101601" y="1445888"/>
+            <a:ext cx="17406942" cy="2954655"/>
           </a:xfrm>
           <a:prstGeom prst="rect">
             <a:avLst/>
@@ -4148,45 +3889,45 @@
               <a:buChar char="-"/>
             </a:pPr>
             <a:r>
-              <a:rPr lang="ko-KR" altLang="en-US" sz="1600" b="1" dirty="0">
+              <a:rPr lang="ko-KR" altLang="en-US" b="1" dirty="0">
                 <a:latin typeface="HY그래픽M" panose="02030600000101010101" pitchFamily="18" charset="-127"/>
                 <a:ea typeface="HY그래픽M" panose="02030600000101010101" pitchFamily="18" charset="-127"/>
               </a:rPr>
               <a:t>이 문서는 </a:t>
             </a:r>
             <a:r>
-              <a:rPr lang="en-US" altLang="ko-KR" sz="1600" b="1" dirty="0">
+              <a:rPr lang="en-US" altLang="ko-KR" b="1" dirty="0">
                 <a:latin typeface="HY그래픽M" panose="02030600000101010101" pitchFamily="18" charset="-127"/>
                 <a:ea typeface="HY그래픽M" panose="02030600000101010101" pitchFamily="18" charset="-127"/>
               </a:rPr>
               <a:t>Wa</a:t>
             </a:r>
             <a:r>
-              <a:rPr lang="ko-KR" altLang="en-US" sz="1600" b="1" dirty="0">
+              <a:rPr lang="ko-KR" altLang="en-US" b="1" dirty="0">
                 <a:latin typeface="HY그래픽M" panose="02030600000101010101" pitchFamily="18" charset="-127"/>
                 <a:ea typeface="HY그래픽M" panose="02030600000101010101" pitchFamily="18" charset="-127"/>
               </a:rPr>
               <a:t>의 </a:t>
             </a:r>
             <a:r>
-              <a:rPr lang="ko-KR" altLang="en-US" sz="1600" b="1" dirty="0">
+              <a:rPr lang="ko-KR" altLang="en-US" b="1" dirty="0">
                 <a:solidFill>
                   <a:schemeClr val="accent4"/>
                 </a:solidFill>
                 <a:latin typeface="HY그래픽M" panose="02030600000101010101" pitchFamily="18" charset="-127"/>
                 <a:ea typeface="HY그래픽M" panose="02030600000101010101" pitchFamily="18" charset="-127"/>
               </a:rPr>
-              <a:t>룸의 시스템</a:t>
-            </a:r>
-            <a:r>
-              <a:rPr lang="ko-KR" altLang="en-US" sz="1600" b="1" dirty="0">
+              <a:t>룸 시스템</a:t>
+            </a:r>
+            <a:r>
+              <a:rPr lang="ko-KR" altLang="en-US" b="1" dirty="0">
                 <a:latin typeface="HY그래픽M" panose="02030600000101010101" pitchFamily="18" charset="-127"/>
                 <a:ea typeface="HY그래픽M" panose="02030600000101010101" pitchFamily="18" charset="-127"/>
               </a:rPr>
               <a:t> 기획문서이다</a:t>
             </a:r>
             <a:r>
-              <a:rPr lang="en-US" altLang="ko-KR" sz="1600" b="1" dirty="0">
+              <a:rPr lang="en-US" altLang="ko-KR" b="1" dirty="0">
                 <a:latin typeface="HY그래픽M" panose="02030600000101010101" pitchFamily="18" charset="-127"/>
                 <a:ea typeface="HY그래픽M" panose="02030600000101010101" pitchFamily="18" charset="-127"/>
               </a:rPr>
@@ -4198,7 +3939,7 @@
               <a:buFontTx/>
               <a:buChar char="-"/>
             </a:pPr>
-            <a:endParaRPr lang="en-US" altLang="ko-KR" sz="1600" b="1" dirty="0">
+            <a:endParaRPr lang="en-US" altLang="ko-KR" b="1" dirty="0">
               <a:latin typeface="HY그래픽M" panose="02030600000101010101" pitchFamily="18" charset="-127"/>
               <a:ea typeface="HY그래픽M" panose="02030600000101010101" pitchFamily="18" charset="-127"/>
             </a:endParaRPr>
@@ -4209,21 +3950,21 @@
               <a:buChar char="-"/>
             </a:pPr>
             <a:r>
-              <a:rPr lang="en-US" altLang="ko-KR" sz="1600" b="1" dirty="0">
+              <a:rPr lang="en-US" altLang="ko-KR" b="1" dirty="0">
                 <a:latin typeface="HY그래픽M" panose="02030600000101010101" pitchFamily="18" charset="-127"/>
                 <a:ea typeface="HY그래픽M" panose="02030600000101010101" pitchFamily="18" charset="-127"/>
               </a:rPr>
               <a:t>Wa</a:t>
             </a:r>
             <a:r>
-              <a:rPr lang="ko-KR" altLang="en-US" sz="1600" b="1" dirty="0">
+              <a:rPr lang="ko-KR" altLang="en-US" b="1" dirty="0">
                 <a:latin typeface="HY그래픽M" panose="02030600000101010101" pitchFamily="18" charset="-127"/>
                 <a:ea typeface="HY그래픽M" panose="02030600000101010101" pitchFamily="18" charset="-127"/>
               </a:rPr>
               <a:t>는 플레이어가 </a:t>
             </a:r>
             <a:r>
-              <a:rPr lang="ko-KR" altLang="en-US" sz="1600" b="1" dirty="0">
+              <a:rPr lang="ko-KR" altLang="en-US" b="1" dirty="0">
                 <a:solidFill>
                   <a:schemeClr val="accent4"/>
                 </a:solidFill>
@@ -4233,14 +3974,14 @@
               <a:t>룸에 배치된 퍼즐을 해결</a:t>
             </a:r>
             <a:r>
-              <a:rPr lang="ko-KR" altLang="en-US" sz="1600" b="1" dirty="0">
+              <a:rPr lang="ko-KR" altLang="en-US" b="1" dirty="0">
                 <a:latin typeface="HY그래픽M" panose="02030600000101010101" pitchFamily="18" charset="-127"/>
                 <a:ea typeface="HY그래픽M" panose="02030600000101010101" pitchFamily="18" charset="-127"/>
               </a:rPr>
               <a:t>하며 </a:t>
             </a:r>
             <a:r>
-              <a:rPr lang="ko-KR" altLang="en-US" sz="1600" b="1" dirty="0">
+              <a:rPr lang="ko-KR" altLang="en-US" b="1" dirty="0">
                 <a:solidFill>
                   <a:schemeClr val="accent4"/>
                 </a:solidFill>
@@ -4250,14 +3991,14 @@
               <a:t>다음 룸으로 이동하는 방식의 게임 흐름</a:t>
             </a:r>
             <a:r>
-              <a:rPr lang="ko-KR" altLang="en-US" sz="1600" b="1" dirty="0">
+              <a:rPr lang="ko-KR" altLang="en-US" b="1" dirty="0">
                 <a:latin typeface="HY그래픽M" panose="02030600000101010101" pitchFamily="18" charset="-127"/>
                 <a:ea typeface="HY그래픽M" panose="02030600000101010101" pitchFamily="18" charset="-127"/>
               </a:rPr>
               <a:t>을 가지고 있다</a:t>
             </a:r>
             <a:r>
-              <a:rPr lang="en-US" altLang="ko-KR" sz="1600" b="1" dirty="0">
+              <a:rPr lang="en-US" altLang="ko-KR" b="1" dirty="0">
                 <a:latin typeface="HY그래픽M" panose="02030600000101010101" pitchFamily="18" charset="-127"/>
                 <a:ea typeface="HY그래픽M" panose="02030600000101010101" pitchFamily="18" charset="-127"/>
               </a:rPr>
@@ -4265,7 +4006,7 @@
             </a:r>
           </a:p>
           <a:p>
-            <a:endParaRPr lang="en-US" altLang="ko-KR" sz="1600" b="1" dirty="0">
+            <a:endParaRPr lang="en-US" altLang="ko-KR" b="1" dirty="0">
               <a:latin typeface="HY그래픽M" panose="02030600000101010101" pitchFamily="18" charset="-127"/>
               <a:ea typeface="HY그래픽M" panose="02030600000101010101" pitchFamily="18" charset="-127"/>
             </a:endParaRPr>
@@ -4276,21 +4017,21 @@
               <a:buChar char="-"/>
             </a:pPr>
             <a:r>
-              <a:rPr lang="en-US" altLang="ko-KR" sz="1600" b="1" dirty="0">
+              <a:rPr lang="en-US" altLang="ko-KR" b="1" dirty="0">
                 <a:latin typeface="HY그래픽M" panose="02030600000101010101" pitchFamily="18" charset="-127"/>
                 <a:ea typeface="HY그래픽M" panose="02030600000101010101" pitchFamily="18" charset="-127"/>
               </a:rPr>
               <a:t>Wa</a:t>
             </a:r>
             <a:r>
-              <a:rPr lang="ko-KR" altLang="en-US" sz="1600" b="1" dirty="0">
+              <a:rPr lang="ko-KR" altLang="en-US" b="1" dirty="0">
                 <a:latin typeface="HY그래픽M" panose="02030600000101010101" pitchFamily="18" charset="-127"/>
                 <a:ea typeface="HY그래픽M" panose="02030600000101010101" pitchFamily="18" charset="-127"/>
               </a:rPr>
               <a:t>에서 캐릭터는 </a:t>
             </a:r>
             <a:r>
-              <a:rPr lang="ko-KR" altLang="en-US" sz="1600" b="1" dirty="0">
+              <a:rPr lang="ko-KR" altLang="en-US" b="1" dirty="0">
                 <a:solidFill>
                   <a:schemeClr val="accent4"/>
                 </a:solidFill>
@@ -4300,14 +4041,14 @@
               <a:t>항상 어느 룸에 위치한 상태</a:t>
             </a:r>
             <a:r>
-              <a:rPr lang="ko-KR" altLang="en-US" sz="1600" b="1" dirty="0">
+              <a:rPr lang="ko-KR" altLang="en-US" b="1" dirty="0">
                 <a:latin typeface="HY그래픽M" panose="02030600000101010101" pitchFamily="18" charset="-127"/>
                 <a:ea typeface="HY그래픽M" panose="02030600000101010101" pitchFamily="18" charset="-127"/>
               </a:rPr>
               <a:t>이다</a:t>
             </a:r>
             <a:r>
-              <a:rPr lang="en-US" altLang="ko-KR" sz="1600" b="1" dirty="0">
+              <a:rPr lang="en-US" altLang="ko-KR" b="1" dirty="0">
                 <a:latin typeface="HY그래픽M" panose="02030600000101010101" pitchFamily="18" charset="-127"/>
                 <a:ea typeface="HY그래픽M" panose="02030600000101010101" pitchFamily="18" charset="-127"/>
               </a:rPr>
@@ -4319,7 +4060,7 @@
               <a:buFontTx/>
               <a:buChar char="-"/>
             </a:pPr>
-            <a:endParaRPr lang="en-US" altLang="ko-KR" sz="1600" b="1" dirty="0">
+            <a:endParaRPr lang="en-US" altLang="ko-KR" b="1" dirty="0">
               <a:latin typeface="HY그래픽M" panose="02030600000101010101" pitchFamily="18" charset="-127"/>
               <a:ea typeface="HY그래픽M" panose="02030600000101010101" pitchFamily="18" charset="-127"/>
             </a:endParaRPr>
@@ -4330,143 +4071,116 @@
               <a:buChar char="-"/>
             </a:pPr>
             <a:r>
-              <a:rPr lang="ko-KR" altLang="en-US" sz="1600" b="1" dirty="0">
-                <a:latin typeface="HY그래픽M" panose="02030600000101010101" pitchFamily="18" charset="-127"/>
-                <a:ea typeface="HY그래픽M" panose="02030600000101010101" pitchFamily="18" charset="-127"/>
-              </a:rPr>
-              <a:t>플레이어는 캐릭터가 </a:t>
-            </a:r>
-            <a:r>
-              <a:rPr lang="ko-KR" altLang="en-US" sz="1600" b="1" dirty="0">
+              <a:rPr lang="ko-KR" altLang="en-US" b="1" dirty="0">
+                <a:latin typeface="HY그래픽M" panose="02030600000101010101" pitchFamily="18" charset="-127"/>
+                <a:ea typeface="HY그래픽M" panose="02030600000101010101" pitchFamily="18" charset="-127"/>
+              </a:rPr>
+              <a:t>룸 시스템은 </a:t>
+            </a:r>
+            <a:r>
+              <a:rPr lang="ko-KR" altLang="en-US" b="1" dirty="0">
                 <a:solidFill>
                   <a:schemeClr val="accent4"/>
                 </a:solidFill>
                 <a:latin typeface="HY그래픽M" panose="02030600000101010101" pitchFamily="18" charset="-127"/>
                 <a:ea typeface="HY그래픽M" panose="02030600000101010101" pitchFamily="18" charset="-127"/>
               </a:rPr>
-              <a:t>위치한 룸의 모습만 보인다</a:t>
-            </a:r>
-            <a:r>
-              <a:rPr lang="en-US" altLang="ko-KR" sz="1600" b="1" dirty="0">
+              <a:t>게임의 흐름을 조율하기 위한 시스템</a:t>
+            </a:r>
+            <a:r>
+              <a:rPr lang="ko-KR" altLang="en-US" b="1" dirty="0">
+                <a:latin typeface="HY그래픽M" panose="02030600000101010101" pitchFamily="18" charset="-127"/>
+                <a:ea typeface="HY그래픽M" panose="02030600000101010101" pitchFamily="18" charset="-127"/>
+              </a:rPr>
+              <a:t>이며</a:t>
+            </a:r>
+            <a:r>
+              <a:rPr lang="en-US" altLang="ko-KR" b="1" dirty="0">
+                <a:latin typeface="HY그래픽M" panose="02030600000101010101" pitchFamily="18" charset="-127"/>
+                <a:ea typeface="HY그래픽M" panose="02030600000101010101" pitchFamily="18" charset="-127"/>
+              </a:rPr>
+              <a:t>, </a:t>
+            </a:r>
+            <a:r>
+              <a:rPr lang="ko-KR" altLang="en-US" b="1" dirty="0">
+                <a:latin typeface="HY그래픽M" panose="02030600000101010101" pitchFamily="18" charset="-127"/>
+                <a:ea typeface="HY그래픽M" panose="02030600000101010101" pitchFamily="18" charset="-127"/>
+              </a:rPr>
+              <a:t>다음 동작들을 필요로 한다</a:t>
+            </a:r>
+            <a:r>
+              <a:rPr lang="en-US" altLang="ko-KR" b="1" dirty="0">
+                <a:latin typeface="HY그래픽M" panose="02030600000101010101" pitchFamily="18" charset="-127"/>
+                <a:ea typeface="HY그래픽M" panose="02030600000101010101" pitchFamily="18" charset="-127"/>
+              </a:rPr>
+              <a:t>.</a:t>
+            </a:r>
+          </a:p>
+          <a:p>
+            <a:pPr marL="342900" indent="-342900">
+              <a:buFont typeface="+mj-ea"/>
+              <a:buAutoNum type="circleNumDbPlain"/>
+            </a:pPr>
+            <a:r>
+              <a:rPr lang="ko-KR" altLang="en-US" sz="2000" b="1" dirty="0">
                 <a:solidFill>
-                  <a:schemeClr val="accent4"/>
+                  <a:schemeClr val="bg1"/>
                 </a:solidFill>
                 <a:latin typeface="HY그래픽M" panose="02030600000101010101" pitchFamily="18" charset="-127"/>
                 <a:ea typeface="HY그래픽M" panose="02030600000101010101" pitchFamily="18" charset="-127"/>
               </a:rPr>
-              <a:t>.</a:t>
-            </a:r>
-          </a:p>
-          <a:p>
-            <a:pPr marL="285705" indent="-285705">
-              <a:buFontTx/>
-              <a:buChar char="-"/>
-            </a:pPr>
-            <a:endParaRPr lang="en-US" altLang="ko-KR" sz="1600" b="1" dirty="0">
+              <a:t>리셋</a:t>
+            </a:r>
+            <a:endParaRPr lang="en-US" altLang="ko-KR" sz="2000" b="1" dirty="0">
+              <a:solidFill>
+                <a:schemeClr val="bg1"/>
+              </a:solidFill>
               <a:latin typeface="HY그래픽M" panose="02030600000101010101" pitchFamily="18" charset="-127"/>
               <a:ea typeface="HY그래픽M" panose="02030600000101010101" pitchFamily="18" charset="-127"/>
             </a:endParaRPr>
           </a:p>
           <a:p>
-            <a:pPr marL="285705" indent="-285705">
-              <a:buFontTx/>
-              <a:buChar char="-"/>
+            <a:pPr marL="342900" indent="-342900">
+              <a:buFont typeface="+mj-ea"/>
+              <a:buAutoNum type="circleNumDbPlain"/>
             </a:pPr>
             <a:r>
-              <a:rPr lang="ko-KR" altLang="en-US" sz="1600" b="1" dirty="0">
-                <a:latin typeface="HY그래픽M" panose="02030600000101010101" pitchFamily="18" charset="-127"/>
-                <a:ea typeface="HY그래픽M" panose="02030600000101010101" pitchFamily="18" charset="-127"/>
-              </a:rPr>
-              <a:t>캐릭터가 사망하면 </a:t>
-            </a:r>
-            <a:r>
-              <a:rPr lang="ko-KR" altLang="en-US" sz="1600" b="1" dirty="0">
+              <a:rPr lang="ko-KR" altLang="en-US" sz="2000" b="1" dirty="0">
                 <a:solidFill>
-                  <a:schemeClr val="accent4"/>
+                  <a:schemeClr val="bg1"/>
                 </a:solidFill>
                 <a:latin typeface="HY그래픽M" panose="02030600000101010101" pitchFamily="18" charset="-127"/>
                 <a:ea typeface="HY그래픽M" panose="02030600000101010101" pitchFamily="18" charset="-127"/>
               </a:rPr>
-              <a:t>룸의 </a:t>
-            </a:r>
-            <a:r>
-              <a:rPr lang="ko-KR" altLang="en-US" sz="1600" b="1" dirty="0" err="1">
+              <a:t>시야조정</a:t>
+            </a:r>
+            <a:endParaRPr lang="en-US" altLang="ko-KR" sz="2000" b="1" dirty="0">
+              <a:solidFill>
+                <a:schemeClr val="bg1"/>
+              </a:solidFill>
+              <a:latin typeface="HY그래픽M" panose="02030600000101010101" pitchFamily="18" charset="-127"/>
+              <a:ea typeface="HY그래픽M" panose="02030600000101010101" pitchFamily="18" charset="-127"/>
+            </a:endParaRPr>
+          </a:p>
+          <a:p>
+            <a:pPr marL="342900" indent="-342900">
+              <a:buFont typeface="+mj-ea"/>
+              <a:buAutoNum type="circleNumDbPlain"/>
+            </a:pPr>
+            <a:r>
+              <a:rPr lang="ko-KR" altLang="en-US" sz="2000" b="1" dirty="0">
                 <a:solidFill>
-                  <a:schemeClr val="accent4"/>
+                  <a:schemeClr val="bg1"/>
                 </a:solidFill>
                 <a:latin typeface="HY그래픽M" panose="02030600000101010101" pitchFamily="18" charset="-127"/>
                 <a:ea typeface="HY그래픽M" panose="02030600000101010101" pitchFamily="18" charset="-127"/>
               </a:rPr>
-              <a:t>리스폰포인트</a:t>
-            </a:r>
-            <a:r>
-              <a:rPr lang="ko-KR" altLang="en-US" sz="1600" b="1" dirty="0">
-                <a:solidFill>
-                  <a:schemeClr val="accent4"/>
-                </a:solidFill>
-                <a:latin typeface="HY그래픽M" panose="02030600000101010101" pitchFamily="18" charset="-127"/>
-                <a:ea typeface="HY그래픽M" panose="02030600000101010101" pitchFamily="18" charset="-127"/>
-              </a:rPr>
-              <a:t> 에서 </a:t>
-            </a:r>
-            <a:r>
-              <a:rPr lang="ko-KR" altLang="en-US" sz="1600" b="1" dirty="0" err="1">
-                <a:solidFill>
-                  <a:schemeClr val="accent4"/>
-                </a:solidFill>
-                <a:latin typeface="HY그래픽M" panose="02030600000101010101" pitchFamily="18" charset="-127"/>
-                <a:ea typeface="HY그래픽M" panose="02030600000101010101" pitchFamily="18" charset="-127"/>
-              </a:rPr>
-              <a:t>재생성</a:t>
-            </a:r>
-            <a:r>
-              <a:rPr lang="ko-KR" altLang="en-US" sz="1600" b="1" dirty="0" err="1">
-                <a:latin typeface="HY그래픽M" panose="02030600000101010101" pitchFamily="18" charset="-127"/>
-                <a:ea typeface="HY그래픽M" panose="02030600000101010101" pitchFamily="18" charset="-127"/>
-              </a:rPr>
-              <a:t>되며</a:t>
-            </a:r>
-            <a:r>
-              <a:rPr lang="en-US" altLang="ko-KR" sz="1600" b="1" dirty="0">
-                <a:latin typeface="HY그래픽M" panose="02030600000101010101" pitchFamily="18" charset="-127"/>
-                <a:ea typeface="HY그래픽M" panose="02030600000101010101" pitchFamily="18" charset="-127"/>
-              </a:rPr>
-              <a:t>, </a:t>
-            </a:r>
-            <a:r>
-              <a:rPr lang="ko-KR" altLang="en-US" sz="1600" b="1" dirty="0">
-                <a:latin typeface="HY그래픽M" panose="02030600000101010101" pitchFamily="18" charset="-127"/>
-                <a:ea typeface="HY그래픽M" panose="02030600000101010101" pitchFamily="18" charset="-127"/>
-              </a:rPr>
-              <a:t>룸에 있던 </a:t>
-            </a:r>
-            <a:r>
-              <a:rPr lang="ko-KR" altLang="en-US" sz="1600" b="1" dirty="0">
-                <a:solidFill>
-                  <a:schemeClr val="accent4"/>
-                </a:solidFill>
-                <a:latin typeface="HY그래픽M" panose="02030600000101010101" pitchFamily="18" charset="-127"/>
-                <a:ea typeface="HY그래픽M" panose="02030600000101010101" pitchFamily="18" charset="-127"/>
-              </a:rPr>
-              <a:t>퍼즐 요소들은 전부 초기 위치로 이동</a:t>
-            </a:r>
-            <a:r>
-              <a:rPr lang="ko-KR" altLang="en-US" sz="1600" b="1" dirty="0">
-                <a:latin typeface="HY그래픽M" panose="02030600000101010101" pitchFamily="18" charset="-127"/>
-                <a:ea typeface="HY그래픽M" panose="02030600000101010101" pitchFamily="18" charset="-127"/>
-              </a:rPr>
-              <a:t>된다</a:t>
-            </a:r>
-            <a:r>
-              <a:rPr lang="en-US" altLang="ko-KR" sz="1600" b="1" dirty="0">
-                <a:latin typeface="HY그래픽M" panose="02030600000101010101" pitchFamily="18" charset="-127"/>
-                <a:ea typeface="HY그래픽M" panose="02030600000101010101" pitchFamily="18" charset="-127"/>
-              </a:rPr>
-              <a:t>.</a:t>
-            </a:r>
-          </a:p>
-          <a:p>
-            <a:endParaRPr lang="en-US" altLang="ko-KR" sz="1600" b="1" dirty="0">
+              <a:t>상태조정</a:t>
+            </a:r>
+            <a:endParaRPr lang="en-US" altLang="ko-KR" sz="1400" b="1" dirty="0">
+              <a:solidFill>
+                <a:schemeClr val="bg1"/>
+              </a:solidFill>
               <a:latin typeface="HY그래픽M" panose="02030600000101010101" pitchFamily="18" charset="-127"/>
               <a:ea typeface="HY그래픽M" panose="02030600000101010101" pitchFamily="18" charset="-127"/>
             </a:endParaRPr>
@@ -4487,8 +4201,8 @@
         </p:nvSpPr>
         <p:spPr>
           <a:xfrm>
-            <a:off x="280315" y="5293049"/>
-            <a:ext cx="6297381" cy="369332"/>
+            <a:off x="120090" y="4534406"/>
+            <a:ext cx="8559799" cy="369332"/>
           </a:xfrm>
           <a:prstGeom prst="rect">
             <a:avLst/>
@@ -4520,49 +4234,6 @@
               <a:latin typeface="메이플스토리" panose="02000300000000000000" pitchFamily="2" charset="-127"/>
               <a:ea typeface="메이플스토리" panose="02000300000000000000" pitchFamily="2" charset="-127"/>
             </a:endParaRPr>
-          </a:p>
-        </p:txBody>
-      </p:sp>
-      <p:sp>
-        <p:nvSpPr>
-          <p:cNvPr id="11" name="직사각형 10">
-            <a:extLst>
-              <a:ext uri="{FF2B5EF4-FFF2-40B4-BE49-F238E27FC236}">
-                <a16:creationId xmlns:a16="http://schemas.microsoft.com/office/drawing/2014/main" id="{8AA7B7EF-E893-40BE-A467-4217D73608C5}"/>
-              </a:ext>
-            </a:extLst>
-          </p:cNvPr>
-          <p:cNvSpPr/>
-          <p:nvPr/>
-        </p:nvSpPr>
-        <p:spPr>
-          <a:xfrm>
-            <a:off x="2756733" y="33681"/>
-            <a:ext cx="1344535" cy="923330"/>
-          </a:xfrm>
-          <a:prstGeom prst="rect">
-            <a:avLst/>
-          </a:prstGeom>
-          <a:noFill/>
-        </p:spPr>
-        <p:txBody>
-          <a:bodyPr wrap="none" lIns="91440" tIns="45720" rIns="91440" bIns="45720">
-            <a:spAutoFit/>
-          </a:bodyPr>
-          <a:lstStyle/>
-          <a:p>
-            <a:pPr algn="ctr"/>
-            <a:r>
-              <a:rPr lang="en-US" altLang="ko-KR" sz="5400" b="1" cap="none" spc="0" dirty="0">
-                <a:ln w="0"/>
-                <a:solidFill>
-                  <a:schemeClr val="tx1"/>
-                </a:solidFill>
-                <a:latin typeface="+mj-ea"/>
-                <a:ea typeface="+mj-ea"/>
-              </a:rPr>
-              <a:t>WA</a:t>
-            </a:r>
           </a:p>
         </p:txBody>
       </p:sp>
@@ -4593,14 +4264,116 @@
         </p:blipFill>
         <p:spPr>
           <a:xfrm>
-            <a:off x="280306" y="5773423"/>
-            <a:ext cx="6272550" cy="3518560"/>
+            <a:off x="562457" y="5310226"/>
+            <a:ext cx="7679335" cy="4289467"/>
           </a:xfrm>
           <a:prstGeom prst="rect">
             <a:avLst/>
           </a:prstGeom>
         </p:spPr>
       </p:pic>
+      <p:sp>
+        <p:nvSpPr>
+          <p:cNvPr id="14" name="직사각형 13">
+            <a:extLst>
+              <a:ext uri="{FF2B5EF4-FFF2-40B4-BE49-F238E27FC236}">
+                <a16:creationId xmlns:a16="http://schemas.microsoft.com/office/drawing/2014/main" id="{212B7ECA-7CD7-467F-9EC4-27938A087C78}"/>
+              </a:ext>
+            </a:extLst>
+          </p:cNvPr>
+          <p:cNvSpPr/>
+          <p:nvPr/>
+        </p:nvSpPr>
+        <p:spPr>
+          <a:xfrm>
+            <a:off x="8132804" y="33681"/>
+            <a:ext cx="1344535" cy="923330"/>
+          </a:xfrm>
+          <a:prstGeom prst="rect">
+            <a:avLst/>
+          </a:prstGeom>
+          <a:noFill/>
+        </p:spPr>
+        <p:txBody>
+          <a:bodyPr wrap="none" lIns="91440" tIns="45720" rIns="91440" bIns="45720">
+            <a:spAutoFit/>
+          </a:bodyPr>
+          <a:lstStyle/>
+          <a:p>
+            <a:pPr algn="ctr"/>
+            <a:r>
+              <a:rPr lang="en-US" altLang="ko-KR" sz="5400" b="1" dirty="0">
+                <a:ln w="0">
+                  <a:solidFill>
+                    <a:schemeClr val="bg1"/>
+                  </a:solidFill>
+                </a:ln>
+                <a:latin typeface="+mj-ea"/>
+                <a:ea typeface="+mj-ea"/>
+              </a:rPr>
+              <a:t>WA</a:t>
+            </a:r>
+          </a:p>
+        </p:txBody>
+      </p:sp>
+      <p:sp>
+        <p:nvSpPr>
+          <p:cNvPr id="15" name="사각형: 둥근 모서리 14">
+            <a:extLst>
+              <a:ext uri="{FF2B5EF4-FFF2-40B4-BE49-F238E27FC236}">
+                <a16:creationId xmlns:a16="http://schemas.microsoft.com/office/drawing/2014/main" id="{B4929C92-915C-400A-8F9A-5E60E967B602}"/>
+              </a:ext>
+            </a:extLst>
+          </p:cNvPr>
+          <p:cNvSpPr/>
+          <p:nvPr/>
+        </p:nvSpPr>
+        <p:spPr>
+          <a:xfrm>
+            <a:off x="101601" y="993855"/>
+            <a:ext cx="17406942" cy="318170"/>
+          </a:xfrm>
+          <a:prstGeom prst="roundRect">
+            <a:avLst/>
+          </a:prstGeom>
+          <a:solidFill>
+            <a:schemeClr val="tx1"/>
+          </a:solidFill>
+          <a:ln>
+            <a:noFill/>
+          </a:ln>
+        </p:spPr>
+        <p:style>
+          <a:lnRef idx="2">
+            <a:schemeClr val="accent1">
+              <a:shade val="50000"/>
+            </a:schemeClr>
+          </a:lnRef>
+          <a:fillRef idx="1">
+            <a:schemeClr val="accent1"/>
+          </a:fillRef>
+          <a:effectRef idx="0">
+            <a:schemeClr val="accent1"/>
+          </a:effectRef>
+          <a:fontRef idx="minor">
+            <a:schemeClr val="lt1"/>
+          </a:fontRef>
+        </p:style>
+        <p:txBody>
+          <a:bodyPr rtlCol="0" anchor="ctr"/>
+          <a:lstStyle/>
+          <a:p>
+            <a:pPr algn="ctr"/>
+            <a:r>
+              <a:rPr lang="ko-KR" altLang="en-US" b="1" dirty="0">
+                <a:latin typeface="메이플스토리" panose="02000300000000000000" pitchFamily="2" charset="-127"/>
+                <a:ea typeface="메이플스토리" panose="02000300000000000000" pitchFamily="2" charset="-127"/>
+              </a:rPr>
+              <a:t>개요</a:t>
+            </a:r>
+          </a:p>
+        </p:txBody>
+      </p:sp>
     </p:spTree>
     <p:extLst>
       <p:ext uri="{BB962C8B-B14F-4D97-AF65-F5344CB8AC3E}">
@@ -4633,10 +4406,334 @@
       </p:grpSpPr>
       <p:sp>
         <p:nvSpPr>
-          <p:cNvPr id="31" name="직사각형 30">
+          <p:cNvPr id="7" name="TextBox 6">
             <a:extLst>
               <a:ext uri="{FF2B5EF4-FFF2-40B4-BE49-F238E27FC236}">
-                <a16:creationId xmlns:a16="http://schemas.microsoft.com/office/drawing/2014/main" id="{408EFC51-8FFE-4ADF-89E4-7E6457F42BE2}"/>
+                <a16:creationId xmlns:a16="http://schemas.microsoft.com/office/drawing/2014/main" id="{0303DF18-0C83-4CE1-A6FF-74D4ABA7E9AA}"/>
+              </a:ext>
+            </a:extLst>
+          </p:cNvPr>
+          <p:cNvSpPr txBox="1"/>
+          <p:nvPr/>
+        </p:nvSpPr>
+        <p:spPr>
+          <a:xfrm>
+            <a:off x="101601" y="1445888"/>
+            <a:ext cx="13937577" cy="2862322"/>
+          </a:xfrm>
+          <a:prstGeom prst="rect">
+            <a:avLst/>
+          </a:prstGeom>
+          <a:solidFill>
+            <a:schemeClr val="bg1">
+              <a:alpha val="20000"/>
+            </a:schemeClr>
+          </a:solidFill>
+        </p:spPr>
+        <p:txBody>
+          <a:bodyPr wrap="square" rtlCol="0">
+            <a:spAutoFit/>
+          </a:bodyPr>
+          <a:lstStyle/>
+          <a:p>
+            <a:pPr marL="285705" indent="-285705">
+              <a:buFontTx/>
+              <a:buChar char="-"/>
+            </a:pPr>
+            <a:r>
+              <a:rPr lang="ko-KR" altLang="en-US" b="1" dirty="0">
+                <a:latin typeface="HY그래픽M" panose="02030600000101010101" pitchFamily="18" charset="-127"/>
+                <a:ea typeface="HY그래픽M" panose="02030600000101010101" pitchFamily="18" charset="-127"/>
+              </a:rPr>
+              <a:t> 룸 하나에는 하나의 </a:t>
+            </a:r>
+            <a:r>
+              <a:rPr lang="ko-KR" altLang="en-US" b="1" dirty="0" err="1">
+                <a:solidFill>
+                  <a:schemeClr val="accent4"/>
+                </a:solidFill>
+                <a:latin typeface="HY그래픽M" panose="02030600000101010101" pitchFamily="18" charset="-127"/>
+                <a:ea typeface="HY그래픽M" panose="02030600000101010101" pitchFamily="18" charset="-127"/>
+              </a:rPr>
+              <a:t>리스폰포인트</a:t>
+            </a:r>
+            <a:r>
+              <a:rPr lang="ko-KR" altLang="en-US" b="1" dirty="0">
+                <a:latin typeface="HY그래픽M" panose="02030600000101010101" pitchFamily="18" charset="-127"/>
+                <a:ea typeface="HY그래픽M" panose="02030600000101010101" pitchFamily="18" charset="-127"/>
+              </a:rPr>
+              <a:t> 가 되는 장소가 있다</a:t>
+            </a:r>
+            <a:r>
+              <a:rPr lang="en-US" altLang="ko-KR" b="1" dirty="0">
+                <a:latin typeface="HY그래픽M" panose="02030600000101010101" pitchFamily="18" charset="-127"/>
+                <a:ea typeface="HY그래픽M" panose="02030600000101010101" pitchFamily="18" charset="-127"/>
+              </a:rPr>
+              <a:t>.</a:t>
+            </a:r>
+          </a:p>
+          <a:p>
+            <a:pPr marL="285705" indent="-285705">
+              <a:buFontTx/>
+              <a:buChar char="-"/>
+            </a:pPr>
+            <a:endParaRPr lang="en-US" altLang="ko-KR" b="1" dirty="0">
+              <a:latin typeface="HY그래픽M" panose="02030600000101010101" pitchFamily="18" charset="-127"/>
+              <a:ea typeface="HY그래픽M" panose="02030600000101010101" pitchFamily="18" charset="-127"/>
+            </a:endParaRPr>
+          </a:p>
+          <a:p>
+            <a:pPr marL="285705" indent="-285705">
+              <a:buFontTx/>
+              <a:buChar char="-"/>
+            </a:pPr>
+            <a:r>
+              <a:rPr lang="en-US" altLang="ko-KR" b="1" dirty="0">
+                <a:latin typeface="HY그래픽M" panose="02030600000101010101" pitchFamily="18" charset="-127"/>
+                <a:ea typeface="HY그래픽M" panose="02030600000101010101" pitchFamily="18" charset="-127"/>
+              </a:rPr>
+              <a:t> </a:t>
+            </a:r>
+            <a:r>
+              <a:rPr lang="ko-KR" altLang="en-US" b="1" dirty="0">
+                <a:latin typeface="HY그래픽M" panose="02030600000101010101" pitchFamily="18" charset="-127"/>
+                <a:ea typeface="HY그래픽M" panose="02030600000101010101" pitchFamily="18" charset="-127"/>
+              </a:rPr>
+              <a:t>룸에 위치한 </a:t>
+            </a:r>
+            <a:r>
+              <a:rPr lang="ko-KR" altLang="en-US" b="1" dirty="0">
+                <a:solidFill>
+                  <a:schemeClr val="accent4"/>
+                </a:solidFill>
+                <a:latin typeface="HY그래픽M" panose="02030600000101010101" pitchFamily="18" charset="-127"/>
+                <a:ea typeface="HY그래픽M" panose="02030600000101010101" pitchFamily="18" charset="-127"/>
+              </a:rPr>
+              <a:t>모든 퍼즐은 </a:t>
+            </a:r>
+            <a:r>
+              <a:rPr lang="ko-KR" altLang="en-US" b="1" dirty="0" err="1">
+                <a:solidFill>
+                  <a:schemeClr val="accent4"/>
+                </a:solidFill>
+                <a:latin typeface="HY그래픽M" panose="02030600000101010101" pitchFamily="18" charset="-127"/>
+                <a:ea typeface="HY그래픽M" panose="02030600000101010101" pitchFamily="18" charset="-127"/>
+              </a:rPr>
+              <a:t>초기위치좌표과</a:t>
+            </a:r>
+            <a:r>
+              <a:rPr lang="ko-KR" altLang="en-US" b="1" dirty="0">
+                <a:solidFill>
+                  <a:schemeClr val="accent4"/>
+                </a:solidFill>
+                <a:latin typeface="HY그래픽M" panose="02030600000101010101" pitchFamily="18" charset="-127"/>
+                <a:ea typeface="HY그래픽M" panose="02030600000101010101" pitchFamily="18" charset="-127"/>
+              </a:rPr>
+              <a:t> </a:t>
+            </a:r>
+            <a:r>
+              <a:rPr lang="ko-KR" altLang="en-US" b="1" dirty="0" err="1">
+                <a:solidFill>
+                  <a:schemeClr val="accent4"/>
+                </a:solidFill>
+                <a:latin typeface="HY그래픽M" panose="02030600000101010101" pitchFamily="18" charset="-127"/>
+                <a:ea typeface="HY그래픽M" panose="02030600000101010101" pitchFamily="18" charset="-127"/>
+              </a:rPr>
+              <a:t>초기상태값을</a:t>
+            </a:r>
+            <a:r>
+              <a:rPr lang="ko-KR" altLang="en-US" b="1" dirty="0">
+                <a:solidFill>
+                  <a:schemeClr val="accent4"/>
+                </a:solidFill>
+                <a:latin typeface="HY그래픽M" panose="02030600000101010101" pitchFamily="18" charset="-127"/>
+                <a:ea typeface="HY그래픽M" panose="02030600000101010101" pitchFamily="18" charset="-127"/>
+              </a:rPr>
+              <a:t> 따로 저장</a:t>
+            </a:r>
+            <a:r>
+              <a:rPr lang="ko-KR" altLang="en-US" b="1" dirty="0">
+                <a:latin typeface="HY그래픽M" panose="02030600000101010101" pitchFamily="18" charset="-127"/>
+                <a:ea typeface="HY그래픽M" panose="02030600000101010101" pitchFamily="18" charset="-127"/>
+              </a:rPr>
+              <a:t>하고 있다</a:t>
+            </a:r>
+            <a:r>
+              <a:rPr lang="en-US" altLang="ko-KR" b="1" dirty="0">
+                <a:latin typeface="HY그래픽M" panose="02030600000101010101" pitchFamily="18" charset="-127"/>
+                <a:ea typeface="HY그래픽M" panose="02030600000101010101" pitchFamily="18" charset="-127"/>
+              </a:rPr>
+              <a:t>.</a:t>
+            </a:r>
+          </a:p>
+          <a:p>
+            <a:pPr marL="285705" indent="-285705">
+              <a:buFontTx/>
+              <a:buChar char="-"/>
+            </a:pPr>
+            <a:endParaRPr lang="en-US" altLang="ko-KR" b="1" dirty="0">
+              <a:latin typeface="HY그래픽M" panose="02030600000101010101" pitchFamily="18" charset="-127"/>
+              <a:ea typeface="HY그래픽M" panose="02030600000101010101" pitchFamily="18" charset="-127"/>
+            </a:endParaRPr>
+          </a:p>
+          <a:p>
+            <a:pPr marL="285705" indent="-285705">
+              <a:buFontTx/>
+              <a:buChar char="-"/>
+            </a:pPr>
+            <a:r>
+              <a:rPr lang="en-US" altLang="ko-KR" b="1" dirty="0">
+                <a:latin typeface="HY그래픽M" panose="02030600000101010101" pitchFamily="18" charset="-127"/>
+                <a:ea typeface="HY그래픽M" panose="02030600000101010101" pitchFamily="18" charset="-127"/>
+              </a:rPr>
+              <a:t> </a:t>
+            </a:r>
+            <a:r>
+              <a:rPr lang="ko-KR" altLang="en-US" b="1" dirty="0">
+                <a:latin typeface="HY그래픽M" panose="02030600000101010101" pitchFamily="18" charset="-127"/>
+                <a:ea typeface="HY그래픽M" panose="02030600000101010101" pitchFamily="18" charset="-127"/>
+              </a:rPr>
+              <a:t>룸은 다음과 같은 </a:t>
+            </a:r>
+            <a:r>
+              <a:rPr lang="ko-KR" altLang="en-US" b="1" dirty="0">
+                <a:solidFill>
+                  <a:schemeClr val="accent4"/>
+                </a:solidFill>
+                <a:latin typeface="HY그래픽M" panose="02030600000101010101" pitchFamily="18" charset="-127"/>
+                <a:ea typeface="HY그래픽M" panose="02030600000101010101" pitchFamily="18" charset="-127"/>
+              </a:rPr>
+              <a:t>동작들이 트리거가 되어 리셋</a:t>
+            </a:r>
+            <a:r>
+              <a:rPr lang="ko-KR" altLang="en-US" b="1" dirty="0">
+                <a:latin typeface="HY그래픽M" panose="02030600000101010101" pitchFamily="18" charset="-127"/>
+                <a:ea typeface="HY그래픽M" panose="02030600000101010101" pitchFamily="18" charset="-127"/>
+              </a:rPr>
+              <a:t>을 한다</a:t>
+            </a:r>
+            <a:r>
+              <a:rPr lang="en-US" altLang="ko-KR" b="1" dirty="0">
+                <a:latin typeface="HY그래픽M" panose="02030600000101010101" pitchFamily="18" charset="-127"/>
+                <a:ea typeface="HY그래픽M" panose="02030600000101010101" pitchFamily="18" charset="-127"/>
+              </a:rPr>
+              <a:t>.</a:t>
+            </a:r>
+          </a:p>
+          <a:p>
+            <a:pPr marL="342900" indent="-342900">
+              <a:buFont typeface="+mj-ea"/>
+              <a:buAutoNum type="circleNumDbPlain"/>
+            </a:pPr>
+            <a:r>
+              <a:rPr lang="ko-KR" altLang="en-US" b="1" dirty="0">
+                <a:solidFill>
+                  <a:schemeClr val="bg1"/>
+                </a:solidFill>
+                <a:latin typeface="HY그래픽M" panose="02030600000101010101" pitchFamily="18" charset="-127"/>
+                <a:ea typeface="HY그래픽M" panose="02030600000101010101" pitchFamily="18" charset="-127"/>
+              </a:rPr>
+              <a:t>플레이어 캐릭터가 사망</a:t>
+            </a:r>
+            <a:endParaRPr lang="en-US" altLang="ko-KR" b="1" dirty="0">
+              <a:solidFill>
+                <a:schemeClr val="bg1"/>
+              </a:solidFill>
+              <a:latin typeface="HY그래픽M" panose="02030600000101010101" pitchFamily="18" charset="-127"/>
+              <a:ea typeface="HY그래픽M" panose="02030600000101010101" pitchFamily="18" charset="-127"/>
+            </a:endParaRPr>
+          </a:p>
+          <a:p>
+            <a:pPr marL="342900" indent="-342900">
+              <a:buFont typeface="+mj-ea"/>
+              <a:buAutoNum type="circleNumDbPlain"/>
+            </a:pPr>
+            <a:r>
+              <a:rPr lang="ko-KR" altLang="en-US" b="1" dirty="0">
+                <a:solidFill>
+                  <a:schemeClr val="bg1"/>
+                </a:solidFill>
+                <a:latin typeface="HY그래픽M" panose="02030600000101010101" pitchFamily="18" charset="-127"/>
+                <a:ea typeface="HY그래픽M" panose="02030600000101010101" pitchFamily="18" charset="-127"/>
+              </a:rPr>
+              <a:t>플레이어 캐릭터가 다른 룸으로 이동</a:t>
+            </a:r>
+            <a:endParaRPr lang="en-US" altLang="ko-KR" b="1" dirty="0">
+              <a:solidFill>
+                <a:schemeClr val="bg1"/>
+              </a:solidFill>
+              <a:latin typeface="HY그래픽M" panose="02030600000101010101" pitchFamily="18" charset="-127"/>
+              <a:ea typeface="HY그래픽M" panose="02030600000101010101" pitchFamily="18" charset="-127"/>
+            </a:endParaRPr>
+          </a:p>
+          <a:p>
+            <a:pPr marL="342900" indent="-342900">
+              <a:buFont typeface="+mj-ea"/>
+              <a:buAutoNum type="circleNumDbPlain"/>
+            </a:pPr>
+            <a:endParaRPr lang="en-US" altLang="ko-KR" b="1" dirty="0">
+              <a:latin typeface="HY그래픽M" panose="02030600000101010101" pitchFamily="18" charset="-127"/>
+              <a:ea typeface="HY그래픽M" panose="02030600000101010101" pitchFamily="18" charset="-127"/>
+            </a:endParaRPr>
+          </a:p>
+          <a:p>
+            <a:pPr marL="285705" indent="-285705">
+              <a:buFontTx/>
+              <a:buChar char="-"/>
+            </a:pPr>
+            <a:r>
+              <a:rPr lang="en-US" altLang="ko-KR" b="1" dirty="0">
+                <a:latin typeface="HY그래픽M" panose="02030600000101010101" pitchFamily="18" charset="-127"/>
+                <a:ea typeface="HY그래픽M" panose="02030600000101010101" pitchFamily="18" charset="-127"/>
+              </a:rPr>
+              <a:t> </a:t>
+            </a:r>
+            <a:r>
+              <a:rPr lang="ko-KR" altLang="en-US" b="1" dirty="0">
+                <a:latin typeface="HY그래픽M" panose="02030600000101010101" pitchFamily="18" charset="-127"/>
+                <a:ea typeface="HY그래픽M" panose="02030600000101010101" pitchFamily="18" charset="-127"/>
+              </a:rPr>
+              <a:t>트리거에 따라서 </a:t>
+            </a:r>
+            <a:r>
+              <a:rPr lang="ko-KR" altLang="en-US" b="1" dirty="0">
+                <a:solidFill>
+                  <a:schemeClr val="accent4"/>
+                </a:solidFill>
+                <a:latin typeface="HY그래픽M" panose="02030600000101010101" pitchFamily="18" charset="-127"/>
+                <a:ea typeface="HY그래픽M" panose="02030600000101010101" pitchFamily="18" charset="-127"/>
+              </a:rPr>
+              <a:t>룸 리셋의 방식은 달라진다</a:t>
+            </a:r>
+            <a:r>
+              <a:rPr lang="en-US" altLang="ko-KR" b="1" dirty="0">
+                <a:solidFill>
+                  <a:schemeClr val="accent4"/>
+                </a:solidFill>
+                <a:latin typeface="HY그래픽M" panose="02030600000101010101" pitchFamily="18" charset="-127"/>
+                <a:ea typeface="HY그래픽M" panose="02030600000101010101" pitchFamily="18" charset="-127"/>
+              </a:rPr>
+              <a:t>.</a:t>
+            </a:r>
+            <a:endParaRPr lang="en-US" altLang="ko-KR" b="1" dirty="0">
+              <a:latin typeface="HY그래픽M" panose="02030600000101010101" pitchFamily="18" charset="-127"/>
+              <a:ea typeface="HY그래픽M" panose="02030600000101010101" pitchFamily="18" charset="-127"/>
+            </a:endParaRPr>
+          </a:p>
+          <a:p>
+            <a:endParaRPr lang="en-US" altLang="ko-KR" b="1" dirty="0">
+              <a:latin typeface="HY그래픽M" panose="02030600000101010101" pitchFamily="18" charset="-127"/>
+              <a:ea typeface="HY그래픽M" panose="02030600000101010101" pitchFamily="18" charset="-127"/>
+            </a:endParaRPr>
+          </a:p>
+        </p:txBody>
+      </p:sp>
+      <p:sp>
+        <p:nvSpPr>
+          <p:cNvPr id="8" name="사각형: 둥근 모서리 7">
+            <a:extLst>
+              <a:ext uri="{FF2B5EF4-FFF2-40B4-BE49-F238E27FC236}">
+                <a16:creationId xmlns:a16="http://schemas.microsoft.com/office/drawing/2014/main" id="{CF8DA16C-C0F8-4F61-BD5F-7C1AC05F3699}"/>
               </a:ext>
             </a:extLst>
           </p:cNvPr>
@@ -4645,16 +4742,14 @@
         </p:nvSpPr>
         <p:spPr>
           <a:xfrm>
-            <a:off x="5" y="1125001"/>
-            <a:ext cx="6876481" cy="8781003"/>
+            <a:off x="101601" y="993855"/>
+            <a:ext cx="17406942" cy="318170"/>
           </a:xfrm>
-          <a:prstGeom prst="rect">
+          <a:prstGeom prst="roundRect">
             <a:avLst/>
           </a:prstGeom>
           <a:solidFill>
-            <a:schemeClr val="bg2">
-              <a:lumMod val="25000"/>
-            </a:schemeClr>
+            <a:schemeClr val="tx1"/>
           </a:solidFill>
           <a:ln>
             <a:noFill/>
@@ -4681,151 +4776,22 @@
           <a:lstStyle/>
           <a:p>
             <a:pPr algn="ctr"/>
-            <a:endParaRPr lang="ko-KR" altLang="en-US" dirty="0"/>
-          </a:p>
-        </p:txBody>
-      </p:sp>
-      <p:grpSp>
-        <p:nvGrpSpPr>
-          <p:cNvPr id="48" name="그룹 47">
+            <a:r>
+              <a:rPr lang="ko-KR" altLang="en-US" b="1" dirty="0">
+                <a:latin typeface="메이플스토리" panose="02000300000000000000" pitchFamily="2" charset="-127"/>
+                <a:ea typeface="메이플스토리" panose="02000300000000000000" pitchFamily="2" charset="-127"/>
+              </a:rPr>
+              <a:t>리셋</a:t>
+            </a:r>
+          </a:p>
+        </p:txBody>
+      </p:sp>
+      <p:sp>
+        <p:nvSpPr>
+          <p:cNvPr id="9" name="직사각형 8">
             <a:extLst>
               <a:ext uri="{FF2B5EF4-FFF2-40B4-BE49-F238E27FC236}">
-                <a16:creationId xmlns:a16="http://schemas.microsoft.com/office/drawing/2014/main" id="{5F81BAD5-5816-4FCF-8474-BB3D63A02951}"/>
-              </a:ext>
-            </a:extLst>
-          </p:cNvPr>
-          <p:cNvGrpSpPr/>
-          <p:nvPr/>
-        </p:nvGrpSpPr>
-        <p:grpSpPr>
-          <a:xfrm>
-            <a:off x="0" y="1046534"/>
-            <a:ext cx="6876480" cy="455116"/>
-            <a:chOff x="121920" y="1124997"/>
-            <a:chExt cx="6614160" cy="455116"/>
-          </a:xfrm>
-        </p:grpSpPr>
-        <p:sp>
-          <p:nvSpPr>
-            <p:cNvPr id="49" name="사각형: 둥근 모서리 48">
-              <a:extLst>
-                <a:ext uri="{FF2B5EF4-FFF2-40B4-BE49-F238E27FC236}">
-                  <a16:creationId xmlns:a16="http://schemas.microsoft.com/office/drawing/2014/main" id="{38110464-CEF5-4BD1-BE78-BECC49E498AB}"/>
-                </a:ext>
-              </a:extLst>
-            </p:cNvPr>
-            <p:cNvSpPr/>
-            <p:nvPr/>
-          </p:nvSpPr>
-          <p:spPr>
-            <a:xfrm>
-              <a:off x="121920" y="1124997"/>
-              <a:ext cx="6614160" cy="455116"/>
-            </a:xfrm>
-            <a:prstGeom prst="roundRect">
-              <a:avLst/>
-            </a:prstGeom>
-            <a:solidFill>
-              <a:schemeClr val="bg2">
-                <a:lumMod val="75000"/>
-              </a:schemeClr>
-            </a:solidFill>
-            <a:ln>
-              <a:noFill/>
-            </a:ln>
-          </p:spPr>
-          <p:style>
-            <a:lnRef idx="2">
-              <a:schemeClr val="accent1">
-                <a:shade val="50000"/>
-              </a:schemeClr>
-            </a:lnRef>
-            <a:fillRef idx="1">
-              <a:schemeClr val="accent1"/>
-            </a:fillRef>
-            <a:effectRef idx="0">
-              <a:schemeClr val="accent1"/>
-            </a:effectRef>
-            <a:fontRef idx="minor">
-              <a:schemeClr val="lt1"/>
-            </a:fontRef>
-          </p:style>
-          <p:txBody>
-            <a:bodyPr rtlCol="0" anchor="ctr"/>
-            <a:lstStyle/>
-            <a:p>
-              <a:pPr algn="ctr"/>
-              <a:endParaRPr lang="ko-KR" altLang="en-US" dirty="0"/>
-            </a:p>
-          </p:txBody>
-        </p:sp>
-        <p:sp>
-          <p:nvSpPr>
-            <p:cNvPr id="50" name="사각형: 둥근 모서리 49">
-              <a:extLst>
-                <a:ext uri="{FF2B5EF4-FFF2-40B4-BE49-F238E27FC236}">
-                  <a16:creationId xmlns:a16="http://schemas.microsoft.com/office/drawing/2014/main" id="{95635ADE-9FB9-4161-B441-501D5774BE0B}"/>
-                </a:ext>
-              </a:extLst>
-            </p:cNvPr>
-            <p:cNvSpPr/>
-            <p:nvPr/>
-          </p:nvSpPr>
-          <p:spPr>
-            <a:xfrm>
-              <a:off x="433199" y="1195522"/>
-              <a:ext cx="5991603" cy="318170"/>
-            </a:xfrm>
-            <a:prstGeom prst="roundRect">
-              <a:avLst/>
-            </a:prstGeom>
-            <a:solidFill>
-              <a:schemeClr val="bg2">
-                <a:lumMod val="50000"/>
-              </a:schemeClr>
-            </a:solidFill>
-            <a:ln>
-              <a:noFill/>
-            </a:ln>
-          </p:spPr>
-          <p:style>
-            <a:lnRef idx="2">
-              <a:schemeClr val="accent1">
-                <a:shade val="50000"/>
-              </a:schemeClr>
-            </a:lnRef>
-            <a:fillRef idx="1">
-              <a:schemeClr val="accent1"/>
-            </a:fillRef>
-            <a:effectRef idx="0">
-              <a:schemeClr val="accent1"/>
-            </a:effectRef>
-            <a:fontRef idx="minor">
-              <a:schemeClr val="lt1"/>
-            </a:fontRef>
-          </p:style>
-          <p:txBody>
-            <a:bodyPr rtlCol="0" anchor="ctr"/>
-            <a:lstStyle/>
-            <a:p>
-              <a:pPr algn="ctr"/>
-              <a:r>
-                <a:rPr lang="ko-KR" altLang="en-US" b="1" dirty="0">
-                  <a:latin typeface="메이플스토리" panose="02000300000000000000" pitchFamily="2" charset="-127"/>
-                  <a:ea typeface="메이플스토리" panose="02000300000000000000" pitchFamily="2" charset="-127"/>
-                </a:rPr>
-                <a:t>룸 규칙</a:t>
-              </a:r>
-            </a:p>
-          </p:txBody>
-        </p:sp>
-      </p:grpSp>
-      <p:sp>
-        <p:nvSpPr>
-          <p:cNvPr id="11" name="직사각형 10">
-            <a:extLst>
-              <a:ext uri="{FF2B5EF4-FFF2-40B4-BE49-F238E27FC236}">
-                <a16:creationId xmlns:a16="http://schemas.microsoft.com/office/drawing/2014/main" id="{FB72557A-8282-4C7B-8EFE-735F2A789930}"/>
+                <a16:creationId xmlns:a16="http://schemas.microsoft.com/office/drawing/2014/main" id="{1ABEC450-286A-433F-8463-3CE1C93A2AFF}"/>
               </a:ext>
             </a:extLst>
           </p:cNvPr>
@@ -4834,7 +4800,7 @@
         </p:nvSpPr>
         <p:spPr>
           <a:xfrm>
-            <a:off x="2756733" y="33681"/>
+            <a:off x="8132804" y="33681"/>
             <a:ext cx="1344535" cy="923330"/>
           </a:xfrm>
           <a:prstGeom prst="rect">
@@ -4850,11 +4816,12 @@
           <a:p>
             <a:pPr algn="ctr"/>
             <a:r>
-              <a:rPr lang="en-US" altLang="ko-KR" sz="5400" b="1" cap="none" spc="0" dirty="0">
-                <a:ln w="0"/>
-                <a:solidFill>
-                  <a:schemeClr val="tx1"/>
-                </a:solidFill>
+              <a:rPr lang="en-US" altLang="ko-KR" sz="5400" b="1" dirty="0">
+                <a:ln w="0">
+                  <a:solidFill>
+                    <a:schemeClr val="bg1"/>
+                  </a:solidFill>
+                </a:ln>
                 <a:latin typeface="+mj-ea"/>
                 <a:ea typeface="+mj-ea"/>
               </a:rPr>
@@ -4865,10 +4832,10 @@
       </p:sp>
       <p:sp>
         <p:nvSpPr>
-          <p:cNvPr id="7" name="TextBox 6">
+          <p:cNvPr id="5" name="TextBox 4">
             <a:extLst>
               <a:ext uri="{FF2B5EF4-FFF2-40B4-BE49-F238E27FC236}">
-                <a16:creationId xmlns:a16="http://schemas.microsoft.com/office/drawing/2014/main" id="{0303DF18-0C83-4CE1-A6FF-74D4ABA7E9AA}"/>
+                <a16:creationId xmlns:a16="http://schemas.microsoft.com/office/drawing/2014/main" id="{6F6C7BFE-8BCE-4FDD-ADD0-8F8962A88961}"/>
               </a:ext>
             </a:extLst>
           </p:cNvPr>
@@ -4877,8 +4844,8 @@
         </p:nvSpPr>
         <p:spPr>
           <a:xfrm>
-            <a:off x="280315" y="2034874"/>
-            <a:ext cx="6297381" cy="830997"/>
+            <a:off x="101601" y="4953000"/>
+            <a:ext cx="9169399" cy="369332"/>
           </a:xfrm>
           <a:prstGeom prst="rect">
             <a:avLst/>
@@ -4895,36 +4862,92 @@
           </a:bodyPr>
           <a:lstStyle/>
           <a:p>
+            <a:pPr marL="342900" indent="-342900" algn="ctr">
+              <a:buFont typeface="+mj-ea"/>
+              <a:buAutoNum type="circleNumDbPlain"/>
+            </a:pPr>
+            <a:r>
+              <a:rPr lang="ko-KR" altLang="en-US" b="1" dirty="0">
+                <a:solidFill>
+                  <a:schemeClr val="bg1"/>
+                </a:solidFill>
+                <a:latin typeface="HY그래픽M" panose="02030600000101010101" pitchFamily="18" charset="-127"/>
+                <a:ea typeface="HY그래픽M" panose="02030600000101010101" pitchFamily="18" charset="-127"/>
+              </a:rPr>
+              <a:t>플레이어 캐릭터가 사망</a:t>
+            </a:r>
+            <a:endParaRPr lang="en-US" altLang="ko-KR" b="1" dirty="0">
+              <a:solidFill>
+                <a:schemeClr val="bg1"/>
+              </a:solidFill>
+              <a:latin typeface="HY그래픽M" panose="02030600000101010101" pitchFamily="18" charset="-127"/>
+              <a:ea typeface="HY그래픽M" panose="02030600000101010101" pitchFamily="18" charset="-127"/>
+            </a:endParaRPr>
+          </a:p>
+        </p:txBody>
+      </p:sp>
+      <p:sp>
+        <p:nvSpPr>
+          <p:cNvPr id="10" name="TextBox 9">
+            <a:extLst>
+              <a:ext uri="{FF2B5EF4-FFF2-40B4-BE49-F238E27FC236}">
+                <a16:creationId xmlns:a16="http://schemas.microsoft.com/office/drawing/2014/main" id="{6CF9DF57-BA21-4291-8248-007ABDA301EA}"/>
+              </a:ext>
+            </a:extLst>
+          </p:cNvPr>
+          <p:cNvSpPr txBox="1"/>
+          <p:nvPr/>
+        </p:nvSpPr>
+        <p:spPr>
+          <a:xfrm>
+            <a:off x="101601" y="5463927"/>
+            <a:ext cx="9169399" cy="3416320"/>
+          </a:xfrm>
+          <a:prstGeom prst="rect">
+            <a:avLst/>
+          </a:prstGeom>
+          <a:solidFill>
+            <a:schemeClr val="bg1">
+              <a:alpha val="20000"/>
+            </a:schemeClr>
+          </a:solidFill>
+        </p:spPr>
+        <p:txBody>
+          <a:bodyPr wrap="square" rtlCol="0">
+            <a:spAutoFit/>
+          </a:bodyPr>
+          <a:lstStyle/>
+          <a:p>
             <a:pPr marL="285705" indent="-285705">
               <a:buFontTx/>
               <a:buChar char="-"/>
             </a:pPr>
             <a:r>
-              <a:rPr lang="ko-KR" altLang="en-US" sz="1600" b="1" dirty="0">
-                <a:latin typeface="HY그래픽M" panose="02030600000101010101" pitchFamily="18" charset="-127"/>
-                <a:ea typeface="HY그래픽M" panose="02030600000101010101" pitchFamily="18" charset="-127"/>
-              </a:rPr>
-              <a:t> 룸 하나에는 하나의 </a:t>
-            </a:r>
-            <a:r>
-              <a:rPr lang="ko-KR" altLang="en-US" sz="1600" b="1" dirty="0" err="1">
+              <a:rPr lang="ko-KR" altLang="en-US" b="1" dirty="0">
+                <a:latin typeface="HY그래픽M" panose="02030600000101010101" pitchFamily="18" charset="-127"/>
+                <a:ea typeface="HY그래픽M" panose="02030600000101010101" pitchFamily="18" charset="-127"/>
+              </a:rPr>
+              <a:t> 플레이어 캐릭터의 </a:t>
+            </a:r>
+            <a:r>
+              <a:rPr lang="ko-KR" altLang="en-US" b="1" dirty="0">
                 <a:solidFill>
                   <a:schemeClr val="accent4"/>
                 </a:solidFill>
                 <a:latin typeface="HY그래픽M" panose="02030600000101010101" pitchFamily="18" charset="-127"/>
                 <a:ea typeface="HY그래픽M" panose="02030600000101010101" pitchFamily="18" charset="-127"/>
               </a:rPr>
-              <a:t>리스폰포인트</a:t>
-            </a:r>
-            <a:r>
-              <a:rPr lang="ko-KR" altLang="en-US" sz="1600" b="1" dirty="0">
-                <a:latin typeface="HY그래픽M" panose="02030600000101010101" pitchFamily="18" charset="-127"/>
-                <a:ea typeface="HY그래픽M" panose="02030600000101010101" pitchFamily="18" charset="-127"/>
-              </a:rPr>
-              <a:t> 가 되는 장소가 있다</a:t>
-            </a:r>
-            <a:r>
-              <a:rPr lang="en-US" altLang="ko-KR" sz="1600" b="1" dirty="0">
+              <a:t>사망 애니메이션 재생이 끝나면 리셋이 작동</a:t>
+            </a:r>
+            <a:r>
+              <a:rPr lang="ko-KR" altLang="en-US" b="1" dirty="0">
+                <a:latin typeface="HY그래픽M" panose="02030600000101010101" pitchFamily="18" charset="-127"/>
+                <a:ea typeface="HY그래픽M" panose="02030600000101010101" pitchFamily="18" charset="-127"/>
+              </a:rPr>
+              <a:t>한다</a:t>
+            </a:r>
+            <a:r>
+              <a:rPr lang="en-US" altLang="ko-KR" b="1" dirty="0">
                 <a:latin typeface="HY그래픽M" panose="02030600000101010101" pitchFamily="18" charset="-127"/>
                 <a:ea typeface="HY그래픽M" panose="02030600000101010101" pitchFamily="18" charset="-127"/>
               </a:rPr>
@@ -4936,7 +4959,7 @@
               <a:buFontTx/>
               <a:buChar char="-"/>
             </a:pPr>
-            <a:endParaRPr lang="en-US" altLang="ko-KR" sz="1600" b="1" dirty="0">
+            <a:endParaRPr lang="en-US" altLang="ko-KR" b="1" dirty="0">
               <a:latin typeface="HY그래픽M" panose="02030600000101010101" pitchFamily="18" charset="-127"/>
               <a:ea typeface="HY그래픽M" panose="02030600000101010101" pitchFamily="18" charset="-127"/>
             </a:endParaRPr>
@@ -4947,12 +4970,838 @@
               <a:buChar char="-"/>
             </a:pPr>
             <a:r>
-              <a:rPr lang="en-US" altLang="ko-KR" sz="1600" b="1" dirty="0">
+              <a:rPr lang="en-US" altLang="ko-KR" b="1" dirty="0">
                 <a:latin typeface="HY그래픽M" panose="02030600000101010101" pitchFamily="18" charset="-127"/>
                 <a:ea typeface="HY그래픽M" panose="02030600000101010101" pitchFamily="18" charset="-127"/>
               </a:rPr>
               <a:t> </a:t>
             </a:r>
+            <a:r>
+              <a:rPr lang="ko-KR" altLang="en-US" b="1" dirty="0">
+                <a:latin typeface="HY그래픽M" panose="02030600000101010101" pitchFamily="18" charset="-127"/>
+                <a:ea typeface="HY그래픽M" panose="02030600000101010101" pitchFamily="18" charset="-127"/>
+              </a:rPr>
+              <a:t>리셋이 이루어지는 동안 </a:t>
+            </a:r>
+            <a:r>
+              <a:rPr lang="ko-KR" altLang="en-US" b="1" dirty="0">
+                <a:solidFill>
+                  <a:schemeClr val="accent4"/>
+                </a:solidFill>
+                <a:latin typeface="HY그래픽M" panose="02030600000101010101" pitchFamily="18" charset="-127"/>
+                <a:ea typeface="HY그래픽M" panose="02030600000101010101" pitchFamily="18" charset="-127"/>
+              </a:rPr>
+              <a:t>플레이어의 화면이 잠시 </a:t>
+            </a:r>
+            <a:r>
+              <a:rPr lang="ko-KR" altLang="en-US" b="1" dirty="0" err="1">
+                <a:solidFill>
+                  <a:schemeClr val="accent4"/>
+                </a:solidFill>
+                <a:latin typeface="HY그래픽M" panose="02030600000101010101" pitchFamily="18" charset="-127"/>
+                <a:ea typeface="HY그래픽M" panose="02030600000101010101" pitchFamily="18" charset="-127"/>
+              </a:rPr>
+              <a:t>페이드</a:t>
+            </a:r>
+            <a:r>
+              <a:rPr lang="ko-KR" altLang="en-US" b="1" dirty="0">
+                <a:solidFill>
+                  <a:schemeClr val="accent4"/>
+                </a:solidFill>
+                <a:latin typeface="HY그래픽M" panose="02030600000101010101" pitchFamily="18" charset="-127"/>
+                <a:ea typeface="HY그래픽M" panose="02030600000101010101" pitchFamily="18" charset="-127"/>
+              </a:rPr>
+              <a:t> 아웃 </a:t>
+            </a:r>
+            <a:r>
+              <a:rPr lang="ko-KR" altLang="en-US" b="1" dirty="0">
+                <a:latin typeface="HY그래픽M" panose="02030600000101010101" pitchFamily="18" charset="-127"/>
+                <a:ea typeface="HY그래픽M" panose="02030600000101010101" pitchFamily="18" charset="-127"/>
+              </a:rPr>
+              <a:t>된다</a:t>
+            </a:r>
+            <a:r>
+              <a:rPr lang="en-US" altLang="ko-KR" b="1" dirty="0">
+                <a:latin typeface="HY그래픽M" panose="02030600000101010101" pitchFamily="18" charset="-127"/>
+                <a:ea typeface="HY그래픽M" panose="02030600000101010101" pitchFamily="18" charset="-127"/>
+              </a:rPr>
+              <a:t>.</a:t>
+            </a:r>
+          </a:p>
+          <a:p>
+            <a:pPr marL="285705" indent="-285705">
+              <a:buFontTx/>
+              <a:buChar char="-"/>
+            </a:pPr>
+            <a:endParaRPr lang="en-US" altLang="ko-KR" b="1" dirty="0">
+              <a:latin typeface="HY그래픽M" panose="02030600000101010101" pitchFamily="18" charset="-127"/>
+              <a:ea typeface="HY그래픽M" panose="02030600000101010101" pitchFamily="18" charset="-127"/>
+            </a:endParaRPr>
+          </a:p>
+          <a:p>
+            <a:pPr marL="285705" indent="-285705">
+              <a:buFontTx/>
+              <a:buChar char="-"/>
+            </a:pPr>
+            <a:r>
+              <a:rPr lang="en-US" altLang="ko-KR" b="1" dirty="0">
+                <a:latin typeface="HY그래픽M" panose="02030600000101010101" pitchFamily="18" charset="-127"/>
+                <a:ea typeface="HY그래픽M" panose="02030600000101010101" pitchFamily="18" charset="-127"/>
+              </a:rPr>
+              <a:t> </a:t>
+            </a:r>
+            <a:r>
+              <a:rPr lang="ko-KR" altLang="en-US" b="1" dirty="0">
+                <a:latin typeface="HY그래픽M" panose="02030600000101010101" pitchFamily="18" charset="-127"/>
+                <a:ea typeface="HY그래픽M" panose="02030600000101010101" pitchFamily="18" charset="-127"/>
+              </a:rPr>
+              <a:t>룸의 모든 퍼즐은 자신이 갖고있던 </a:t>
+            </a:r>
+            <a:r>
+              <a:rPr lang="ko-KR" altLang="en-US" b="1" dirty="0" err="1">
+                <a:solidFill>
+                  <a:schemeClr val="accent4"/>
+                </a:solidFill>
+                <a:latin typeface="HY그래픽M" panose="02030600000101010101" pitchFamily="18" charset="-127"/>
+                <a:ea typeface="HY그래픽M" panose="02030600000101010101" pitchFamily="18" charset="-127"/>
+              </a:rPr>
+              <a:t>초기위치값</a:t>
+            </a:r>
+            <a:r>
+              <a:rPr lang="ko-KR" altLang="en-US" b="1" dirty="0" err="1">
+                <a:latin typeface="HY그래픽M" panose="02030600000101010101" pitchFamily="18" charset="-127"/>
+                <a:ea typeface="HY그래픽M" panose="02030600000101010101" pitchFamily="18" charset="-127"/>
+              </a:rPr>
+              <a:t>과</a:t>
+            </a:r>
+            <a:r>
+              <a:rPr lang="ko-KR" altLang="en-US" b="1" dirty="0">
+                <a:latin typeface="HY그래픽M" panose="02030600000101010101" pitchFamily="18" charset="-127"/>
+                <a:ea typeface="HY그래픽M" panose="02030600000101010101" pitchFamily="18" charset="-127"/>
+              </a:rPr>
+              <a:t> </a:t>
+            </a:r>
+            <a:r>
+              <a:rPr lang="ko-KR" altLang="en-US" b="1" dirty="0" err="1">
+                <a:solidFill>
+                  <a:schemeClr val="accent4"/>
+                </a:solidFill>
+                <a:latin typeface="HY그래픽M" panose="02030600000101010101" pitchFamily="18" charset="-127"/>
+                <a:ea typeface="HY그래픽M" panose="02030600000101010101" pitchFamily="18" charset="-127"/>
+              </a:rPr>
+              <a:t>상태값</a:t>
+            </a:r>
+            <a:r>
+              <a:rPr lang="ko-KR" altLang="en-US" b="1" dirty="0" err="1">
+                <a:latin typeface="HY그래픽M" panose="02030600000101010101" pitchFamily="18" charset="-127"/>
+                <a:ea typeface="HY그래픽M" panose="02030600000101010101" pitchFamily="18" charset="-127"/>
+              </a:rPr>
+              <a:t>으로</a:t>
+            </a:r>
+            <a:r>
+              <a:rPr lang="ko-KR" altLang="en-US" b="1" dirty="0">
+                <a:latin typeface="HY그래픽M" panose="02030600000101010101" pitchFamily="18" charset="-127"/>
+                <a:ea typeface="HY그래픽M" panose="02030600000101010101" pitchFamily="18" charset="-127"/>
+              </a:rPr>
+              <a:t> 되돌아간다</a:t>
+            </a:r>
+            <a:r>
+              <a:rPr lang="en-US" altLang="ko-KR" b="1" dirty="0">
+                <a:latin typeface="HY그래픽M" panose="02030600000101010101" pitchFamily="18" charset="-127"/>
+                <a:ea typeface="HY그래픽M" panose="02030600000101010101" pitchFamily="18" charset="-127"/>
+              </a:rPr>
+              <a:t>.</a:t>
+            </a:r>
+          </a:p>
+          <a:p>
+            <a:pPr marL="285705" indent="-285705">
+              <a:buFontTx/>
+              <a:buChar char="-"/>
+            </a:pPr>
+            <a:endParaRPr lang="en-US" altLang="ko-KR" b="1" dirty="0">
+              <a:latin typeface="HY그래픽M" panose="02030600000101010101" pitchFamily="18" charset="-127"/>
+              <a:ea typeface="HY그래픽M" panose="02030600000101010101" pitchFamily="18" charset="-127"/>
+            </a:endParaRPr>
+          </a:p>
+          <a:p>
+            <a:pPr marL="285705" indent="-285705">
+              <a:buFontTx/>
+              <a:buChar char="-"/>
+            </a:pPr>
+            <a:r>
+              <a:rPr lang="ko-KR" altLang="en-US" b="1" dirty="0">
+                <a:latin typeface="HY그래픽M" panose="02030600000101010101" pitchFamily="18" charset="-127"/>
+                <a:ea typeface="HY그래픽M" panose="02030600000101010101" pitchFamily="18" charset="-127"/>
+              </a:rPr>
+              <a:t> 플레이어 캐릭터는 룸의 </a:t>
+            </a:r>
+            <a:r>
+              <a:rPr lang="ko-KR" altLang="en-US" b="1" dirty="0" err="1">
+                <a:solidFill>
+                  <a:schemeClr val="accent4"/>
+                </a:solidFill>
+                <a:latin typeface="HY그래픽M" panose="02030600000101010101" pitchFamily="18" charset="-127"/>
+                <a:ea typeface="HY그래픽M" panose="02030600000101010101" pitchFamily="18" charset="-127"/>
+              </a:rPr>
+              <a:t>리스폰포인트에서</a:t>
+            </a:r>
+            <a:r>
+              <a:rPr lang="ko-KR" altLang="en-US" b="1" dirty="0">
+                <a:solidFill>
+                  <a:schemeClr val="accent4"/>
+                </a:solidFill>
+                <a:latin typeface="HY그래픽M" panose="02030600000101010101" pitchFamily="18" charset="-127"/>
+                <a:ea typeface="HY그래픽M" panose="02030600000101010101" pitchFamily="18" charset="-127"/>
+              </a:rPr>
+              <a:t> </a:t>
+            </a:r>
+            <a:r>
+              <a:rPr lang="ko-KR" altLang="en-US" b="1" dirty="0" err="1">
+                <a:solidFill>
+                  <a:schemeClr val="accent4"/>
+                </a:solidFill>
+                <a:latin typeface="HY그래픽M" panose="02030600000101010101" pitchFamily="18" charset="-127"/>
+                <a:ea typeface="HY그래픽M" panose="02030600000101010101" pitchFamily="18" charset="-127"/>
+              </a:rPr>
+              <a:t>재생성</a:t>
+            </a:r>
+            <a:r>
+              <a:rPr lang="ko-KR" altLang="en-US" b="1" dirty="0" err="1">
+                <a:latin typeface="HY그래픽M" panose="02030600000101010101" pitchFamily="18" charset="-127"/>
+                <a:ea typeface="HY그래픽M" panose="02030600000101010101" pitchFamily="18" charset="-127"/>
+              </a:rPr>
+              <a:t>된다</a:t>
+            </a:r>
+            <a:r>
+              <a:rPr lang="en-US" altLang="ko-KR" b="1" dirty="0">
+                <a:latin typeface="HY그래픽M" panose="02030600000101010101" pitchFamily="18" charset="-127"/>
+                <a:ea typeface="HY그래픽M" panose="02030600000101010101" pitchFamily="18" charset="-127"/>
+              </a:rPr>
+              <a:t>.</a:t>
+            </a:r>
+          </a:p>
+          <a:p>
+            <a:pPr marL="285705" indent="-285705">
+              <a:buFontTx/>
+              <a:buChar char="-"/>
+            </a:pPr>
+            <a:endParaRPr lang="en-US" altLang="ko-KR" b="1" dirty="0">
+              <a:latin typeface="HY그래픽M" panose="02030600000101010101" pitchFamily="18" charset="-127"/>
+              <a:ea typeface="HY그래픽M" panose="02030600000101010101" pitchFamily="18" charset="-127"/>
+            </a:endParaRPr>
+          </a:p>
+          <a:p>
+            <a:pPr marL="285705" indent="-285705">
+              <a:buFontTx/>
+              <a:buChar char="-"/>
+            </a:pPr>
+            <a:r>
+              <a:rPr lang="en-US" altLang="ko-KR" b="1" dirty="0">
+                <a:latin typeface="HY그래픽M" panose="02030600000101010101" pitchFamily="18" charset="-127"/>
+                <a:ea typeface="HY그래픽M" panose="02030600000101010101" pitchFamily="18" charset="-127"/>
+              </a:rPr>
+              <a:t> </a:t>
+            </a:r>
+            <a:r>
+              <a:rPr lang="ko-KR" altLang="en-US" b="1" dirty="0">
+                <a:latin typeface="HY그래픽M" panose="02030600000101010101" pitchFamily="18" charset="-127"/>
+                <a:ea typeface="HY그래픽M" panose="02030600000101010101" pitchFamily="18" charset="-127"/>
+              </a:rPr>
+              <a:t>리셋이 끝난 후엔 </a:t>
+            </a:r>
+            <a:r>
+              <a:rPr lang="ko-KR" altLang="en-US" b="1" dirty="0">
+                <a:solidFill>
+                  <a:schemeClr val="accent4"/>
+                </a:solidFill>
+                <a:latin typeface="HY그래픽M" panose="02030600000101010101" pitchFamily="18" charset="-127"/>
+                <a:ea typeface="HY그래픽M" panose="02030600000101010101" pitchFamily="18" charset="-127"/>
+              </a:rPr>
+              <a:t>플레이어의 화면이 </a:t>
+            </a:r>
+            <a:r>
+              <a:rPr lang="ko-KR" altLang="en-US" b="1" dirty="0" err="1">
+                <a:solidFill>
+                  <a:schemeClr val="accent4"/>
+                </a:solidFill>
+                <a:latin typeface="HY그래픽M" panose="02030600000101010101" pitchFamily="18" charset="-127"/>
+                <a:ea typeface="HY그래픽M" panose="02030600000101010101" pitchFamily="18" charset="-127"/>
+              </a:rPr>
+              <a:t>페이드</a:t>
+            </a:r>
+            <a:r>
+              <a:rPr lang="ko-KR" altLang="en-US" b="1" dirty="0">
+                <a:solidFill>
+                  <a:schemeClr val="accent4"/>
+                </a:solidFill>
+                <a:latin typeface="HY그래픽M" panose="02030600000101010101" pitchFamily="18" charset="-127"/>
+                <a:ea typeface="HY그래픽M" panose="02030600000101010101" pitchFamily="18" charset="-127"/>
+              </a:rPr>
+              <a:t> 인 </a:t>
+            </a:r>
+            <a:r>
+              <a:rPr lang="ko-KR" altLang="en-US" b="1" dirty="0">
+                <a:latin typeface="HY그래픽M" panose="02030600000101010101" pitchFamily="18" charset="-127"/>
+                <a:ea typeface="HY그래픽M" panose="02030600000101010101" pitchFamily="18" charset="-127"/>
+              </a:rPr>
+              <a:t>된다</a:t>
+            </a:r>
+            <a:r>
+              <a:rPr lang="en-US" altLang="ko-KR" b="1" dirty="0">
+                <a:latin typeface="HY그래픽M" panose="02030600000101010101" pitchFamily="18" charset="-127"/>
+                <a:ea typeface="HY그래픽M" panose="02030600000101010101" pitchFamily="18" charset="-127"/>
+              </a:rPr>
+              <a:t>.</a:t>
+            </a:r>
+          </a:p>
+          <a:p>
+            <a:pPr marL="285705" indent="-285705">
+              <a:buFontTx/>
+              <a:buChar char="-"/>
+            </a:pPr>
+            <a:endParaRPr lang="en-US" altLang="ko-KR" b="1" dirty="0">
+              <a:latin typeface="HY그래픽M" panose="02030600000101010101" pitchFamily="18" charset="-127"/>
+              <a:ea typeface="HY그래픽M" panose="02030600000101010101" pitchFamily="18" charset="-127"/>
+            </a:endParaRPr>
+          </a:p>
+          <a:p>
+            <a:pPr marL="285705" indent="-285705">
+              <a:buFontTx/>
+              <a:buChar char="-"/>
+            </a:pPr>
+            <a:r>
+              <a:rPr lang="en-US" altLang="ko-KR" b="1" dirty="0">
+                <a:latin typeface="HY그래픽M" panose="02030600000101010101" pitchFamily="18" charset="-127"/>
+                <a:ea typeface="HY그래픽M" panose="02030600000101010101" pitchFamily="18" charset="-127"/>
+              </a:rPr>
+              <a:t> </a:t>
+            </a:r>
+            <a:r>
+              <a:rPr lang="ko-KR" altLang="en-US" b="1" dirty="0">
+                <a:latin typeface="HY그래픽M" panose="02030600000101010101" pitchFamily="18" charset="-127"/>
+                <a:ea typeface="HY그래픽M" panose="02030600000101010101" pitchFamily="18" charset="-127"/>
+              </a:rPr>
+              <a:t>이미 </a:t>
+            </a:r>
+            <a:r>
+              <a:rPr lang="ko-KR" altLang="en-US" b="1" dirty="0" err="1">
+                <a:solidFill>
+                  <a:schemeClr val="accent4"/>
+                </a:solidFill>
+                <a:latin typeface="HY그래픽M" panose="02030600000101010101" pitchFamily="18" charset="-127"/>
+                <a:ea typeface="HY그래픽M" panose="02030600000101010101" pitchFamily="18" charset="-127"/>
+              </a:rPr>
+              <a:t>클리어된</a:t>
+            </a:r>
+            <a:r>
+              <a:rPr lang="ko-KR" altLang="en-US" b="1" dirty="0">
+                <a:solidFill>
+                  <a:schemeClr val="accent4"/>
+                </a:solidFill>
+                <a:latin typeface="HY그래픽M" panose="02030600000101010101" pitchFamily="18" charset="-127"/>
+                <a:ea typeface="HY그래픽M" panose="02030600000101010101" pitchFamily="18" charset="-127"/>
+              </a:rPr>
+              <a:t> 룸은 리셋이 되지 않는다</a:t>
+            </a:r>
+            <a:r>
+              <a:rPr lang="en-US" altLang="ko-KR" b="1" dirty="0">
+                <a:solidFill>
+                  <a:schemeClr val="accent4"/>
+                </a:solidFill>
+                <a:latin typeface="HY그래픽M" panose="02030600000101010101" pitchFamily="18" charset="-127"/>
+                <a:ea typeface="HY그래픽M" panose="02030600000101010101" pitchFamily="18" charset="-127"/>
+              </a:rPr>
+              <a:t>.</a:t>
+            </a:r>
+          </a:p>
+          <a:p>
+            <a:pPr marL="285705" indent="-285705">
+              <a:buFontTx/>
+              <a:buChar char="-"/>
+            </a:pPr>
+            <a:endParaRPr lang="en-US" altLang="ko-KR" b="1" dirty="0">
+              <a:latin typeface="HY그래픽M" panose="02030600000101010101" pitchFamily="18" charset="-127"/>
+              <a:ea typeface="HY그래픽M" panose="02030600000101010101" pitchFamily="18" charset="-127"/>
+            </a:endParaRPr>
+          </a:p>
+        </p:txBody>
+      </p:sp>
+      <p:pic>
+        <p:nvPicPr>
+          <p:cNvPr id="3" name="그림 2">
+            <a:extLst>
+              <a:ext uri="{FF2B5EF4-FFF2-40B4-BE49-F238E27FC236}">
+                <a16:creationId xmlns:a16="http://schemas.microsoft.com/office/drawing/2014/main" id="{BE12A9DF-5332-4ADF-83F7-890B34883F6E}"/>
+              </a:ext>
+            </a:extLst>
+          </p:cNvPr>
+          <p:cNvPicPr>
+            <a:picLocks noChangeAspect="1"/>
+          </p:cNvPicPr>
+          <p:nvPr/>
+        </p:nvPicPr>
+        <p:blipFill>
+          <a:blip r:embed="rId2">
+            <a:extLst>
+              <a:ext uri="{28A0092B-C50C-407E-A947-70E740481C1C}">
+                <a14:useLocalDpi xmlns:a14="http://schemas.microsoft.com/office/drawing/2010/main" val="0"/>
+              </a:ext>
+            </a:extLst>
+          </a:blip>
+          <a:stretch>
+            <a:fillRect/>
+          </a:stretch>
+        </p:blipFill>
+        <p:spPr>
+          <a:xfrm>
+            <a:off x="14541259" y="1559268"/>
+            <a:ext cx="1707674" cy="7352877"/>
+          </a:xfrm>
+          <a:prstGeom prst="rect">
+            <a:avLst/>
+          </a:prstGeom>
+        </p:spPr>
+      </p:pic>
+      <p:sp>
+        <p:nvSpPr>
+          <p:cNvPr id="11" name="TextBox 10">
+            <a:extLst>
+              <a:ext uri="{FF2B5EF4-FFF2-40B4-BE49-F238E27FC236}">
+                <a16:creationId xmlns:a16="http://schemas.microsoft.com/office/drawing/2014/main" id="{712D437B-44FC-4A34-8858-DA5A9DB71D94}"/>
+              </a:ext>
+            </a:extLst>
+          </p:cNvPr>
+          <p:cNvSpPr txBox="1"/>
+          <p:nvPr/>
+        </p:nvSpPr>
+        <p:spPr>
+          <a:xfrm>
+            <a:off x="9477339" y="4950951"/>
+            <a:ext cx="4561839" cy="369332"/>
+          </a:xfrm>
+          <a:prstGeom prst="rect">
+            <a:avLst/>
+          </a:prstGeom>
+          <a:solidFill>
+            <a:schemeClr val="bg1">
+              <a:alpha val="20000"/>
+            </a:schemeClr>
+          </a:solidFill>
+        </p:spPr>
+        <p:txBody>
+          <a:bodyPr wrap="square" rtlCol="0">
+            <a:spAutoFit/>
+          </a:bodyPr>
+          <a:lstStyle/>
+          <a:p>
+            <a:pPr algn="ctr"/>
+            <a:r>
+              <a:rPr lang="ko-KR" altLang="en-US" b="1" dirty="0">
+                <a:solidFill>
+                  <a:schemeClr val="bg1"/>
+                </a:solidFill>
+                <a:latin typeface="HY그래픽M" panose="02030600000101010101" pitchFamily="18" charset="-127"/>
+                <a:ea typeface="HY그래픽M" panose="02030600000101010101" pitchFamily="18" charset="-127"/>
+              </a:rPr>
+              <a:t>②플레이어 캐릭터가 다른 룸으로 이동</a:t>
+            </a:r>
+            <a:endParaRPr lang="en-US" altLang="ko-KR" b="1" dirty="0">
+              <a:solidFill>
+                <a:schemeClr val="bg1"/>
+              </a:solidFill>
+              <a:latin typeface="HY그래픽M" panose="02030600000101010101" pitchFamily="18" charset="-127"/>
+              <a:ea typeface="HY그래픽M" panose="02030600000101010101" pitchFamily="18" charset="-127"/>
+            </a:endParaRPr>
+          </a:p>
+        </p:txBody>
+      </p:sp>
+      <p:sp>
+        <p:nvSpPr>
+          <p:cNvPr id="12" name="TextBox 11">
+            <a:extLst>
+              <a:ext uri="{FF2B5EF4-FFF2-40B4-BE49-F238E27FC236}">
+                <a16:creationId xmlns:a16="http://schemas.microsoft.com/office/drawing/2014/main" id="{527922AD-F2F7-4DAC-9DEB-3599DECDBAD0}"/>
+              </a:ext>
+            </a:extLst>
+          </p:cNvPr>
+          <p:cNvSpPr txBox="1"/>
+          <p:nvPr/>
+        </p:nvSpPr>
+        <p:spPr>
+          <a:xfrm>
+            <a:off x="9477339" y="5463927"/>
+            <a:ext cx="4561839" cy="3416320"/>
+          </a:xfrm>
+          <a:prstGeom prst="rect">
+            <a:avLst/>
+          </a:prstGeom>
+          <a:solidFill>
+            <a:schemeClr val="bg1">
+              <a:alpha val="20000"/>
+            </a:schemeClr>
+          </a:solidFill>
+        </p:spPr>
+        <p:txBody>
+          <a:bodyPr wrap="square" rtlCol="0">
+            <a:spAutoFit/>
+          </a:bodyPr>
+          <a:lstStyle/>
+          <a:p>
+            <a:pPr marL="285705" indent="-285705">
+              <a:buFontTx/>
+              <a:buChar char="-"/>
+            </a:pPr>
+            <a:r>
+              <a:rPr lang="ko-KR" altLang="en-US" b="1" dirty="0">
+                <a:latin typeface="HY그래픽M" panose="02030600000101010101" pitchFamily="18" charset="-127"/>
+                <a:ea typeface="HY그래픽M" panose="02030600000101010101" pitchFamily="18" charset="-127"/>
+              </a:rPr>
+              <a:t> 플레이어 캐릭터가 </a:t>
+            </a:r>
+            <a:r>
+              <a:rPr lang="ko-KR" altLang="en-US" b="1" dirty="0">
+                <a:solidFill>
+                  <a:schemeClr val="accent4"/>
+                </a:solidFill>
+                <a:latin typeface="HY그래픽M" panose="02030600000101010101" pitchFamily="18" charset="-127"/>
+                <a:ea typeface="HY그래픽M" panose="02030600000101010101" pitchFamily="18" charset="-127"/>
+              </a:rPr>
+              <a:t>다른 룸으로 이동하면 작동</a:t>
+            </a:r>
+            <a:r>
+              <a:rPr lang="ko-KR" altLang="en-US" b="1" dirty="0">
+                <a:latin typeface="HY그래픽M" panose="02030600000101010101" pitchFamily="18" charset="-127"/>
+                <a:ea typeface="HY그래픽M" panose="02030600000101010101" pitchFamily="18" charset="-127"/>
+              </a:rPr>
+              <a:t>한다</a:t>
+            </a:r>
+            <a:r>
+              <a:rPr lang="en-US" altLang="ko-KR" b="1" dirty="0">
+                <a:latin typeface="HY그래픽M" panose="02030600000101010101" pitchFamily="18" charset="-127"/>
+                <a:ea typeface="HY그래픽M" panose="02030600000101010101" pitchFamily="18" charset="-127"/>
+              </a:rPr>
+              <a:t>.</a:t>
+            </a:r>
+          </a:p>
+          <a:p>
+            <a:pPr marL="285705" indent="-285705">
+              <a:buFontTx/>
+              <a:buChar char="-"/>
+            </a:pPr>
+            <a:endParaRPr lang="en-US" altLang="ko-KR" b="1" dirty="0">
+              <a:latin typeface="HY그래픽M" panose="02030600000101010101" pitchFamily="18" charset="-127"/>
+              <a:ea typeface="HY그래픽M" panose="02030600000101010101" pitchFamily="18" charset="-127"/>
+            </a:endParaRPr>
+          </a:p>
+          <a:p>
+            <a:pPr marL="285705" indent="-285705">
+              <a:buFontTx/>
+              <a:buChar char="-"/>
+            </a:pPr>
+            <a:r>
+              <a:rPr lang="ko-KR" altLang="en-US" b="1" dirty="0">
+                <a:latin typeface="HY그래픽M" panose="02030600000101010101" pitchFamily="18" charset="-127"/>
+                <a:ea typeface="HY그래픽M" panose="02030600000101010101" pitchFamily="18" charset="-127"/>
+              </a:rPr>
+              <a:t> </a:t>
+            </a:r>
+            <a:r>
+              <a:rPr lang="ko-KR" altLang="en-US" b="1" dirty="0">
+                <a:solidFill>
+                  <a:schemeClr val="bg1"/>
+                </a:solidFill>
+                <a:latin typeface="HY그래픽M" panose="02030600000101010101" pitchFamily="18" charset="-127"/>
+                <a:ea typeface="HY그래픽M" panose="02030600000101010101" pitchFamily="18" charset="-127"/>
+              </a:rPr>
+              <a:t>①</a:t>
+            </a:r>
+            <a:r>
+              <a:rPr lang="ko-KR" altLang="en-US" b="1" dirty="0">
+                <a:latin typeface="HY그래픽M" panose="02030600000101010101" pitchFamily="18" charset="-127"/>
+                <a:ea typeface="HY그래픽M" panose="02030600000101010101" pitchFamily="18" charset="-127"/>
+              </a:rPr>
+              <a:t>과 </a:t>
+            </a:r>
+            <a:r>
+              <a:rPr lang="ko-KR" altLang="en-US" b="1" dirty="0">
+                <a:solidFill>
+                  <a:schemeClr val="accent4"/>
+                </a:solidFill>
+                <a:latin typeface="HY그래픽M" panose="02030600000101010101" pitchFamily="18" charset="-127"/>
+                <a:ea typeface="HY그래픽M" panose="02030600000101010101" pitchFamily="18" charset="-127"/>
+              </a:rPr>
+              <a:t>기본적으로 동일하게 진행</a:t>
+            </a:r>
+            <a:r>
+              <a:rPr lang="ko-KR" altLang="en-US" b="1" dirty="0">
+                <a:latin typeface="HY그래픽M" panose="02030600000101010101" pitchFamily="18" charset="-127"/>
+                <a:ea typeface="HY그래픽M" panose="02030600000101010101" pitchFamily="18" charset="-127"/>
+              </a:rPr>
+              <a:t>된다</a:t>
+            </a:r>
+            <a:r>
+              <a:rPr lang="en-US" altLang="ko-KR" b="1" dirty="0">
+                <a:latin typeface="HY그래픽M" panose="02030600000101010101" pitchFamily="18" charset="-127"/>
+                <a:ea typeface="HY그래픽M" panose="02030600000101010101" pitchFamily="18" charset="-127"/>
+              </a:rPr>
+              <a:t>.</a:t>
+            </a:r>
+          </a:p>
+          <a:p>
+            <a:pPr marL="285705" indent="-285705">
+              <a:buFontTx/>
+              <a:buChar char="-"/>
+            </a:pPr>
+            <a:endParaRPr lang="en-US" altLang="ko-KR" b="1" dirty="0">
+              <a:latin typeface="HY그래픽M" panose="02030600000101010101" pitchFamily="18" charset="-127"/>
+              <a:ea typeface="HY그래픽M" panose="02030600000101010101" pitchFamily="18" charset="-127"/>
+            </a:endParaRPr>
+          </a:p>
+          <a:p>
+            <a:pPr marL="285705" indent="-285705">
+              <a:buFontTx/>
+              <a:buChar char="-"/>
+            </a:pPr>
+            <a:r>
+              <a:rPr lang="en-US" altLang="ko-KR" b="1" dirty="0">
+                <a:latin typeface="HY그래픽M" panose="02030600000101010101" pitchFamily="18" charset="-127"/>
+                <a:ea typeface="HY그래픽M" panose="02030600000101010101" pitchFamily="18" charset="-127"/>
+              </a:rPr>
+              <a:t> </a:t>
+            </a:r>
+            <a:r>
+              <a:rPr lang="ko-KR" altLang="en-US" b="1" dirty="0">
+                <a:latin typeface="HY그래픽M" panose="02030600000101010101" pitchFamily="18" charset="-127"/>
+                <a:ea typeface="HY그래픽M" panose="02030600000101010101" pitchFamily="18" charset="-127"/>
+              </a:rPr>
+              <a:t>플레이어 캐릭터는 </a:t>
+            </a:r>
+            <a:r>
+              <a:rPr lang="ko-KR" altLang="en-US" b="1" dirty="0" err="1">
+                <a:solidFill>
+                  <a:schemeClr val="accent4"/>
+                </a:solidFill>
+                <a:latin typeface="HY그래픽M" panose="02030600000101010101" pitchFamily="18" charset="-127"/>
+                <a:ea typeface="HY그래픽M" panose="02030600000101010101" pitchFamily="18" charset="-127"/>
+              </a:rPr>
+              <a:t>리스폰포인트에서</a:t>
+            </a:r>
+            <a:r>
+              <a:rPr lang="ko-KR" altLang="en-US" b="1" dirty="0">
+                <a:solidFill>
+                  <a:schemeClr val="accent4"/>
+                </a:solidFill>
+                <a:latin typeface="HY그래픽M" panose="02030600000101010101" pitchFamily="18" charset="-127"/>
+                <a:ea typeface="HY그래픽M" panose="02030600000101010101" pitchFamily="18" charset="-127"/>
+              </a:rPr>
+              <a:t> 재생성 되지 않는다</a:t>
+            </a:r>
+            <a:r>
+              <a:rPr lang="en-US" altLang="ko-KR" b="1" dirty="0">
+                <a:solidFill>
+                  <a:schemeClr val="accent4"/>
+                </a:solidFill>
+                <a:latin typeface="HY그래픽M" panose="02030600000101010101" pitchFamily="18" charset="-127"/>
+                <a:ea typeface="HY그래픽M" panose="02030600000101010101" pitchFamily="18" charset="-127"/>
+              </a:rPr>
+              <a:t>.</a:t>
+            </a:r>
+          </a:p>
+          <a:p>
+            <a:pPr marL="285705" indent="-285705">
+              <a:buFontTx/>
+              <a:buChar char="-"/>
+            </a:pPr>
+            <a:endParaRPr lang="en-US" altLang="ko-KR" b="1" dirty="0">
+              <a:latin typeface="HY그래픽M" panose="02030600000101010101" pitchFamily="18" charset="-127"/>
+              <a:ea typeface="HY그래픽M" panose="02030600000101010101" pitchFamily="18" charset="-127"/>
+            </a:endParaRPr>
+          </a:p>
+          <a:p>
+            <a:pPr marL="285705" indent="-285705">
+              <a:buFontTx/>
+              <a:buChar char="-"/>
+            </a:pPr>
+            <a:r>
+              <a:rPr lang="ko-KR" altLang="en-US" b="1" dirty="0">
+                <a:latin typeface="HY그래픽M" panose="02030600000101010101" pitchFamily="18" charset="-127"/>
+                <a:ea typeface="HY그래픽M" panose="02030600000101010101" pitchFamily="18" charset="-127"/>
+              </a:rPr>
+              <a:t> 플레이어는 </a:t>
+            </a:r>
+            <a:r>
+              <a:rPr lang="ko-KR" altLang="en-US" b="1" dirty="0" err="1">
+                <a:solidFill>
+                  <a:schemeClr val="accent4"/>
+                </a:solidFill>
+                <a:latin typeface="HY그래픽M" panose="02030600000101010101" pitchFamily="18" charset="-127"/>
+                <a:ea typeface="HY그래픽M" panose="02030600000101010101" pitchFamily="18" charset="-127"/>
+              </a:rPr>
+              <a:t>페이드</a:t>
+            </a:r>
+            <a:r>
+              <a:rPr lang="ko-KR" altLang="en-US" b="1" dirty="0">
+                <a:solidFill>
+                  <a:schemeClr val="accent4"/>
+                </a:solidFill>
+                <a:latin typeface="HY그래픽M" panose="02030600000101010101" pitchFamily="18" charset="-127"/>
+                <a:ea typeface="HY그래픽M" panose="02030600000101010101" pitchFamily="18" charset="-127"/>
+              </a:rPr>
+              <a:t> 인 이후 다른 룸에 있을 것</a:t>
+            </a:r>
+            <a:r>
+              <a:rPr lang="ko-KR" altLang="en-US" b="1" dirty="0">
+                <a:latin typeface="HY그래픽M" panose="02030600000101010101" pitchFamily="18" charset="-127"/>
+                <a:ea typeface="HY그래픽M" panose="02030600000101010101" pitchFamily="18" charset="-127"/>
+              </a:rPr>
+              <a:t>이다</a:t>
+            </a:r>
+            <a:r>
+              <a:rPr lang="en-US" altLang="ko-KR" b="1" dirty="0">
+                <a:latin typeface="HY그래픽M" panose="02030600000101010101" pitchFamily="18" charset="-127"/>
+                <a:ea typeface="HY그래픽M" panose="02030600000101010101" pitchFamily="18" charset="-127"/>
+              </a:rPr>
+              <a:t>.</a:t>
+            </a:r>
+          </a:p>
+          <a:p>
+            <a:pPr marL="285705" indent="-285705">
+              <a:buFontTx/>
+              <a:buChar char="-"/>
+            </a:pPr>
+            <a:endParaRPr lang="en-US" altLang="ko-KR" b="1" dirty="0">
+              <a:latin typeface="HY그래픽M" panose="02030600000101010101" pitchFamily="18" charset="-127"/>
+              <a:ea typeface="HY그래픽M" panose="02030600000101010101" pitchFamily="18" charset="-127"/>
+            </a:endParaRPr>
+          </a:p>
+          <a:p>
+            <a:pPr marL="285705" indent="-285705">
+              <a:buFontTx/>
+              <a:buChar char="-"/>
+            </a:pPr>
+            <a:endParaRPr lang="en-US" altLang="ko-KR" b="1" dirty="0">
+              <a:latin typeface="HY그래픽M" panose="02030600000101010101" pitchFamily="18" charset="-127"/>
+              <a:ea typeface="HY그래픽M" panose="02030600000101010101" pitchFamily="18" charset="-127"/>
+            </a:endParaRPr>
+          </a:p>
+        </p:txBody>
+      </p:sp>
+      <p:sp>
+        <p:nvSpPr>
+          <p:cNvPr id="13" name="직사각형 12">
+            <a:extLst>
+              <a:ext uri="{FF2B5EF4-FFF2-40B4-BE49-F238E27FC236}">
+                <a16:creationId xmlns:a16="http://schemas.microsoft.com/office/drawing/2014/main" id="{ACA2B6D6-ACCD-4E4D-9B32-07848808FACF}"/>
+              </a:ext>
+            </a:extLst>
+          </p:cNvPr>
+          <p:cNvSpPr/>
+          <p:nvPr/>
+        </p:nvSpPr>
+        <p:spPr>
+          <a:xfrm>
+            <a:off x="14237253" y="5827776"/>
+            <a:ext cx="2316480" cy="963168"/>
+          </a:xfrm>
+          <a:prstGeom prst="rect">
+            <a:avLst/>
+          </a:prstGeom>
+          <a:noFill/>
+          <a:ln w="57150">
+            <a:solidFill>
+              <a:srgbClr val="FF0000"/>
+            </a:solidFill>
+          </a:ln>
+        </p:spPr>
+        <p:style>
+          <a:lnRef idx="2">
+            <a:schemeClr val="accent1">
+              <a:shade val="50000"/>
+            </a:schemeClr>
+          </a:lnRef>
+          <a:fillRef idx="1">
+            <a:schemeClr val="accent1"/>
+          </a:fillRef>
+          <a:effectRef idx="0">
+            <a:schemeClr val="accent1"/>
+          </a:effectRef>
+          <a:fontRef idx="minor">
+            <a:schemeClr val="lt1"/>
+          </a:fontRef>
+        </p:style>
+        <p:txBody>
+          <a:bodyPr rtlCol="0" anchor="ctr"/>
+          <a:lstStyle/>
+          <a:p>
+            <a:pPr algn="ctr"/>
+            <a:endParaRPr lang="ko-KR" altLang="en-US"/>
+          </a:p>
+        </p:txBody>
+      </p:sp>
+      <p:sp>
+        <p:nvSpPr>
+          <p:cNvPr id="14" name="TextBox 13">
+            <a:extLst>
+              <a:ext uri="{FF2B5EF4-FFF2-40B4-BE49-F238E27FC236}">
+                <a16:creationId xmlns:a16="http://schemas.microsoft.com/office/drawing/2014/main" id="{6D99D553-0B49-4429-A49A-F1D8F187D0EB}"/>
+              </a:ext>
+            </a:extLst>
+          </p:cNvPr>
+          <p:cNvSpPr txBox="1"/>
+          <p:nvPr/>
+        </p:nvSpPr>
+        <p:spPr>
+          <a:xfrm>
+            <a:off x="16224549" y="6794135"/>
+            <a:ext cx="1823311" cy="830997"/>
+          </a:xfrm>
+          <a:prstGeom prst="rect">
+            <a:avLst/>
+          </a:prstGeom>
+          <a:noFill/>
+        </p:spPr>
+        <p:txBody>
+          <a:bodyPr wrap="square" rtlCol="0">
+            <a:spAutoFit/>
+          </a:bodyPr>
+          <a:lstStyle/>
+          <a:p>
+            <a:r>
+              <a:rPr lang="ko-KR" altLang="en-US" sz="2400" b="1" dirty="0">
+                <a:ln w="3175">
+                  <a:solidFill>
+                    <a:schemeClr val="bg1"/>
+                  </a:solidFill>
+                </a:ln>
+                <a:solidFill>
+                  <a:srgbClr val="FF0000"/>
+                </a:solidFill>
+              </a:rPr>
+              <a:t>②의 경우 </a:t>
+            </a:r>
+            <a:r>
+              <a:rPr lang="ko-KR" altLang="en-US" sz="2400" b="1" dirty="0" err="1">
+                <a:ln w="3175">
+                  <a:solidFill>
+                    <a:schemeClr val="bg1"/>
+                  </a:solidFill>
+                </a:ln>
+                <a:solidFill>
+                  <a:srgbClr val="FF0000"/>
+                </a:solidFill>
+              </a:rPr>
+              <a:t>스킵한다</a:t>
+            </a:r>
+            <a:endParaRPr lang="ko-KR" altLang="en-US" sz="2400" b="1" dirty="0">
+              <a:ln w="3175">
+                <a:solidFill>
+                  <a:schemeClr val="bg1"/>
+                </a:solidFill>
+              </a:ln>
+              <a:solidFill>
+                <a:srgbClr val="FF0000"/>
+              </a:solidFill>
+            </a:endParaRPr>
           </a:p>
         </p:txBody>
       </p:sp>
@@ -4988,10 +5837,10 @@
       </p:grpSpPr>
       <p:sp>
         <p:nvSpPr>
-          <p:cNvPr id="31" name="직사각형 30">
+          <p:cNvPr id="4" name="직사각형 3">
             <a:extLst>
               <a:ext uri="{FF2B5EF4-FFF2-40B4-BE49-F238E27FC236}">
-                <a16:creationId xmlns:a16="http://schemas.microsoft.com/office/drawing/2014/main" id="{408EFC51-8FFE-4ADF-89E4-7E6457F42BE2}"/>
+                <a16:creationId xmlns:a16="http://schemas.microsoft.com/office/drawing/2014/main" id="{D6B81E73-48EE-48D8-ACDC-2D760E1F8B6D}"/>
               </a:ext>
             </a:extLst>
           </p:cNvPr>
@@ -5000,16 +5849,58 @@
         </p:nvSpPr>
         <p:spPr>
           <a:xfrm>
-            <a:off x="5" y="1125001"/>
-            <a:ext cx="6876481" cy="8781003"/>
+            <a:off x="8132804" y="33681"/>
+            <a:ext cx="1344535" cy="923330"/>
           </a:xfrm>
           <a:prstGeom prst="rect">
             <a:avLst/>
           </a:prstGeom>
+          <a:noFill/>
+        </p:spPr>
+        <p:txBody>
+          <a:bodyPr wrap="none" lIns="91440" tIns="45720" rIns="91440" bIns="45720">
+            <a:spAutoFit/>
+          </a:bodyPr>
+          <a:lstStyle/>
+          <a:p>
+            <a:pPr algn="ctr"/>
+            <a:r>
+              <a:rPr lang="en-US" altLang="ko-KR" sz="5400" b="1" dirty="0">
+                <a:ln w="0">
+                  <a:solidFill>
+                    <a:schemeClr val="bg1"/>
+                  </a:solidFill>
+                </a:ln>
+                <a:latin typeface="+mj-ea"/>
+                <a:ea typeface="+mj-ea"/>
+              </a:rPr>
+              <a:t>WA</a:t>
+            </a:r>
+          </a:p>
+        </p:txBody>
+      </p:sp>
+      <p:sp>
+        <p:nvSpPr>
+          <p:cNvPr id="5" name="사각형: 둥근 모서리 4">
+            <a:extLst>
+              <a:ext uri="{FF2B5EF4-FFF2-40B4-BE49-F238E27FC236}">
+                <a16:creationId xmlns:a16="http://schemas.microsoft.com/office/drawing/2014/main" id="{4EB81B37-F11E-42DD-978C-7E9E27E662C7}"/>
+              </a:ext>
+            </a:extLst>
+          </p:cNvPr>
+          <p:cNvSpPr/>
+          <p:nvPr/>
+        </p:nvSpPr>
+        <p:spPr>
+          <a:xfrm>
+            <a:off x="101601" y="993855"/>
+            <a:ext cx="17406942" cy="318170"/>
+          </a:xfrm>
+          <a:prstGeom prst="roundRect">
+            <a:avLst/>
+          </a:prstGeom>
           <a:solidFill>
-            <a:schemeClr val="bg2">
-              <a:lumMod val="25000"/>
-            </a:schemeClr>
+            <a:schemeClr val="tx1"/>
           </a:solidFill>
           <a:ln>
             <a:noFill/>
@@ -5036,184 +5927,12 @@
           <a:lstStyle/>
           <a:p>
             <a:pPr algn="ctr"/>
-            <a:endParaRPr lang="ko-KR" altLang="en-US" dirty="0"/>
-          </a:p>
-        </p:txBody>
-      </p:sp>
-      <p:grpSp>
-        <p:nvGrpSpPr>
-          <p:cNvPr id="48" name="그룹 47">
-            <a:extLst>
-              <a:ext uri="{FF2B5EF4-FFF2-40B4-BE49-F238E27FC236}">
-                <a16:creationId xmlns:a16="http://schemas.microsoft.com/office/drawing/2014/main" id="{5F81BAD5-5816-4FCF-8474-BB3D63A02951}"/>
-              </a:ext>
-            </a:extLst>
-          </p:cNvPr>
-          <p:cNvGrpSpPr/>
-          <p:nvPr/>
-        </p:nvGrpSpPr>
-        <p:grpSpPr>
-          <a:xfrm>
-            <a:off x="0" y="1046534"/>
-            <a:ext cx="6876480" cy="455116"/>
-            <a:chOff x="121920" y="1124997"/>
-            <a:chExt cx="6614160" cy="455116"/>
-          </a:xfrm>
-        </p:grpSpPr>
-        <p:sp>
-          <p:nvSpPr>
-            <p:cNvPr id="49" name="사각형: 둥근 모서리 48">
-              <a:extLst>
-                <a:ext uri="{FF2B5EF4-FFF2-40B4-BE49-F238E27FC236}">
-                  <a16:creationId xmlns:a16="http://schemas.microsoft.com/office/drawing/2014/main" id="{38110464-CEF5-4BD1-BE78-BECC49E498AB}"/>
-                </a:ext>
-              </a:extLst>
-            </p:cNvPr>
-            <p:cNvSpPr/>
-            <p:nvPr/>
-          </p:nvSpPr>
-          <p:spPr>
-            <a:xfrm>
-              <a:off x="121920" y="1124997"/>
-              <a:ext cx="6614160" cy="455116"/>
-            </a:xfrm>
-            <a:prstGeom prst="roundRect">
-              <a:avLst/>
-            </a:prstGeom>
-            <a:solidFill>
-              <a:schemeClr val="bg2">
-                <a:lumMod val="75000"/>
-              </a:schemeClr>
-            </a:solidFill>
-            <a:ln>
-              <a:noFill/>
-            </a:ln>
-          </p:spPr>
-          <p:style>
-            <a:lnRef idx="2">
-              <a:schemeClr val="accent1">
-                <a:shade val="50000"/>
-              </a:schemeClr>
-            </a:lnRef>
-            <a:fillRef idx="1">
-              <a:schemeClr val="accent1"/>
-            </a:fillRef>
-            <a:effectRef idx="0">
-              <a:schemeClr val="accent1"/>
-            </a:effectRef>
-            <a:fontRef idx="minor">
-              <a:schemeClr val="lt1"/>
-            </a:fontRef>
-          </p:style>
-          <p:txBody>
-            <a:bodyPr rtlCol="0" anchor="ctr"/>
-            <a:lstStyle/>
-            <a:p>
-              <a:pPr algn="ctr"/>
-              <a:endParaRPr lang="ko-KR" altLang="en-US" dirty="0"/>
-            </a:p>
-          </p:txBody>
-        </p:sp>
-        <p:sp>
-          <p:nvSpPr>
-            <p:cNvPr id="50" name="사각형: 둥근 모서리 49">
-              <a:extLst>
-                <a:ext uri="{FF2B5EF4-FFF2-40B4-BE49-F238E27FC236}">
-                  <a16:creationId xmlns:a16="http://schemas.microsoft.com/office/drawing/2014/main" id="{95635ADE-9FB9-4161-B441-501D5774BE0B}"/>
-                </a:ext>
-              </a:extLst>
-            </p:cNvPr>
-            <p:cNvSpPr/>
-            <p:nvPr/>
-          </p:nvSpPr>
-          <p:spPr>
-            <a:xfrm>
-              <a:off x="433199" y="1195522"/>
-              <a:ext cx="5991603" cy="318170"/>
-            </a:xfrm>
-            <a:prstGeom prst="roundRect">
-              <a:avLst/>
-            </a:prstGeom>
-            <a:solidFill>
-              <a:schemeClr val="bg2">
-                <a:lumMod val="50000"/>
-              </a:schemeClr>
-            </a:solidFill>
-            <a:ln>
-              <a:noFill/>
-            </a:ln>
-          </p:spPr>
-          <p:style>
-            <a:lnRef idx="2">
-              <a:schemeClr val="accent1">
-                <a:shade val="50000"/>
-              </a:schemeClr>
-            </a:lnRef>
-            <a:fillRef idx="1">
-              <a:schemeClr val="accent1"/>
-            </a:fillRef>
-            <a:effectRef idx="0">
-              <a:schemeClr val="accent1"/>
-            </a:effectRef>
-            <a:fontRef idx="minor">
-              <a:schemeClr val="lt1"/>
-            </a:fontRef>
-          </p:style>
-          <p:txBody>
-            <a:bodyPr rtlCol="0" anchor="ctr"/>
-            <a:lstStyle/>
-            <a:p>
-              <a:pPr algn="ctr"/>
-              <a:r>
-                <a:rPr lang="ko-KR" altLang="en-US" b="1" dirty="0">
-                  <a:latin typeface="메이플스토리" panose="02000300000000000000" pitchFamily="2" charset="-127"/>
-                  <a:ea typeface="메이플스토리" panose="02000300000000000000" pitchFamily="2" charset="-127"/>
-                </a:rPr>
-                <a:t>룸 리셋</a:t>
-              </a:r>
-            </a:p>
-          </p:txBody>
-        </p:sp>
-      </p:grpSp>
-      <p:sp>
-        <p:nvSpPr>
-          <p:cNvPr id="30" name="직사각형 29">
-            <a:extLst>
-              <a:ext uri="{FF2B5EF4-FFF2-40B4-BE49-F238E27FC236}">
-                <a16:creationId xmlns:a16="http://schemas.microsoft.com/office/drawing/2014/main" id="{CE6D56EF-766C-42D8-AD05-0F89A2126FDE}"/>
-              </a:ext>
-            </a:extLst>
-          </p:cNvPr>
-          <p:cNvSpPr/>
-          <p:nvPr/>
-        </p:nvSpPr>
-        <p:spPr>
-          <a:xfrm>
-            <a:off x="2756733" y="33681"/>
-            <a:ext cx="1344535" cy="923330"/>
-          </a:xfrm>
-          <a:prstGeom prst="rect">
-            <a:avLst/>
-          </a:prstGeom>
-          <a:noFill/>
-        </p:spPr>
-        <p:txBody>
-          <a:bodyPr wrap="none" lIns="91440" tIns="45720" rIns="91440" bIns="45720">
-            <a:spAutoFit/>
-          </a:bodyPr>
-          <a:lstStyle/>
-          <a:p>
-            <a:pPr algn="ctr"/>
-            <a:r>
-              <a:rPr lang="en-US" altLang="ko-KR" sz="5400" b="1" cap="none" spc="0" dirty="0">
-                <a:ln w="0"/>
-                <a:solidFill>
-                  <a:schemeClr val="tx1"/>
-                </a:solidFill>
-                <a:latin typeface="+mj-ea"/>
-                <a:ea typeface="+mj-ea"/>
-              </a:rPr>
-              <a:t>WA</a:t>
+            <a:r>
+              <a:rPr lang="ko-KR" altLang="en-US" b="1" dirty="0">
+                <a:latin typeface="메이플스토리" panose="02000300000000000000" pitchFamily="2" charset="-127"/>
+                <a:ea typeface="메이플스토리" panose="02000300000000000000" pitchFamily="2" charset="-127"/>
+              </a:rPr>
+              <a:t>시야조정</a:t>
             </a:r>
           </a:p>
         </p:txBody>
@@ -5221,531 +5940,7 @@
     </p:spTree>
     <p:extLst>
       <p:ext uri="{BB962C8B-B14F-4D97-AF65-F5344CB8AC3E}">
-        <p14:creationId xmlns:p14="http://schemas.microsoft.com/office/powerpoint/2010/main" val="3404595132"/>
-      </p:ext>
-    </p:extLst>
-  </p:cSld>
-  <p:clrMapOvr>
-    <a:masterClrMapping/>
-  </p:clrMapOvr>
-</p:sld>
-</file>
-
-<file path=ppt/slides/slide6.xml><?xml version="1.0" encoding="utf-8"?>
-<p:sld xmlns:a="http://schemas.openxmlformats.org/drawingml/2006/main" xmlns:r="http://schemas.openxmlformats.org/officeDocument/2006/relationships" xmlns:p="http://schemas.openxmlformats.org/presentationml/2006/main">
-  <p:cSld>
-    <p:spTree>
-      <p:nvGrpSpPr>
-        <p:cNvPr id="1" name=""/>
-        <p:cNvGrpSpPr/>
-        <p:nvPr/>
-      </p:nvGrpSpPr>
-      <p:grpSpPr>
-        <a:xfrm>
-          <a:off x="0" y="0"/>
-          <a:ext cx="0" cy="0"/>
-          <a:chOff x="0" y="0"/>
-          <a:chExt cx="0" cy="0"/>
-        </a:xfrm>
-      </p:grpSpPr>
-      <p:sp>
-        <p:nvSpPr>
-          <p:cNvPr id="31" name="직사각형 30">
-            <a:extLst>
-              <a:ext uri="{FF2B5EF4-FFF2-40B4-BE49-F238E27FC236}">
-                <a16:creationId xmlns:a16="http://schemas.microsoft.com/office/drawing/2014/main" id="{408EFC51-8FFE-4ADF-89E4-7E6457F42BE2}"/>
-              </a:ext>
-            </a:extLst>
-          </p:cNvPr>
-          <p:cNvSpPr/>
-          <p:nvPr/>
-        </p:nvSpPr>
-        <p:spPr>
-          <a:xfrm>
-            <a:off x="5" y="1125001"/>
-            <a:ext cx="6876481" cy="8781003"/>
-          </a:xfrm>
-          <a:prstGeom prst="rect">
-            <a:avLst/>
-          </a:prstGeom>
-          <a:solidFill>
-            <a:schemeClr val="bg2">
-              <a:lumMod val="25000"/>
-            </a:schemeClr>
-          </a:solidFill>
-          <a:ln>
-            <a:noFill/>
-          </a:ln>
-        </p:spPr>
-        <p:style>
-          <a:lnRef idx="2">
-            <a:schemeClr val="accent1">
-              <a:shade val="50000"/>
-            </a:schemeClr>
-          </a:lnRef>
-          <a:fillRef idx="1">
-            <a:schemeClr val="accent1"/>
-          </a:fillRef>
-          <a:effectRef idx="0">
-            <a:schemeClr val="accent1"/>
-          </a:effectRef>
-          <a:fontRef idx="minor">
-            <a:schemeClr val="lt1"/>
-          </a:fontRef>
-        </p:style>
-        <p:txBody>
-          <a:bodyPr rtlCol="0" anchor="ctr"/>
-          <a:lstStyle/>
-          <a:p>
-            <a:pPr algn="ctr"/>
-            <a:endParaRPr lang="ko-KR" altLang="en-US" dirty="0"/>
-          </a:p>
-        </p:txBody>
-      </p:sp>
-      <p:grpSp>
-        <p:nvGrpSpPr>
-          <p:cNvPr id="48" name="그룹 47">
-            <a:extLst>
-              <a:ext uri="{FF2B5EF4-FFF2-40B4-BE49-F238E27FC236}">
-                <a16:creationId xmlns:a16="http://schemas.microsoft.com/office/drawing/2014/main" id="{5F81BAD5-5816-4FCF-8474-BB3D63A02951}"/>
-              </a:ext>
-            </a:extLst>
-          </p:cNvPr>
-          <p:cNvGrpSpPr/>
-          <p:nvPr/>
-        </p:nvGrpSpPr>
-        <p:grpSpPr>
-          <a:xfrm>
-            <a:off x="0" y="1046534"/>
-            <a:ext cx="6876480" cy="455116"/>
-            <a:chOff x="121920" y="1124997"/>
-            <a:chExt cx="6614160" cy="455116"/>
-          </a:xfrm>
-        </p:grpSpPr>
-        <p:sp>
-          <p:nvSpPr>
-            <p:cNvPr id="49" name="사각형: 둥근 모서리 48">
-              <a:extLst>
-                <a:ext uri="{FF2B5EF4-FFF2-40B4-BE49-F238E27FC236}">
-                  <a16:creationId xmlns:a16="http://schemas.microsoft.com/office/drawing/2014/main" id="{38110464-CEF5-4BD1-BE78-BECC49E498AB}"/>
-                </a:ext>
-              </a:extLst>
-            </p:cNvPr>
-            <p:cNvSpPr/>
-            <p:nvPr/>
-          </p:nvSpPr>
-          <p:spPr>
-            <a:xfrm>
-              <a:off x="121920" y="1124997"/>
-              <a:ext cx="6614160" cy="455116"/>
-            </a:xfrm>
-            <a:prstGeom prst="roundRect">
-              <a:avLst/>
-            </a:prstGeom>
-            <a:solidFill>
-              <a:schemeClr val="bg2">
-                <a:lumMod val="75000"/>
-              </a:schemeClr>
-            </a:solidFill>
-            <a:ln>
-              <a:noFill/>
-            </a:ln>
-          </p:spPr>
-          <p:style>
-            <a:lnRef idx="2">
-              <a:schemeClr val="accent1">
-                <a:shade val="50000"/>
-              </a:schemeClr>
-            </a:lnRef>
-            <a:fillRef idx="1">
-              <a:schemeClr val="accent1"/>
-            </a:fillRef>
-            <a:effectRef idx="0">
-              <a:schemeClr val="accent1"/>
-            </a:effectRef>
-            <a:fontRef idx="minor">
-              <a:schemeClr val="lt1"/>
-            </a:fontRef>
-          </p:style>
-          <p:txBody>
-            <a:bodyPr rtlCol="0" anchor="ctr"/>
-            <a:lstStyle/>
-            <a:p>
-              <a:pPr algn="ctr"/>
-              <a:endParaRPr lang="ko-KR" altLang="en-US" dirty="0"/>
-            </a:p>
-          </p:txBody>
-        </p:sp>
-        <p:sp>
-          <p:nvSpPr>
-            <p:cNvPr id="50" name="사각형: 둥근 모서리 49">
-              <a:extLst>
-                <a:ext uri="{FF2B5EF4-FFF2-40B4-BE49-F238E27FC236}">
-                  <a16:creationId xmlns:a16="http://schemas.microsoft.com/office/drawing/2014/main" id="{95635ADE-9FB9-4161-B441-501D5774BE0B}"/>
-                </a:ext>
-              </a:extLst>
-            </p:cNvPr>
-            <p:cNvSpPr/>
-            <p:nvPr/>
-          </p:nvSpPr>
-          <p:spPr>
-            <a:xfrm>
-              <a:off x="433199" y="1195522"/>
-              <a:ext cx="5991603" cy="318170"/>
-            </a:xfrm>
-            <a:prstGeom prst="roundRect">
-              <a:avLst/>
-            </a:prstGeom>
-            <a:solidFill>
-              <a:schemeClr val="bg2">
-                <a:lumMod val="50000"/>
-              </a:schemeClr>
-            </a:solidFill>
-            <a:ln>
-              <a:noFill/>
-            </a:ln>
-          </p:spPr>
-          <p:style>
-            <a:lnRef idx="2">
-              <a:schemeClr val="accent1">
-                <a:shade val="50000"/>
-              </a:schemeClr>
-            </a:lnRef>
-            <a:fillRef idx="1">
-              <a:schemeClr val="accent1"/>
-            </a:fillRef>
-            <a:effectRef idx="0">
-              <a:schemeClr val="accent1"/>
-            </a:effectRef>
-            <a:fontRef idx="minor">
-              <a:schemeClr val="lt1"/>
-            </a:fontRef>
-          </p:style>
-          <p:txBody>
-            <a:bodyPr rtlCol="0" anchor="ctr"/>
-            <a:lstStyle/>
-            <a:p>
-              <a:pPr algn="ctr"/>
-              <a:r>
-                <a:rPr lang="ko-KR" altLang="en-US" b="1" dirty="0">
-                  <a:latin typeface="메이플스토리" panose="02000300000000000000" pitchFamily="2" charset="-127"/>
-                  <a:ea typeface="메이플스토리" panose="02000300000000000000" pitchFamily="2" charset="-127"/>
-                </a:rPr>
-                <a:t>룸 이동</a:t>
-              </a:r>
-            </a:p>
-          </p:txBody>
-        </p:sp>
-      </p:grpSp>
-      <p:sp>
-        <p:nvSpPr>
-          <p:cNvPr id="30" name="직사각형 29">
-            <a:extLst>
-              <a:ext uri="{FF2B5EF4-FFF2-40B4-BE49-F238E27FC236}">
-                <a16:creationId xmlns:a16="http://schemas.microsoft.com/office/drawing/2014/main" id="{CE6D56EF-766C-42D8-AD05-0F89A2126FDE}"/>
-              </a:ext>
-            </a:extLst>
-          </p:cNvPr>
-          <p:cNvSpPr/>
-          <p:nvPr/>
-        </p:nvSpPr>
-        <p:spPr>
-          <a:xfrm>
-            <a:off x="2756733" y="33681"/>
-            <a:ext cx="1344535" cy="923330"/>
-          </a:xfrm>
-          <a:prstGeom prst="rect">
-            <a:avLst/>
-          </a:prstGeom>
-          <a:noFill/>
-        </p:spPr>
-        <p:txBody>
-          <a:bodyPr wrap="none" lIns="91440" tIns="45720" rIns="91440" bIns="45720">
-            <a:spAutoFit/>
-          </a:bodyPr>
-          <a:lstStyle/>
-          <a:p>
-            <a:pPr algn="ctr"/>
-            <a:r>
-              <a:rPr lang="en-US" altLang="ko-KR" sz="5400" b="1" cap="none" spc="0" dirty="0">
-                <a:ln w="0"/>
-                <a:solidFill>
-                  <a:schemeClr val="tx1"/>
-                </a:solidFill>
-                <a:latin typeface="+mj-ea"/>
-                <a:ea typeface="+mj-ea"/>
-              </a:rPr>
-              <a:t>WA</a:t>
-            </a:r>
-          </a:p>
-        </p:txBody>
-      </p:sp>
-    </p:spTree>
-    <p:extLst>
-      <p:ext uri="{BB962C8B-B14F-4D97-AF65-F5344CB8AC3E}">
-        <p14:creationId xmlns:p14="http://schemas.microsoft.com/office/powerpoint/2010/main" val="2781172530"/>
-      </p:ext>
-    </p:extLst>
-  </p:cSld>
-  <p:clrMapOvr>
-    <a:masterClrMapping/>
-  </p:clrMapOvr>
-</p:sld>
-</file>
-
-<file path=ppt/slides/slide7.xml><?xml version="1.0" encoding="utf-8"?>
-<p:sld xmlns:a="http://schemas.openxmlformats.org/drawingml/2006/main" xmlns:r="http://schemas.openxmlformats.org/officeDocument/2006/relationships" xmlns:p="http://schemas.openxmlformats.org/presentationml/2006/main">
-  <p:cSld>
-    <p:spTree>
-      <p:nvGrpSpPr>
-        <p:cNvPr id="1" name=""/>
-        <p:cNvGrpSpPr/>
-        <p:nvPr/>
-      </p:nvGrpSpPr>
-      <p:grpSpPr>
-        <a:xfrm>
-          <a:off x="0" y="0"/>
-          <a:ext cx="0" cy="0"/>
-          <a:chOff x="0" y="0"/>
-          <a:chExt cx="0" cy="0"/>
-        </a:xfrm>
-      </p:grpSpPr>
-      <p:sp>
-        <p:nvSpPr>
-          <p:cNvPr id="31" name="직사각형 30">
-            <a:extLst>
-              <a:ext uri="{FF2B5EF4-FFF2-40B4-BE49-F238E27FC236}">
-                <a16:creationId xmlns:a16="http://schemas.microsoft.com/office/drawing/2014/main" id="{408EFC51-8FFE-4ADF-89E4-7E6457F42BE2}"/>
-              </a:ext>
-            </a:extLst>
-          </p:cNvPr>
-          <p:cNvSpPr/>
-          <p:nvPr/>
-        </p:nvSpPr>
-        <p:spPr>
-          <a:xfrm>
-            <a:off x="5" y="1125001"/>
-            <a:ext cx="6876481" cy="8781003"/>
-          </a:xfrm>
-          <a:prstGeom prst="rect">
-            <a:avLst/>
-          </a:prstGeom>
-          <a:solidFill>
-            <a:schemeClr val="bg2">
-              <a:lumMod val="25000"/>
-            </a:schemeClr>
-          </a:solidFill>
-          <a:ln>
-            <a:noFill/>
-          </a:ln>
-        </p:spPr>
-        <p:style>
-          <a:lnRef idx="2">
-            <a:schemeClr val="accent1">
-              <a:shade val="50000"/>
-            </a:schemeClr>
-          </a:lnRef>
-          <a:fillRef idx="1">
-            <a:schemeClr val="accent1"/>
-          </a:fillRef>
-          <a:effectRef idx="0">
-            <a:schemeClr val="accent1"/>
-          </a:effectRef>
-          <a:fontRef idx="minor">
-            <a:schemeClr val="lt1"/>
-          </a:fontRef>
-        </p:style>
-        <p:txBody>
-          <a:bodyPr rtlCol="0" anchor="ctr"/>
-          <a:lstStyle/>
-          <a:p>
-            <a:pPr algn="ctr"/>
-            <a:endParaRPr lang="ko-KR" altLang="en-US" dirty="0"/>
-          </a:p>
-        </p:txBody>
-      </p:sp>
-      <p:grpSp>
-        <p:nvGrpSpPr>
-          <p:cNvPr id="48" name="그룹 47">
-            <a:extLst>
-              <a:ext uri="{FF2B5EF4-FFF2-40B4-BE49-F238E27FC236}">
-                <a16:creationId xmlns:a16="http://schemas.microsoft.com/office/drawing/2014/main" id="{5F81BAD5-5816-4FCF-8474-BB3D63A02951}"/>
-              </a:ext>
-            </a:extLst>
-          </p:cNvPr>
-          <p:cNvGrpSpPr/>
-          <p:nvPr/>
-        </p:nvGrpSpPr>
-        <p:grpSpPr>
-          <a:xfrm>
-            <a:off x="0" y="1046534"/>
-            <a:ext cx="6876480" cy="455116"/>
-            <a:chOff x="121920" y="1124997"/>
-            <a:chExt cx="6614160" cy="455116"/>
-          </a:xfrm>
-        </p:grpSpPr>
-        <p:sp>
-          <p:nvSpPr>
-            <p:cNvPr id="49" name="사각형: 둥근 모서리 48">
-              <a:extLst>
-                <a:ext uri="{FF2B5EF4-FFF2-40B4-BE49-F238E27FC236}">
-                  <a16:creationId xmlns:a16="http://schemas.microsoft.com/office/drawing/2014/main" id="{38110464-CEF5-4BD1-BE78-BECC49E498AB}"/>
-                </a:ext>
-              </a:extLst>
-            </p:cNvPr>
-            <p:cNvSpPr/>
-            <p:nvPr/>
-          </p:nvSpPr>
-          <p:spPr>
-            <a:xfrm>
-              <a:off x="121920" y="1124997"/>
-              <a:ext cx="6614160" cy="455116"/>
-            </a:xfrm>
-            <a:prstGeom prst="roundRect">
-              <a:avLst/>
-            </a:prstGeom>
-            <a:solidFill>
-              <a:schemeClr val="bg2">
-                <a:lumMod val="75000"/>
-              </a:schemeClr>
-            </a:solidFill>
-            <a:ln>
-              <a:noFill/>
-            </a:ln>
-          </p:spPr>
-          <p:style>
-            <a:lnRef idx="2">
-              <a:schemeClr val="accent1">
-                <a:shade val="50000"/>
-              </a:schemeClr>
-            </a:lnRef>
-            <a:fillRef idx="1">
-              <a:schemeClr val="accent1"/>
-            </a:fillRef>
-            <a:effectRef idx="0">
-              <a:schemeClr val="accent1"/>
-            </a:effectRef>
-            <a:fontRef idx="minor">
-              <a:schemeClr val="lt1"/>
-            </a:fontRef>
-          </p:style>
-          <p:txBody>
-            <a:bodyPr rtlCol="0" anchor="ctr"/>
-            <a:lstStyle/>
-            <a:p>
-              <a:pPr algn="ctr"/>
-              <a:endParaRPr lang="ko-KR" altLang="en-US" dirty="0"/>
-            </a:p>
-          </p:txBody>
-        </p:sp>
-        <p:sp>
-          <p:nvSpPr>
-            <p:cNvPr id="50" name="사각형: 둥근 모서리 49">
-              <a:extLst>
-                <a:ext uri="{FF2B5EF4-FFF2-40B4-BE49-F238E27FC236}">
-                  <a16:creationId xmlns:a16="http://schemas.microsoft.com/office/drawing/2014/main" id="{95635ADE-9FB9-4161-B441-501D5774BE0B}"/>
-                </a:ext>
-              </a:extLst>
-            </p:cNvPr>
-            <p:cNvSpPr/>
-            <p:nvPr/>
-          </p:nvSpPr>
-          <p:spPr>
-            <a:xfrm>
-              <a:off x="433199" y="1195522"/>
-              <a:ext cx="5991603" cy="318170"/>
-            </a:xfrm>
-            <a:prstGeom prst="roundRect">
-              <a:avLst/>
-            </a:prstGeom>
-            <a:solidFill>
-              <a:schemeClr val="bg2">
-                <a:lumMod val="50000"/>
-              </a:schemeClr>
-            </a:solidFill>
-            <a:ln>
-              <a:noFill/>
-            </a:ln>
-          </p:spPr>
-          <p:style>
-            <a:lnRef idx="2">
-              <a:schemeClr val="accent1">
-                <a:shade val="50000"/>
-              </a:schemeClr>
-            </a:lnRef>
-            <a:fillRef idx="1">
-              <a:schemeClr val="accent1"/>
-            </a:fillRef>
-            <a:effectRef idx="0">
-              <a:schemeClr val="accent1"/>
-            </a:effectRef>
-            <a:fontRef idx="minor">
-              <a:schemeClr val="lt1"/>
-            </a:fontRef>
-          </p:style>
-          <p:txBody>
-            <a:bodyPr rtlCol="0" anchor="ctr"/>
-            <a:lstStyle/>
-            <a:p>
-              <a:pPr algn="ctr"/>
-              <a:r>
-                <a:rPr lang="ko-KR" altLang="en-US" b="1" dirty="0">
-                  <a:latin typeface="메이플스토리" panose="02000300000000000000" pitchFamily="2" charset="-127"/>
-                  <a:ea typeface="메이플스토리" panose="02000300000000000000" pitchFamily="2" charset="-127"/>
-                </a:rPr>
-                <a:t>룸 시야</a:t>
-              </a:r>
-            </a:p>
-          </p:txBody>
-        </p:sp>
-      </p:grpSp>
-      <p:sp>
-        <p:nvSpPr>
-          <p:cNvPr id="30" name="직사각형 29">
-            <a:extLst>
-              <a:ext uri="{FF2B5EF4-FFF2-40B4-BE49-F238E27FC236}">
-                <a16:creationId xmlns:a16="http://schemas.microsoft.com/office/drawing/2014/main" id="{CE6D56EF-766C-42D8-AD05-0F89A2126FDE}"/>
-              </a:ext>
-            </a:extLst>
-          </p:cNvPr>
-          <p:cNvSpPr/>
-          <p:nvPr/>
-        </p:nvSpPr>
-        <p:spPr>
-          <a:xfrm>
-            <a:off x="2756733" y="33681"/>
-            <a:ext cx="1344535" cy="923330"/>
-          </a:xfrm>
-          <a:prstGeom prst="rect">
-            <a:avLst/>
-          </a:prstGeom>
-          <a:noFill/>
-        </p:spPr>
-        <p:txBody>
-          <a:bodyPr wrap="none" lIns="91440" tIns="45720" rIns="91440" bIns="45720">
-            <a:spAutoFit/>
-          </a:bodyPr>
-          <a:lstStyle/>
-          <a:p>
-            <a:pPr algn="ctr"/>
-            <a:r>
-              <a:rPr lang="en-US" altLang="ko-KR" sz="5400" b="1" cap="none" spc="0" dirty="0">
-                <a:ln w="0"/>
-                <a:solidFill>
-                  <a:schemeClr val="tx1"/>
-                </a:solidFill>
-                <a:latin typeface="+mj-ea"/>
-                <a:ea typeface="+mj-ea"/>
-              </a:rPr>
-              <a:t>WA</a:t>
-            </a:r>
-          </a:p>
-        </p:txBody>
-      </p:sp>
-    </p:spTree>
-    <p:extLst>
-      <p:ext uri="{BB962C8B-B14F-4D97-AF65-F5344CB8AC3E}">
-        <p14:creationId xmlns:p14="http://schemas.microsoft.com/office/powerpoint/2010/main" val="88296258"/>
+        <p14:creationId xmlns:p14="http://schemas.microsoft.com/office/powerpoint/2010/main" val="2949689441"/>
       </p:ext>
     </p:extLst>
   </p:cSld>

--- a/기획서/신버전/룸 시스템.pptx
+++ b/기획서/신버전/룸 시스템.pptx
@@ -5,17 +5,18 @@
     <p:sldMasterId id="2147483684" r:id="rId1"/>
   </p:sldMasterIdLst>
   <p:notesMasterIdLst>
-    <p:notesMasterId r:id="rId7"/>
+    <p:notesMasterId r:id="rId8"/>
   </p:notesMasterIdLst>
   <p:handoutMasterIdLst>
-    <p:handoutMasterId r:id="rId8"/>
+    <p:handoutMasterId r:id="rId9"/>
   </p:handoutMasterIdLst>
   <p:sldIdLst>
     <p:sldId id="256" r:id="rId2"/>
     <p:sldId id="257" r:id="rId3"/>
     <p:sldId id="258" r:id="rId4"/>
     <p:sldId id="260" r:id="rId5"/>
-    <p:sldId id="261" r:id="rId6"/>
+    <p:sldId id="262" r:id="rId6"/>
+    <p:sldId id="263" r:id="rId7"/>
   </p:sldIdLst>
   <p:sldSz cx="17610138" cy="9906000"/>
   <p:notesSz cx="6858000" cy="9144000"/>
@@ -216,7 +217,7 @@
           <a:p>
             <a:fld id="{D686C50E-113A-4B4A-8A5C-9EE1E9DBA064}" type="datetimeFigureOut">
               <a:rPr lang="ko-KR" altLang="en-US" smtClean="0"/>
-              <a:t>2021-04-04</a:t>
+              <a:t>2021-04-10</a:t>
             </a:fld>
             <a:endParaRPr lang="ko-KR" altLang="en-US" dirty="0"/>
           </a:p>
@@ -393,7 +394,7 @@
           <a:p>
             <a:fld id="{40EC3B2E-CA71-40FC-A78E-FA212ABD0BB7}" type="datetimeFigureOut">
               <a:rPr lang="ko-KR" altLang="en-US" smtClean="0"/>
-              <a:t>2021-04-03</a:t>
+              <a:t>2021-04-10</a:t>
             </a:fld>
             <a:endParaRPr lang="ko-KR" altLang="en-US" dirty="0"/>
           </a:p>
@@ -791,7 +792,7 @@
           <a:p>
             <a:fld id="{F8CAAD71-D53C-4447-AAA3-BC9075A67E69}" type="datetimeFigureOut">
               <a:rPr lang="ko-KR" altLang="en-US" smtClean="0"/>
-              <a:t>2021-04-03</a:t>
+              <a:t>2021-04-10</a:t>
             </a:fld>
             <a:endParaRPr lang="ko-KR" altLang="en-US" dirty="0"/>
           </a:p>
@@ -961,7 +962,7 @@
           <a:p>
             <a:fld id="{F8CAAD71-D53C-4447-AAA3-BC9075A67E69}" type="datetimeFigureOut">
               <a:rPr lang="ko-KR" altLang="en-US" smtClean="0"/>
-              <a:t>2021-04-03</a:t>
+              <a:t>2021-04-10</a:t>
             </a:fld>
             <a:endParaRPr lang="ko-KR" altLang="en-US" dirty="0"/>
           </a:p>
@@ -1141,7 +1142,7 @@
           <a:p>
             <a:fld id="{F8CAAD71-D53C-4447-AAA3-BC9075A67E69}" type="datetimeFigureOut">
               <a:rPr lang="ko-KR" altLang="en-US" smtClean="0"/>
-              <a:t>2021-04-03</a:t>
+              <a:t>2021-04-10</a:t>
             </a:fld>
             <a:endParaRPr lang="ko-KR" altLang="en-US" dirty="0"/>
           </a:p>
@@ -1311,7 +1312,7 @@
           <a:p>
             <a:fld id="{F8CAAD71-D53C-4447-AAA3-BC9075A67E69}" type="datetimeFigureOut">
               <a:rPr lang="ko-KR" altLang="en-US" smtClean="0"/>
-              <a:t>2021-04-03</a:t>
+              <a:t>2021-04-10</a:t>
             </a:fld>
             <a:endParaRPr lang="ko-KR" altLang="en-US" dirty="0"/>
           </a:p>
@@ -1557,7 +1558,7 @@
           <a:p>
             <a:fld id="{F8CAAD71-D53C-4447-AAA3-BC9075A67E69}" type="datetimeFigureOut">
               <a:rPr lang="ko-KR" altLang="en-US" smtClean="0"/>
-              <a:t>2021-04-03</a:t>
+              <a:t>2021-04-10</a:t>
             </a:fld>
             <a:endParaRPr lang="ko-KR" altLang="en-US" dirty="0"/>
           </a:p>
@@ -1789,7 +1790,7 @@
           <a:p>
             <a:fld id="{F8CAAD71-D53C-4447-AAA3-BC9075A67E69}" type="datetimeFigureOut">
               <a:rPr lang="ko-KR" altLang="en-US" smtClean="0"/>
-              <a:t>2021-04-03</a:t>
+              <a:t>2021-04-10</a:t>
             </a:fld>
             <a:endParaRPr lang="ko-KR" altLang="en-US" dirty="0"/>
           </a:p>
@@ -2156,7 +2157,7 @@
           <a:p>
             <a:fld id="{F8CAAD71-D53C-4447-AAA3-BC9075A67E69}" type="datetimeFigureOut">
               <a:rPr lang="ko-KR" altLang="en-US" smtClean="0"/>
-              <a:t>2021-04-03</a:t>
+              <a:t>2021-04-10</a:t>
             </a:fld>
             <a:endParaRPr lang="ko-KR" altLang="en-US" dirty="0"/>
           </a:p>
@@ -2274,7 +2275,7 @@
           <a:p>
             <a:fld id="{F8CAAD71-D53C-4447-AAA3-BC9075A67E69}" type="datetimeFigureOut">
               <a:rPr lang="ko-KR" altLang="en-US" smtClean="0"/>
-              <a:t>2021-04-03</a:t>
+              <a:t>2021-04-10</a:t>
             </a:fld>
             <a:endParaRPr lang="ko-KR" altLang="en-US" dirty="0"/>
           </a:p>
@@ -2369,7 +2370,7 @@
           <a:p>
             <a:fld id="{F8CAAD71-D53C-4447-AAA3-BC9075A67E69}" type="datetimeFigureOut">
               <a:rPr lang="ko-KR" altLang="en-US" smtClean="0"/>
-              <a:t>2021-04-03</a:t>
+              <a:t>2021-04-10</a:t>
             </a:fld>
             <a:endParaRPr lang="ko-KR" altLang="en-US" dirty="0"/>
           </a:p>
@@ -2646,7 +2647,7 @@
           <a:p>
             <a:fld id="{F8CAAD71-D53C-4447-AAA3-BC9075A67E69}" type="datetimeFigureOut">
               <a:rPr lang="ko-KR" altLang="en-US" smtClean="0"/>
-              <a:t>2021-04-03</a:t>
+              <a:t>2021-04-10</a:t>
             </a:fld>
             <a:endParaRPr lang="ko-KR" altLang="en-US" dirty="0"/>
           </a:p>
@@ -2903,7 +2904,7 @@
           <a:p>
             <a:fld id="{F8CAAD71-D53C-4447-AAA3-BC9075A67E69}" type="datetimeFigureOut">
               <a:rPr lang="ko-KR" altLang="en-US" smtClean="0"/>
-              <a:t>2021-04-03</a:t>
+              <a:t>2021-04-10</a:t>
             </a:fld>
             <a:endParaRPr lang="ko-KR" altLang="en-US" dirty="0"/>
           </a:p>
@@ -3121,7 +3122,7 @@
           <a:p>
             <a:fld id="{F8CAAD71-D53C-4447-AAA3-BC9075A67E69}" type="datetimeFigureOut">
               <a:rPr lang="ko-KR" altLang="en-US" smtClean="0"/>
-              <a:t>2021-04-03</a:t>
+              <a:t>2021-04-10</a:t>
             </a:fld>
             <a:endParaRPr lang="ko-KR" altLang="en-US" dirty="0"/>
           </a:p>
@@ -3766,6 +3767,126 @@
           </a:p>
         </p:txBody>
       </p:sp>
+      <p:sp>
+        <p:nvSpPr>
+          <p:cNvPr id="4" name="TextBox 3">
+            <a:extLst>
+              <a:ext uri="{FF2B5EF4-FFF2-40B4-BE49-F238E27FC236}">
+                <a16:creationId xmlns:a16="http://schemas.microsoft.com/office/drawing/2014/main" id="{A8E2FCFE-9A4F-4C41-B823-B53F1645896F}"/>
+              </a:ext>
+            </a:extLst>
+          </p:cNvPr>
+          <p:cNvSpPr txBox="1"/>
+          <p:nvPr/>
+        </p:nvSpPr>
+        <p:spPr>
+          <a:xfrm>
+            <a:off x="445276" y="1697447"/>
+            <a:ext cx="5967448" cy="2805063"/>
+          </a:xfrm>
+          <a:prstGeom prst="rect">
+            <a:avLst/>
+          </a:prstGeom>
+          <a:noFill/>
+        </p:spPr>
+        <p:txBody>
+          <a:bodyPr wrap="square" rtlCol="0">
+            <a:spAutoFit/>
+          </a:bodyPr>
+          <a:lstStyle/>
+          <a:p>
+            <a:pPr marL="342900" indent="-342900">
+              <a:lnSpc>
+                <a:spcPct val="150000"/>
+              </a:lnSpc>
+              <a:buAutoNum type="arabicPeriod"/>
+            </a:pPr>
+            <a:r>
+              <a:rPr lang="ko-KR" altLang="en-US" sz="2400" b="1" dirty="0">
+                <a:solidFill>
+                  <a:schemeClr val="bg1"/>
+                </a:solidFill>
+              </a:rPr>
+              <a:t>개요</a:t>
+            </a:r>
+            <a:endParaRPr lang="en-US" altLang="ko-KR" sz="2400" b="1" dirty="0">
+              <a:solidFill>
+                <a:schemeClr val="bg1"/>
+              </a:solidFill>
+            </a:endParaRPr>
+          </a:p>
+          <a:p>
+            <a:pPr marL="342900" indent="-342900">
+              <a:lnSpc>
+                <a:spcPct val="150000"/>
+              </a:lnSpc>
+              <a:buAutoNum type="arabicPeriod"/>
+            </a:pPr>
+            <a:r>
+              <a:rPr lang="ko-KR" altLang="en-US" sz="2400" b="1" dirty="0">
+                <a:solidFill>
+                  <a:schemeClr val="bg1"/>
+                </a:solidFill>
+              </a:rPr>
+              <a:t>룸의 리셋</a:t>
+            </a:r>
+            <a:endParaRPr lang="en-US" altLang="ko-KR" sz="2400" b="1" dirty="0">
+              <a:solidFill>
+                <a:schemeClr val="bg1"/>
+              </a:solidFill>
+            </a:endParaRPr>
+          </a:p>
+          <a:p>
+            <a:pPr marL="342900" indent="-342900">
+              <a:lnSpc>
+                <a:spcPct val="150000"/>
+              </a:lnSpc>
+              <a:buAutoNum type="arabicPeriod"/>
+            </a:pPr>
+            <a:r>
+              <a:rPr lang="ko-KR" altLang="en-US" sz="2400" b="1" dirty="0">
+                <a:solidFill>
+                  <a:schemeClr val="bg1"/>
+                </a:solidFill>
+              </a:rPr>
+              <a:t>룸 내에서 시야</a:t>
+            </a:r>
+            <a:endParaRPr lang="en-US" altLang="ko-KR" sz="2400" b="1" dirty="0">
+              <a:solidFill>
+                <a:schemeClr val="bg1"/>
+              </a:solidFill>
+            </a:endParaRPr>
+          </a:p>
+          <a:p>
+            <a:pPr marL="342900" indent="-342900">
+              <a:lnSpc>
+                <a:spcPct val="150000"/>
+              </a:lnSpc>
+              <a:buAutoNum type="arabicPeriod"/>
+            </a:pPr>
+            <a:r>
+              <a:rPr lang="ko-KR" altLang="en-US" sz="2400" b="1" dirty="0">
+                <a:solidFill>
+                  <a:schemeClr val="bg1"/>
+                </a:solidFill>
+              </a:rPr>
+              <a:t>룸 이동</a:t>
+            </a:r>
+          </a:p>
+          <a:p>
+            <a:pPr>
+              <a:lnSpc>
+                <a:spcPct val="150000"/>
+              </a:lnSpc>
+            </a:pPr>
+            <a:endParaRPr lang="ko-KR" altLang="en-US" sz="2400" b="1" dirty="0">
+              <a:solidFill>
+                <a:schemeClr val="bg1"/>
+              </a:solidFill>
+            </a:endParaRPr>
+          </a:p>
+        </p:txBody>
+      </p:sp>
     </p:spTree>
     <p:extLst>
       <p:ext uri="{BB962C8B-B14F-4D97-AF65-F5344CB8AC3E}">
@@ -3798,10 +3919,507 @@
       </p:grpSpPr>
       <p:sp>
         <p:nvSpPr>
-          <p:cNvPr id="2" name="직사각형 1">
+          <p:cNvPr id="3" name="TextBox 2">
             <a:extLst>
               <a:ext uri="{FF2B5EF4-FFF2-40B4-BE49-F238E27FC236}">
-                <a16:creationId xmlns:a16="http://schemas.microsoft.com/office/drawing/2014/main" id="{EFD0C04B-38D5-4978-AE90-0704889ACE15}"/>
+                <a16:creationId xmlns:a16="http://schemas.microsoft.com/office/drawing/2014/main" id="{192A65BC-C936-4045-9C12-A0B7F016B235}"/>
+              </a:ext>
+            </a:extLst>
+          </p:cNvPr>
+          <p:cNvSpPr txBox="1"/>
+          <p:nvPr/>
+        </p:nvSpPr>
+        <p:spPr>
+          <a:xfrm>
+            <a:off x="101601" y="1445888"/>
+            <a:ext cx="17406942" cy="2954655"/>
+          </a:xfrm>
+          <a:prstGeom prst="rect">
+            <a:avLst/>
+          </a:prstGeom>
+          <a:solidFill>
+            <a:schemeClr val="bg1">
+              <a:alpha val="20000"/>
+            </a:schemeClr>
+          </a:solidFill>
+        </p:spPr>
+        <p:txBody>
+          <a:bodyPr wrap="square" rtlCol="0">
+            <a:spAutoFit/>
+          </a:bodyPr>
+          <a:lstStyle/>
+          <a:p>
+            <a:pPr marL="285705" indent="-285705">
+              <a:buFontTx/>
+              <a:buChar char="-"/>
+            </a:pPr>
+            <a:r>
+              <a:rPr lang="ko-KR" altLang="en-US" b="1" dirty="0">
+                <a:latin typeface="HY그래픽M" panose="02030600000101010101" pitchFamily="18" charset="-127"/>
+                <a:ea typeface="HY그래픽M" panose="02030600000101010101" pitchFamily="18" charset="-127"/>
+              </a:rPr>
+              <a:t>이 문서는 </a:t>
+            </a:r>
+            <a:r>
+              <a:rPr lang="en-US" altLang="ko-KR" b="1" dirty="0">
+                <a:latin typeface="HY그래픽M" panose="02030600000101010101" pitchFamily="18" charset="-127"/>
+                <a:ea typeface="HY그래픽M" panose="02030600000101010101" pitchFamily="18" charset="-127"/>
+              </a:rPr>
+              <a:t>Wa</a:t>
+            </a:r>
+            <a:r>
+              <a:rPr lang="ko-KR" altLang="en-US" b="1" dirty="0">
+                <a:latin typeface="HY그래픽M" panose="02030600000101010101" pitchFamily="18" charset="-127"/>
+                <a:ea typeface="HY그래픽M" panose="02030600000101010101" pitchFamily="18" charset="-127"/>
+              </a:rPr>
+              <a:t>의 </a:t>
+            </a:r>
+            <a:r>
+              <a:rPr lang="ko-KR" altLang="en-US" b="1" dirty="0">
+                <a:solidFill>
+                  <a:schemeClr val="accent4"/>
+                </a:solidFill>
+                <a:latin typeface="HY그래픽M" panose="02030600000101010101" pitchFamily="18" charset="-127"/>
+                <a:ea typeface="HY그래픽M" panose="02030600000101010101" pitchFamily="18" charset="-127"/>
+              </a:rPr>
+              <a:t>룸 시스템</a:t>
+            </a:r>
+            <a:r>
+              <a:rPr lang="ko-KR" altLang="en-US" b="1" dirty="0">
+                <a:latin typeface="HY그래픽M" panose="02030600000101010101" pitchFamily="18" charset="-127"/>
+                <a:ea typeface="HY그래픽M" panose="02030600000101010101" pitchFamily="18" charset="-127"/>
+              </a:rPr>
+              <a:t> 기획문서이다</a:t>
+            </a:r>
+            <a:r>
+              <a:rPr lang="en-US" altLang="ko-KR" b="1" dirty="0">
+                <a:latin typeface="HY그래픽M" panose="02030600000101010101" pitchFamily="18" charset="-127"/>
+                <a:ea typeface="HY그래픽M" panose="02030600000101010101" pitchFamily="18" charset="-127"/>
+              </a:rPr>
+              <a:t>.</a:t>
+            </a:r>
+          </a:p>
+          <a:p>
+            <a:pPr marL="285705" indent="-285705">
+              <a:buFontTx/>
+              <a:buChar char="-"/>
+            </a:pPr>
+            <a:endParaRPr lang="en-US" altLang="ko-KR" b="1" dirty="0">
+              <a:latin typeface="HY그래픽M" panose="02030600000101010101" pitchFamily="18" charset="-127"/>
+              <a:ea typeface="HY그래픽M" panose="02030600000101010101" pitchFamily="18" charset="-127"/>
+            </a:endParaRPr>
+          </a:p>
+          <a:p>
+            <a:pPr marL="285705" indent="-285705">
+              <a:buFontTx/>
+              <a:buChar char="-"/>
+            </a:pPr>
+            <a:r>
+              <a:rPr lang="en-US" altLang="ko-KR" b="1" dirty="0">
+                <a:latin typeface="HY그래픽M" panose="02030600000101010101" pitchFamily="18" charset="-127"/>
+                <a:ea typeface="HY그래픽M" panose="02030600000101010101" pitchFamily="18" charset="-127"/>
+              </a:rPr>
+              <a:t>Wa</a:t>
+            </a:r>
+            <a:r>
+              <a:rPr lang="ko-KR" altLang="en-US" b="1" dirty="0">
+                <a:latin typeface="HY그래픽M" panose="02030600000101010101" pitchFamily="18" charset="-127"/>
+                <a:ea typeface="HY그래픽M" panose="02030600000101010101" pitchFamily="18" charset="-127"/>
+              </a:rPr>
+              <a:t>는 플레이어가 </a:t>
+            </a:r>
+            <a:r>
+              <a:rPr lang="ko-KR" altLang="en-US" b="1" dirty="0">
+                <a:solidFill>
+                  <a:schemeClr val="accent4"/>
+                </a:solidFill>
+                <a:latin typeface="HY그래픽M" panose="02030600000101010101" pitchFamily="18" charset="-127"/>
+                <a:ea typeface="HY그래픽M" panose="02030600000101010101" pitchFamily="18" charset="-127"/>
+              </a:rPr>
+              <a:t>룸에 배치된 퍼즐을 해결</a:t>
+            </a:r>
+            <a:r>
+              <a:rPr lang="ko-KR" altLang="en-US" b="1" dirty="0">
+                <a:latin typeface="HY그래픽M" panose="02030600000101010101" pitchFamily="18" charset="-127"/>
+                <a:ea typeface="HY그래픽M" panose="02030600000101010101" pitchFamily="18" charset="-127"/>
+              </a:rPr>
+              <a:t>하며 </a:t>
+            </a:r>
+            <a:r>
+              <a:rPr lang="ko-KR" altLang="en-US" b="1" dirty="0">
+                <a:solidFill>
+                  <a:schemeClr val="accent4"/>
+                </a:solidFill>
+                <a:latin typeface="HY그래픽M" panose="02030600000101010101" pitchFamily="18" charset="-127"/>
+                <a:ea typeface="HY그래픽M" panose="02030600000101010101" pitchFamily="18" charset="-127"/>
+              </a:rPr>
+              <a:t>다음 룸으로 이동하는 방식의 게임 흐름</a:t>
+            </a:r>
+            <a:r>
+              <a:rPr lang="ko-KR" altLang="en-US" b="1" dirty="0">
+                <a:latin typeface="HY그래픽M" panose="02030600000101010101" pitchFamily="18" charset="-127"/>
+                <a:ea typeface="HY그래픽M" panose="02030600000101010101" pitchFamily="18" charset="-127"/>
+              </a:rPr>
+              <a:t>을 가지고 있다</a:t>
+            </a:r>
+            <a:r>
+              <a:rPr lang="en-US" altLang="ko-KR" b="1" dirty="0">
+                <a:latin typeface="HY그래픽M" panose="02030600000101010101" pitchFamily="18" charset="-127"/>
+                <a:ea typeface="HY그래픽M" panose="02030600000101010101" pitchFamily="18" charset="-127"/>
+              </a:rPr>
+              <a:t>.</a:t>
+            </a:r>
+          </a:p>
+          <a:p>
+            <a:endParaRPr lang="en-US" altLang="ko-KR" b="1" dirty="0">
+              <a:latin typeface="HY그래픽M" panose="02030600000101010101" pitchFamily="18" charset="-127"/>
+              <a:ea typeface="HY그래픽M" panose="02030600000101010101" pitchFamily="18" charset="-127"/>
+            </a:endParaRPr>
+          </a:p>
+          <a:p>
+            <a:pPr marL="285705" indent="-285705">
+              <a:buFontTx/>
+              <a:buChar char="-"/>
+            </a:pPr>
+            <a:r>
+              <a:rPr lang="en-US" altLang="ko-KR" b="1" dirty="0">
+                <a:latin typeface="HY그래픽M" panose="02030600000101010101" pitchFamily="18" charset="-127"/>
+                <a:ea typeface="HY그래픽M" panose="02030600000101010101" pitchFamily="18" charset="-127"/>
+              </a:rPr>
+              <a:t>Wa</a:t>
+            </a:r>
+            <a:r>
+              <a:rPr lang="ko-KR" altLang="en-US" b="1" dirty="0">
+                <a:latin typeface="HY그래픽M" panose="02030600000101010101" pitchFamily="18" charset="-127"/>
+                <a:ea typeface="HY그래픽M" panose="02030600000101010101" pitchFamily="18" charset="-127"/>
+              </a:rPr>
+              <a:t>에서 캐릭터는 </a:t>
+            </a:r>
+            <a:r>
+              <a:rPr lang="ko-KR" altLang="en-US" b="1" dirty="0">
+                <a:solidFill>
+                  <a:schemeClr val="accent4"/>
+                </a:solidFill>
+                <a:latin typeface="HY그래픽M" panose="02030600000101010101" pitchFamily="18" charset="-127"/>
+                <a:ea typeface="HY그래픽M" panose="02030600000101010101" pitchFamily="18" charset="-127"/>
+              </a:rPr>
+              <a:t>항상 어느 룸에 위치한 상태</a:t>
+            </a:r>
+            <a:r>
+              <a:rPr lang="ko-KR" altLang="en-US" b="1" dirty="0">
+                <a:latin typeface="HY그래픽M" panose="02030600000101010101" pitchFamily="18" charset="-127"/>
+                <a:ea typeface="HY그래픽M" panose="02030600000101010101" pitchFamily="18" charset="-127"/>
+              </a:rPr>
+              <a:t>이다</a:t>
+            </a:r>
+            <a:r>
+              <a:rPr lang="en-US" altLang="ko-KR" b="1" dirty="0">
+                <a:latin typeface="HY그래픽M" panose="02030600000101010101" pitchFamily="18" charset="-127"/>
+                <a:ea typeface="HY그래픽M" panose="02030600000101010101" pitchFamily="18" charset="-127"/>
+              </a:rPr>
+              <a:t>.</a:t>
+            </a:r>
+          </a:p>
+          <a:p>
+            <a:pPr marL="285705" indent="-285705">
+              <a:buFontTx/>
+              <a:buChar char="-"/>
+            </a:pPr>
+            <a:endParaRPr lang="en-US" altLang="ko-KR" b="1" dirty="0">
+              <a:latin typeface="HY그래픽M" panose="02030600000101010101" pitchFamily="18" charset="-127"/>
+              <a:ea typeface="HY그래픽M" panose="02030600000101010101" pitchFamily="18" charset="-127"/>
+            </a:endParaRPr>
+          </a:p>
+          <a:p>
+            <a:pPr marL="285705" indent="-285705">
+              <a:buFontTx/>
+              <a:buChar char="-"/>
+            </a:pPr>
+            <a:r>
+              <a:rPr lang="ko-KR" altLang="en-US" b="1" dirty="0">
+                <a:latin typeface="HY그래픽M" panose="02030600000101010101" pitchFamily="18" charset="-127"/>
+                <a:ea typeface="HY그래픽M" panose="02030600000101010101" pitchFamily="18" charset="-127"/>
+              </a:rPr>
+              <a:t>룸 시스템은 </a:t>
+            </a:r>
+            <a:r>
+              <a:rPr lang="ko-KR" altLang="en-US" b="1" dirty="0">
+                <a:solidFill>
+                  <a:schemeClr val="accent4"/>
+                </a:solidFill>
+                <a:latin typeface="HY그래픽M" panose="02030600000101010101" pitchFamily="18" charset="-127"/>
+                <a:ea typeface="HY그래픽M" panose="02030600000101010101" pitchFamily="18" charset="-127"/>
+              </a:rPr>
+              <a:t>게임의 흐름을 조율하기 위한 시스템</a:t>
+            </a:r>
+            <a:r>
+              <a:rPr lang="ko-KR" altLang="en-US" b="1" dirty="0">
+                <a:latin typeface="HY그래픽M" panose="02030600000101010101" pitchFamily="18" charset="-127"/>
+                <a:ea typeface="HY그래픽M" panose="02030600000101010101" pitchFamily="18" charset="-127"/>
+              </a:rPr>
+              <a:t>이며</a:t>
+            </a:r>
+            <a:r>
+              <a:rPr lang="en-US" altLang="ko-KR" b="1" dirty="0">
+                <a:latin typeface="HY그래픽M" panose="02030600000101010101" pitchFamily="18" charset="-127"/>
+                <a:ea typeface="HY그래픽M" panose="02030600000101010101" pitchFamily="18" charset="-127"/>
+              </a:rPr>
+              <a:t>, </a:t>
+            </a:r>
+            <a:r>
+              <a:rPr lang="ko-KR" altLang="en-US" b="1" dirty="0">
+                <a:latin typeface="HY그래픽M" panose="02030600000101010101" pitchFamily="18" charset="-127"/>
+                <a:ea typeface="HY그래픽M" panose="02030600000101010101" pitchFamily="18" charset="-127"/>
+              </a:rPr>
+              <a:t>다음 동작들을 필요로 한다</a:t>
+            </a:r>
+            <a:r>
+              <a:rPr lang="en-US" altLang="ko-KR" b="1" dirty="0">
+                <a:latin typeface="HY그래픽M" panose="02030600000101010101" pitchFamily="18" charset="-127"/>
+                <a:ea typeface="HY그래픽M" panose="02030600000101010101" pitchFamily="18" charset="-127"/>
+              </a:rPr>
+              <a:t>.</a:t>
+            </a:r>
+          </a:p>
+          <a:p>
+            <a:pPr marL="342900" indent="-342900">
+              <a:buFont typeface="+mj-ea"/>
+              <a:buAutoNum type="circleNumDbPlain"/>
+            </a:pPr>
+            <a:r>
+              <a:rPr lang="ko-KR" altLang="en-US" sz="2000" b="1" dirty="0">
+                <a:solidFill>
+                  <a:schemeClr val="bg1"/>
+                </a:solidFill>
+                <a:latin typeface="HY그래픽M" panose="02030600000101010101" pitchFamily="18" charset="-127"/>
+                <a:ea typeface="HY그래픽M" panose="02030600000101010101" pitchFamily="18" charset="-127"/>
+              </a:rPr>
+              <a:t>룸의 리셋</a:t>
+            </a:r>
+            <a:endParaRPr lang="en-US" altLang="ko-KR" sz="2000" b="1" dirty="0">
+              <a:solidFill>
+                <a:schemeClr val="bg1"/>
+              </a:solidFill>
+              <a:latin typeface="HY그래픽M" panose="02030600000101010101" pitchFamily="18" charset="-127"/>
+              <a:ea typeface="HY그래픽M" panose="02030600000101010101" pitchFamily="18" charset="-127"/>
+            </a:endParaRPr>
+          </a:p>
+          <a:p>
+            <a:pPr marL="342900" indent="-342900">
+              <a:buFont typeface="+mj-ea"/>
+              <a:buAutoNum type="circleNumDbPlain"/>
+            </a:pPr>
+            <a:r>
+              <a:rPr lang="ko-KR" altLang="en-US" sz="2000" b="1" dirty="0">
+                <a:solidFill>
+                  <a:schemeClr val="bg1"/>
+                </a:solidFill>
+                <a:latin typeface="HY그래픽M" panose="02030600000101010101" pitchFamily="18" charset="-127"/>
+                <a:ea typeface="HY그래픽M" panose="02030600000101010101" pitchFamily="18" charset="-127"/>
+              </a:rPr>
+              <a:t>룸 내에서 시야</a:t>
+            </a:r>
+            <a:endParaRPr lang="en-US" altLang="ko-KR" sz="2000" b="1" dirty="0">
+              <a:solidFill>
+                <a:schemeClr val="bg1"/>
+              </a:solidFill>
+              <a:latin typeface="HY그래픽M" panose="02030600000101010101" pitchFamily="18" charset="-127"/>
+              <a:ea typeface="HY그래픽M" panose="02030600000101010101" pitchFamily="18" charset="-127"/>
+            </a:endParaRPr>
+          </a:p>
+          <a:p>
+            <a:pPr marL="342900" indent="-342900">
+              <a:buFont typeface="+mj-ea"/>
+              <a:buAutoNum type="circleNumDbPlain"/>
+            </a:pPr>
+            <a:r>
+              <a:rPr lang="ko-KR" altLang="en-US" sz="2000" b="1" dirty="0">
+                <a:solidFill>
+                  <a:schemeClr val="bg1"/>
+                </a:solidFill>
+                <a:latin typeface="HY그래픽M" panose="02030600000101010101" pitchFamily="18" charset="-127"/>
+                <a:ea typeface="HY그래픽M" panose="02030600000101010101" pitchFamily="18" charset="-127"/>
+              </a:rPr>
+              <a:t>룸 이동</a:t>
+            </a:r>
+            <a:endParaRPr lang="en-US" altLang="ko-KR" sz="2000" b="1" dirty="0">
+              <a:solidFill>
+                <a:schemeClr val="bg1"/>
+              </a:solidFill>
+              <a:latin typeface="HY그래픽M" panose="02030600000101010101" pitchFamily="18" charset="-127"/>
+              <a:ea typeface="HY그래픽M" panose="02030600000101010101" pitchFamily="18" charset="-127"/>
+            </a:endParaRPr>
+          </a:p>
+        </p:txBody>
+      </p:sp>
+      <p:sp>
+        <p:nvSpPr>
+          <p:cNvPr id="35" name="TextBox 34">
+            <a:extLst>
+              <a:ext uri="{FF2B5EF4-FFF2-40B4-BE49-F238E27FC236}">
+                <a16:creationId xmlns:a16="http://schemas.microsoft.com/office/drawing/2014/main" id="{DED0212C-878B-44C3-B57B-D72A38BE651A}"/>
+              </a:ext>
+            </a:extLst>
+          </p:cNvPr>
+          <p:cNvSpPr txBox="1"/>
+          <p:nvPr/>
+        </p:nvSpPr>
+        <p:spPr>
+          <a:xfrm>
+            <a:off x="10154936" y="4953000"/>
+            <a:ext cx="7353607" cy="369332"/>
+          </a:xfrm>
+          <a:prstGeom prst="rect">
+            <a:avLst/>
+          </a:prstGeom>
+          <a:solidFill>
+            <a:schemeClr val="bg1">
+              <a:alpha val="20000"/>
+            </a:schemeClr>
+          </a:solidFill>
+        </p:spPr>
+        <p:txBody>
+          <a:bodyPr wrap="square" rtlCol="0">
+            <a:spAutoFit/>
+          </a:bodyPr>
+          <a:lstStyle/>
+          <a:p>
+            <a:pPr marL="285705" indent="-285705">
+              <a:buFontTx/>
+              <a:buChar char="-"/>
+            </a:pPr>
+            <a:r>
+              <a:rPr lang="ko-KR" altLang="en-US" b="1" dirty="0">
+                <a:latin typeface="메이플스토리" panose="02000300000000000000" pitchFamily="2" charset="-127"/>
+                <a:ea typeface="메이플스토리" panose="02000300000000000000" pitchFamily="2" charset="-127"/>
+              </a:rPr>
+              <a:t>룸 구성 예상도</a:t>
+            </a:r>
+            <a:endParaRPr lang="en-US" altLang="ko-KR" b="1" dirty="0">
+              <a:latin typeface="메이플스토리" panose="02000300000000000000" pitchFamily="2" charset="-127"/>
+              <a:ea typeface="메이플스토리" panose="02000300000000000000" pitchFamily="2" charset="-127"/>
+            </a:endParaRPr>
+          </a:p>
+        </p:txBody>
+      </p:sp>
+      <p:grpSp>
+        <p:nvGrpSpPr>
+          <p:cNvPr id="4" name="그룹 3">
+            <a:extLst>
+              <a:ext uri="{FF2B5EF4-FFF2-40B4-BE49-F238E27FC236}">
+                <a16:creationId xmlns:a16="http://schemas.microsoft.com/office/drawing/2014/main" id="{B9F8FE32-5F06-419E-9C1D-11B13F33A959}"/>
+              </a:ext>
+            </a:extLst>
+          </p:cNvPr>
+          <p:cNvGrpSpPr/>
+          <p:nvPr/>
+        </p:nvGrpSpPr>
+        <p:grpSpPr>
+          <a:xfrm>
+            <a:off x="10154936" y="5509563"/>
+            <a:ext cx="7353606" cy="4153440"/>
+            <a:chOff x="120090" y="5718879"/>
+            <a:chExt cx="7353606" cy="4153440"/>
+          </a:xfrm>
+        </p:grpSpPr>
+        <p:sp>
+          <p:nvSpPr>
+            <p:cNvPr id="2" name="직사각형 1">
+              <a:extLst>
+                <a:ext uri="{FF2B5EF4-FFF2-40B4-BE49-F238E27FC236}">
+                  <a16:creationId xmlns:a16="http://schemas.microsoft.com/office/drawing/2014/main" id="{EFD0C04B-38D5-4978-AE90-0704889ACE15}"/>
+                </a:ext>
+              </a:extLst>
+            </p:cNvPr>
+            <p:cNvSpPr/>
+            <p:nvPr/>
+          </p:nvSpPr>
+          <p:spPr>
+            <a:xfrm>
+              <a:off x="120090" y="5718879"/>
+              <a:ext cx="7353606" cy="4153440"/>
+            </a:xfrm>
+            <a:prstGeom prst="rect">
+              <a:avLst/>
+            </a:prstGeom>
+            <a:solidFill>
+              <a:schemeClr val="bg1">
+                <a:alpha val="20000"/>
+              </a:schemeClr>
+            </a:solidFill>
+            <a:ln>
+              <a:solidFill>
+                <a:schemeClr val="bg1"/>
+              </a:solidFill>
+            </a:ln>
+          </p:spPr>
+          <p:style>
+            <a:lnRef idx="2">
+              <a:schemeClr val="accent1">
+                <a:shade val="50000"/>
+              </a:schemeClr>
+            </a:lnRef>
+            <a:fillRef idx="1">
+              <a:schemeClr val="accent1"/>
+            </a:fillRef>
+            <a:effectRef idx="0">
+              <a:schemeClr val="accent1"/>
+            </a:effectRef>
+            <a:fontRef idx="minor">
+              <a:schemeClr val="lt1"/>
+            </a:fontRef>
+          </p:style>
+          <p:txBody>
+            <a:bodyPr rtlCol="0" anchor="ctr"/>
+            <a:lstStyle/>
+            <a:p>
+              <a:pPr algn="ctr"/>
+              <a:endParaRPr lang="ko-KR" altLang="en-US"/>
+            </a:p>
+          </p:txBody>
+        </p:sp>
+        <p:pic>
+          <p:nvPicPr>
+            <p:cNvPr id="6" name="그림 5">
+              <a:extLst>
+                <a:ext uri="{FF2B5EF4-FFF2-40B4-BE49-F238E27FC236}">
+                  <a16:creationId xmlns:a16="http://schemas.microsoft.com/office/drawing/2014/main" id="{ADA06055-4EB3-453D-B7B6-F933D8E71D32}"/>
+                </a:ext>
+              </a:extLst>
+            </p:cNvPr>
+            <p:cNvPicPr>
+              <a:picLocks noChangeAspect="1"/>
+            </p:cNvPicPr>
+            <p:nvPr/>
+          </p:nvPicPr>
+          <p:blipFill rotWithShape="1">
+            <a:blip r:embed="rId2">
+              <a:extLst>
+                <a:ext uri="{28A0092B-C50C-407E-A947-70E740481C1C}">
+                  <a14:useLocalDpi xmlns:a14="http://schemas.microsoft.com/office/drawing/2010/main" val="0"/>
+                </a:ext>
+              </a:extLst>
+            </a:blip>
+            <a:srcRect l="7644" t="14714" r="8174" b="18546"/>
+            <a:stretch/>
+          </p:blipFill>
+          <p:spPr>
+            <a:xfrm>
+              <a:off x="769721" y="6103738"/>
+              <a:ext cx="6057799" cy="3383721"/>
+            </a:xfrm>
+            <a:prstGeom prst="rect">
+              <a:avLst/>
+            </a:prstGeom>
+          </p:spPr>
+        </p:pic>
+      </p:grpSp>
+      <p:sp>
+        <p:nvSpPr>
+          <p:cNvPr id="14" name="직사각형 13">
+            <a:extLst>
+              <a:ext uri="{FF2B5EF4-FFF2-40B4-BE49-F238E27FC236}">
+                <a16:creationId xmlns:a16="http://schemas.microsoft.com/office/drawing/2014/main" id="{212B7ECA-7CD7-467F-9EC4-27938A087C78}"/>
               </a:ext>
             </a:extLst>
           </p:cNvPr>
@@ -3810,8 +4428,1570 @@
         </p:nvSpPr>
         <p:spPr>
           <a:xfrm>
-            <a:off x="120090" y="5037601"/>
-            <a:ext cx="8559798" cy="4834718"/>
+            <a:off x="8132804" y="33681"/>
+            <a:ext cx="1344535" cy="923330"/>
+          </a:xfrm>
+          <a:prstGeom prst="rect">
+            <a:avLst/>
+          </a:prstGeom>
+          <a:noFill/>
+        </p:spPr>
+        <p:txBody>
+          <a:bodyPr wrap="none" lIns="91440" tIns="45720" rIns="91440" bIns="45720">
+            <a:spAutoFit/>
+          </a:bodyPr>
+          <a:lstStyle/>
+          <a:p>
+            <a:pPr algn="ctr"/>
+            <a:r>
+              <a:rPr lang="en-US" altLang="ko-KR" sz="5400" b="1" dirty="0">
+                <a:ln w="0">
+                  <a:solidFill>
+                    <a:schemeClr val="bg1"/>
+                  </a:solidFill>
+                </a:ln>
+                <a:latin typeface="+mj-ea"/>
+                <a:ea typeface="+mj-ea"/>
+              </a:rPr>
+              <a:t>WA</a:t>
+            </a:r>
+          </a:p>
+        </p:txBody>
+      </p:sp>
+      <p:sp>
+        <p:nvSpPr>
+          <p:cNvPr id="15" name="사각형: 둥근 모서리 14">
+            <a:extLst>
+              <a:ext uri="{FF2B5EF4-FFF2-40B4-BE49-F238E27FC236}">
+                <a16:creationId xmlns:a16="http://schemas.microsoft.com/office/drawing/2014/main" id="{B4929C92-915C-400A-8F9A-5E60E967B602}"/>
+              </a:ext>
+            </a:extLst>
+          </p:cNvPr>
+          <p:cNvSpPr/>
+          <p:nvPr/>
+        </p:nvSpPr>
+        <p:spPr>
+          <a:xfrm>
+            <a:off x="101601" y="993855"/>
+            <a:ext cx="17406942" cy="318170"/>
+          </a:xfrm>
+          <a:prstGeom prst="roundRect">
+            <a:avLst/>
+          </a:prstGeom>
+          <a:solidFill>
+            <a:schemeClr val="tx1"/>
+          </a:solidFill>
+          <a:ln>
+            <a:noFill/>
+          </a:ln>
+        </p:spPr>
+        <p:style>
+          <a:lnRef idx="2">
+            <a:schemeClr val="accent1">
+              <a:shade val="50000"/>
+            </a:schemeClr>
+          </a:lnRef>
+          <a:fillRef idx="1">
+            <a:schemeClr val="accent1"/>
+          </a:fillRef>
+          <a:effectRef idx="0">
+            <a:schemeClr val="accent1"/>
+          </a:effectRef>
+          <a:fontRef idx="minor">
+            <a:schemeClr val="lt1"/>
+          </a:fontRef>
+        </p:style>
+        <p:txBody>
+          <a:bodyPr rtlCol="0" anchor="ctr"/>
+          <a:lstStyle/>
+          <a:p>
+            <a:pPr algn="ctr"/>
+            <a:r>
+              <a:rPr lang="ko-KR" altLang="en-US" b="1" dirty="0">
+                <a:latin typeface="메이플스토리" panose="02000300000000000000" pitchFamily="2" charset="-127"/>
+                <a:ea typeface="메이플스토리" panose="02000300000000000000" pitchFamily="2" charset="-127"/>
+              </a:rPr>
+              <a:t>개요</a:t>
+            </a:r>
+          </a:p>
+        </p:txBody>
+      </p:sp>
+    </p:spTree>
+    <p:extLst>
+      <p:ext uri="{BB962C8B-B14F-4D97-AF65-F5344CB8AC3E}">
+        <p14:creationId xmlns:p14="http://schemas.microsoft.com/office/powerpoint/2010/main" val="3656653611"/>
+      </p:ext>
+    </p:extLst>
+  </p:cSld>
+  <p:clrMapOvr>
+    <a:masterClrMapping/>
+  </p:clrMapOvr>
+</p:sld>
+</file>
+
+<file path=ppt/slides/slide4.xml><?xml version="1.0" encoding="utf-8"?>
+<p:sld xmlns:a="http://schemas.openxmlformats.org/drawingml/2006/main" xmlns:r="http://schemas.openxmlformats.org/officeDocument/2006/relationships" xmlns:p="http://schemas.openxmlformats.org/presentationml/2006/main">
+  <p:cSld>
+    <p:spTree>
+      <p:nvGrpSpPr>
+        <p:cNvPr id="1" name=""/>
+        <p:cNvGrpSpPr/>
+        <p:nvPr/>
+      </p:nvGrpSpPr>
+      <p:grpSpPr>
+        <a:xfrm>
+          <a:off x="0" y="0"/>
+          <a:ext cx="0" cy="0"/>
+          <a:chOff x="0" y="0"/>
+          <a:chExt cx="0" cy="0"/>
+        </a:xfrm>
+      </p:grpSpPr>
+      <p:sp>
+        <p:nvSpPr>
+          <p:cNvPr id="7" name="TextBox 6">
+            <a:extLst>
+              <a:ext uri="{FF2B5EF4-FFF2-40B4-BE49-F238E27FC236}">
+                <a16:creationId xmlns:a16="http://schemas.microsoft.com/office/drawing/2014/main" id="{0303DF18-0C83-4CE1-A6FF-74D4ABA7E9AA}"/>
+              </a:ext>
+            </a:extLst>
+          </p:cNvPr>
+          <p:cNvSpPr txBox="1"/>
+          <p:nvPr/>
+        </p:nvSpPr>
+        <p:spPr>
+          <a:xfrm>
+            <a:off x="101601" y="1445888"/>
+            <a:ext cx="13937577" cy="3416320"/>
+          </a:xfrm>
+          <a:prstGeom prst="rect">
+            <a:avLst/>
+          </a:prstGeom>
+          <a:solidFill>
+            <a:schemeClr val="bg1">
+              <a:alpha val="20000"/>
+            </a:schemeClr>
+          </a:solidFill>
+        </p:spPr>
+        <p:txBody>
+          <a:bodyPr wrap="square" rtlCol="0">
+            <a:spAutoFit/>
+          </a:bodyPr>
+          <a:lstStyle/>
+          <a:p>
+            <a:pPr marL="285705" indent="-285705">
+              <a:buFontTx/>
+              <a:buChar char="-"/>
+            </a:pPr>
+            <a:r>
+              <a:rPr lang="ko-KR" altLang="en-US" b="1" dirty="0">
+                <a:latin typeface="HY그래픽M" panose="02030600000101010101" pitchFamily="18" charset="-127"/>
+                <a:ea typeface="HY그래픽M" panose="02030600000101010101" pitchFamily="18" charset="-127"/>
+              </a:rPr>
+              <a:t> 룸 하나에는 하나의 </a:t>
+            </a:r>
+            <a:r>
+              <a:rPr lang="ko-KR" altLang="en-US" b="1" dirty="0" err="1">
+                <a:solidFill>
+                  <a:schemeClr val="accent4"/>
+                </a:solidFill>
+                <a:latin typeface="HY그래픽M" panose="02030600000101010101" pitchFamily="18" charset="-127"/>
+                <a:ea typeface="HY그래픽M" panose="02030600000101010101" pitchFamily="18" charset="-127"/>
+              </a:rPr>
+              <a:t>리스폰포인트</a:t>
+            </a:r>
+            <a:r>
+              <a:rPr lang="ko-KR" altLang="en-US" b="1" dirty="0">
+                <a:latin typeface="HY그래픽M" panose="02030600000101010101" pitchFamily="18" charset="-127"/>
+                <a:ea typeface="HY그래픽M" panose="02030600000101010101" pitchFamily="18" charset="-127"/>
+              </a:rPr>
+              <a:t> 가 되는 장소가 있다</a:t>
+            </a:r>
+            <a:r>
+              <a:rPr lang="en-US" altLang="ko-KR" b="1" dirty="0">
+                <a:latin typeface="HY그래픽M" panose="02030600000101010101" pitchFamily="18" charset="-127"/>
+                <a:ea typeface="HY그래픽M" panose="02030600000101010101" pitchFamily="18" charset="-127"/>
+              </a:rPr>
+              <a:t>.</a:t>
+            </a:r>
+          </a:p>
+          <a:p>
+            <a:pPr marL="285705" indent="-285705">
+              <a:buFontTx/>
+              <a:buChar char="-"/>
+            </a:pPr>
+            <a:endParaRPr lang="en-US" altLang="ko-KR" b="1" dirty="0">
+              <a:latin typeface="HY그래픽M" panose="02030600000101010101" pitchFamily="18" charset="-127"/>
+              <a:ea typeface="HY그래픽M" panose="02030600000101010101" pitchFamily="18" charset="-127"/>
+            </a:endParaRPr>
+          </a:p>
+          <a:p>
+            <a:pPr marL="285705" indent="-285705">
+              <a:buFontTx/>
+              <a:buChar char="-"/>
+            </a:pPr>
+            <a:r>
+              <a:rPr lang="en-US" altLang="ko-KR" b="1" dirty="0">
+                <a:latin typeface="HY그래픽M" panose="02030600000101010101" pitchFamily="18" charset="-127"/>
+                <a:ea typeface="HY그래픽M" panose="02030600000101010101" pitchFamily="18" charset="-127"/>
+              </a:rPr>
+              <a:t> </a:t>
+            </a:r>
+            <a:r>
+              <a:rPr lang="ko-KR" altLang="en-US" b="1" dirty="0">
+                <a:latin typeface="HY그래픽M" panose="02030600000101010101" pitchFamily="18" charset="-127"/>
+                <a:ea typeface="HY그래픽M" panose="02030600000101010101" pitchFamily="18" charset="-127"/>
+              </a:rPr>
+              <a:t>룸에 위치한 </a:t>
+            </a:r>
+            <a:r>
+              <a:rPr lang="ko-KR" altLang="en-US" b="1" dirty="0">
+                <a:solidFill>
+                  <a:schemeClr val="accent4"/>
+                </a:solidFill>
+                <a:latin typeface="HY그래픽M" panose="02030600000101010101" pitchFamily="18" charset="-127"/>
+                <a:ea typeface="HY그래픽M" panose="02030600000101010101" pitchFamily="18" charset="-127"/>
+              </a:rPr>
+              <a:t>모든 퍼즐은 </a:t>
+            </a:r>
+            <a:r>
+              <a:rPr lang="ko-KR" altLang="en-US" b="1" dirty="0" err="1">
+                <a:solidFill>
+                  <a:schemeClr val="accent4"/>
+                </a:solidFill>
+                <a:latin typeface="HY그래픽M" panose="02030600000101010101" pitchFamily="18" charset="-127"/>
+                <a:ea typeface="HY그래픽M" panose="02030600000101010101" pitchFamily="18" charset="-127"/>
+              </a:rPr>
+              <a:t>초기위치좌표과</a:t>
+            </a:r>
+            <a:r>
+              <a:rPr lang="ko-KR" altLang="en-US" b="1" dirty="0">
+                <a:solidFill>
+                  <a:schemeClr val="accent4"/>
+                </a:solidFill>
+                <a:latin typeface="HY그래픽M" panose="02030600000101010101" pitchFamily="18" charset="-127"/>
+                <a:ea typeface="HY그래픽M" panose="02030600000101010101" pitchFamily="18" charset="-127"/>
+              </a:rPr>
+              <a:t> </a:t>
+            </a:r>
+            <a:r>
+              <a:rPr lang="ko-KR" altLang="en-US" b="1" dirty="0" err="1">
+                <a:solidFill>
+                  <a:schemeClr val="accent4"/>
+                </a:solidFill>
+                <a:latin typeface="HY그래픽M" panose="02030600000101010101" pitchFamily="18" charset="-127"/>
+                <a:ea typeface="HY그래픽M" panose="02030600000101010101" pitchFamily="18" charset="-127"/>
+              </a:rPr>
+              <a:t>초기상태값을</a:t>
+            </a:r>
+            <a:r>
+              <a:rPr lang="ko-KR" altLang="en-US" b="1" dirty="0">
+                <a:solidFill>
+                  <a:schemeClr val="accent4"/>
+                </a:solidFill>
+                <a:latin typeface="HY그래픽M" panose="02030600000101010101" pitchFamily="18" charset="-127"/>
+                <a:ea typeface="HY그래픽M" panose="02030600000101010101" pitchFamily="18" charset="-127"/>
+              </a:rPr>
+              <a:t> 따로 저장</a:t>
+            </a:r>
+            <a:r>
+              <a:rPr lang="ko-KR" altLang="en-US" b="1" dirty="0">
+                <a:latin typeface="HY그래픽M" panose="02030600000101010101" pitchFamily="18" charset="-127"/>
+                <a:ea typeface="HY그래픽M" panose="02030600000101010101" pitchFamily="18" charset="-127"/>
+              </a:rPr>
+              <a:t>하고 있다</a:t>
+            </a:r>
+            <a:r>
+              <a:rPr lang="en-US" altLang="ko-KR" b="1" dirty="0">
+                <a:latin typeface="HY그래픽M" panose="02030600000101010101" pitchFamily="18" charset="-127"/>
+                <a:ea typeface="HY그래픽M" panose="02030600000101010101" pitchFamily="18" charset="-127"/>
+              </a:rPr>
+              <a:t>.</a:t>
+            </a:r>
+          </a:p>
+          <a:p>
+            <a:pPr marL="285705" indent="-285705">
+              <a:buFontTx/>
+              <a:buChar char="-"/>
+            </a:pPr>
+            <a:endParaRPr lang="en-US" altLang="ko-KR" b="1" dirty="0">
+              <a:latin typeface="HY그래픽M" panose="02030600000101010101" pitchFamily="18" charset="-127"/>
+              <a:ea typeface="HY그래픽M" panose="02030600000101010101" pitchFamily="18" charset="-127"/>
+            </a:endParaRPr>
+          </a:p>
+          <a:p>
+            <a:pPr marL="285705" indent="-285705">
+              <a:buFontTx/>
+              <a:buChar char="-"/>
+            </a:pPr>
+            <a:r>
+              <a:rPr lang="ko-KR" altLang="en-US" b="1" dirty="0">
+                <a:latin typeface="HY그래픽M" panose="02030600000101010101" pitchFamily="18" charset="-127"/>
+                <a:ea typeface="HY그래픽M" panose="02030600000101010101" pitchFamily="18" charset="-127"/>
+              </a:rPr>
+              <a:t> 배치된 퍼즐은 </a:t>
+            </a:r>
+            <a:r>
+              <a:rPr lang="ko-KR" altLang="en-US" b="1" dirty="0">
+                <a:solidFill>
+                  <a:schemeClr val="accent4"/>
+                </a:solidFill>
+                <a:latin typeface="HY그래픽M" panose="02030600000101010101" pitchFamily="18" charset="-127"/>
+                <a:ea typeface="HY그래픽M" panose="02030600000101010101" pitchFamily="18" charset="-127"/>
+              </a:rPr>
+              <a:t>리셋 퍼즐</a:t>
+            </a:r>
+            <a:r>
+              <a:rPr lang="en-US" altLang="ko-KR" b="1" dirty="0">
+                <a:solidFill>
+                  <a:schemeClr val="accent4"/>
+                </a:solidFill>
+                <a:latin typeface="HY그래픽M" panose="02030600000101010101" pitchFamily="18" charset="-127"/>
+                <a:ea typeface="HY그래픽M" panose="02030600000101010101" pitchFamily="18" charset="-127"/>
+              </a:rPr>
+              <a:t>/</a:t>
+            </a:r>
+            <a:r>
+              <a:rPr lang="ko-KR" altLang="en-US" b="1" dirty="0" err="1">
+                <a:solidFill>
+                  <a:schemeClr val="accent4"/>
+                </a:solidFill>
+                <a:latin typeface="HY그래픽M" panose="02030600000101010101" pitchFamily="18" charset="-127"/>
+                <a:ea typeface="HY그래픽M" panose="02030600000101010101" pitchFamily="18" charset="-127"/>
+              </a:rPr>
+              <a:t>비리셋</a:t>
+            </a:r>
+            <a:r>
+              <a:rPr lang="ko-KR" altLang="en-US" b="1" dirty="0">
+                <a:solidFill>
+                  <a:schemeClr val="accent4"/>
+                </a:solidFill>
+                <a:latin typeface="HY그래픽M" panose="02030600000101010101" pitchFamily="18" charset="-127"/>
+                <a:ea typeface="HY그래픽M" panose="02030600000101010101" pitchFamily="18" charset="-127"/>
+              </a:rPr>
+              <a:t> 퍼즐로 </a:t>
+            </a:r>
+            <a:r>
+              <a:rPr lang="ko-KR" altLang="en-US" b="1" dirty="0" err="1">
+                <a:solidFill>
+                  <a:schemeClr val="accent4"/>
+                </a:solidFill>
+                <a:latin typeface="HY그래픽M" panose="02030600000101010101" pitchFamily="18" charset="-127"/>
+                <a:ea typeface="HY그래픽M" panose="02030600000101010101" pitchFamily="18" charset="-127"/>
+              </a:rPr>
+              <a:t>구분</a:t>
+            </a:r>
+            <a:r>
+              <a:rPr lang="ko-KR" altLang="en-US" b="1" dirty="0" err="1">
+                <a:latin typeface="HY그래픽M" panose="02030600000101010101" pitchFamily="18" charset="-127"/>
+                <a:ea typeface="HY그래픽M" panose="02030600000101010101" pitchFamily="18" charset="-127"/>
+              </a:rPr>
+              <a:t>되어있고</a:t>
+            </a:r>
+            <a:r>
+              <a:rPr lang="en-US" altLang="ko-KR" b="1" dirty="0">
+                <a:latin typeface="HY그래픽M" panose="02030600000101010101" pitchFamily="18" charset="-127"/>
+                <a:ea typeface="HY그래픽M" panose="02030600000101010101" pitchFamily="18" charset="-127"/>
+              </a:rPr>
+              <a:t>, </a:t>
+            </a:r>
+            <a:r>
+              <a:rPr lang="ko-KR" altLang="en-US" b="1" dirty="0">
+                <a:solidFill>
+                  <a:schemeClr val="accent4"/>
+                </a:solidFill>
+                <a:latin typeface="HY그래픽M" panose="02030600000101010101" pitchFamily="18" charset="-127"/>
+                <a:ea typeface="HY그래픽M" panose="02030600000101010101" pitchFamily="18" charset="-127"/>
+              </a:rPr>
+              <a:t>리셋 퍼즐들만 </a:t>
+            </a:r>
+            <a:r>
+              <a:rPr lang="ko-KR" altLang="en-US" b="1" dirty="0" err="1">
+                <a:solidFill>
+                  <a:schemeClr val="accent4"/>
+                </a:solidFill>
+                <a:latin typeface="HY그래픽M" panose="02030600000101010101" pitchFamily="18" charset="-127"/>
+                <a:ea typeface="HY그래픽M" panose="02030600000101010101" pitchFamily="18" charset="-127"/>
+              </a:rPr>
+              <a:t>리셋</a:t>
+            </a:r>
+            <a:r>
+              <a:rPr lang="ko-KR" altLang="en-US" b="1" dirty="0" err="1">
+                <a:latin typeface="HY그래픽M" panose="02030600000101010101" pitchFamily="18" charset="-127"/>
+                <a:ea typeface="HY그래픽M" panose="02030600000101010101" pitchFamily="18" charset="-127"/>
+              </a:rPr>
+              <a:t>된다</a:t>
+            </a:r>
+            <a:r>
+              <a:rPr lang="en-US" altLang="ko-KR" b="1" dirty="0">
+                <a:latin typeface="HY그래픽M" panose="02030600000101010101" pitchFamily="18" charset="-127"/>
+                <a:ea typeface="HY그래픽M" panose="02030600000101010101" pitchFamily="18" charset="-127"/>
+              </a:rPr>
+              <a:t>.</a:t>
+            </a:r>
+          </a:p>
+          <a:p>
+            <a:pPr marL="285705" indent="-285705">
+              <a:buFontTx/>
+              <a:buChar char="-"/>
+            </a:pPr>
+            <a:endParaRPr lang="en-US" altLang="ko-KR" b="1" dirty="0">
+              <a:latin typeface="HY그래픽M" panose="02030600000101010101" pitchFamily="18" charset="-127"/>
+              <a:ea typeface="HY그래픽M" panose="02030600000101010101" pitchFamily="18" charset="-127"/>
+            </a:endParaRPr>
+          </a:p>
+          <a:p>
+            <a:pPr marL="285705" indent="-285705">
+              <a:buFontTx/>
+              <a:buChar char="-"/>
+            </a:pPr>
+            <a:r>
+              <a:rPr lang="en-US" altLang="ko-KR" b="1" dirty="0">
+                <a:latin typeface="HY그래픽M" panose="02030600000101010101" pitchFamily="18" charset="-127"/>
+                <a:ea typeface="HY그래픽M" panose="02030600000101010101" pitchFamily="18" charset="-127"/>
+              </a:rPr>
+              <a:t> </a:t>
+            </a:r>
+            <a:r>
+              <a:rPr lang="ko-KR" altLang="en-US" b="1" dirty="0">
+                <a:latin typeface="HY그래픽M" panose="02030600000101010101" pitchFamily="18" charset="-127"/>
+                <a:ea typeface="HY그래픽M" panose="02030600000101010101" pitchFamily="18" charset="-127"/>
+              </a:rPr>
+              <a:t>룸은 다음과 같은 </a:t>
+            </a:r>
+            <a:r>
+              <a:rPr lang="ko-KR" altLang="en-US" b="1" dirty="0">
+                <a:solidFill>
+                  <a:schemeClr val="accent4"/>
+                </a:solidFill>
+                <a:latin typeface="HY그래픽M" panose="02030600000101010101" pitchFamily="18" charset="-127"/>
+                <a:ea typeface="HY그래픽M" panose="02030600000101010101" pitchFamily="18" charset="-127"/>
+              </a:rPr>
+              <a:t>동작들이 트리거가 되어 리셋</a:t>
+            </a:r>
+            <a:r>
+              <a:rPr lang="ko-KR" altLang="en-US" b="1" dirty="0">
+                <a:latin typeface="HY그래픽M" panose="02030600000101010101" pitchFamily="18" charset="-127"/>
+                <a:ea typeface="HY그래픽M" panose="02030600000101010101" pitchFamily="18" charset="-127"/>
+              </a:rPr>
+              <a:t>을 한다</a:t>
+            </a:r>
+            <a:r>
+              <a:rPr lang="en-US" altLang="ko-KR" b="1" dirty="0">
+                <a:latin typeface="HY그래픽M" panose="02030600000101010101" pitchFamily="18" charset="-127"/>
+                <a:ea typeface="HY그래픽M" panose="02030600000101010101" pitchFamily="18" charset="-127"/>
+              </a:rPr>
+              <a:t>.</a:t>
+            </a:r>
+          </a:p>
+          <a:p>
+            <a:pPr marL="342900" indent="-342900">
+              <a:buFont typeface="+mj-ea"/>
+              <a:buAutoNum type="circleNumDbPlain"/>
+            </a:pPr>
+            <a:r>
+              <a:rPr lang="ko-KR" altLang="en-US" b="1" dirty="0">
+                <a:solidFill>
+                  <a:schemeClr val="bg1"/>
+                </a:solidFill>
+                <a:latin typeface="HY그래픽M" panose="02030600000101010101" pitchFamily="18" charset="-127"/>
+                <a:ea typeface="HY그래픽M" panose="02030600000101010101" pitchFamily="18" charset="-127"/>
+              </a:rPr>
+              <a:t>플레이어 캐릭터가 사망</a:t>
+            </a:r>
+            <a:endParaRPr lang="en-US" altLang="ko-KR" b="1" dirty="0">
+              <a:solidFill>
+                <a:schemeClr val="bg1"/>
+              </a:solidFill>
+              <a:latin typeface="HY그래픽M" panose="02030600000101010101" pitchFamily="18" charset="-127"/>
+              <a:ea typeface="HY그래픽M" panose="02030600000101010101" pitchFamily="18" charset="-127"/>
+            </a:endParaRPr>
+          </a:p>
+          <a:p>
+            <a:pPr marL="342900" indent="-342900">
+              <a:buFont typeface="+mj-ea"/>
+              <a:buAutoNum type="circleNumDbPlain"/>
+            </a:pPr>
+            <a:r>
+              <a:rPr lang="ko-KR" altLang="en-US" b="1" dirty="0">
+                <a:solidFill>
+                  <a:schemeClr val="bg1"/>
+                </a:solidFill>
+                <a:latin typeface="HY그래픽M" panose="02030600000101010101" pitchFamily="18" charset="-127"/>
+                <a:ea typeface="HY그래픽M" panose="02030600000101010101" pitchFamily="18" charset="-127"/>
+              </a:rPr>
+              <a:t>플레이어 캐릭터가 다른 룸으로 이동</a:t>
+            </a:r>
+            <a:endParaRPr lang="en-US" altLang="ko-KR" b="1" dirty="0">
+              <a:solidFill>
+                <a:schemeClr val="bg1"/>
+              </a:solidFill>
+              <a:latin typeface="HY그래픽M" panose="02030600000101010101" pitchFamily="18" charset="-127"/>
+              <a:ea typeface="HY그래픽M" panose="02030600000101010101" pitchFamily="18" charset="-127"/>
+            </a:endParaRPr>
+          </a:p>
+          <a:p>
+            <a:pPr marL="342900" indent="-342900">
+              <a:buFont typeface="+mj-ea"/>
+              <a:buAutoNum type="circleNumDbPlain"/>
+            </a:pPr>
+            <a:endParaRPr lang="en-US" altLang="ko-KR" b="1" dirty="0">
+              <a:latin typeface="HY그래픽M" panose="02030600000101010101" pitchFamily="18" charset="-127"/>
+              <a:ea typeface="HY그래픽M" panose="02030600000101010101" pitchFamily="18" charset="-127"/>
+            </a:endParaRPr>
+          </a:p>
+          <a:p>
+            <a:pPr marL="285705" indent="-285705">
+              <a:buFontTx/>
+              <a:buChar char="-"/>
+            </a:pPr>
+            <a:r>
+              <a:rPr lang="en-US" altLang="ko-KR" b="1" dirty="0">
+                <a:latin typeface="HY그래픽M" panose="02030600000101010101" pitchFamily="18" charset="-127"/>
+                <a:ea typeface="HY그래픽M" panose="02030600000101010101" pitchFamily="18" charset="-127"/>
+              </a:rPr>
+              <a:t> </a:t>
+            </a:r>
+            <a:r>
+              <a:rPr lang="ko-KR" altLang="en-US" b="1" dirty="0">
+                <a:latin typeface="HY그래픽M" panose="02030600000101010101" pitchFamily="18" charset="-127"/>
+                <a:ea typeface="HY그래픽M" panose="02030600000101010101" pitchFamily="18" charset="-127"/>
+              </a:rPr>
+              <a:t>트리거에 따라서 </a:t>
+            </a:r>
+            <a:r>
+              <a:rPr lang="ko-KR" altLang="en-US" b="1" dirty="0">
+                <a:solidFill>
+                  <a:schemeClr val="accent4"/>
+                </a:solidFill>
+                <a:latin typeface="HY그래픽M" panose="02030600000101010101" pitchFamily="18" charset="-127"/>
+                <a:ea typeface="HY그래픽M" panose="02030600000101010101" pitchFamily="18" charset="-127"/>
+              </a:rPr>
+              <a:t>룸 리셋의 방식은 달라진다</a:t>
+            </a:r>
+            <a:r>
+              <a:rPr lang="en-US" altLang="ko-KR" b="1" dirty="0">
+                <a:solidFill>
+                  <a:schemeClr val="accent4"/>
+                </a:solidFill>
+                <a:latin typeface="HY그래픽M" panose="02030600000101010101" pitchFamily="18" charset="-127"/>
+                <a:ea typeface="HY그래픽M" panose="02030600000101010101" pitchFamily="18" charset="-127"/>
+              </a:rPr>
+              <a:t>.</a:t>
+            </a:r>
+            <a:endParaRPr lang="en-US" altLang="ko-KR" b="1" dirty="0">
+              <a:latin typeface="HY그래픽M" panose="02030600000101010101" pitchFamily="18" charset="-127"/>
+              <a:ea typeface="HY그래픽M" panose="02030600000101010101" pitchFamily="18" charset="-127"/>
+            </a:endParaRPr>
+          </a:p>
+          <a:p>
+            <a:endParaRPr lang="en-US" altLang="ko-KR" b="1" dirty="0">
+              <a:latin typeface="HY그래픽M" panose="02030600000101010101" pitchFamily="18" charset="-127"/>
+              <a:ea typeface="HY그래픽M" panose="02030600000101010101" pitchFamily="18" charset="-127"/>
+            </a:endParaRPr>
+          </a:p>
+        </p:txBody>
+      </p:sp>
+      <p:sp>
+        <p:nvSpPr>
+          <p:cNvPr id="8" name="사각형: 둥근 모서리 7">
+            <a:extLst>
+              <a:ext uri="{FF2B5EF4-FFF2-40B4-BE49-F238E27FC236}">
+                <a16:creationId xmlns:a16="http://schemas.microsoft.com/office/drawing/2014/main" id="{CF8DA16C-C0F8-4F61-BD5F-7C1AC05F3699}"/>
+              </a:ext>
+            </a:extLst>
+          </p:cNvPr>
+          <p:cNvSpPr/>
+          <p:nvPr/>
+        </p:nvSpPr>
+        <p:spPr>
+          <a:xfrm>
+            <a:off x="101601" y="993855"/>
+            <a:ext cx="17406942" cy="318170"/>
+          </a:xfrm>
+          <a:prstGeom prst="roundRect">
+            <a:avLst/>
+          </a:prstGeom>
+          <a:solidFill>
+            <a:schemeClr val="tx1"/>
+          </a:solidFill>
+          <a:ln>
+            <a:noFill/>
+          </a:ln>
+        </p:spPr>
+        <p:style>
+          <a:lnRef idx="2">
+            <a:schemeClr val="accent1">
+              <a:shade val="50000"/>
+            </a:schemeClr>
+          </a:lnRef>
+          <a:fillRef idx="1">
+            <a:schemeClr val="accent1"/>
+          </a:fillRef>
+          <a:effectRef idx="0">
+            <a:schemeClr val="accent1"/>
+          </a:effectRef>
+          <a:fontRef idx="minor">
+            <a:schemeClr val="lt1"/>
+          </a:fontRef>
+        </p:style>
+        <p:txBody>
+          <a:bodyPr rtlCol="0" anchor="ctr"/>
+          <a:lstStyle/>
+          <a:p>
+            <a:pPr algn="ctr"/>
+            <a:r>
+              <a:rPr lang="ko-KR" altLang="en-US" b="1" dirty="0">
+                <a:latin typeface="메이플스토리" panose="02000300000000000000" pitchFamily="2" charset="-127"/>
+                <a:ea typeface="메이플스토리" panose="02000300000000000000" pitchFamily="2" charset="-127"/>
+              </a:rPr>
+              <a:t>룸의 리셋</a:t>
+            </a:r>
+          </a:p>
+        </p:txBody>
+      </p:sp>
+      <p:sp>
+        <p:nvSpPr>
+          <p:cNvPr id="9" name="직사각형 8">
+            <a:extLst>
+              <a:ext uri="{FF2B5EF4-FFF2-40B4-BE49-F238E27FC236}">
+                <a16:creationId xmlns:a16="http://schemas.microsoft.com/office/drawing/2014/main" id="{1ABEC450-286A-433F-8463-3CE1C93A2AFF}"/>
+              </a:ext>
+            </a:extLst>
+          </p:cNvPr>
+          <p:cNvSpPr/>
+          <p:nvPr/>
+        </p:nvSpPr>
+        <p:spPr>
+          <a:xfrm>
+            <a:off x="8132804" y="33681"/>
+            <a:ext cx="1344535" cy="923330"/>
+          </a:xfrm>
+          <a:prstGeom prst="rect">
+            <a:avLst/>
+          </a:prstGeom>
+          <a:noFill/>
+        </p:spPr>
+        <p:txBody>
+          <a:bodyPr wrap="none" lIns="91440" tIns="45720" rIns="91440" bIns="45720">
+            <a:spAutoFit/>
+          </a:bodyPr>
+          <a:lstStyle/>
+          <a:p>
+            <a:pPr algn="ctr"/>
+            <a:r>
+              <a:rPr lang="en-US" altLang="ko-KR" sz="5400" b="1" dirty="0">
+                <a:ln w="0">
+                  <a:solidFill>
+                    <a:schemeClr val="bg1"/>
+                  </a:solidFill>
+                </a:ln>
+                <a:latin typeface="+mj-ea"/>
+                <a:ea typeface="+mj-ea"/>
+              </a:rPr>
+              <a:t>WA</a:t>
+            </a:r>
+          </a:p>
+        </p:txBody>
+      </p:sp>
+      <p:sp>
+        <p:nvSpPr>
+          <p:cNvPr id="5" name="TextBox 4">
+            <a:extLst>
+              <a:ext uri="{FF2B5EF4-FFF2-40B4-BE49-F238E27FC236}">
+                <a16:creationId xmlns:a16="http://schemas.microsoft.com/office/drawing/2014/main" id="{6F6C7BFE-8BCE-4FDD-ADD0-8F8962A88961}"/>
+              </a:ext>
+            </a:extLst>
+          </p:cNvPr>
+          <p:cNvSpPr txBox="1"/>
+          <p:nvPr/>
+        </p:nvSpPr>
+        <p:spPr>
+          <a:xfrm>
+            <a:off x="101601" y="5233416"/>
+            <a:ext cx="9169399" cy="369332"/>
+          </a:xfrm>
+          <a:prstGeom prst="rect">
+            <a:avLst/>
+          </a:prstGeom>
+          <a:solidFill>
+            <a:schemeClr val="bg1">
+              <a:alpha val="20000"/>
+            </a:schemeClr>
+          </a:solidFill>
+        </p:spPr>
+        <p:txBody>
+          <a:bodyPr wrap="square" rtlCol="0">
+            <a:spAutoFit/>
+          </a:bodyPr>
+          <a:lstStyle/>
+          <a:p>
+            <a:pPr marL="342900" indent="-342900" algn="ctr">
+              <a:buFont typeface="+mj-ea"/>
+              <a:buAutoNum type="circleNumDbPlain"/>
+            </a:pPr>
+            <a:r>
+              <a:rPr lang="ko-KR" altLang="en-US" b="1" dirty="0">
+                <a:solidFill>
+                  <a:schemeClr val="bg1"/>
+                </a:solidFill>
+                <a:latin typeface="HY그래픽M" panose="02030600000101010101" pitchFamily="18" charset="-127"/>
+                <a:ea typeface="HY그래픽M" panose="02030600000101010101" pitchFamily="18" charset="-127"/>
+              </a:rPr>
+              <a:t>플레이어 캐릭터가 사망</a:t>
+            </a:r>
+            <a:endParaRPr lang="en-US" altLang="ko-KR" b="1" dirty="0">
+              <a:solidFill>
+                <a:schemeClr val="bg1"/>
+              </a:solidFill>
+              <a:latin typeface="HY그래픽M" panose="02030600000101010101" pitchFamily="18" charset="-127"/>
+              <a:ea typeface="HY그래픽M" panose="02030600000101010101" pitchFamily="18" charset="-127"/>
+            </a:endParaRPr>
+          </a:p>
+        </p:txBody>
+      </p:sp>
+      <p:sp>
+        <p:nvSpPr>
+          <p:cNvPr id="10" name="TextBox 9">
+            <a:extLst>
+              <a:ext uri="{FF2B5EF4-FFF2-40B4-BE49-F238E27FC236}">
+                <a16:creationId xmlns:a16="http://schemas.microsoft.com/office/drawing/2014/main" id="{6CF9DF57-BA21-4291-8248-007ABDA301EA}"/>
+              </a:ext>
+            </a:extLst>
+          </p:cNvPr>
+          <p:cNvSpPr txBox="1"/>
+          <p:nvPr/>
+        </p:nvSpPr>
+        <p:spPr>
+          <a:xfrm>
+            <a:off x="101601" y="5744343"/>
+            <a:ext cx="9169399" cy="3416320"/>
+          </a:xfrm>
+          <a:prstGeom prst="rect">
+            <a:avLst/>
+          </a:prstGeom>
+          <a:solidFill>
+            <a:schemeClr val="bg1">
+              <a:alpha val="20000"/>
+            </a:schemeClr>
+          </a:solidFill>
+        </p:spPr>
+        <p:txBody>
+          <a:bodyPr wrap="square" rtlCol="0">
+            <a:spAutoFit/>
+          </a:bodyPr>
+          <a:lstStyle/>
+          <a:p>
+            <a:pPr marL="285705" indent="-285705">
+              <a:buFontTx/>
+              <a:buChar char="-"/>
+            </a:pPr>
+            <a:r>
+              <a:rPr lang="ko-KR" altLang="en-US" b="1" dirty="0">
+                <a:latin typeface="HY그래픽M" panose="02030600000101010101" pitchFamily="18" charset="-127"/>
+                <a:ea typeface="HY그래픽M" panose="02030600000101010101" pitchFamily="18" charset="-127"/>
+              </a:rPr>
+              <a:t> 플레이어 캐릭터의 </a:t>
+            </a:r>
+            <a:r>
+              <a:rPr lang="ko-KR" altLang="en-US" b="1" dirty="0">
+                <a:solidFill>
+                  <a:schemeClr val="accent4"/>
+                </a:solidFill>
+                <a:latin typeface="HY그래픽M" panose="02030600000101010101" pitchFamily="18" charset="-127"/>
+                <a:ea typeface="HY그래픽M" panose="02030600000101010101" pitchFamily="18" charset="-127"/>
+              </a:rPr>
+              <a:t>사망 애니메이션 재생이 끝나면 리셋이 작동</a:t>
+            </a:r>
+            <a:r>
+              <a:rPr lang="ko-KR" altLang="en-US" b="1" dirty="0">
+                <a:latin typeface="HY그래픽M" panose="02030600000101010101" pitchFamily="18" charset="-127"/>
+                <a:ea typeface="HY그래픽M" panose="02030600000101010101" pitchFamily="18" charset="-127"/>
+              </a:rPr>
+              <a:t>한다</a:t>
+            </a:r>
+            <a:r>
+              <a:rPr lang="en-US" altLang="ko-KR" b="1" dirty="0">
+                <a:latin typeface="HY그래픽M" panose="02030600000101010101" pitchFamily="18" charset="-127"/>
+                <a:ea typeface="HY그래픽M" panose="02030600000101010101" pitchFamily="18" charset="-127"/>
+              </a:rPr>
+              <a:t>.</a:t>
+            </a:r>
+          </a:p>
+          <a:p>
+            <a:pPr marL="285705" indent="-285705">
+              <a:buFontTx/>
+              <a:buChar char="-"/>
+            </a:pPr>
+            <a:endParaRPr lang="en-US" altLang="ko-KR" b="1" dirty="0">
+              <a:latin typeface="HY그래픽M" panose="02030600000101010101" pitchFamily="18" charset="-127"/>
+              <a:ea typeface="HY그래픽M" panose="02030600000101010101" pitchFamily="18" charset="-127"/>
+            </a:endParaRPr>
+          </a:p>
+          <a:p>
+            <a:pPr marL="285705" indent="-285705">
+              <a:buFontTx/>
+              <a:buChar char="-"/>
+            </a:pPr>
+            <a:r>
+              <a:rPr lang="en-US" altLang="ko-KR" b="1" dirty="0">
+                <a:latin typeface="HY그래픽M" panose="02030600000101010101" pitchFamily="18" charset="-127"/>
+                <a:ea typeface="HY그래픽M" panose="02030600000101010101" pitchFamily="18" charset="-127"/>
+              </a:rPr>
+              <a:t> </a:t>
+            </a:r>
+            <a:r>
+              <a:rPr lang="ko-KR" altLang="en-US" b="1" dirty="0">
+                <a:latin typeface="HY그래픽M" panose="02030600000101010101" pitchFamily="18" charset="-127"/>
+                <a:ea typeface="HY그래픽M" panose="02030600000101010101" pitchFamily="18" charset="-127"/>
+              </a:rPr>
+              <a:t>리셋이 이루어지는 동안 </a:t>
+            </a:r>
+            <a:r>
+              <a:rPr lang="ko-KR" altLang="en-US" b="1" dirty="0">
+                <a:solidFill>
+                  <a:schemeClr val="accent4"/>
+                </a:solidFill>
+                <a:latin typeface="HY그래픽M" panose="02030600000101010101" pitchFamily="18" charset="-127"/>
+                <a:ea typeface="HY그래픽M" panose="02030600000101010101" pitchFamily="18" charset="-127"/>
+              </a:rPr>
+              <a:t>플레이어의 화면이 잠시 </a:t>
+            </a:r>
+            <a:r>
+              <a:rPr lang="ko-KR" altLang="en-US" b="1" dirty="0" err="1">
+                <a:solidFill>
+                  <a:schemeClr val="accent4"/>
+                </a:solidFill>
+                <a:latin typeface="HY그래픽M" panose="02030600000101010101" pitchFamily="18" charset="-127"/>
+                <a:ea typeface="HY그래픽M" panose="02030600000101010101" pitchFamily="18" charset="-127"/>
+              </a:rPr>
+              <a:t>페이드</a:t>
+            </a:r>
+            <a:r>
+              <a:rPr lang="ko-KR" altLang="en-US" b="1" dirty="0">
+                <a:solidFill>
+                  <a:schemeClr val="accent4"/>
+                </a:solidFill>
+                <a:latin typeface="HY그래픽M" panose="02030600000101010101" pitchFamily="18" charset="-127"/>
+                <a:ea typeface="HY그래픽M" panose="02030600000101010101" pitchFamily="18" charset="-127"/>
+              </a:rPr>
+              <a:t> 아웃 </a:t>
+            </a:r>
+            <a:r>
+              <a:rPr lang="ko-KR" altLang="en-US" b="1" dirty="0">
+                <a:latin typeface="HY그래픽M" panose="02030600000101010101" pitchFamily="18" charset="-127"/>
+                <a:ea typeface="HY그래픽M" panose="02030600000101010101" pitchFamily="18" charset="-127"/>
+              </a:rPr>
+              <a:t>된다</a:t>
+            </a:r>
+            <a:r>
+              <a:rPr lang="en-US" altLang="ko-KR" b="1" dirty="0">
+                <a:latin typeface="HY그래픽M" panose="02030600000101010101" pitchFamily="18" charset="-127"/>
+                <a:ea typeface="HY그래픽M" panose="02030600000101010101" pitchFamily="18" charset="-127"/>
+              </a:rPr>
+              <a:t>.</a:t>
+            </a:r>
+          </a:p>
+          <a:p>
+            <a:pPr marL="285705" indent="-285705">
+              <a:buFontTx/>
+              <a:buChar char="-"/>
+            </a:pPr>
+            <a:endParaRPr lang="en-US" altLang="ko-KR" b="1" dirty="0">
+              <a:latin typeface="HY그래픽M" panose="02030600000101010101" pitchFamily="18" charset="-127"/>
+              <a:ea typeface="HY그래픽M" panose="02030600000101010101" pitchFamily="18" charset="-127"/>
+            </a:endParaRPr>
+          </a:p>
+          <a:p>
+            <a:pPr marL="285705" indent="-285705">
+              <a:buFontTx/>
+              <a:buChar char="-"/>
+            </a:pPr>
+            <a:r>
+              <a:rPr lang="en-US" altLang="ko-KR" b="1" dirty="0">
+                <a:latin typeface="HY그래픽M" panose="02030600000101010101" pitchFamily="18" charset="-127"/>
+                <a:ea typeface="HY그래픽M" panose="02030600000101010101" pitchFamily="18" charset="-127"/>
+              </a:rPr>
+              <a:t> </a:t>
+            </a:r>
+            <a:r>
+              <a:rPr lang="ko-KR" altLang="en-US" b="1" dirty="0">
+                <a:latin typeface="HY그래픽M" panose="02030600000101010101" pitchFamily="18" charset="-127"/>
+                <a:ea typeface="HY그래픽M" panose="02030600000101010101" pitchFamily="18" charset="-127"/>
+              </a:rPr>
+              <a:t>룸의 모든 퍼즐은 자신이 갖고있던 </a:t>
+            </a:r>
+            <a:r>
+              <a:rPr lang="ko-KR" altLang="en-US" b="1" dirty="0" err="1">
+                <a:solidFill>
+                  <a:schemeClr val="accent4"/>
+                </a:solidFill>
+                <a:latin typeface="HY그래픽M" panose="02030600000101010101" pitchFamily="18" charset="-127"/>
+                <a:ea typeface="HY그래픽M" panose="02030600000101010101" pitchFamily="18" charset="-127"/>
+              </a:rPr>
+              <a:t>초기위치값</a:t>
+            </a:r>
+            <a:r>
+              <a:rPr lang="ko-KR" altLang="en-US" b="1" dirty="0" err="1">
+                <a:latin typeface="HY그래픽M" panose="02030600000101010101" pitchFamily="18" charset="-127"/>
+                <a:ea typeface="HY그래픽M" panose="02030600000101010101" pitchFamily="18" charset="-127"/>
+              </a:rPr>
+              <a:t>과</a:t>
+            </a:r>
+            <a:r>
+              <a:rPr lang="ko-KR" altLang="en-US" b="1" dirty="0">
+                <a:latin typeface="HY그래픽M" panose="02030600000101010101" pitchFamily="18" charset="-127"/>
+                <a:ea typeface="HY그래픽M" panose="02030600000101010101" pitchFamily="18" charset="-127"/>
+              </a:rPr>
+              <a:t> </a:t>
+            </a:r>
+            <a:r>
+              <a:rPr lang="ko-KR" altLang="en-US" b="1" dirty="0" err="1">
+                <a:solidFill>
+                  <a:schemeClr val="accent4"/>
+                </a:solidFill>
+                <a:latin typeface="HY그래픽M" panose="02030600000101010101" pitchFamily="18" charset="-127"/>
+                <a:ea typeface="HY그래픽M" panose="02030600000101010101" pitchFamily="18" charset="-127"/>
+              </a:rPr>
+              <a:t>상태값</a:t>
+            </a:r>
+            <a:r>
+              <a:rPr lang="ko-KR" altLang="en-US" b="1" dirty="0" err="1">
+                <a:latin typeface="HY그래픽M" panose="02030600000101010101" pitchFamily="18" charset="-127"/>
+                <a:ea typeface="HY그래픽M" panose="02030600000101010101" pitchFamily="18" charset="-127"/>
+              </a:rPr>
+              <a:t>으로</a:t>
+            </a:r>
+            <a:r>
+              <a:rPr lang="ko-KR" altLang="en-US" b="1" dirty="0">
+                <a:latin typeface="HY그래픽M" panose="02030600000101010101" pitchFamily="18" charset="-127"/>
+                <a:ea typeface="HY그래픽M" panose="02030600000101010101" pitchFamily="18" charset="-127"/>
+              </a:rPr>
+              <a:t> 되돌아간다</a:t>
+            </a:r>
+            <a:r>
+              <a:rPr lang="en-US" altLang="ko-KR" b="1" dirty="0">
+                <a:latin typeface="HY그래픽M" panose="02030600000101010101" pitchFamily="18" charset="-127"/>
+                <a:ea typeface="HY그래픽M" panose="02030600000101010101" pitchFamily="18" charset="-127"/>
+              </a:rPr>
+              <a:t>.</a:t>
+            </a:r>
+          </a:p>
+          <a:p>
+            <a:pPr marL="285705" indent="-285705">
+              <a:buFontTx/>
+              <a:buChar char="-"/>
+            </a:pPr>
+            <a:endParaRPr lang="en-US" altLang="ko-KR" b="1" dirty="0">
+              <a:latin typeface="HY그래픽M" panose="02030600000101010101" pitchFamily="18" charset="-127"/>
+              <a:ea typeface="HY그래픽M" panose="02030600000101010101" pitchFamily="18" charset="-127"/>
+            </a:endParaRPr>
+          </a:p>
+          <a:p>
+            <a:pPr marL="285705" indent="-285705">
+              <a:buFontTx/>
+              <a:buChar char="-"/>
+            </a:pPr>
+            <a:r>
+              <a:rPr lang="ko-KR" altLang="en-US" b="1" dirty="0">
+                <a:latin typeface="HY그래픽M" panose="02030600000101010101" pitchFamily="18" charset="-127"/>
+                <a:ea typeface="HY그래픽M" panose="02030600000101010101" pitchFamily="18" charset="-127"/>
+              </a:rPr>
+              <a:t> 플레이어 캐릭터는 룸의 </a:t>
+            </a:r>
+            <a:r>
+              <a:rPr lang="ko-KR" altLang="en-US" b="1" dirty="0" err="1">
+                <a:solidFill>
+                  <a:schemeClr val="accent4"/>
+                </a:solidFill>
+                <a:latin typeface="HY그래픽M" panose="02030600000101010101" pitchFamily="18" charset="-127"/>
+                <a:ea typeface="HY그래픽M" panose="02030600000101010101" pitchFamily="18" charset="-127"/>
+              </a:rPr>
+              <a:t>리스폰포인트에서</a:t>
+            </a:r>
+            <a:r>
+              <a:rPr lang="ko-KR" altLang="en-US" b="1" dirty="0">
+                <a:solidFill>
+                  <a:schemeClr val="accent4"/>
+                </a:solidFill>
+                <a:latin typeface="HY그래픽M" panose="02030600000101010101" pitchFamily="18" charset="-127"/>
+                <a:ea typeface="HY그래픽M" panose="02030600000101010101" pitchFamily="18" charset="-127"/>
+              </a:rPr>
+              <a:t> </a:t>
+            </a:r>
+            <a:r>
+              <a:rPr lang="ko-KR" altLang="en-US" b="1" dirty="0" err="1">
+                <a:solidFill>
+                  <a:schemeClr val="accent4"/>
+                </a:solidFill>
+                <a:latin typeface="HY그래픽M" panose="02030600000101010101" pitchFamily="18" charset="-127"/>
+                <a:ea typeface="HY그래픽M" panose="02030600000101010101" pitchFamily="18" charset="-127"/>
+              </a:rPr>
+              <a:t>재생성</a:t>
+            </a:r>
+            <a:r>
+              <a:rPr lang="ko-KR" altLang="en-US" b="1" dirty="0" err="1">
+                <a:latin typeface="HY그래픽M" panose="02030600000101010101" pitchFamily="18" charset="-127"/>
+                <a:ea typeface="HY그래픽M" panose="02030600000101010101" pitchFamily="18" charset="-127"/>
+              </a:rPr>
+              <a:t>된다</a:t>
+            </a:r>
+            <a:r>
+              <a:rPr lang="en-US" altLang="ko-KR" b="1" dirty="0">
+                <a:latin typeface="HY그래픽M" panose="02030600000101010101" pitchFamily="18" charset="-127"/>
+                <a:ea typeface="HY그래픽M" panose="02030600000101010101" pitchFamily="18" charset="-127"/>
+              </a:rPr>
+              <a:t>.</a:t>
+            </a:r>
+          </a:p>
+          <a:p>
+            <a:pPr marL="285705" indent="-285705">
+              <a:buFontTx/>
+              <a:buChar char="-"/>
+            </a:pPr>
+            <a:endParaRPr lang="en-US" altLang="ko-KR" b="1" dirty="0">
+              <a:latin typeface="HY그래픽M" panose="02030600000101010101" pitchFamily="18" charset="-127"/>
+              <a:ea typeface="HY그래픽M" panose="02030600000101010101" pitchFamily="18" charset="-127"/>
+            </a:endParaRPr>
+          </a:p>
+          <a:p>
+            <a:pPr marL="285705" indent="-285705">
+              <a:buFontTx/>
+              <a:buChar char="-"/>
+            </a:pPr>
+            <a:r>
+              <a:rPr lang="en-US" altLang="ko-KR" b="1" dirty="0">
+                <a:latin typeface="HY그래픽M" panose="02030600000101010101" pitchFamily="18" charset="-127"/>
+                <a:ea typeface="HY그래픽M" panose="02030600000101010101" pitchFamily="18" charset="-127"/>
+              </a:rPr>
+              <a:t> </a:t>
+            </a:r>
+            <a:r>
+              <a:rPr lang="ko-KR" altLang="en-US" b="1" dirty="0">
+                <a:latin typeface="HY그래픽M" panose="02030600000101010101" pitchFamily="18" charset="-127"/>
+                <a:ea typeface="HY그래픽M" panose="02030600000101010101" pitchFamily="18" charset="-127"/>
+              </a:rPr>
+              <a:t>리셋이 끝난 후엔 </a:t>
+            </a:r>
+            <a:r>
+              <a:rPr lang="ko-KR" altLang="en-US" b="1" dirty="0">
+                <a:solidFill>
+                  <a:schemeClr val="accent4"/>
+                </a:solidFill>
+                <a:latin typeface="HY그래픽M" panose="02030600000101010101" pitchFamily="18" charset="-127"/>
+                <a:ea typeface="HY그래픽M" panose="02030600000101010101" pitchFamily="18" charset="-127"/>
+              </a:rPr>
+              <a:t>플레이어의 화면이 </a:t>
+            </a:r>
+            <a:r>
+              <a:rPr lang="ko-KR" altLang="en-US" b="1" dirty="0" err="1">
+                <a:solidFill>
+                  <a:schemeClr val="accent4"/>
+                </a:solidFill>
+                <a:latin typeface="HY그래픽M" panose="02030600000101010101" pitchFamily="18" charset="-127"/>
+                <a:ea typeface="HY그래픽M" panose="02030600000101010101" pitchFamily="18" charset="-127"/>
+              </a:rPr>
+              <a:t>페이드</a:t>
+            </a:r>
+            <a:r>
+              <a:rPr lang="ko-KR" altLang="en-US" b="1" dirty="0">
+                <a:solidFill>
+                  <a:schemeClr val="accent4"/>
+                </a:solidFill>
+                <a:latin typeface="HY그래픽M" panose="02030600000101010101" pitchFamily="18" charset="-127"/>
+                <a:ea typeface="HY그래픽M" panose="02030600000101010101" pitchFamily="18" charset="-127"/>
+              </a:rPr>
+              <a:t> 인 </a:t>
+            </a:r>
+            <a:r>
+              <a:rPr lang="ko-KR" altLang="en-US" b="1" dirty="0">
+                <a:latin typeface="HY그래픽M" panose="02030600000101010101" pitchFamily="18" charset="-127"/>
+                <a:ea typeface="HY그래픽M" panose="02030600000101010101" pitchFamily="18" charset="-127"/>
+              </a:rPr>
+              <a:t>된다</a:t>
+            </a:r>
+            <a:r>
+              <a:rPr lang="en-US" altLang="ko-KR" b="1" dirty="0">
+                <a:latin typeface="HY그래픽M" panose="02030600000101010101" pitchFamily="18" charset="-127"/>
+                <a:ea typeface="HY그래픽M" panose="02030600000101010101" pitchFamily="18" charset="-127"/>
+              </a:rPr>
+              <a:t>.</a:t>
+            </a:r>
+          </a:p>
+          <a:p>
+            <a:pPr marL="285705" indent="-285705">
+              <a:buFontTx/>
+              <a:buChar char="-"/>
+            </a:pPr>
+            <a:endParaRPr lang="en-US" altLang="ko-KR" b="1" dirty="0">
+              <a:latin typeface="HY그래픽M" panose="02030600000101010101" pitchFamily="18" charset="-127"/>
+              <a:ea typeface="HY그래픽M" panose="02030600000101010101" pitchFamily="18" charset="-127"/>
+            </a:endParaRPr>
+          </a:p>
+          <a:p>
+            <a:pPr marL="285705" indent="-285705">
+              <a:buFontTx/>
+              <a:buChar char="-"/>
+            </a:pPr>
+            <a:endParaRPr lang="en-US" altLang="ko-KR" b="1" dirty="0">
+              <a:latin typeface="HY그래픽M" panose="02030600000101010101" pitchFamily="18" charset="-127"/>
+              <a:ea typeface="HY그래픽M" panose="02030600000101010101" pitchFamily="18" charset="-127"/>
+            </a:endParaRPr>
+          </a:p>
+          <a:p>
+            <a:pPr marL="285705" indent="-285705">
+              <a:buFontTx/>
+              <a:buChar char="-"/>
+            </a:pPr>
+            <a:endParaRPr lang="en-US" altLang="ko-KR" b="1" dirty="0">
+              <a:latin typeface="HY그래픽M" panose="02030600000101010101" pitchFamily="18" charset="-127"/>
+              <a:ea typeface="HY그래픽M" panose="02030600000101010101" pitchFamily="18" charset="-127"/>
+            </a:endParaRPr>
+          </a:p>
+        </p:txBody>
+      </p:sp>
+      <p:sp>
+        <p:nvSpPr>
+          <p:cNvPr id="11" name="TextBox 10">
+            <a:extLst>
+              <a:ext uri="{FF2B5EF4-FFF2-40B4-BE49-F238E27FC236}">
+                <a16:creationId xmlns:a16="http://schemas.microsoft.com/office/drawing/2014/main" id="{712D437B-44FC-4A34-8858-DA5A9DB71D94}"/>
+              </a:ext>
+            </a:extLst>
+          </p:cNvPr>
+          <p:cNvSpPr txBox="1"/>
+          <p:nvPr/>
+        </p:nvSpPr>
+        <p:spPr>
+          <a:xfrm>
+            <a:off x="9477339" y="5231367"/>
+            <a:ext cx="4561839" cy="369332"/>
+          </a:xfrm>
+          <a:prstGeom prst="rect">
+            <a:avLst/>
+          </a:prstGeom>
+          <a:solidFill>
+            <a:schemeClr val="bg1">
+              <a:alpha val="20000"/>
+            </a:schemeClr>
+          </a:solidFill>
+        </p:spPr>
+        <p:txBody>
+          <a:bodyPr wrap="square" rtlCol="0">
+            <a:spAutoFit/>
+          </a:bodyPr>
+          <a:lstStyle/>
+          <a:p>
+            <a:pPr algn="ctr"/>
+            <a:r>
+              <a:rPr lang="ko-KR" altLang="en-US" b="1" dirty="0">
+                <a:solidFill>
+                  <a:schemeClr val="bg1"/>
+                </a:solidFill>
+                <a:latin typeface="HY그래픽M" panose="02030600000101010101" pitchFamily="18" charset="-127"/>
+                <a:ea typeface="HY그래픽M" panose="02030600000101010101" pitchFamily="18" charset="-127"/>
+              </a:rPr>
+              <a:t>②플레이어 캐릭터가 다른 룸으로 이동</a:t>
+            </a:r>
+            <a:endParaRPr lang="en-US" altLang="ko-KR" b="1" dirty="0">
+              <a:solidFill>
+                <a:schemeClr val="bg1"/>
+              </a:solidFill>
+              <a:latin typeface="HY그래픽M" panose="02030600000101010101" pitchFamily="18" charset="-127"/>
+              <a:ea typeface="HY그래픽M" panose="02030600000101010101" pitchFamily="18" charset="-127"/>
+            </a:endParaRPr>
+          </a:p>
+        </p:txBody>
+      </p:sp>
+      <p:sp>
+        <p:nvSpPr>
+          <p:cNvPr id="12" name="TextBox 11">
+            <a:extLst>
+              <a:ext uri="{FF2B5EF4-FFF2-40B4-BE49-F238E27FC236}">
+                <a16:creationId xmlns:a16="http://schemas.microsoft.com/office/drawing/2014/main" id="{527922AD-F2F7-4DAC-9DEB-3599DECDBAD0}"/>
+              </a:ext>
+            </a:extLst>
+          </p:cNvPr>
+          <p:cNvSpPr txBox="1"/>
+          <p:nvPr/>
+        </p:nvSpPr>
+        <p:spPr>
+          <a:xfrm>
+            <a:off x="9477339" y="5744343"/>
+            <a:ext cx="4561839" cy="3416320"/>
+          </a:xfrm>
+          <a:prstGeom prst="rect">
+            <a:avLst/>
+          </a:prstGeom>
+          <a:solidFill>
+            <a:schemeClr val="bg1">
+              <a:alpha val="20000"/>
+            </a:schemeClr>
+          </a:solidFill>
+        </p:spPr>
+        <p:txBody>
+          <a:bodyPr wrap="square" rtlCol="0">
+            <a:spAutoFit/>
+          </a:bodyPr>
+          <a:lstStyle/>
+          <a:p>
+            <a:pPr marL="285705" indent="-285705">
+              <a:buFontTx/>
+              <a:buChar char="-"/>
+            </a:pPr>
+            <a:r>
+              <a:rPr lang="ko-KR" altLang="en-US" b="1" dirty="0">
+                <a:latin typeface="HY그래픽M" panose="02030600000101010101" pitchFamily="18" charset="-127"/>
+                <a:ea typeface="HY그래픽M" panose="02030600000101010101" pitchFamily="18" charset="-127"/>
+              </a:rPr>
+              <a:t> 플레이어 캐릭터가 </a:t>
+            </a:r>
+            <a:r>
+              <a:rPr lang="ko-KR" altLang="en-US" b="1" dirty="0">
+                <a:solidFill>
+                  <a:schemeClr val="accent4"/>
+                </a:solidFill>
+                <a:latin typeface="HY그래픽M" panose="02030600000101010101" pitchFamily="18" charset="-127"/>
+                <a:ea typeface="HY그래픽M" panose="02030600000101010101" pitchFamily="18" charset="-127"/>
+              </a:rPr>
+              <a:t>다른 룸으로 이동하면 작동</a:t>
+            </a:r>
+            <a:r>
+              <a:rPr lang="ko-KR" altLang="en-US" b="1" dirty="0">
+                <a:latin typeface="HY그래픽M" panose="02030600000101010101" pitchFamily="18" charset="-127"/>
+                <a:ea typeface="HY그래픽M" panose="02030600000101010101" pitchFamily="18" charset="-127"/>
+              </a:rPr>
+              <a:t>한다</a:t>
+            </a:r>
+            <a:r>
+              <a:rPr lang="en-US" altLang="ko-KR" b="1" dirty="0">
+                <a:latin typeface="HY그래픽M" panose="02030600000101010101" pitchFamily="18" charset="-127"/>
+                <a:ea typeface="HY그래픽M" panose="02030600000101010101" pitchFamily="18" charset="-127"/>
+              </a:rPr>
+              <a:t>.</a:t>
+            </a:r>
+          </a:p>
+          <a:p>
+            <a:pPr marL="285705" indent="-285705">
+              <a:buFontTx/>
+              <a:buChar char="-"/>
+            </a:pPr>
+            <a:endParaRPr lang="en-US" altLang="ko-KR" b="1" dirty="0">
+              <a:latin typeface="HY그래픽M" panose="02030600000101010101" pitchFamily="18" charset="-127"/>
+              <a:ea typeface="HY그래픽M" panose="02030600000101010101" pitchFamily="18" charset="-127"/>
+            </a:endParaRPr>
+          </a:p>
+          <a:p>
+            <a:pPr marL="285705" indent="-285705">
+              <a:buFontTx/>
+              <a:buChar char="-"/>
+            </a:pPr>
+            <a:r>
+              <a:rPr lang="ko-KR" altLang="en-US" b="1" dirty="0">
+                <a:latin typeface="HY그래픽M" panose="02030600000101010101" pitchFamily="18" charset="-127"/>
+                <a:ea typeface="HY그래픽M" panose="02030600000101010101" pitchFamily="18" charset="-127"/>
+              </a:rPr>
+              <a:t> </a:t>
+            </a:r>
+            <a:r>
+              <a:rPr lang="ko-KR" altLang="en-US" b="1" dirty="0">
+                <a:solidFill>
+                  <a:schemeClr val="bg1"/>
+                </a:solidFill>
+                <a:latin typeface="HY그래픽M" panose="02030600000101010101" pitchFamily="18" charset="-127"/>
+                <a:ea typeface="HY그래픽M" panose="02030600000101010101" pitchFamily="18" charset="-127"/>
+              </a:rPr>
+              <a:t>①</a:t>
+            </a:r>
+            <a:r>
+              <a:rPr lang="ko-KR" altLang="en-US" b="1" dirty="0">
+                <a:latin typeface="HY그래픽M" panose="02030600000101010101" pitchFamily="18" charset="-127"/>
+                <a:ea typeface="HY그래픽M" panose="02030600000101010101" pitchFamily="18" charset="-127"/>
+              </a:rPr>
+              <a:t>과 </a:t>
+            </a:r>
+            <a:r>
+              <a:rPr lang="ko-KR" altLang="en-US" b="1" dirty="0">
+                <a:solidFill>
+                  <a:schemeClr val="accent4"/>
+                </a:solidFill>
+                <a:latin typeface="HY그래픽M" panose="02030600000101010101" pitchFamily="18" charset="-127"/>
+                <a:ea typeface="HY그래픽M" panose="02030600000101010101" pitchFamily="18" charset="-127"/>
+              </a:rPr>
+              <a:t>기본적으로 동일하게 진행</a:t>
+            </a:r>
+            <a:r>
+              <a:rPr lang="ko-KR" altLang="en-US" b="1" dirty="0">
+                <a:latin typeface="HY그래픽M" panose="02030600000101010101" pitchFamily="18" charset="-127"/>
+                <a:ea typeface="HY그래픽M" panose="02030600000101010101" pitchFamily="18" charset="-127"/>
+              </a:rPr>
+              <a:t>된다</a:t>
+            </a:r>
+            <a:r>
+              <a:rPr lang="en-US" altLang="ko-KR" b="1" dirty="0">
+                <a:latin typeface="HY그래픽M" panose="02030600000101010101" pitchFamily="18" charset="-127"/>
+                <a:ea typeface="HY그래픽M" panose="02030600000101010101" pitchFamily="18" charset="-127"/>
+              </a:rPr>
+              <a:t>.</a:t>
+            </a:r>
+          </a:p>
+          <a:p>
+            <a:pPr marL="285705" indent="-285705">
+              <a:buFontTx/>
+              <a:buChar char="-"/>
+            </a:pPr>
+            <a:endParaRPr lang="en-US" altLang="ko-KR" b="1" dirty="0">
+              <a:latin typeface="HY그래픽M" panose="02030600000101010101" pitchFamily="18" charset="-127"/>
+              <a:ea typeface="HY그래픽M" panose="02030600000101010101" pitchFamily="18" charset="-127"/>
+            </a:endParaRPr>
+          </a:p>
+          <a:p>
+            <a:pPr marL="285705" indent="-285705">
+              <a:buFontTx/>
+              <a:buChar char="-"/>
+            </a:pPr>
+            <a:r>
+              <a:rPr lang="en-US" altLang="ko-KR" b="1" dirty="0">
+                <a:latin typeface="HY그래픽M" panose="02030600000101010101" pitchFamily="18" charset="-127"/>
+                <a:ea typeface="HY그래픽M" panose="02030600000101010101" pitchFamily="18" charset="-127"/>
+              </a:rPr>
+              <a:t> </a:t>
+            </a:r>
+            <a:r>
+              <a:rPr lang="ko-KR" altLang="en-US" b="1" dirty="0">
+                <a:latin typeface="HY그래픽M" panose="02030600000101010101" pitchFamily="18" charset="-127"/>
+                <a:ea typeface="HY그래픽M" panose="02030600000101010101" pitchFamily="18" charset="-127"/>
+              </a:rPr>
+              <a:t>플레이어 캐릭터는 </a:t>
+            </a:r>
+            <a:r>
+              <a:rPr lang="ko-KR" altLang="en-US" b="1" dirty="0" err="1">
+                <a:solidFill>
+                  <a:schemeClr val="accent4"/>
+                </a:solidFill>
+                <a:latin typeface="HY그래픽M" panose="02030600000101010101" pitchFamily="18" charset="-127"/>
+                <a:ea typeface="HY그래픽M" panose="02030600000101010101" pitchFamily="18" charset="-127"/>
+              </a:rPr>
+              <a:t>리스폰포인트에서</a:t>
+            </a:r>
+            <a:r>
+              <a:rPr lang="ko-KR" altLang="en-US" b="1" dirty="0">
+                <a:solidFill>
+                  <a:schemeClr val="accent4"/>
+                </a:solidFill>
+                <a:latin typeface="HY그래픽M" panose="02030600000101010101" pitchFamily="18" charset="-127"/>
+                <a:ea typeface="HY그래픽M" panose="02030600000101010101" pitchFamily="18" charset="-127"/>
+              </a:rPr>
+              <a:t> 재생성 되지 않는다</a:t>
+            </a:r>
+            <a:r>
+              <a:rPr lang="en-US" altLang="ko-KR" b="1" dirty="0">
+                <a:solidFill>
+                  <a:schemeClr val="accent4"/>
+                </a:solidFill>
+                <a:latin typeface="HY그래픽M" panose="02030600000101010101" pitchFamily="18" charset="-127"/>
+                <a:ea typeface="HY그래픽M" panose="02030600000101010101" pitchFamily="18" charset="-127"/>
+              </a:rPr>
+              <a:t>.</a:t>
+            </a:r>
+          </a:p>
+          <a:p>
+            <a:pPr marL="285705" indent="-285705">
+              <a:buFontTx/>
+              <a:buChar char="-"/>
+            </a:pPr>
+            <a:endParaRPr lang="en-US" altLang="ko-KR" b="1" dirty="0">
+              <a:latin typeface="HY그래픽M" panose="02030600000101010101" pitchFamily="18" charset="-127"/>
+              <a:ea typeface="HY그래픽M" panose="02030600000101010101" pitchFamily="18" charset="-127"/>
+            </a:endParaRPr>
+          </a:p>
+          <a:p>
+            <a:pPr marL="285705" indent="-285705">
+              <a:buFontTx/>
+              <a:buChar char="-"/>
+            </a:pPr>
+            <a:r>
+              <a:rPr lang="ko-KR" altLang="en-US" b="1" dirty="0">
+                <a:latin typeface="HY그래픽M" panose="02030600000101010101" pitchFamily="18" charset="-127"/>
+                <a:ea typeface="HY그래픽M" panose="02030600000101010101" pitchFamily="18" charset="-127"/>
+              </a:rPr>
+              <a:t> 플레이어는 </a:t>
+            </a:r>
+            <a:r>
+              <a:rPr lang="ko-KR" altLang="en-US" b="1" dirty="0" err="1">
+                <a:solidFill>
+                  <a:schemeClr val="accent4"/>
+                </a:solidFill>
+                <a:latin typeface="HY그래픽M" panose="02030600000101010101" pitchFamily="18" charset="-127"/>
+                <a:ea typeface="HY그래픽M" panose="02030600000101010101" pitchFamily="18" charset="-127"/>
+              </a:rPr>
+              <a:t>페이드</a:t>
+            </a:r>
+            <a:r>
+              <a:rPr lang="ko-KR" altLang="en-US" b="1" dirty="0">
+                <a:solidFill>
+                  <a:schemeClr val="accent4"/>
+                </a:solidFill>
+                <a:latin typeface="HY그래픽M" panose="02030600000101010101" pitchFamily="18" charset="-127"/>
+                <a:ea typeface="HY그래픽M" panose="02030600000101010101" pitchFamily="18" charset="-127"/>
+              </a:rPr>
+              <a:t> 인 이후 다른 룸에 있을 것</a:t>
+            </a:r>
+            <a:r>
+              <a:rPr lang="ko-KR" altLang="en-US" b="1" dirty="0">
+                <a:latin typeface="HY그래픽M" panose="02030600000101010101" pitchFamily="18" charset="-127"/>
+                <a:ea typeface="HY그래픽M" panose="02030600000101010101" pitchFamily="18" charset="-127"/>
+              </a:rPr>
+              <a:t>이다</a:t>
+            </a:r>
+            <a:r>
+              <a:rPr lang="en-US" altLang="ko-KR" b="1" dirty="0">
+                <a:latin typeface="HY그래픽M" panose="02030600000101010101" pitchFamily="18" charset="-127"/>
+                <a:ea typeface="HY그래픽M" panose="02030600000101010101" pitchFamily="18" charset="-127"/>
+              </a:rPr>
+              <a:t>.</a:t>
+            </a:r>
+          </a:p>
+          <a:p>
+            <a:pPr marL="285705" indent="-285705">
+              <a:buFontTx/>
+              <a:buChar char="-"/>
+            </a:pPr>
+            <a:endParaRPr lang="en-US" altLang="ko-KR" b="1" dirty="0">
+              <a:latin typeface="HY그래픽M" panose="02030600000101010101" pitchFamily="18" charset="-127"/>
+              <a:ea typeface="HY그래픽M" panose="02030600000101010101" pitchFamily="18" charset="-127"/>
+            </a:endParaRPr>
+          </a:p>
+          <a:p>
+            <a:pPr marL="285705" indent="-285705">
+              <a:buFontTx/>
+              <a:buChar char="-"/>
+            </a:pPr>
+            <a:r>
+              <a:rPr lang="ko-KR" altLang="en-US" b="1" dirty="0">
+                <a:latin typeface="HY그래픽M" panose="02030600000101010101" pitchFamily="18" charset="-127"/>
+                <a:ea typeface="HY그래픽M" panose="02030600000101010101" pitchFamily="18" charset="-127"/>
+              </a:rPr>
+              <a:t>자세한 것은 </a:t>
+            </a:r>
+            <a:r>
+              <a:rPr lang="ko-KR" altLang="en-US" b="1" dirty="0">
+                <a:solidFill>
+                  <a:schemeClr val="accent1">
+                    <a:lumMod val="60000"/>
+                    <a:lumOff val="40000"/>
+                  </a:schemeClr>
+                </a:solidFill>
+                <a:latin typeface="HY그래픽M" panose="02030600000101010101" pitchFamily="18" charset="-127"/>
+                <a:ea typeface="HY그래픽M" panose="02030600000101010101" pitchFamily="18" charset="-127"/>
+                <a:hlinkClick r:id="rId2" action="ppaction://hlinksldjump">
+                  <a:extLst>
+                    <a:ext uri="{A12FA001-AC4F-418D-AE19-62706E023703}">
+                      <ahyp:hlinkClr xmlns:ahyp="http://schemas.microsoft.com/office/drawing/2018/hyperlinkcolor" val="tx"/>
+                    </a:ext>
+                  </a:extLst>
+                </a:hlinkClick>
+              </a:rPr>
+              <a:t>룸 이동 </a:t>
+            </a:r>
+            <a:r>
+              <a:rPr lang="ko-KR" altLang="en-US" b="1" dirty="0">
+                <a:latin typeface="HY그래픽M" panose="02030600000101010101" pitchFamily="18" charset="-127"/>
+                <a:ea typeface="HY그래픽M" panose="02030600000101010101" pitchFamily="18" charset="-127"/>
+              </a:rPr>
+              <a:t>페이지에서 다룬다</a:t>
+            </a:r>
+            <a:r>
+              <a:rPr lang="en-US" altLang="ko-KR" b="1" dirty="0">
+                <a:latin typeface="HY그래픽M" panose="02030600000101010101" pitchFamily="18" charset="-127"/>
+                <a:ea typeface="HY그래픽M" panose="02030600000101010101" pitchFamily="18" charset="-127"/>
+              </a:rPr>
+              <a:t>.</a:t>
+            </a:r>
+          </a:p>
+        </p:txBody>
+      </p:sp>
+      <p:pic>
+        <p:nvPicPr>
+          <p:cNvPr id="4" name="그림 3">
+            <a:extLst>
+              <a:ext uri="{FF2B5EF4-FFF2-40B4-BE49-F238E27FC236}">
+                <a16:creationId xmlns:a16="http://schemas.microsoft.com/office/drawing/2014/main" id="{0CD6C78B-B6FA-4C53-BFB4-AE1D0D6095D9}"/>
+              </a:ext>
+            </a:extLst>
+          </p:cNvPr>
+          <p:cNvPicPr>
+            <a:picLocks noChangeAspect="1"/>
+          </p:cNvPicPr>
+          <p:nvPr/>
+        </p:nvPicPr>
+        <p:blipFill>
+          <a:blip r:embed="rId3">
+            <a:extLst>
+              <a:ext uri="{28A0092B-C50C-407E-A947-70E740481C1C}">
+                <a14:useLocalDpi xmlns:a14="http://schemas.microsoft.com/office/drawing/2010/main" val="0"/>
+              </a:ext>
+            </a:extLst>
+          </a:blip>
+          <a:stretch>
+            <a:fillRect/>
+          </a:stretch>
+        </p:blipFill>
+        <p:spPr>
+          <a:xfrm>
+            <a:off x="15007558" y="1459695"/>
+            <a:ext cx="1500410" cy="7452450"/>
+          </a:xfrm>
+          <a:prstGeom prst="rect">
+            <a:avLst/>
+          </a:prstGeom>
+        </p:spPr>
+      </p:pic>
+    </p:spTree>
+    <p:extLst>
+      <p:ext uri="{BB962C8B-B14F-4D97-AF65-F5344CB8AC3E}">
+        <p14:creationId xmlns:p14="http://schemas.microsoft.com/office/powerpoint/2010/main" val="61941023"/>
+      </p:ext>
+    </p:extLst>
+  </p:cSld>
+  <p:clrMapOvr>
+    <a:masterClrMapping/>
+  </p:clrMapOvr>
+</p:sld>
+</file>
+
+<file path=ppt/slides/slide5.xml><?xml version="1.0" encoding="utf-8"?>
+<p:sld xmlns:a="http://schemas.openxmlformats.org/drawingml/2006/main" xmlns:r="http://schemas.openxmlformats.org/officeDocument/2006/relationships" xmlns:p="http://schemas.openxmlformats.org/presentationml/2006/main">
+  <p:cSld>
+    <p:spTree>
+      <p:nvGrpSpPr>
+        <p:cNvPr id="1" name=""/>
+        <p:cNvGrpSpPr/>
+        <p:nvPr/>
+      </p:nvGrpSpPr>
+      <p:grpSpPr>
+        <a:xfrm>
+          <a:off x="0" y="0"/>
+          <a:ext cx="0" cy="0"/>
+          <a:chOff x="0" y="0"/>
+          <a:chExt cx="0" cy="0"/>
+        </a:xfrm>
+      </p:grpSpPr>
+      <p:sp>
+        <p:nvSpPr>
+          <p:cNvPr id="24" name="직사각형 23">
+            <a:extLst>
+              <a:ext uri="{FF2B5EF4-FFF2-40B4-BE49-F238E27FC236}">
+                <a16:creationId xmlns:a16="http://schemas.microsoft.com/office/drawing/2014/main" id="{AE422CEF-42B4-427C-A9D4-DCEB9ADB622E}"/>
+              </a:ext>
+            </a:extLst>
+          </p:cNvPr>
+          <p:cNvSpPr/>
+          <p:nvPr/>
+        </p:nvSpPr>
+        <p:spPr>
+          <a:xfrm>
+            <a:off x="214222" y="4863885"/>
+            <a:ext cx="9195272" cy="3754929"/>
           </a:xfrm>
           <a:prstGeom prst="rect">
             <a:avLst/>
@@ -3854,430 +6034,10 @@
       </p:sp>
       <p:sp>
         <p:nvSpPr>
-          <p:cNvPr id="3" name="TextBox 2">
+          <p:cNvPr id="4" name="직사각형 3">
             <a:extLst>
               <a:ext uri="{FF2B5EF4-FFF2-40B4-BE49-F238E27FC236}">
-                <a16:creationId xmlns:a16="http://schemas.microsoft.com/office/drawing/2014/main" id="{192A65BC-C936-4045-9C12-A0B7F016B235}"/>
-              </a:ext>
-            </a:extLst>
-          </p:cNvPr>
-          <p:cNvSpPr txBox="1"/>
-          <p:nvPr/>
-        </p:nvSpPr>
-        <p:spPr>
-          <a:xfrm>
-            <a:off x="101601" y="1445888"/>
-            <a:ext cx="17406942" cy="2954655"/>
-          </a:xfrm>
-          <a:prstGeom prst="rect">
-            <a:avLst/>
-          </a:prstGeom>
-          <a:solidFill>
-            <a:schemeClr val="bg1">
-              <a:alpha val="20000"/>
-            </a:schemeClr>
-          </a:solidFill>
-        </p:spPr>
-        <p:txBody>
-          <a:bodyPr wrap="square" rtlCol="0">
-            <a:spAutoFit/>
-          </a:bodyPr>
-          <a:lstStyle/>
-          <a:p>
-            <a:pPr marL="285705" indent="-285705">
-              <a:buFontTx/>
-              <a:buChar char="-"/>
-            </a:pPr>
-            <a:r>
-              <a:rPr lang="ko-KR" altLang="en-US" b="1" dirty="0">
-                <a:latin typeface="HY그래픽M" panose="02030600000101010101" pitchFamily="18" charset="-127"/>
-                <a:ea typeface="HY그래픽M" panose="02030600000101010101" pitchFamily="18" charset="-127"/>
-              </a:rPr>
-              <a:t>이 문서는 </a:t>
-            </a:r>
-            <a:r>
-              <a:rPr lang="en-US" altLang="ko-KR" b="1" dirty="0">
-                <a:latin typeface="HY그래픽M" panose="02030600000101010101" pitchFamily="18" charset="-127"/>
-                <a:ea typeface="HY그래픽M" panose="02030600000101010101" pitchFamily="18" charset="-127"/>
-              </a:rPr>
-              <a:t>Wa</a:t>
-            </a:r>
-            <a:r>
-              <a:rPr lang="ko-KR" altLang="en-US" b="1" dirty="0">
-                <a:latin typeface="HY그래픽M" panose="02030600000101010101" pitchFamily="18" charset="-127"/>
-                <a:ea typeface="HY그래픽M" panose="02030600000101010101" pitchFamily="18" charset="-127"/>
-              </a:rPr>
-              <a:t>의 </a:t>
-            </a:r>
-            <a:r>
-              <a:rPr lang="ko-KR" altLang="en-US" b="1" dirty="0">
-                <a:solidFill>
-                  <a:schemeClr val="accent4"/>
-                </a:solidFill>
-                <a:latin typeface="HY그래픽M" panose="02030600000101010101" pitchFamily="18" charset="-127"/>
-                <a:ea typeface="HY그래픽M" panose="02030600000101010101" pitchFamily="18" charset="-127"/>
-              </a:rPr>
-              <a:t>룸 시스템</a:t>
-            </a:r>
-            <a:r>
-              <a:rPr lang="ko-KR" altLang="en-US" b="1" dirty="0">
-                <a:latin typeface="HY그래픽M" panose="02030600000101010101" pitchFamily="18" charset="-127"/>
-                <a:ea typeface="HY그래픽M" panose="02030600000101010101" pitchFamily="18" charset="-127"/>
-              </a:rPr>
-              <a:t> 기획문서이다</a:t>
-            </a:r>
-            <a:r>
-              <a:rPr lang="en-US" altLang="ko-KR" b="1" dirty="0">
-                <a:latin typeface="HY그래픽M" panose="02030600000101010101" pitchFamily="18" charset="-127"/>
-                <a:ea typeface="HY그래픽M" panose="02030600000101010101" pitchFamily="18" charset="-127"/>
-              </a:rPr>
-              <a:t>.</a:t>
-            </a:r>
-          </a:p>
-          <a:p>
-            <a:pPr marL="285705" indent="-285705">
-              <a:buFontTx/>
-              <a:buChar char="-"/>
-            </a:pPr>
-            <a:endParaRPr lang="en-US" altLang="ko-KR" b="1" dirty="0">
-              <a:latin typeface="HY그래픽M" panose="02030600000101010101" pitchFamily="18" charset="-127"/>
-              <a:ea typeface="HY그래픽M" panose="02030600000101010101" pitchFamily="18" charset="-127"/>
-            </a:endParaRPr>
-          </a:p>
-          <a:p>
-            <a:pPr marL="285705" indent="-285705">
-              <a:buFontTx/>
-              <a:buChar char="-"/>
-            </a:pPr>
-            <a:r>
-              <a:rPr lang="en-US" altLang="ko-KR" b="1" dirty="0">
-                <a:latin typeface="HY그래픽M" panose="02030600000101010101" pitchFamily="18" charset="-127"/>
-                <a:ea typeface="HY그래픽M" panose="02030600000101010101" pitchFamily="18" charset="-127"/>
-              </a:rPr>
-              <a:t>Wa</a:t>
-            </a:r>
-            <a:r>
-              <a:rPr lang="ko-KR" altLang="en-US" b="1" dirty="0">
-                <a:latin typeface="HY그래픽M" panose="02030600000101010101" pitchFamily="18" charset="-127"/>
-                <a:ea typeface="HY그래픽M" panose="02030600000101010101" pitchFamily="18" charset="-127"/>
-              </a:rPr>
-              <a:t>는 플레이어가 </a:t>
-            </a:r>
-            <a:r>
-              <a:rPr lang="ko-KR" altLang="en-US" b="1" dirty="0">
-                <a:solidFill>
-                  <a:schemeClr val="accent4"/>
-                </a:solidFill>
-                <a:latin typeface="HY그래픽M" panose="02030600000101010101" pitchFamily="18" charset="-127"/>
-                <a:ea typeface="HY그래픽M" panose="02030600000101010101" pitchFamily="18" charset="-127"/>
-              </a:rPr>
-              <a:t>룸에 배치된 퍼즐을 해결</a:t>
-            </a:r>
-            <a:r>
-              <a:rPr lang="ko-KR" altLang="en-US" b="1" dirty="0">
-                <a:latin typeface="HY그래픽M" panose="02030600000101010101" pitchFamily="18" charset="-127"/>
-                <a:ea typeface="HY그래픽M" panose="02030600000101010101" pitchFamily="18" charset="-127"/>
-              </a:rPr>
-              <a:t>하며 </a:t>
-            </a:r>
-            <a:r>
-              <a:rPr lang="ko-KR" altLang="en-US" b="1" dirty="0">
-                <a:solidFill>
-                  <a:schemeClr val="accent4"/>
-                </a:solidFill>
-                <a:latin typeface="HY그래픽M" panose="02030600000101010101" pitchFamily="18" charset="-127"/>
-                <a:ea typeface="HY그래픽M" panose="02030600000101010101" pitchFamily="18" charset="-127"/>
-              </a:rPr>
-              <a:t>다음 룸으로 이동하는 방식의 게임 흐름</a:t>
-            </a:r>
-            <a:r>
-              <a:rPr lang="ko-KR" altLang="en-US" b="1" dirty="0">
-                <a:latin typeface="HY그래픽M" panose="02030600000101010101" pitchFamily="18" charset="-127"/>
-                <a:ea typeface="HY그래픽M" panose="02030600000101010101" pitchFamily="18" charset="-127"/>
-              </a:rPr>
-              <a:t>을 가지고 있다</a:t>
-            </a:r>
-            <a:r>
-              <a:rPr lang="en-US" altLang="ko-KR" b="1" dirty="0">
-                <a:latin typeface="HY그래픽M" panose="02030600000101010101" pitchFamily="18" charset="-127"/>
-                <a:ea typeface="HY그래픽M" panose="02030600000101010101" pitchFamily="18" charset="-127"/>
-              </a:rPr>
-              <a:t>.</a:t>
-            </a:r>
-          </a:p>
-          <a:p>
-            <a:endParaRPr lang="en-US" altLang="ko-KR" b="1" dirty="0">
-              <a:latin typeface="HY그래픽M" panose="02030600000101010101" pitchFamily="18" charset="-127"/>
-              <a:ea typeface="HY그래픽M" panose="02030600000101010101" pitchFamily="18" charset="-127"/>
-            </a:endParaRPr>
-          </a:p>
-          <a:p>
-            <a:pPr marL="285705" indent="-285705">
-              <a:buFontTx/>
-              <a:buChar char="-"/>
-            </a:pPr>
-            <a:r>
-              <a:rPr lang="en-US" altLang="ko-KR" b="1" dirty="0">
-                <a:latin typeface="HY그래픽M" panose="02030600000101010101" pitchFamily="18" charset="-127"/>
-                <a:ea typeface="HY그래픽M" panose="02030600000101010101" pitchFamily="18" charset="-127"/>
-              </a:rPr>
-              <a:t>Wa</a:t>
-            </a:r>
-            <a:r>
-              <a:rPr lang="ko-KR" altLang="en-US" b="1" dirty="0">
-                <a:latin typeface="HY그래픽M" panose="02030600000101010101" pitchFamily="18" charset="-127"/>
-                <a:ea typeface="HY그래픽M" panose="02030600000101010101" pitchFamily="18" charset="-127"/>
-              </a:rPr>
-              <a:t>에서 캐릭터는 </a:t>
-            </a:r>
-            <a:r>
-              <a:rPr lang="ko-KR" altLang="en-US" b="1" dirty="0">
-                <a:solidFill>
-                  <a:schemeClr val="accent4"/>
-                </a:solidFill>
-                <a:latin typeface="HY그래픽M" panose="02030600000101010101" pitchFamily="18" charset="-127"/>
-                <a:ea typeface="HY그래픽M" panose="02030600000101010101" pitchFamily="18" charset="-127"/>
-              </a:rPr>
-              <a:t>항상 어느 룸에 위치한 상태</a:t>
-            </a:r>
-            <a:r>
-              <a:rPr lang="ko-KR" altLang="en-US" b="1" dirty="0">
-                <a:latin typeface="HY그래픽M" panose="02030600000101010101" pitchFamily="18" charset="-127"/>
-                <a:ea typeface="HY그래픽M" panose="02030600000101010101" pitchFamily="18" charset="-127"/>
-              </a:rPr>
-              <a:t>이다</a:t>
-            </a:r>
-            <a:r>
-              <a:rPr lang="en-US" altLang="ko-KR" b="1" dirty="0">
-                <a:latin typeface="HY그래픽M" panose="02030600000101010101" pitchFamily="18" charset="-127"/>
-                <a:ea typeface="HY그래픽M" panose="02030600000101010101" pitchFamily="18" charset="-127"/>
-              </a:rPr>
-              <a:t>.</a:t>
-            </a:r>
-          </a:p>
-          <a:p>
-            <a:pPr marL="285705" indent="-285705">
-              <a:buFontTx/>
-              <a:buChar char="-"/>
-            </a:pPr>
-            <a:endParaRPr lang="en-US" altLang="ko-KR" b="1" dirty="0">
-              <a:latin typeface="HY그래픽M" panose="02030600000101010101" pitchFamily="18" charset="-127"/>
-              <a:ea typeface="HY그래픽M" panose="02030600000101010101" pitchFamily="18" charset="-127"/>
-            </a:endParaRPr>
-          </a:p>
-          <a:p>
-            <a:pPr marL="285705" indent="-285705">
-              <a:buFontTx/>
-              <a:buChar char="-"/>
-            </a:pPr>
-            <a:r>
-              <a:rPr lang="ko-KR" altLang="en-US" b="1" dirty="0">
-                <a:latin typeface="HY그래픽M" panose="02030600000101010101" pitchFamily="18" charset="-127"/>
-                <a:ea typeface="HY그래픽M" panose="02030600000101010101" pitchFamily="18" charset="-127"/>
-              </a:rPr>
-              <a:t>룸 시스템은 </a:t>
-            </a:r>
-            <a:r>
-              <a:rPr lang="ko-KR" altLang="en-US" b="1" dirty="0">
-                <a:solidFill>
-                  <a:schemeClr val="accent4"/>
-                </a:solidFill>
-                <a:latin typeface="HY그래픽M" panose="02030600000101010101" pitchFamily="18" charset="-127"/>
-                <a:ea typeface="HY그래픽M" panose="02030600000101010101" pitchFamily="18" charset="-127"/>
-              </a:rPr>
-              <a:t>게임의 흐름을 조율하기 위한 시스템</a:t>
-            </a:r>
-            <a:r>
-              <a:rPr lang="ko-KR" altLang="en-US" b="1" dirty="0">
-                <a:latin typeface="HY그래픽M" panose="02030600000101010101" pitchFamily="18" charset="-127"/>
-                <a:ea typeface="HY그래픽M" panose="02030600000101010101" pitchFamily="18" charset="-127"/>
-              </a:rPr>
-              <a:t>이며</a:t>
-            </a:r>
-            <a:r>
-              <a:rPr lang="en-US" altLang="ko-KR" b="1" dirty="0">
-                <a:latin typeface="HY그래픽M" panose="02030600000101010101" pitchFamily="18" charset="-127"/>
-                <a:ea typeface="HY그래픽M" panose="02030600000101010101" pitchFamily="18" charset="-127"/>
-              </a:rPr>
-              <a:t>, </a:t>
-            </a:r>
-            <a:r>
-              <a:rPr lang="ko-KR" altLang="en-US" b="1" dirty="0">
-                <a:latin typeface="HY그래픽M" panose="02030600000101010101" pitchFamily="18" charset="-127"/>
-                <a:ea typeface="HY그래픽M" panose="02030600000101010101" pitchFamily="18" charset="-127"/>
-              </a:rPr>
-              <a:t>다음 동작들을 필요로 한다</a:t>
-            </a:r>
-            <a:r>
-              <a:rPr lang="en-US" altLang="ko-KR" b="1" dirty="0">
-                <a:latin typeface="HY그래픽M" panose="02030600000101010101" pitchFamily="18" charset="-127"/>
-                <a:ea typeface="HY그래픽M" panose="02030600000101010101" pitchFamily="18" charset="-127"/>
-              </a:rPr>
-              <a:t>.</a:t>
-            </a:r>
-          </a:p>
-          <a:p>
-            <a:pPr marL="342900" indent="-342900">
-              <a:buFont typeface="+mj-ea"/>
-              <a:buAutoNum type="circleNumDbPlain"/>
-            </a:pPr>
-            <a:r>
-              <a:rPr lang="ko-KR" altLang="en-US" sz="2000" b="1" dirty="0">
-                <a:solidFill>
-                  <a:schemeClr val="bg1"/>
-                </a:solidFill>
-                <a:latin typeface="HY그래픽M" panose="02030600000101010101" pitchFamily="18" charset="-127"/>
-                <a:ea typeface="HY그래픽M" panose="02030600000101010101" pitchFamily="18" charset="-127"/>
-              </a:rPr>
-              <a:t>리셋</a:t>
-            </a:r>
-            <a:endParaRPr lang="en-US" altLang="ko-KR" sz="2000" b="1" dirty="0">
-              <a:solidFill>
-                <a:schemeClr val="bg1"/>
-              </a:solidFill>
-              <a:latin typeface="HY그래픽M" panose="02030600000101010101" pitchFamily="18" charset="-127"/>
-              <a:ea typeface="HY그래픽M" panose="02030600000101010101" pitchFamily="18" charset="-127"/>
-            </a:endParaRPr>
-          </a:p>
-          <a:p>
-            <a:pPr marL="342900" indent="-342900">
-              <a:buFont typeface="+mj-ea"/>
-              <a:buAutoNum type="circleNumDbPlain"/>
-            </a:pPr>
-            <a:r>
-              <a:rPr lang="ko-KR" altLang="en-US" sz="2000" b="1" dirty="0">
-                <a:solidFill>
-                  <a:schemeClr val="bg1"/>
-                </a:solidFill>
-                <a:latin typeface="HY그래픽M" panose="02030600000101010101" pitchFamily="18" charset="-127"/>
-                <a:ea typeface="HY그래픽M" panose="02030600000101010101" pitchFamily="18" charset="-127"/>
-              </a:rPr>
-              <a:t>시야조정</a:t>
-            </a:r>
-            <a:endParaRPr lang="en-US" altLang="ko-KR" sz="2000" b="1" dirty="0">
-              <a:solidFill>
-                <a:schemeClr val="bg1"/>
-              </a:solidFill>
-              <a:latin typeface="HY그래픽M" panose="02030600000101010101" pitchFamily="18" charset="-127"/>
-              <a:ea typeface="HY그래픽M" panose="02030600000101010101" pitchFamily="18" charset="-127"/>
-            </a:endParaRPr>
-          </a:p>
-          <a:p>
-            <a:pPr marL="342900" indent="-342900">
-              <a:buFont typeface="+mj-ea"/>
-              <a:buAutoNum type="circleNumDbPlain"/>
-            </a:pPr>
-            <a:r>
-              <a:rPr lang="ko-KR" altLang="en-US" sz="2000" b="1" dirty="0">
-                <a:solidFill>
-                  <a:schemeClr val="bg1"/>
-                </a:solidFill>
-                <a:latin typeface="HY그래픽M" panose="02030600000101010101" pitchFamily="18" charset="-127"/>
-                <a:ea typeface="HY그래픽M" panose="02030600000101010101" pitchFamily="18" charset="-127"/>
-              </a:rPr>
-              <a:t>상태조정</a:t>
-            </a:r>
-            <a:endParaRPr lang="en-US" altLang="ko-KR" sz="1400" b="1" dirty="0">
-              <a:solidFill>
-                <a:schemeClr val="bg1"/>
-              </a:solidFill>
-              <a:latin typeface="HY그래픽M" panose="02030600000101010101" pitchFamily="18" charset="-127"/>
-              <a:ea typeface="HY그래픽M" panose="02030600000101010101" pitchFamily="18" charset="-127"/>
-            </a:endParaRPr>
-          </a:p>
-        </p:txBody>
-      </p:sp>
-      <p:sp>
-        <p:nvSpPr>
-          <p:cNvPr id="35" name="TextBox 34">
-            <a:extLst>
-              <a:ext uri="{FF2B5EF4-FFF2-40B4-BE49-F238E27FC236}">
-                <a16:creationId xmlns:a16="http://schemas.microsoft.com/office/drawing/2014/main" id="{DED0212C-878B-44C3-B57B-D72A38BE651A}"/>
-              </a:ext>
-            </a:extLst>
-          </p:cNvPr>
-          <p:cNvSpPr txBox="1"/>
-          <p:nvPr/>
-        </p:nvSpPr>
-        <p:spPr>
-          <a:xfrm>
-            <a:off x="120090" y="4534406"/>
-            <a:ext cx="8559799" cy="369332"/>
-          </a:xfrm>
-          <a:prstGeom prst="rect">
-            <a:avLst/>
-          </a:prstGeom>
-          <a:solidFill>
-            <a:schemeClr val="bg1">
-              <a:alpha val="20000"/>
-            </a:schemeClr>
-          </a:solidFill>
-        </p:spPr>
-        <p:txBody>
-          <a:bodyPr wrap="square" rtlCol="0">
-            <a:spAutoFit/>
-          </a:bodyPr>
-          <a:lstStyle/>
-          <a:p>
-            <a:pPr marL="285705" indent="-285705">
-              <a:buFontTx/>
-              <a:buChar char="-"/>
-            </a:pPr>
-            <a:r>
-              <a:rPr lang="ko-KR" altLang="en-US" b="1" dirty="0">
-                <a:latin typeface="메이플스토리" panose="02000300000000000000" pitchFamily="2" charset="-127"/>
-                <a:ea typeface="메이플스토리" panose="02000300000000000000" pitchFamily="2" charset="-127"/>
-              </a:rPr>
-              <a:t>게임 구성 예상도</a:t>
-            </a:r>
-            <a:endParaRPr lang="en-US" altLang="ko-KR" b="1" dirty="0">
-              <a:latin typeface="메이플스토리" panose="02000300000000000000" pitchFamily="2" charset="-127"/>
-              <a:ea typeface="메이플스토리" panose="02000300000000000000" pitchFamily="2" charset="-127"/>
-            </a:endParaRPr>
-          </a:p>
-        </p:txBody>
-      </p:sp>
-      <p:pic>
-        <p:nvPicPr>
-          <p:cNvPr id="6" name="그림 5">
-            <a:extLst>
-              <a:ext uri="{FF2B5EF4-FFF2-40B4-BE49-F238E27FC236}">
-                <a16:creationId xmlns:a16="http://schemas.microsoft.com/office/drawing/2014/main" id="{ADA06055-4EB3-453D-B7B6-F933D8E71D32}"/>
-              </a:ext>
-            </a:extLst>
-          </p:cNvPr>
-          <p:cNvPicPr>
-            <a:picLocks noChangeAspect="1"/>
-          </p:cNvPicPr>
-          <p:nvPr/>
-        </p:nvPicPr>
-        <p:blipFill rotWithShape="1">
-          <a:blip r:embed="rId2">
-            <a:extLst>
-              <a:ext uri="{28A0092B-C50C-407E-A947-70E740481C1C}">
-                <a14:useLocalDpi xmlns:a14="http://schemas.microsoft.com/office/drawing/2010/main" val="0"/>
-              </a:ext>
-            </a:extLst>
-          </a:blip>
-          <a:srcRect l="7644" t="14714" r="8174" b="18546"/>
-          <a:stretch/>
-        </p:blipFill>
-        <p:spPr>
-          <a:xfrm>
-            <a:off x="562457" y="5310226"/>
-            <a:ext cx="7679335" cy="4289467"/>
-          </a:xfrm>
-          <a:prstGeom prst="rect">
-            <a:avLst/>
-          </a:prstGeom>
-        </p:spPr>
-      </p:pic>
-      <p:sp>
-        <p:nvSpPr>
-          <p:cNvPr id="14" name="직사각형 13">
-            <a:extLst>
-              <a:ext uri="{FF2B5EF4-FFF2-40B4-BE49-F238E27FC236}">
-                <a16:creationId xmlns:a16="http://schemas.microsoft.com/office/drawing/2014/main" id="{212B7ECA-7CD7-467F-9EC4-27938A087C78}"/>
+                <a16:creationId xmlns:a16="http://schemas.microsoft.com/office/drawing/2014/main" id="{D6B81E73-48EE-48D8-ACDC-2D760E1F8B6D}"/>
               </a:ext>
             </a:extLst>
           </p:cNvPr>
@@ -4318,10 +6078,10 @@
       </p:sp>
       <p:sp>
         <p:nvSpPr>
-          <p:cNvPr id="15" name="사각형: 둥근 모서리 14">
+          <p:cNvPr id="5" name="사각형: 둥근 모서리 4">
             <a:extLst>
               <a:ext uri="{FF2B5EF4-FFF2-40B4-BE49-F238E27FC236}">
-                <a16:creationId xmlns:a16="http://schemas.microsoft.com/office/drawing/2014/main" id="{B4929C92-915C-400A-8F9A-5E60E967B602}"/>
+                <a16:creationId xmlns:a16="http://schemas.microsoft.com/office/drawing/2014/main" id="{4EB81B37-F11E-42DD-978C-7E9E27E662C7}"/>
               </a:ext>
             </a:extLst>
           </p:cNvPr>
@@ -4369,15 +6129,1494 @@
                 <a:latin typeface="메이플스토리" panose="02000300000000000000" pitchFamily="2" charset="-127"/>
                 <a:ea typeface="메이플스토리" panose="02000300000000000000" pitchFamily="2" charset="-127"/>
               </a:rPr>
-              <a:t>개요</a:t>
-            </a:r>
+              <a:t>룸 내에서 시야</a:t>
+            </a:r>
+          </a:p>
+        </p:txBody>
+      </p:sp>
+      <p:sp>
+        <p:nvSpPr>
+          <p:cNvPr id="6" name="TextBox 5">
+            <a:extLst>
+              <a:ext uri="{FF2B5EF4-FFF2-40B4-BE49-F238E27FC236}">
+                <a16:creationId xmlns:a16="http://schemas.microsoft.com/office/drawing/2014/main" id="{E2CF83E2-48E3-4852-A7C6-D41BDC2B4F99}"/>
+              </a:ext>
+            </a:extLst>
+          </p:cNvPr>
+          <p:cNvSpPr txBox="1"/>
+          <p:nvPr/>
+        </p:nvSpPr>
+        <p:spPr>
+          <a:xfrm>
+            <a:off x="101601" y="1445888"/>
+            <a:ext cx="13937577" cy="2862322"/>
+          </a:xfrm>
+          <a:prstGeom prst="rect">
+            <a:avLst/>
+          </a:prstGeom>
+          <a:solidFill>
+            <a:schemeClr val="bg1">
+              <a:alpha val="20000"/>
+            </a:schemeClr>
+          </a:solidFill>
+        </p:spPr>
+        <p:txBody>
+          <a:bodyPr wrap="square" rtlCol="0">
+            <a:spAutoFit/>
+          </a:bodyPr>
+          <a:lstStyle/>
+          <a:p>
+            <a:pPr marL="285705" indent="-285705">
+              <a:buFontTx/>
+              <a:buChar char="-"/>
+            </a:pPr>
+            <a:r>
+              <a:rPr lang="ko-KR" altLang="en-US" b="1" dirty="0">
+                <a:latin typeface="HY그래픽M" panose="02030600000101010101" pitchFamily="18" charset="-127"/>
+                <a:ea typeface="HY그래픽M" panose="02030600000101010101" pitchFamily="18" charset="-127"/>
+              </a:rPr>
+              <a:t>플레이어의 화면에는 </a:t>
+            </a:r>
+            <a:r>
+              <a:rPr lang="ko-KR" altLang="en-US" b="1" dirty="0">
+                <a:solidFill>
+                  <a:schemeClr val="accent4"/>
+                </a:solidFill>
+                <a:latin typeface="HY그래픽M" panose="02030600000101010101" pitchFamily="18" charset="-127"/>
+                <a:ea typeface="HY그래픽M" panose="02030600000101010101" pitchFamily="18" charset="-127"/>
+              </a:rPr>
+              <a:t>자기가 위치한 룸만 보이게 </a:t>
+            </a:r>
+            <a:r>
+              <a:rPr lang="ko-KR" altLang="en-US" b="1" dirty="0">
+                <a:latin typeface="HY그래픽M" panose="02030600000101010101" pitchFamily="18" charset="-127"/>
+                <a:ea typeface="HY그래픽M" panose="02030600000101010101" pitchFamily="18" charset="-127"/>
+              </a:rPr>
+              <a:t>한다</a:t>
+            </a:r>
+            <a:r>
+              <a:rPr lang="en-US" altLang="ko-KR" b="1" dirty="0">
+                <a:latin typeface="HY그래픽M" panose="02030600000101010101" pitchFamily="18" charset="-127"/>
+                <a:ea typeface="HY그래픽M" panose="02030600000101010101" pitchFamily="18" charset="-127"/>
+              </a:rPr>
+              <a:t>.</a:t>
+            </a:r>
+          </a:p>
+          <a:p>
+            <a:r>
+              <a:rPr lang="en-US" altLang="ko-KR" b="1" dirty="0">
+                <a:solidFill>
+                  <a:schemeClr val="bg1"/>
+                </a:solidFill>
+                <a:latin typeface="HY그래픽M" panose="02030600000101010101" pitchFamily="18" charset="-127"/>
+                <a:ea typeface="HY그래픽M" panose="02030600000101010101" pitchFamily="18" charset="-127"/>
+              </a:rPr>
+              <a:t>(</a:t>
+            </a:r>
+            <a:r>
+              <a:rPr lang="ko-KR" altLang="en-US" b="1" dirty="0">
+                <a:solidFill>
+                  <a:schemeClr val="bg1"/>
+                </a:solidFill>
+                <a:latin typeface="HY그래픽M" panose="02030600000101010101" pitchFamily="18" charset="-127"/>
+                <a:ea typeface="HY그래픽M" panose="02030600000101010101" pitchFamily="18" charset="-127"/>
+              </a:rPr>
+              <a:t>즉</a:t>
+            </a:r>
+            <a:r>
+              <a:rPr lang="en-US" altLang="ko-KR" b="1" dirty="0">
+                <a:solidFill>
+                  <a:schemeClr val="bg1"/>
+                </a:solidFill>
+                <a:latin typeface="HY그래픽M" panose="02030600000101010101" pitchFamily="18" charset="-127"/>
+                <a:ea typeface="HY그래픽M" panose="02030600000101010101" pitchFamily="18" charset="-127"/>
+              </a:rPr>
+              <a:t>, </a:t>
+            </a:r>
+            <a:r>
+              <a:rPr lang="ko-KR" altLang="en-US" b="1" dirty="0">
+                <a:solidFill>
+                  <a:schemeClr val="bg1"/>
+                </a:solidFill>
+                <a:latin typeface="HY그래픽M" panose="02030600000101010101" pitchFamily="18" charset="-127"/>
+                <a:ea typeface="HY그래픽M" panose="02030600000101010101" pitchFamily="18" charset="-127"/>
+              </a:rPr>
+              <a:t>플레이어가 위치하지 않은 룸의 구조물</a:t>
+            </a:r>
+            <a:r>
+              <a:rPr lang="en-US" altLang="ko-KR" b="1" dirty="0">
+                <a:solidFill>
+                  <a:schemeClr val="bg1"/>
+                </a:solidFill>
+                <a:latin typeface="HY그래픽M" panose="02030600000101010101" pitchFamily="18" charset="-127"/>
+                <a:ea typeface="HY그래픽M" panose="02030600000101010101" pitchFamily="18" charset="-127"/>
+              </a:rPr>
+              <a:t>, </a:t>
+            </a:r>
+            <a:r>
+              <a:rPr lang="ko-KR" altLang="en-US" b="1" dirty="0">
+                <a:solidFill>
+                  <a:schemeClr val="bg1"/>
+                </a:solidFill>
+                <a:latin typeface="HY그래픽M" panose="02030600000101010101" pitchFamily="18" charset="-127"/>
+                <a:ea typeface="HY그래픽M" panose="02030600000101010101" pitchFamily="18" charset="-127"/>
+              </a:rPr>
+              <a:t>벽</a:t>
+            </a:r>
+            <a:r>
+              <a:rPr lang="en-US" altLang="ko-KR" b="1" dirty="0">
+                <a:solidFill>
+                  <a:schemeClr val="bg1"/>
+                </a:solidFill>
+                <a:latin typeface="HY그래픽M" panose="02030600000101010101" pitchFamily="18" charset="-127"/>
+                <a:ea typeface="HY그래픽M" panose="02030600000101010101" pitchFamily="18" charset="-127"/>
+              </a:rPr>
+              <a:t>, </a:t>
+            </a:r>
+            <a:r>
+              <a:rPr lang="ko-KR" altLang="en-US" b="1" dirty="0">
+                <a:solidFill>
+                  <a:schemeClr val="bg1"/>
+                </a:solidFill>
+                <a:latin typeface="HY그래픽M" panose="02030600000101010101" pitchFamily="18" charset="-127"/>
+                <a:ea typeface="HY그래픽M" panose="02030600000101010101" pitchFamily="18" charset="-127"/>
+              </a:rPr>
+              <a:t>바닥</a:t>
+            </a:r>
+            <a:r>
+              <a:rPr lang="en-US" altLang="ko-KR" b="1" dirty="0">
+                <a:solidFill>
+                  <a:schemeClr val="bg1"/>
+                </a:solidFill>
+                <a:latin typeface="HY그래픽M" panose="02030600000101010101" pitchFamily="18" charset="-127"/>
+                <a:ea typeface="HY그래픽M" panose="02030600000101010101" pitchFamily="18" charset="-127"/>
+              </a:rPr>
+              <a:t> </a:t>
+            </a:r>
+            <a:r>
+              <a:rPr lang="ko-KR" altLang="en-US" b="1" dirty="0">
+                <a:solidFill>
+                  <a:schemeClr val="bg1"/>
+                </a:solidFill>
+                <a:latin typeface="HY그래픽M" panose="02030600000101010101" pitchFamily="18" charset="-127"/>
+                <a:ea typeface="HY그래픽M" panose="02030600000101010101" pitchFamily="18" charset="-127"/>
+              </a:rPr>
+              <a:t>등은 보이지 않는 상태가 된다</a:t>
+            </a:r>
+            <a:r>
+              <a:rPr lang="en-US" altLang="ko-KR" b="1" dirty="0">
+                <a:solidFill>
+                  <a:schemeClr val="bg1"/>
+                </a:solidFill>
+                <a:latin typeface="HY그래픽M" panose="02030600000101010101" pitchFamily="18" charset="-127"/>
+                <a:ea typeface="HY그래픽M" panose="02030600000101010101" pitchFamily="18" charset="-127"/>
+              </a:rPr>
+              <a:t>.)</a:t>
+            </a:r>
+          </a:p>
+          <a:p>
+            <a:pPr marL="285705" indent="-285705">
+              <a:buFontTx/>
+              <a:buChar char="-"/>
+            </a:pPr>
+            <a:endParaRPr lang="en-US" altLang="ko-KR" b="1" dirty="0">
+              <a:latin typeface="HY그래픽M" panose="02030600000101010101" pitchFamily="18" charset="-127"/>
+              <a:ea typeface="HY그래픽M" panose="02030600000101010101" pitchFamily="18" charset="-127"/>
+            </a:endParaRPr>
+          </a:p>
+          <a:p>
+            <a:pPr marL="285705" indent="-285705">
+              <a:buFontTx/>
+              <a:buChar char="-"/>
+            </a:pPr>
+            <a:r>
+              <a:rPr lang="ko-KR" altLang="en-US" b="1" dirty="0">
+                <a:latin typeface="HY그래픽M" panose="02030600000101010101" pitchFamily="18" charset="-127"/>
+                <a:ea typeface="HY그래픽M" panose="02030600000101010101" pitchFamily="18" charset="-127"/>
+              </a:rPr>
+              <a:t>플레이어 캐릭터가 벽에 가려진 경우 </a:t>
+            </a:r>
+            <a:r>
+              <a:rPr lang="ko-KR" altLang="en-US" b="1" dirty="0">
+                <a:solidFill>
+                  <a:schemeClr val="accent4"/>
+                </a:solidFill>
+                <a:latin typeface="HY그래픽M" panose="02030600000101010101" pitchFamily="18" charset="-127"/>
+                <a:ea typeface="HY그래픽M" panose="02030600000101010101" pitchFamily="18" charset="-127"/>
+              </a:rPr>
+              <a:t>해당 벽을 보이지 않게 </a:t>
+            </a:r>
+            <a:r>
+              <a:rPr lang="ko-KR" altLang="en-US" b="1" dirty="0">
+                <a:latin typeface="HY그래픽M" panose="02030600000101010101" pitchFamily="18" charset="-127"/>
+                <a:ea typeface="HY그래픽M" panose="02030600000101010101" pitchFamily="18" charset="-127"/>
+              </a:rPr>
+              <a:t>한다</a:t>
+            </a:r>
+            <a:r>
+              <a:rPr lang="en-US" altLang="ko-KR" b="1" dirty="0">
+                <a:latin typeface="HY그래픽M" panose="02030600000101010101" pitchFamily="18" charset="-127"/>
+                <a:ea typeface="HY그래픽M" panose="02030600000101010101" pitchFamily="18" charset="-127"/>
+              </a:rPr>
+              <a:t>.</a:t>
+            </a:r>
+          </a:p>
+          <a:p>
+            <a:r>
+              <a:rPr lang="en-US" altLang="ko-KR" b="1" dirty="0">
+                <a:solidFill>
+                  <a:schemeClr val="bg1"/>
+                </a:solidFill>
+                <a:latin typeface="HY그래픽M" panose="02030600000101010101" pitchFamily="18" charset="-127"/>
+                <a:ea typeface="HY그래픽M" panose="02030600000101010101" pitchFamily="18" charset="-127"/>
+              </a:rPr>
+              <a:t>(</a:t>
+            </a:r>
+            <a:r>
+              <a:rPr lang="ko-KR" altLang="en-US" b="1" dirty="0">
+                <a:solidFill>
+                  <a:schemeClr val="bg1"/>
+                </a:solidFill>
+                <a:latin typeface="HY그래픽M" panose="02030600000101010101" pitchFamily="18" charset="-127"/>
+                <a:ea typeface="HY그래픽M" panose="02030600000101010101" pitchFamily="18" charset="-127"/>
+              </a:rPr>
+              <a:t>즉각적으로 벽이 사라졌다가 나타났다가 하면 어색하다</a:t>
+            </a:r>
+            <a:r>
+              <a:rPr lang="en-US" altLang="ko-KR" b="1" dirty="0">
+                <a:solidFill>
+                  <a:schemeClr val="bg1"/>
+                </a:solidFill>
+                <a:latin typeface="HY그래픽M" panose="02030600000101010101" pitchFamily="18" charset="-127"/>
+                <a:ea typeface="HY그래픽M" panose="02030600000101010101" pitchFamily="18" charset="-127"/>
+              </a:rPr>
+              <a:t>.</a:t>
+            </a:r>
+          </a:p>
+          <a:p>
+            <a:r>
+              <a:rPr lang="ko-KR" altLang="en-US" b="1" dirty="0">
+                <a:solidFill>
+                  <a:schemeClr val="bg1"/>
+                </a:solidFill>
+                <a:latin typeface="HY그래픽M" panose="02030600000101010101" pitchFamily="18" charset="-127"/>
+                <a:ea typeface="HY그래픽M" panose="02030600000101010101" pitchFamily="18" charset="-127"/>
+              </a:rPr>
+              <a:t>벽과의 거리 혹은 벽과 인접한 시간에 따라 점점 벽의 투명도를 바꾸는 형식이다</a:t>
+            </a:r>
+            <a:r>
+              <a:rPr lang="en-US" altLang="ko-KR" b="1" dirty="0">
+                <a:solidFill>
+                  <a:schemeClr val="bg1"/>
+                </a:solidFill>
+                <a:latin typeface="HY그래픽M" panose="02030600000101010101" pitchFamily="18" charset="-127"/>
+                <a:ea typeface="HY그래픽M" panose="02030600000101010101" pitchFamily="18" charset="-127"/>
+              </a:rPr>
+              <a:t>.)</a:t>
+            </a:r>
+          </a:p>
+          <a:p>
+            <a:endParaRPr lang="en-US" altLang="ko-KR" b="1" dirty="0">
+              <a:latin typeface="HY그래픽M" panose="02030600000101010101" pitchFamily="18" charset="-127"/>
+              <a:ea typeface="HY그래픽M" panose="02030600000101010101" pitchFamily="18" charset="-127"/>
+            </a:endParaRPr>
+          </a:p>
+          <a:p>
+            <a:pPr marL="285705" indent="-285705">
+              <a:buFontTx/>
+              <a:buChar char="-"/>
+            </a:pPr>
+            <a:endParaRPr lang="en-US" altLang="ko-KR" b="1" dirty="0">
+              <a:latin typeface="HY그래픽M" panose="02030600000101010101" pitchFamily="18" charset="-127"/>
+              <a:ea typeface="HY그래픽M" panose="02030600000101010101" pitchFamily="18" charset="-127"/>
+            </a:endParaRPr>
+          </a:p>
+          <a:p>
+            <a:pPr marL="285705" indent="-285705">
+              <a:buFontTx/>
+              <a:buChar char="-"/>
+            </a:pPr>
+            <a:endParaRPr lang="en-US" altLang="ko-KR" b="1" dirty="0">
+              <a:latin typeface="HY그래픽M" panose="02030600000101010101" pitchFamily="18" charset="-127"/>
+              <a:ea typeface="HY그래픽M" panose="02030600000101010101" pitchFamily="18" charset="-127"/>
+            </a:endParaRPr>
+          </a:p>
+          <a:p>
+            <a:endParaRPr lang="en-US" altLang="ko-KR" b="1" dirty="0">
+              <a:latin typeface="HY그래픽M" panose="02030600000101010101" pitchFamily="18" charset="-127"/>
+              <a:ea typeface="HY그래픽M" panose="02030600000101010101" pitchFamily="18" charset="-127"/>
+            </a:endParaRPr>
+          </a:p>
+        </p:txBody>
+      </p:sp>
+      <p:grpSp>
+        <p:nvGrpSpPr>
+          <p:cNvPr id="8" name="그룹 7">
+            <a:extLst>
+              <a:ext uri="{FF2B5EF4-FFF2-40B4-BE49-F238E27FC236}">
+                <a16:creationId xmlns:a16="http://schemas.microsoft.com/office/drawing/2014/main" id="{1D69C05A-88CD-4E48-8A59-1436FDF48591}"/>
+              </a:ext>
+            </a:extLst>
+          </p:cNvPr>
+          <p:cNvGrpSpPr/>
+          <p:nvPr/>
+        </p:nvGrpSpPr>
+        <p:grpSpPr>
+          <a:xfrm>
+            <a:off x="10315172" y="4863885"/>
+            <a:ext cx="6722367" cy="3754929"/>
+            <a:chOff x="3978657" y="4079401"/>
+            <a:chExt cx="9044839" cy="5052200"/>
+          </a:xfrm>
+        </p:grpSpPr>
+        <p:pic>
+          <p:nvPicPr>
+            <p:cNvPr id="7" name="그림 6">
+              <a:extLst>
+                <a:ext uri="{FF2B5EF4-FFF2-40B4-BE49-F238E27FC236}">
+                  <a16:creationId xmlns:a16="http://schemas.microsoft.com/office/drawing/2014/main" id="{2A619870-0D20-4B83-8ADC-AB042EA5F99D}"/>
+                </a:ext>
+              </a:extLst>
+            </p:cNvPr>
+            <p:cNvPicPr>
+              <a:picLocks noChangeAspect="1"/>
+            </p:cNvPicPr>
+            <p:nvPr/>
+          </p:nvPicPr>
+          <p:blipFill rotWithShape="1">
+            <a:blip r:embed="rId2">
+              <a:extLst>
+                <a:ext uri="{28A0092B-C50C-407E-A947-70E740481C1C}">
+                  <a14:useLocalDpi xmlns:a14="http://schemas.microsoft.com/office/drawing/2010/main" val="0"/>
+                </a:ext>
+              </a:extLst>
+            </a:blip>
+            <a:srcRect l="7644" t="14714" r="8174" b="18546"/>
+            <a:stretch/>
+          </p:blipFill>
+          <p:spPr>
+            <a:xfrm>
+              <a:off x="3978657" y="4079401"/>
+              <a:ext cx="9044839" cy="5052200"/>
+            </a:xfrm>
+            <a:prstGeom prst="rect">
+              <a:avLst/>
+            </a:prstGeom>
+          </p:spPr>
+        </p:pic>
+        <p:pic>
+          <p:nvPicPr>
+            <p:cNvPr id="1026" name="Picture 2">
+              <a:extLst>
+                <a:ext uri="{FF2B5EF4-FFF2-40B4-BE49-F238E27FC236}">
+                  <a16:creationId xmlns:a16="http://schemas.microsoft.com/office/drawing/2014/main" id="{04C3C9D8-F20A-4190-BC2A-4D45776E82A6}"/>
+                </a:ext>
+              </a:extLst>
+            </p:cNvPr>
+            <p:cNvPicPr>
+              <a:picLocks noChangeAspect="1" noChangeArrowheads="1"/>
+            </p:cNvPicPr>
+            <p:nvPr/>
+          </p:nvPicPr>
+          <p:blipFill>
+            <a:blip r:embed="rId3">
+              <a:extLst>
+                <a:ext uri="{28A0092B-C50C-407E-A947-70E740481C1C}">
+                  <a14:useLocalDpi xmlns:a14="http://schemas.microsoft.com/office/drawing/2010/main" val="0"/>
+                </a:ext>
+              </a:extLst>
+            </a:blip>
+            <a:srcRect/>
+            <a:stretch>
+              <a:fillRect/>
+            </a:stretch>
+          </p:blipFill>
+          <p:spPr bwMode="auto">
+            <a:xfrm>
+              <a:off x="7966488" y="6461759"/>
+              <a:ext cx="728791" cy="775761"/>
+            </a:xfrm>
+            <a:prstGeom prst="rect">
+              <a:avLst/>
+            </a:prstGeom>
+            <a:noFill/>
+            <a:extLst>
+              <a:ext uri="{909E8E84-426E-40DD-AFC4-6F175D3DCCD1}">
+                <a14:hiddenFill xmlns:a14="http://schemas.microsoft.com/office/drawing/2010/main">
+                  <a:solidFill>
+                    <a:srgbClr val="FFFFFF"/>
+                  </a:solidFill>
+                </a14:hiddenFill>
+              </a:ext>
+            </a:extLst>
+          </p:spPr>
+        </p:pic>
+        <p:pic>
+          <p:nvPicPr>
+            <p:cNvPr id="1028" name="Picture 4" descr="See, watch, view, eye icon - Free download on Iconfinder">
+              <a:extLst>
+                <a:ext uri="{FF2B5EF4-FFF2-40B4-BE49-F238E27FC236}">
+                  <a16:creationId xmlns:a16="http://schemas.microsoft.com/office/drawing/2014/main" id="{99C916BB-3E51-4151-BA6C-058CA80F84BA}"/>
+                </a:ext>
+              </a:extLst>
+            </p:cNvPr>
+            <p:cNvPicPr>
+              <a:picLocks noChangeAspect="1" noChangeArrowheads="1"/>
+            </p:cNvPicPr>
+            <p:nvPr/>
+          </p:nvPicPr>
+          <p:blipFill>
+            <a:blip r:embed="rId4">
+              <a:extLst>
+                <a:ext uri="{28A0092B-C50C-407E-A947-70E740481C1C}">
+                  <a14:useLocalDpi xmlns:a14="http://schemas.microsoft.com/office/drawing/2010/main" val="0"/>
+                </a:ext>
+              </a:extLst>
+            </a:blip>
+            <a:srcRect/>
+            <a:stretch>
+              <a:fillRect/>
+            </a:stretch>
+          </p:blipFill>
+          <p:spPr bwMode="auto">
+            <a:xfrm>
+              <a:off x="8440673" y="5992048"/>
+              <a:ext cx="728791" cy="728791"/>
+            </a:xfrm>
+            <a:prstGeom prst="rect">
+              <a:avLst/>
+            </a:prstGeom>
+            <a:noFill/>
+            <a:extLst>
+              <a:ext uri="{909E8E84-426E-40DD-AFC4-6F175D3DCCD1}">
+                <a14:hiddenFill xmlns:a14="http://schemas.microsoft.com/office/drawing/2010/main">
+                  <a:solidFill>
+                    <a:srgbClr val="FFFFFF"/>
+                  </a:solidFill>
+                </a14:hiddenFill>
+              </a:ext>
+            </a:extLst>
+          </p:spPr>
+        </p:pic>
+        <p:pic>
+          <p:nvPicPr>
+            <p:cNvPr id="9" name="Picture 4" descr="See, watch, view, eye icon - Free download on Iconfinder">
+              <a:extLst>
+                <a:ext uri="{FF2B5EF4-FFF2-40B4-BE49-F238E27FC236}">
+                  <a16:creationId xmlns:a16="http://schemas.microsoft.com/office/drawing/2014/main" id="{2F1FAF13-6C1D-48E3-84B3-EC3B665490B1}"/>
+                </a:ext>
+              </a:extLst>
+            </p:cNvPr>
+            <p:cNvPicPr>
+              <a:picLocks noChangeAspect="1" noChangeArrowheads="1"/>
+            </p:cNvPicPr>
+            <p:nvPr/>
+          </p:nvPicPr>
+          <p:blipFill>
+            <a:blip r:embed="rId4">
+              <a:extLst>
+                <a:ext uri="{28A0092B-C50C-407E-A947-70E740481C1C}">
+                  <a14:useLocalDpi xmlns:a14="http://schemas.microsoft.com/office/drawing/2010/main" val="0"/>
+                </a:ext>
+              </a:extLst>
+            </a:blip>
+            <a:srcRect/>
+            <a:stretch>
+              <a:fillRect/>
+            </a:stretch>
+          </p:blipFill>
+          <p:spPr bwMode="auto">
+            <a:xfrm>
+              <a:off x="10257899" y="6120848"/>
+              <a:ext cx="728791" cy="728791"/>
+            </a:xfrm>
+            <a:prstGeom prst="rect">
+              <a:avLst/>
+            </a:prstGeom>
+            <a:noFill/>
+            <a:extLst>
+              <a:ext uri="{909E8E84-426E-40DD-AFC4-6F175D3DCCD1}">
+                <a14:hiddenFill xmlns:a14="http://schemas.microsoft.com/office/drawing/2010/main">
+                  <a:solidFill>
+                    <a:srgbClr val="FFFFFF"/>
+                  </a:solidFill>
+                </a14:hiddenFill>
+              </a:ext>
+            </a:extLst>
+          </p:spPr>
+        </p:pic>
+        <p:pic>
+          <p:nvPicPr>
+            <p:cNvPr id="10" name="Picture 4" descr="See, watch, view, eye icon - Free download on Iconfinder">
+              <a:extLst>
+                <a:ext uri="{FF2B5EF4-FFF2-40B4-BE49-F238E27FC236}">
+                  <a16:creationId xmlns:a16="http://schemas.microsoft.com/office/drawing/2014/main" id="{1DBE3C2C-0195-488A-8079-7FFCB181740D}"/>
+                </a:ext>
+              </a:extLst>
+            </p:cNvPr>
+            <p:cNvPicPr>
+              <a:picLocks noChangeAspect="1" noChangeArrowheads="1"/>
+            </p:cNvPicPr>
+            <p:nvPr/>
+          </p:nvPicPr>
+          <p:blipFill>
+            <a:blip r:embed="rId4">
+              <a:extLst>
+                <a:ext uri="{28A0092B-C50C-407E-A947-70E740481C1C}">
+                  <a14:useLocalDpi xmlns:a14="http://schemas.microsoft.com/office/drawing/2010/main" val="0"/>
+                </a:ext>
+              </a:extLst>
+            </a:blip>
+            <a:srcRect/>
+            <a:stretch>
+              <a:fillRect/>
+            </a:stretch>
+          </p:blipFill>
+          <p:spPr bwMode="auto">
+            <a:xfrm>
+              <a:off x="8062776" y="7627437"/>
+              <a:ext cx="728791" cy="728791"/>
+            </a:xfrm>
+            <a:prstGeom prst="rect">
+              <a:avLst/>
+            </a:prstGeom>
+            <a:noFill/>
+            <a:extLst>
+              <a:ext uri="{909E8E84-426E-40DD-AFC4-6F175D3DCCD1}">
+                <a14:hiddenFill xmlns:a14="http://schemas.microsoft.com/office/drawing/2010/main">
+                  <a:solidFill>
+                    <a:srgbClr val="FFFFFF"/>
+                  </a:solidFill>
+                </a14:hiddenFill>
+              </a:ext>
+            </a:extLst>
+          </p:spPr>
+        </p:pic>
+        <p:pic>
+          <p:nvPicPr>
+            <p:cNvPr id="11" name="Picture 4" descr="See, watch, view, eye icon - Free download on Iconfinder">
+              <a:extLst>
+                <a:ext uri="{FF2B5EF4-FFF2-40B4-BE49-F238E27FC236}">
+                  <a16:creationId xmlns:a16="http://schemas.microsoft.com/office/drawing/2014/main" id="{24D65B84-B0D3-4D19-B640-EF6CF800B97D}"/>
+                </a:ext>
+              </a:extLst>
+            </p:cNvPr>
+            <p:cNvPicPr>
+              <a:picLocks noChangeAspect="1" noChangeArrowheads="1"/>
+            </p:cNvPicPr>
+            <p:nvPr/>
+          </p:nvPicPr>
+          <p:blipFill>
+            <a:blip r:embed="rId4">
+              <a:extLst>
+                <a:ext uri="{28A0092B-C50C-407E-A947-70E740481C1C}">
+                  <a14:useLocalDpi xmlns:a14="http://schemas.microsoft.com/office/drawing/2010/main" val="0"/>
+                </a:ext>
+              </a:extLst>
+            </a:blip>
+            <a:srcRect/>
+            <a:stretch>
+              <a:fillRect/>
+            </a:stretch>
+          </p:blipFill>
+          <p:spPr bwMode="auto">
+            <a:xfrm>
+              <a:off x="6636209" y="6605501"/>
+              <a:ext cx="728791" cy="728791"/>
+            </a:xfrm>
+            <a:prstGeom prst="rect">
+              <a:avLst/>
+            </a:prstGeom>
+            <a:noFill/>
+            <a:extLst>
+              <a:ext uri="{909E8E84-426E-40DD-AFC4-6F175D3DCCD1}">
+                <a14:hiddenFill xmlns:a14="http://schemas.microsoft.com/office/drawing/2010/main">
+                  <a:solidFill>
+                    <a:srgbClr val="FFFFFF"/>
+                  </a:solidFill>
+                </a14:hiddenFill>
+              </a:ext>
+            </a:extLst>
+          </p:spPr>
+        </p:pic>
+        <p:pic>
+          <p:nvPicPr>
+            <p:cNvPr id="12" name="Picture 4" descr="See, watch, view, eye icon - Free download on Iconfinder">
+              <a:extLst>
+                <a:ext uri="{FF2B5EF4-FFF2-40B4-BE49-F238E27FC236}">
+                  <a16:creationId xmlns:a16="http://schemas.microsoft.com/office/drawing/2014/main" id="{2A69D235-4D0C-4707-8D0C-76D96855DCBC}"/>
+                </a:ext>
+              </a:extLst>
+            </p:cNvPr>
+            <p:cNvPicPr>
+              <a:picLocks noChangeAspect="1" noChangeArrowheads="1"/>
+            </p:cNvPicPr>
+            <p:nvPr/>
+          </p:nvPicPr>
+          <p:blipFill>
+            <a:blip r:embed="rId4">
+              <a:extLst>
+                <a:ext uri="{28A0092B-C50C-407E-A947-70E740481C1C}">
+                  <a14:useLocalDpi xmlns:a14="http://schemas.microsoft.com/office/drawing/2010/main" val="0"/>
+                </a:ext>
+              </a:extLst>
+            </a:blip>
+            <a:srcRect/>
+            <a:stretch>
+              <a:fillRect/>
+            </a:stretch>
+          </p:blipFill>
+          <p:spPr bwMode="auto">
+            <a:xfrm>
+              <a:off x="6705993" y="5298617"/>
+              <a:ext cx="728791" cy="728791"/>
+            </a:xfrm>
+            <a:prstGeom prst="rect">
+              <a:avLst/>
+            </a:prstGeom>
+            <a:noFill/>
+            <a:extLst>
+              <a:ext uri="{909E8E84-426E-40DD-AFC4-6F175D3DCCD1}">
+                <a14:hiddenFill xmlns:a14="http://schemas.microsoft.com/office/drawing/2010/main">
+                  <a:solidFill>
+                    <a:srgbClr val="FFFFFF"/>
+                  </a:solidFill>
+                </a14:hiddenFill>
+              </a:ext>
+            </a:extLst>
+          </p:spPr>
+        </p:pic>
+        <p:pic>
+          <p:nvPicPr>
+            <p:cNvPr id="13" name="Picture 4" descr="See, watch, view, eye icon - Free download on Iconfinder">
+              <a:extLst>
+                <a:ext uri="{FF2B5EF4-FFF2-40B4-BE49-F238E27FC236}">
+                  <a16:creationId xmlns:a16="http://schemas.microsoft.com/office/drawing/2014/main" id="{29FE94E2-7443-4688-B798-61BF1FF1C8BC}"/>
+                </a:ext>
+              </a:extLst>
+            </p:cNvPr>
+            <p:cNvPicPr>
+              <a:picLocks noChangeAspect="1" noChangeArrowheads="1"/>
+            </p:cNvPicPr>
+            <p:nvPr/>
+          </p:nvPicPr>
+          <p:blipFill>
+            <a:blip r:embed="rId4">
+              <a:extLst>
+                <a:ext uri="{28A0092B-C50C-407E-A947-70E740481C1C}">
+                  <a14:useLocalDpi xmlns:a14="http://schemas.microsoft.com/office/drawing/2010/main" val="0"/>
+                </a:ext>
+              </a:extLst>
+            </a:blip>
+            <a:srcRect/>
+            <a:stretch>
+              <a:fillRect/>
+            </a:stretch>
+          </p:blipFill>
+          <p:spPr bwMode="auto">
+            <a:xfrm>
+              <a:off x="5236857" y="4979747"/>
+              <a:ext cx="728791" cy="728791"/>
+            </a:xfrm>
+            <a:prstGeom prst="rect">
+              <a:avLst/>
+            </a:prstGeom>
+            <a:noFill/>
+            <a:extLst>
+              <a:ext uri="{909E8E84-426E-40DD-AFC4-6F175D3DCCD1}">
+                <a14:hiddenFill xmlns:a14="http://schemas.microsoft.com/office/drawing/2010/main">
+                  <a:solidFill>
+                    <a:srgbClr val="FFFFFF"/>
+                  </a:solidFill>
+                </a14:hiddenFill>
+              </a:ext>
+            </a:extLst>
+          </p:spPr>
+        </p:pic>
+        <p:sp>
+          <p:nvSpPr>
+            <p:cNvPr id="3" name="다이아몬드 2">
+              <a:extLst>
+                <a:ext uri="{FF2B5EF4-FFF2-40B4-BE49-F238E27FC236}">
+                  <a16:creationId xmlns:a16="http://schemas.microsoft.com/office/drawing/2014/main" id="{B45F6160-C559-44D4-BB06-9F874DFC4D62}"/>
+                </a:ext>
+              </a:extLst>
+            </p:cNvPr>
+            <p:cNvSpPr/>
+            <p:nvPr/>
+          </p:nvSpPr>
+          <p:spPr>
+            <a:xfrm rot="2700000" flipH="1">
+              <a:off x="5549039" y="4698370"/>
+              <a:ext cx="104424" cy="1291543"/>
+            </a:xfrm>
+            <a:prstGeom prst="diamond">
+              <a:avLst/>
+            </a:prstGeom>
+            <a:solidFill>
+              <a:srgbClr val="FF0000"/>
+            </a:solidFill>
+            <a:ln>
+              <a:noFill/>
+            </a:ln>
+          </p:spPr>
+          <p:style>
+            <a:lnRef idx="2">
+              <a:schemeClr val="accent1">
+                <a:shade val="50000"/>
+              </a:schemeClr>
+            </a:lnRef>
+            <a:fillRef idx="1">
+              <a:schemeClr val="accent1"/>
+            </a:fillRef>
+            <a:effectRef idx="0">
+              <a:schemeClr val="accent1"/>
+            </a:effectRef>
+            <a:fontRef idx="minor">
+              <a:schemeClr val="lt1"/>
+            </a:fontRef>
+          </p:style>
+          <p:txBody>
+            <a:bodyPr rtlCol="0" anchor="ctr"/>
+            <a:lstStyle/>
+            <a:p>
+              <a:pPr algn="ctr"/>
+              <a:endParaRPr lang="ko-KR" altLang="en-US"/>
+            </a:p>
+          </p:txBody>
+        </p:sp>
+        <p:sp>
+          <p:nvSpPr>
+            <p:cNvPr id="15" name="다이아몬드 14">
+              <a:extLst>
+                <a:ext uri="{FF2B5EF4-FFF2-40B4-BE49-F238E27FC236}">
+                  <a16:creationId xmlns:a16="http://schemas.microsoft.com/office/drawing/2014/main" id="{1C864D85-5B27-41C9-BC05-C9BB3D84CEBD}"/>
+                </a:ext>
+              </a:extLst>
+            </p:cNvPr>
+            <p:cNvSpPr/>
+            <p:nvPr/>
+          </p:nvSpPr>
+          <p:spPr>
+            <a:xfrm rot="2700000" flipH="1">
+              <a:off x="7001872" y="5062766"/>
+              <a:ext cx="104424" cy="1291543"/>
+            </a:xfrm>
+            <a:prstGeom prst="diamond">
+              <a:avLst/>
+            </a:prstGeom>
+            <a:solidFill>
+              <a:srgbClr val="FF0000"/>
+            </a:solidFill>
+            <a:ln>
+              <a:noFill/>
+            </a:ln>
+          </p:spPr>
+          <p:style>
+            <a:lnRef idx="2">
+              <a:schemeClr val="accent1">
+                <a:shade val="50000"/>
+              </a:schemeClr>
+            </a:lnRef>
+            <a:fillRef idx="1">
+              <a:schemeClr val="accent1"/>
+            </a:fillRef>
+            <a:effectRef idx="0">
+              <a:schemeClr val="accent1"/>
+            </a:effectRef>
+            <a:fontRef idx="minor">
+              <a:schemeClr val="lt1"/>
+            </a:fontRef>
+          </p:style>
+          <p:txBody>
+            <a:bodyPr rtlCol="0" anchor="ctr"/>
+            <a:lstStyle/>
+            <a:p>
+              <a:pPr algn="ctr"/>
+              <a:endParaRPr lang="ko-KR" altLang="en-US"/>
+            </a:p>
+          </p:txBody>
+        </p:sp>
+        <p:sp>
+          <p:nvSpPr>
+            <p:cNvPr id="16" name="다이아몬드 15">
+              <a:extLst>
+                <a:ext uri="{FF2B5EF4-FFF2-40B4-BE49-F238E27FC236}">
+                  <a16:creationId xmlns:a16="http://schemas.microsoft.com/office/drawing/2014/main" id="{93671D0A-CAE3-49F0-A55C-534E188F4137}"/>
+                </a:ext>
+              </a:extLst>
+            </p:cNvPr>
+            <p:cNvSpPr/>
+            <p:nvPr/>
+          </p:nvSpPr>
+          <p:spPr>
+            <a:xfrm rot="2700000" flipH="1">
+              <a:off x="6857146" y="6333021"/>
+              <a:ext cx="104424" cy="1291543"/>
+            </a:xfrm>
+            <a:prstGeom prst="diamond">
+              <a:avLst/>
+            </a:prstGeom>
+            <a:solidFill>
+              <a:srgbClr val="FF0000"/>
+            </a:solidFill>
+            <a:ln>
+              <a:noFill/>
+            </a:ln>
+          </p:spPr>
+          <p:style>
+            <a:lnRef idx="2">
+              <a:schemeClr val="accent1">
+                <a:shade val="50000"/>
+              </a:schemeClr>
+            </a:lnRef>
+            <a:fillRef idx="1">
+              <a:schemeClr val="accent1"/>
+            </a:fillRef>
+            <a:effectRef idx="0">
+              <a:schemeClr val="accent1"/>
+            </a:effectRef>
+            <a:fontRef idx="minor">
+              <a:schemeClr val="lt1"/>
+            </a:fontRef>
+          </p:style>
+          <p:txBody>
+            <a:bodyPr rtlCol="0" anchor="ctr"/>
+            <a:lstStyle/>
+            <a:p>
+              <a:pPr algn="ctr"/>
+              <a:endParaRPr lang="ko-KR" altLang="en-US"/>
+            </a:p>
+          </p:txBody>
+        </p:sp>
+        <p:sp>
+          <p:nvSpPr>
+            <p:cNvPr id="17" name="다이아몬드 16">
+              <a:extLst>
+                <a:ext uri="{FF2B5EF4-FFF2-40B4-BE49-F238E27FC236}">
+                  <a16:creationId xmlns:a16="http://schemas.microsoft.com/office/drawing/2014/main" id="{2494C8FC-0158-48DD-8856-D0538A1FE1F2}"/>
+                </a:ext>
+              </a:extLst>
+            </p:cNvPr>
+            <p:cNvSpPr/>
+            <p:nvPr/>
+          </p:nvSpPr>
+          <p:spPr>
+            <a:xfrm rot="2700000" flipH="1">
+              <a:off x="8388461" y="7346060"/>
+              <a:ext cx="104424" cy="1291543"/>
+            </a:xfrm>
+            <a:prstGeom prst="diamond">
+              <a:avLst/>
+            </a:prstGeom>
+            <a:solidFill>
+              <a:srgbClr val="FF0000"/>
+            </a:solidFill>
+            <a:ln>
+              <a:noFill/>
+            </a:ln>
+          </p:spPr>
+          <p:style>
+            <a:lnRef idx="2">
+              <a:schemeClr val="accent1">
+                <a:shade val="50000"/>
+              </a:schemeClr>
+            </a:lnRef>
+            <a:fillRef idx="1">
+              <a:schemeClr val="accent1"/>
+            </a:fillRef>
+            <a:effectRef idx="0">
+              <a:schemeClr val="accent1"/>
+            </a:effectRef>
+            <a:fontRef idx="minor">
+              <a:schemeClr val="lt1"/>
+            </a:fontRef>
+          </p:style>
+          <p:txBody>
+            <a:bodyPr rtlCol="0" anchor="ctr"/>
+            <a:lstStyle/>
+            <a:p>
+              <a:pPr algn="ctr"/>
+              <a:endParaRPr lang="ko-KR" altLang="en-US"/>
+            </a:p>
+          </p:txBody>
+        </p:sp>
+        <p:sp>
+          <p:nvSpPr>
+            <p:cNvPr id="18" name="다이아몬드 17">
+              <a:extLst>
+                <a:ext uri="{FF2B5EF4-FFF2-40B4-BE49-F238E27FC236}">
+                  <a16:creationId xmlns:a16="http://schemas.microsoft.com/office/drawing/2014/main" id="{E6BF0914-BFB7-47E3-9CB2-ACFE35442756}"/>
+                </a:ext>
+              </a:extLst>
+            </p:cNvPr>
+            <p:cNvSpPr/>
+            <p:nvPr/>
+          </p:nvSpPr>
+          <p:spPr>
+            <a:xfrm rot="2700000" flipH="1">
+              <a:off x="10570082" y="5839825"/>
+              <a:ext cx="104424" cy="1291543"/>
+            </a:xfrm>
+            <a:prstGeom prst="diamond">
+              <a:avLst/>
+            </a:prstGeom>
+            <a:solidFill>
+              <a:srgbClr val="FF0000"/>
+            </a:solidFill>
+            <a:ln>
+              <a:noFill/>
+            </a:ln>
+          </p:spPr>
+          <p:style>
+            <a:lnRef idx="2">
+              <a:schemeClr val="accent1">
+                <a:shade val="50000"/>
+              </a:schemeClr>
+            </a:lnRef>
+            <a:fillRef idx="1">
+              <a:schemeClr val="accent1"/>
+            </a:fillRef>
+            <a:effectRef idx="0">
+              <a:schemeClr val="accent1"/>
+            </a:effectRef>
+            <a:fontRef idx="minor">
+              <a:schemeClr val="lt1"/>
+            </a:fontRef>
+          </p:style>
+          <p:txBody>
+            <a:bodyPr rtlCol="0" anchor="ctr"/>
+            <a:lstStyle/>
+            <a:p>
+              <a:pPr algn="ctr"/>
+              <a:endParaRPr lang="ko-KR" altLang="en-US"/>
+            </a:p>
+          </p:txBody>
+        </p:sp>
+      </p:grpSp>
+      <p:pic>
+        <p:nvPicPr>
+          <p:cNvPr id="20" name="Picture 2">
+            <a:extLst>
+              <a:ext uri="{FF2B5EF4-FFF2-40B4-BE49-F238E27FC236}">
+                <a16:creationId xmlns:a16="http://schemas.microsoft.com/office/drawing/2014/main" id="{66C22B20-0F4D-40CE-AA00-97CC3CDC5F93}"/>
+              </a:ext>
+            </a:extLst>
+          </p:cNvPr>
+          <p:cNvPicPr>
+            <a:picLocks noChangeAspect="1" noChangeArrowheads="1"/>
+          </p:cNvPicPr>
+          <p:nvPr/>
+        </p:nvPicPr>
+        <p:blipFill>
+          <a:blip r:embed="rId3">
+            <a:extLst>
+              <a:ext uri="{28A0092B-C50C-407E-A947-70E740481C1C}">
+                <a14:useLocalDpi xmlns:a14="http://schemas.microsoft.com/office/drawing/2010/main" val="0"/>
+              </a:ext>
+            </a:extLst>
+          </a:blip>
+          <a:srcRect/>
+          <a:stretch>
+            <a:fillRect/>
+          </a:stretch>
+        </p:blipFill>
+        <p:spPr bwMode="auto">
+          <a:xfrm>
+            <a:off x="1001727" y="6205138"/>
+            <a:ext cx="839555" cy="893663"/>
+          </a:xfrm>
+          <a:prstGeom prst="rect">
+            <a:avLst/>
+          </a:prstGeom>
+          <a:noFill/>
+          <a:extLst>
+            <a:ext uri="{909E8E84-426E-40DD-AFC4-6F175D3DCCD1}">
+              <a14:hiddenFill xmlns:a14="http://schemas.microsoft.com/office/drawing/2010/main">
+                <a:solidFill>
+                  <a:srgbClr val="FFFFFF"/>
+                </a:solidFill>
+              </a14:hiddenFill>
+            </a:ext>
+          </a:extLst>
+        </p:spPr>
+      </p:pic>
+      <p:sp>
+        <p:nvSpPr>
+          <p:cNvPr id="2" name="직사각형 1">
+            <a:extLst>
+              <a:ext uri="{FF2B5EF4-FFF2-40B4-BE49-F238E27FC236}">
+                <a16:creationId xmlns:a16="http://schemas.microsoft.com/office/drawing/2014/main" id="{DBF58D02-EDB4-4BD0-9DE4-AC9C6652C6FD}"/>
+              </a:ext>
+            </a:extLst>
+          </p:cNvPr>
+          <p:cNvSpPr/>
+          <p:nvPr/>
+        </p:nvSpPr>
+        <p:spPr>
+          <a:xfrm>
+            <a:off x="685026" y="7169496"/>
+            <a:ext cx="1472958" cy="969031"/>
+          </a:xfrm>
+          <a:prstGeom prst="rect">
+            <a:avLst/>
+          </a:prstGeom>
+          <a:solidFill>
+            <a:schemeClr val="tx2">
+              <a:lumMod val="50000"/>
+            </a:schemeClr>
+          </a:solidFill>
+          <a:ln>
+            <a:solidFill>
+              <a:schemeClr val="tx1"/>
+            </a:solidFill>
+          </a:ln>
+        </p:spPr>
+        <p:style>
+          <a:lnRef idx="2">
+            <a:schemeClr val="accent1">
+              <a:shade val="50000"/>
+            </a:schemeClr>
+          </a:lnRef>
+          <a:fillRef idx="1">
+            <a:schemeClr val="accent1"/>
+          </a:fillRef>
+          <a:effectRef idx="0">
+            <a:schemeClr val="accent1"/>
+          </a:effectRef>
+          <a:fontRef idx="minor">
+            <a:schemeClr val="lt1"/>
+          </a:fontRef>
+        </p:style>
+        <p:txBody>
+          <a:bodyPr rtlCol="0" anchor="ctr"/>
+          <a:lstStyle/>
+          <a:p>
+            <a:pPr algn="ctr"/>
+            <a:endParaRPr lang="ko-KR" altLang="en-US"/>
+          </a:p>
+        </p:txBody>
+      </p:sp>
+      <p:pic>
+        <p:nvPicPr>
+          <p:cNvPr id="31" name="Picture 2">
+            <a:extLst>
+              <a:ext uri="{FF2B5EF4-FFF2-40B4-BE49-F238E27FC236}">
+                <a16:creationId xmlns:a16="http://schemas.microsoft.com/office/drawing/2014/main" id="{7B38F188-A1C1-4EAA-95AC-51EB9A6BE763}"/>
+              </a:ext>
+            </a:extLst>
+          </p:cNvPr>
+          <p:cNvPicPr>
+            <a:picLocks noChangeAspect="1" noChangeArrowheads="1"/>
+          </p:cNvPicPr>
+          <p:nvPr/>
+        </p:nvPicPr>
+        <p:blipFill>
+          <a:blip r:embed="rId3">
+            <a:extLst>
+              <a:ext uri="{28A0092B-C50C-407E-A947-70E740481C1C}">
+                <a14:useLocalDpi xmlns:a14="http://schemas.microsoft.com/office/drawing/2010/main" val="0"/>
+              </a:ext>
+            </a:extLst>
+          </a:blip>
+          <a:srcRect/>
+          <a:stretch>
+            <a:fillRect/>
+          </a:stretch>
+        </p:blipFill>
+        <p:spPr bwMode="auto">
+          <a:xfrm>
+            <a:off x="2696206" y="6469803"/>
+            <a:ext cx="839555" cy="893663"/>
+          </a:xfrm>
+          <a:prstGeom prst="rect">
+            <a:avLst/>
+          </a:prstGeom>
+          <a:noFill/>
+          <a:extLst>
+            <a:ext uri="{909E8E84-426E-40DD-AFC4-6F175D3DCCD1}">
+              <a14:hiddenFill xmlns:a14="http://schemas.microsoft.com/office/drawing/2010/main">
+                <a:solidFill>
+                  <a:srgbClr val="FFFFFF"/>
+                </a:solidFill>
+              </a14:hiddenFill>
+            </a:ext>
+          </a:extLst>
+        </p:spPr>
+      </p:pic>
+      <p:sp>
+        <p:nvSpPr>
+          <p:cNvPr id="32" name="직사각형 31">
+            <a:extLst>
+              <a:ext uri="{FF2B5EF4-FFF2-40B4-BE49-F238E27FC236}">
+                <a16:creationId xmlns:a16="http://schemas.microsoft.com/office/drawing/2014/main" id="{F76F29BE-B6BD-42D0-BE58-8927CA369FCA}"/>
+              </a:ext>
+            </a:extLst>
+          </p:cNvPr>
+          <p:cNvSpPr/>
+          <p:nvPr/>
+        </p:nvSpPr>
+        <p:spPr>
+          <a:xfrm>
+            <a:off x="2379505" y="7169496"/>
+            <a:ext cx="1472958" cy="969031"/>
+          </a:xfrm>
+          <a:prstGeom prst="rect">
+            <a:avLst/>
+          </a:prstGeom>
+          <a:solidFill>
+            <a:schemeClr val="tx2">
+              <a:lumMod val="50000"/>
+              <a:alpha val="75000"/>
+            </a:schemeClr>
+          </a:solidFill>
+          <a:ln>
+            <a:solidFill>
+              <a:schemeClr val="tx1"/>
+            </a:solidFill>
+          </a:ln>
+        </p:spPr>
+        <p:style>
+          <a:lnRef idx="2">
+            <a:schemeClr val="accent1">
+              <a:shade val="50000"/>
+            </a:schemeClr>
+          </a:lnRef>
+          <a:fillRef idx="1">
+            <a:schemeClr val="accent1"/>
+          </a:fillRef>
+          <a:effectRef idx="0">
+            <a:schemeClr val="accent1"/>
+          </a:effectRef>
+          <a:fontRef idx="minor">
+            <a:schemeClr val="lt1"/>
+          </a:fontRef>
+        </p:style>
+        <p:txBody>
+          <a:bodyPr rtlCol="0" anchor="ctr"/>
+          <a:lstStyle/>
+          <a:p>
+            <a:pPr algn="ctr"/>
+            <a:endParaRPr lang="ko-KR" altLang="en-US"/>
+          </a:p>
+        </p:txBody>
+      </p:sp>
+      <p:pic>
+        <p:nvPicPr>
+          <p:cNvPr id="34" name="Picture 2">
+            <a:extLst>
+              <a:ext uri="{FF2B5EF4-FFF2-40B4-BE49-F238E27FC236}">
+                <a16:creationId xmlns:a16="http://schemas.microsoft.com/office/drawing/2014/main" id="{006CA718-D9C3-44B6-A300-F7AD4A42D17D}"/>
+              </a:ext>
+            </a:extLst>
+          </p:cNvPr>
+          <p:cNvPicPr>
+            <a:picLocks noChangeAspect="1" noChangeArrowheads="1"/>
+          </p:cNvPicPr>
+          <p:nvPr/>
+        </p:nvPicPr>
+        <p:blipFill>
+          <a:blip r:embed="rId3">
+            <a:extLst>
+              <a:ext uri="{28A0092B-C50C-407E-A947-70E740481C1C}">
+                <a14:useLocalDpi xmlns:a14="http://schemas.microsoft.com/office/drawing/2010/main" val="0"/>
+              </a:ext>
+            </a:extLst>
+          </a:blip>
+          <a:srcRect/>
+          <a:stretch>
+            <a:fillRect/>
+          </a:stretch>
+        </p:blipFill>
+        <p:spPr bwMode="auto">
+          <a:xfrm>
+            <a:off x="7779641" y="7263798"/>
+            <a:ext cx="839555" cy="893663"/>
+          </a:xfrm>
+          <a:prstGeom prst="rect">
+            <a:avLst/>
+          </a:prstGeom>
+          <a:noFill/>
+          <a:extLst>
+            <a:ext uri="{909E8E84-426E-40DD-AFC4-6F175D3DCCD1}">
+              <a14:hiddenFill xmlns:a14="http://schemas.microsoft.com/office/drawing/2010/main">
+                <a:solidFill>
+                  <a:srgbClr val="FFFFFF"/>
+                </a:solidFill>
+              </a14:hiddenFill>
+            </a:ext>
+          </a:extLst>
+        </p:spPr>
+      </p:pic>
+      <p:sp>
+        <p:nvSpPr>
+          <p:cNvPr id="35" name="직사각형 34">
+            <a:extLst>
+              <a:ext uri="{FF2B5EF4-FFF2-40B4-BE49-F238E27FC236}">
+                <a16:creationId xmlns:a16="http://schemas.microsoft.com/office/drawing/2014/main" id="{3C4E622F-7435-4194-8A4A-4D9514F96477}"/>
+              </a:ext>
+            </a:extLst>
+          </p:cNvPr>
+          <p:cNvSpPr/>
+          <p:nvPr/>
+        </p:nvSpPr>
+        <p:spPr>
+          <a:xfrm>
+            <a:off x="7462940" y="7169496"/>
+            <a:ext cx="1472958" cy="969031"/>
+          </a:xfrm>
+          <a:prstGeom prst="rect">
+            <a:avLst/>
+          </a:prstGeom>
+          <a:solidFill>
+            <a:schemeClr val="tx2">
+              <a:lumMod val="50000"/>
+              <a:alpha val="0"/>
+            </a:schemeClr>
+          </a:solidFill>
+          <a:ln>
+            <a:solidFill>
+              <a:schemeClr val="tx1"/>
+            </a:solidFill>
+          </a:ln>
+        </p:spPr>
+        <p:style>
+          <a:lnRef idx="2">
+            <a:schemeClr val="accent1">
+              <a:shade val="50000"/>
+            </a:schemeClr>
+          </a:lnRef>
+          <a:fillRef idx="1">
+            <a:schemeClr val="accent1"/>
+          </a:fillRef>
+          <a:effectRef idx="0">
+            <a:schemeClr val="accent1"/>
+          </a:effectRef>
+          <a:fontRef idx="minor">
+            <a:schemeClr val="lt1"/>
+          </a:fontRef>
+        </p:style>
+        <p:txBody>
+          <a:bodyPr rtlCol="0" anchor="ctr"/>
+          <a:lstStyle/>
+          <a:p>
+            <a:pPr algn="ctr"/>
+            <a:endParaRPr lang="ko-KR" altLang="en-US"/>
+          </a:p>
+        </p:txBody>
+      </p:sp>
+      <p:pic>
+        <p:nvPicPr>
+          <p:cNvPr id="37" name="Picture 2">
+            <a:extLst>
+              <a:ext uri="{FF2B5EF4-FFF2-40B4-BE49-F238E27FC236}">
+                <a16:creationId xmlns:a16="http://schemas.microsoft.com/office/drawing/2014/main" id="{BA9BE122-62B9-4718-BE49-AFBEB45FE758}"/>
+              </a:ext>
+            </a:extLst>
+          </p:cNvPr>
+          <p:cNvPicPr>
+            <a:picLocks noChangeAspect="1" noChangeArrowheads="1"/>
+          </p:cNvPicPr>
+          <p:nvPr/>
+        </p:nvPicPr>
+        <p:blipFill>
+          <a:blip r:embed="rId3">
+            <a:extLst>
+              <a:ext uri="{28A0092B-C50C-407E-A947-70E740481C1C}">
+                <a14:useLocalDpi xmlns:a14="http://schemas.microsoft.com/office/drawing/2010/main" val="0"/>
+              </a:ext>
+            </a:extLst>
+          </a:blip>
+          <a:srcRect/>
+          <a:stretch>
+            <a:fillRect/>
+          </a:stretch>
+        </p:blipFill>
+        <p:spPr bwMode="auto">
+          <a:xfrm>
+            <a:off x="4390685" y="6734468"/>
+            <a:ext cx="839555" cy="893663"/>
+          </a:xfrm>
+          <a:prstGeom prst="rect">
+            <a:avLst/>
+          </a:prstGeom>
+          <a:noFill/>
+          <a:extLst>
+            <a:ext uri="{909E8E84-426E-40DD-AFC4-6F175D3DCCD1}">
+              <a14:hiddenFill xmlns:a14="http://schemas.microsoft.com/office/drawing/2010/main">
+                <a:solidFill>
+                  <a:srgbClr val="FFFFFF"/>
+                </a:solidFill>
+              </a14:hiddenFill>
+            </a:ext>
+          </a:extLst>
+        </p:spPr>
+      </p:pic>
+      <p:sp>
+        <p:nvSpPr>
+          <p:cNvPr id="38" name="직사각형 37">
+            <a:extLst>
+              <a:ext uri="{FF2B5EF4-FFF2-40B4-BE49-F238E27FC236}">
+                <a16:creationId xmlns:a16="http://schemas.microsoft.com/office/drawing/2014/main" id="{64A9CF89-621F-45E2-8594-50F3454942FD}"/>
+              </a:ext>
+            </a:extLst>
+          </p:cNvPr>
+          <p:cNvSpPr/>
+          <p:nvPr/>
+        </p:nvSpPr>
+        <p:spPr>
+          <a:xfrm>
+            <a:off x="4073984" y="7169496"/>
+            <a:ext cx="1472958" cy="969031"/>
+          </a:xfrm>
+          <a:prstGeom prst="rect">
+            <a:avLst/>
+          </a:prstGeom>
+          <a:solidFill>
+            <a:schemeClr val="tx2">
+              <a:lumMod val="50000"/>
+              <a:alpha val="50000"/>
+            </a:schemeClr>
+          </a:solidFill>
+          <a:ln>
+            <a:solidFill>
+              <a:schemeClr val="tx1"/>
+            </a:solidFill>
+          </a:ln>
+        </p:spPr>
+        <p:style>
+          <a:lnRef idx="2">
+            <a:schemeClr val="accent1">
+              <a:shade val="50000"/>
+            </a:schemeClr>
+          </a:lnRef>
+          <a:fillRef idx="1">
+            <a:schemeClr val="accent1"/>
+          </a:fillRef>
+          <a:effectRef idx="0">
+            <a:schemeClr val="accent1"/>
+          </a:effectRef>
+          <a:fontRef idx="minor">
+            <a:schemeClr val="lt1"/>
+          </a:fontRef>
+        </p:style>
+        <p:txBody>
+          <a:bodyPr rtlCol="0" anchor="ctr"/>
+          <a:lstStyle/>
+          <a:p>
+            <a:pPr algn="ctr"/>
+            <a:endParaRPr lang="ko-KR" altLang="en-US"/>
+          </a:p>
+        </p:txBody>
+      </p:sp>
+      <p:pic>
+        <p:nvPicPr>
+          <p:cNvPr id="40" name="Picture 2">
+            <a:extLst>
+              <a:ext uri="{FF2B5EF4-FFF2-40B4-BE49-F238E27FC236}">
+                <a16:creationId xmlns:a16="http://schemas.microsoft.com/office/drawing/2014/main" id="{11786761-7C6A-4618-9BB8-F0284686BED4}"/>
+              </a:ext>
+            </a:extLst>
+          </p:cNvPr>
+          <p:cNvPicPr>
+            <a:picLocks noChangeAspect="1" noChangeArrowheads="1"/>
+          </p:cNvPicPr>
+          <p:nvPr/>
+        </p:nvPicPr>
+        <p:blipFill>
+          <a:blip r:embed="rId3">
+            <a:extLst>
+              <a:ext uri="{28A0092B-C50C-407E-A947-70E740481C1C}">
+                <a14:useLocalDpi xmlns:a14="http://schemas.microsoft.com/office/drawing/2010/main" val="0"/>
+              </a:ext>
+            </a:extLst>
+          </a:blip>
+          <a:srcRect/>
+          <a:stretch>
+            <a:fillRect/>
+          </a:stretch>
+        </p:blipFill>
+        <p:spPr bwMode="auto">
+          <a:xfrm>
+            <a:off x="6085163" y="6999133"/>
+            <a:ext cx="839555" cy="893663"/>
+          </a:xfrm>
+          <a:prstGeom prst="rect">
+            <a:avLst/>
+          </a:prstGeom>
+          <a:noFill/>
+          <a:extLst>
+            <a:ext uri="{909E8E84-426E-40DD-AFC4-6F175D3DCCD1}">
+              <a14:hiddenFill xmlns:a14="http://schemas.microsoft.com/office/drawing/2010/main">
+                <a:solidFill>
+                  <a:srgbClr val="FFFFFF"/>
+                </a:solidFill>
+              </a14:hiddenFill>
+            </a:ext>
+          </a:extLst>
+        </p:spPr>
+      </p:pic>
+      <p:sp>
+        <p:nvSpPr>
+          <p:cNvPr id="41" name="직사각형 40">
+            <a:extLst>
+              <a:ext uri="{FF2B5EF4-FFF2-40B4-BE49-F238E27FC236}">
+                <a16:creationId xmlns:a16="http://schemas.microsoft.com/office/drawing/2014/main" id="{82943BE5-1407-4BF9-ACE9-D14971E2F65F}"/>
+              </a:ext>
+            </a:extLst>
+          </p:cNvPr>
+          <p:cNvSpPr/>
+          <p:nvPr/>
+        </p:nvSpPr>
+        <p:spPr>
+          <a:xfrm>
+            <a:off x="5768462" y="7169496"/>
+            <a:ext cx="1472958" cy="969031"/>
+          </a:xfrm>
+          <a:prstGeom prst="rect">
+            <a:avLst/>
+          </a:prstGeom>
+          <a:solidFill>
+            <a:schemeClr val="tx2">
+              <a:lumMod val="50000"/>
+              <a:alpha val="25000"/>
+            </a:schemeClr>
+          </a:solidFill>
+          <a:ln>
+            <a:solidFill>
+              <a:schemeClr val="tx1"/>
+            </a:solidFill>
+          </a:ln>
+        </p:spPr>
+        <p:style>
+          <a:lnRef idx="2">
+            <a:schemeClr val="accent1">
+              <a:shade val="50000"/>
+            </a:schemeClr>
+          </a:lnRef>
+          <a:fillRef idx="1">
+            <a:schemeClr val="accent1"/>
+          </a:fillRef>
+          <a:effectRef idx="0">
+            <a:schemeClr val="accent1"/>
+          </a:effectRef>
+          <a:fontRef idx="minor">
+            <a:schemeClr val="lt1"/>
+          </a:fontRef>
+        </p:style>
+        <p:txBody>
+          <a:bodyPr rtlCol="0" anchor="ctr"/>
+          <a:lstStyle/>
+          <a:p>
+            <a:pPr algn="ctr"/>
+            <a:endParaRPr lang="ko-KR" altLang="en-US"/>
           </a:p>
         </p:txBody>
       </p:sp>
     </p:spTree>
     <p:extLst>
       <p:ext uri="{BB962C8B-B14F-4D97-AF65-F5344CB8AC3E}">
-        <p14:creationId xmlns:p14="http://schemas.microsoft.com/office/powerpoint/2010/main" val="3656653611"/>
+        <p14:creationId xmlns:p14="http://schemas.microsoft.com/office/powerpoint/2010/main" val="3745309664"/>
       </p:ext>
     </p:extLst>
   </p:cSld>
@@ -4387,7 +7626,7 @@
 </p:sld>
 </file>
 
-<file path=ppt/slides/slide4.xml><?xml version="1.0" encoding="utf-8"?>
+<file path=ppt/slides/slide6.xml><?xml version="1.0" encoding="utf-8"?>
 <p:sld xmlns:a="http://schemas.openxmlformats.org/drawingml/2006/main" xmlns:r="http://schemas.openxmlformats.org/officeDocument/2006/relationships" xmlns:p="http://schemas.openxmlformats.org/presentationml/2006/main">
   <p:cSld>
     <p:spTree>
@@ -4406,334 +7645,10 @@
       </p:grpSpPr>
       <p:sp>
         <p:nvSpPr>
-          <p:cNvPr id="7" name="TextBox 6">
+          <p:cNvPr id="4" name="사각형: 둥근 모서리 3">
             <a:extLst>
               <a:ext uri="{FF2B5EF4-FFF2-40B4-BE49-F238E27FC236}">
-                <a16:creationId xmlns:a16="http://schemas.microsoft.com/office/drawing/2014/main" id="{0303DF18-0C83-4CE1-A6FF-74D4ABA7E9AA}"/>
-              </a:ext>
-            </a:extLst>
-          </p:cNvPr>
-          <p:cNvSpPr txBox="1"/>
-          <p:nvPr/>
-        </p:nvSpPr>
-        <p:spPr>
-          <a:xfrm>
-            <a:off x="101601" y="1445888"/>
-            <a:ext cx="13937577" cy="2862322"/>
-          </a:xfrm>
-          <a:prstGeom prst="rect">
-            <a:avLst/>
-          </a:prstGeom>
-          <a:solidFill>
-            <a:schemeClr val="bg1">
-              <a:alpha val="20000"/>
-            </a:schemeClr>
-          </a:solidFill>
-        </p:spPr>
-        <p:txBody>
-          <a:bodyPr wrap="square" rtlCol="0">
-            <a:spAutoFit/>
-          </a:bodyPr>
-          <a:lstStyle/>
-          <a:p>
-            <a:pPr marL="285705" indent="-285705">
-              <a:buFontTx/>
-              <a:buChar char="-"/>
-            </a:pPr>
-            <a:r>
-              <a:rPr lang="ko-KR" altLang="en-US" b="1" dirty="0">
-                <a:latin typeface="HY그래픽M" panose="02030600000101010101" pitchFamily="18" charset="-127"/>
-                <a:ea typeface="HY그래픽M" panose="02030600000101010101" pitchFamily="18" charset="-127"/>
-              </a:rPr>
-              <a:t> 룸 하나에는 하나의 </a:t>
-            </a:r>
-            <a:r>
-              <a:rPr lang="ko-KR" altLang="en-US" b="1" dirty="0" err="1">
-                <a:solidFill>
-                  <a:schemeClr val="accent4"/>
-                </a:solidFill>
-                <a:latin typeface="HY그래픽M" panose="02030600000101010101" pitchFamily="18" charset="-127"/>
-                <a:ea typeface="HY그래픽M" panose="02030600000101010101" pitchFamily="18" charset="-127"/>
-              </a:rPr>
-              <a:t>리스폰포인트</a:t>
-            </a:r>
-            <a:r>
-              <a:rPr lang="ko-KR" altLang="en-US" b="1" dirty="0">
-                <a:latin typeface="HY그래픽M" panose="02030600000101010101" pitchFamily="18" charset="-127"/>
-                <a:ea typeface="HY그래픽M" panose="02030600000101010101" pitchFamily="18" charset="-127"/>
-              </a:rPr>
-              <a:t> 가 되는 장소가 있다</a:t>
-            </a:r>
-            <a:r>
-              <a:rPr lang="en-US" altLang="ko-KR" b="1" dirty="0">
-                <a:latin typeface="HY그래픽M" panose="02030600000101010101" pitchFamily="18" charset="-127"/>
-                <a:ea typeface="HY그래픽M" panose="02030600000101010101" pitchFamily="18" charset="-127"/>
-              </a:rPr>
-              <a:t>.</a:t>
-            </a:r>
-          </a:p>
-          <a:p>
-            <a:pPr marL="285705" indent="-285705">
-              <a:buFontTx/>
-              <a:buChar char="-"/>
-            </a:pPr>
-            <a:endParaRPr lang="en-US" altLang="ko-KR" b="1" dirty="0">
-              <a:latin typeface="HY그래픽M" panose="02030600000101010101" pitchFamily="18" charset="-127"/>
-              <a:ea typeface="HY그래픽M" panose="02030600000101010101" pitchFamily="18" charset="-127"/>
-            </a:endParaRPr>
-          </a:p>
-          <a:p>
-            <a:pPr marL="285705" indent="-285705">
-              <a:buFontTx/>
-              <a:buChar char="-"/>
-            </a:pPr>
-            <a:r>
-              <a:rPr lang="en-US" altLang="ko-KR" b="1" dirty="0">
-                <a:latin typeface="HY그래픽M" panose="02030600000101010101" pitchFamily="18" charset="-127"/>
-                <a:ea typeface="HY그래픽M" panose="02030600000101010101" pitchFamily="18" charset="-127"/>
-              </a:rPr>
-              <a:t> </a:t>
-            </a:r>
-            <a:r>
-              <a:rPr lang="ko-KR" altLang="en-US" b="1" dirty="0">
-                <a:latin typeface="HY그래픽M" panose="02030600000101010101" pitchFamily="18" charset="-127"/>
-                <a:ea typeface="HY그래픽M" panose="02030600000101010101" pitchFamily="18" charset="-127"/>
-              </a:rPr>
-              <a:t>룸에 위치한 </a:t>
-            </a:r>
-            <a:r>
-              <a:rPr lang="ko-KR" altLang="en-US" b="1" dirty="0">
-                <a:solidFill>
-                  <a:schemeClr val="accent4"/>
-                </a:solidFill>
-                <a:latin typeface="HY그래픽M" panose="02030600000101010101" pitchFamily="18" charset="-127"/>
-                <a:ea typeface="HY그래픽M" panose="02030600000101010101" pitchFamily="18" charset="-127"/>
-              </a:rPr>
-              <a:t>모든 퍼즐은 </a:t>
-            </a:r>
-            <a:r>
-              <a:rPr lang="ko-KR" altLang="en-US" b="1" dirty="0" err="1">
-                <a:solidFill>
-                  <a:schemeClr val="accent4"/>
-                </a:solidFill>
-                <a:latin typeface="HY그래픽M" panose="02030600000101010101" pitchFamily="18" charset="-127"/>
-                <a:ea typeface="HY그래픽M" panose="02030600000101010101" pitchFamily="18" charset="-127"/>
-              </a:rPr>
-              <a:t>초기위치좌표과</a:t>
-            </a:r>
-            <a:r>
-              <a:rPr lang="ko-KR" altLang="en-US" b="1" dirty="0">
-                <a:solidFill>
-                  <a:schemeClr val="accent4"/>
-                </a:solidFill>
-                <a:latin typeface="HY그래픽M" panose="02030600000101010101" pitchFamily="18" charset="-127"/>
-                <a:ea typeface="HY그래픽M" panose="02030600000101010101" pitchFamily="18" charset="-127"/>
-              </a:rPr>
-              <a:t> </a:t>
-            </a:r>
-            <a:r>
-              <a:rPr lang="ko-KR" altLang="en-US" b="1" dirty="0" err="1">
-                <a:solidFill>
-                  <a:schemeClr val="accent4"/>
-                </a:solidFill>
-                <a:latin typeface="HY그래픽M" panose="02030600000101010101" pitchFamily="18" charset="-127"/>
-                <a:ea typeface="HY그래픽M" panose="02030600000101010101" pitchFamily="18" charset="-127"/>
-              </a:rPr>
-              <a:t>초기상태값을</a:t>
-            </a:r>
-            <a:r>
-              <a:rPr lang="ko-KR" altLang="en-US" b="1" dirty="0">
-                <a:solidFill>
-                  <a:schemeClr val="accent4"/>
-                </a:solidFill>
-                <a:latin typeface="HY그래픽M" panose="02030600000101010101" pitchFamily="18" charset="-127"/>
-                <a:ea typeface="HY그래픽M" panose="02030600000101010101" pitchFamily="18" charset="-127"/>
-              </a:rPr>
-              <a:t> 따로 저장</a:t>
-            </a:r>
-            <a:r>
-              <a:rPr lang="ko-KR" altLang="en-US" b="1" dirty="0">
-                <a:latin typeface="HY그래픽M" panose="02030600000101010101" pitchFamily="18" charset="-127"/>
-                <a:ea typeface="HY그래픽M" panose="02030600000101010101" pitchFamily="18" charset="-127"/>
-              </a:rPr>
-              <a:t>하고 있다</a:t>
-            </a:r>
-            <a:r>
-              <a:rPr lang="en-US" altLang="ko-KR" b="1" dirty="0">
-                <a:latin typeface="HY그래픽M" panose="02030600000101010101" pitchFamily="18" charset="-127"/>
-                <a:ea typeface="HY그래픽M" panose="02030600000101010101" pitchFamily="18" charset="-127"/>
-              </a:rPr>
-              <a:t>.</a:t>
-            </a:r>
-          </a:p>
-          <a:p>
-            <a:pPr marL="285705" indent="-285705">
-              <a:buFontTx/>
-              <a:buChar char="-"/>
-            </a:pPr>
-            <a:endParaRPr lang="en-US" altLang="ko-KR" b="1" dirty="0">
-              <a:latin typeface="HY그래픽M" panose="02030600000101010101" pitchFamily="18" charset="-127"/>
-              <a:ea typeface="HY그래픽M" panose="02030600000101010101" pitchFamily="18" charset="-127"/>
-            </a:endParaRPr>
-          </a:p>
-          <a:p>
-            <a:pPr marL="285705" indent="-285705">
-              <a:buFontTx/>
-              <a:buChar char="-"/>
-            </a:pPr>
-            <a:r>
-              <a:rPr lang="en-US" altLang="ko-KR" b="1" dirty="0">
-                <a:latin typeface="HY그래픽M" panose="02030600000101010101" pitchFamily="18" charset="-127"/>
-                <a:ea typeface="HY그래픽M" panose="02030600000101010101" pitchFamily="18" charset="-127"/>
-              </a:rPr>
-              <a:t> </a:t>
-            </a:r>
-            <a:r>
-              <a:rPr lang="ko-KR" altLang="en-US" b="1" dirty="0">
-                <a:latin typeface="HY그래픽M" panose="02030600000101010101" pitchFamily="18" charset="-127"/>
-                <a:ea typeface="HY그래픽M" panose="02030600000101010101" pitchFamily="18" charset="-127"/>
-              </a:rPr>
-              <a:t>룸은 다음과 같은 </a:t>
-            </a:r>
-            <a:r>
-              <a:rPr lang="ko-KR" altLang="en-US" b="1" dirty="0">
-                <a:solidFill>
-                  <a:schemeClr val="accent4"/>
-                </a:solidFill>
-                <a:latin typeface="HY그래픽M" panose="02030600000101010101" pitchFamily="18" charset="-127"/>
-                <a:ea typeface="HY그래픽M" panose="02030600000101010101" pitchFamily="18" charset="-127"/>
-              </a:rPr>
-              <a:t>동작들이 트리거가 되어 리셋</a:t>
-            </a:r>
-            <a:r>
-              <a:rPr lang="ko-KR" altLang="en-US" b="1" dirty="0">
-                <a:latin typeface="HY그래픽M" panose="02030600000101010101" pitchFamily="18" charset="-127"/>
-                <a:ea typeface="HY그래픽M" panose="02030600000101010101" pitchFamily="18" charset="-127"/>
-              </a:rPr>
-              <a:t>을 한다</a:t>
-            </a:r>
-            <a:r>
-              <a:rPr lang="en-US" altLang="ko-KR" b="1" dirty="0">
-                <a:latin typeface="HY그래픽M" panose="02030600000101010101" pitchFamily="18" charset="-127"/>
-                <a:ea typeface="HY그래픽M" panose="02030600000101010101" pitchFamily="18" charset="-127"/>
-              </a:rPr>
-              <a:t>.</a:t>
-            </a:r>
-          </a:p>
-          <a:p>
-            <a:pPr marL="342900" indent="-342900">
-              <a:buFont typeface="+mj-ea"/>
-              <a:buAutoNum type="circleNumDbPlain"/>
-            </a:pPr>
-            <a:r>
-              <a:rPr lang="ko-KR" altLang="en-US" b="1" dirty="0">
-                <a:solidFill>
-                  <a:schemeClr val="bg1"/>
-                </a:solidFill>
-                <a:latin typeface="HY그래픽M" panose="02030600000101010101" pitchFamily="18" charset="-127"/>
-                <a:ea typeface="HY그래픽M" panose="02030600000101010101" pitchFamily="18" charset="-127"/>
-              </a:rPr>
-              <a:t>플레이어 캐릭터가 사망</a:t>
-            </a:r>
-            <a:endParaRPr lang="en-US" altLang="ko-KR" b="1" dirty="0">
-              <a:solidFill>
-                <a:schemeClr val="bg1"/>
-              </a:solidFill>
-              <a:latin typeface="HY그래픽M" panose="02030600000101010101" pitchFamily="18" charset="-127"/>
-              <a:ea typeface="HY그래픽M" panose="02030600000101010101" pitchFamily="18" charset="-127"/>
-            </a:endParaRPr>
-          </a:p>
-          <a:p>
-            <a:pPr marL="342900" indent="-342900">
-              <a:buFont typeface="+mj-ea"/>
-              <a:buAutoNum type="circleNumDbPlain"/>
-            </a:pPr>
-            <a:r>
-              <a:rPr lang="ko-KR" altLang="en-US" b="1" dirty="0">
-                <a:solidFill>
-                  <a:schemeClr val="bg1"/>
-                </a:solidFill>
-                <a:latin typeface="HY그래픽M" panose="02030600000101010101" pitchFamily="18" charset="-127"/>
-                <a:ea typeface="HY그래픽M" panose="02030600000101010101" pitchFamily="18" charset="-127"/>
-              </a:rPr>
-              <a:t>플레이어 캐릭터가 다른 룸으로 이동</a:t>
-            </a:r>
-            <a:endParaRPr lang="en-US" altLang="ko-KR" b="1" dirty="0">
-              <a:solidFill>
-                <a:schemeClr val="bg1"/>
-              </a:solidFill>
-              <a:latin typeface="HY그래픽M" panose="02030600000101010101" pitchFamily="18" charset="-127"/>
-              <a:ea typeface="HY그래픽M" panose="02030600000101010101" pitchFamily="18" charset="-127"/>
-            </a:endParaRPr>
-          </a:p>
-          <a:p>
-            <a:pPr marL="342900" indent="-342900">
-              <a:buFont typeface="+mj-ea"/>
-              <a:buAutoNum type="circleNumDbPlain"/>
-            </a:pPr>
-            <a:endParaRPr lang="en-US" altLang="ko-KR" b="1" dirty="0">
-              <a:latin typeface="HY그래픽M" panose="02030600000101010101" pitchFamily="18" charset="-127"/>
-              <a:ea typeface="HY그래픽M" panose="02030600000101010101" pitchFamily="18" charset="-127"/>
-            </a:endParaRPr>
-          </a:p>
-          <a:p>
-            <a:pPr marL="285705" indent="-285705">
-              <a:buFontTx/>
-              <a:buChar char="-"/>
-            </a:pPr>
-            <a:r>
-              <a:rPr lang="en-US" altLang="ko-KR" b="1" dirty="0">
-                <a:latin typeface="HY그래픽M" panose="02030600000101010101" pitchFamily="18" charset="-127"/>
-                <a:ea typeface="HY그래픽M" panose="02030600000101010101" pitchFamily="18" charset="-127"/>
-              </a:rPr>
-              <a:t> </a:t>
-            </a:r>
-            <a:r>
-              <a:rPr lang="ko-KR" altLang="en-US" b="1" dirty="0">
-                <a:latin typeface="HY그래픽M" panose="02030600000101010101" pitchFamily="18" charset="-127"/>
-                <a:ea typeface="HY그래픽M" panose="02030600000101010101" pitchFamily="18" charset="-127"/>
-              </a:rPr>
-              <a:t>트리거에 따라서 </a:t>
-            </a:r>
-            <a:r>
-              <a:rPr lang="ko-KR" altLang="en-US" b="1" dirty="0">
-                <a:solidFill>
-                  <a:schemeClr val="accent4"/>
-                </a:solidFill>
-                <a:latin typeface="HY그래픽M" panose="02030600000101010101" pitchFamily="18" charset="-127"/>
-                <a:ea typeface="HY그래픽M" panose="02030600000101010101" pitchFamily="18" charset="-127"/>
-              </a:rPr>
-              <a:t>룸 리셋의 방식은 달라진다</a:t>
-            </a:r>
-            <a:r>
-              <a:rPr lang="en-US" altLang="ko-KR" b="1" dirty="0">
-                <a:solidFill>
-                  <a:schemeClr val="accent4"/>
-                </a:solidFill>
-                <a:latin typeface="HY그래픽M" panose="02030600000101010101" pitchFamily="18" charset="-127"/>
-                <a:ea typeface="HY그래픽M" panose="02030600000101010101" pitchFamily="18" charset="-127"/>
-              </a:rPr>
-              <a:t>.</a:t>
-            </a:r>
-            <a:endParaRPr lang="en-US" altLang="ko-KR" b="1" dirty="0">
-              <a:latin typeface="HY그래픽M" panose="02030600000101010101" pitchFamily="18" charset="-127"/>
-              <a:ea typeface="HY그래픽M" panose="02030600000101010101" pitchFamily="18" charset="-127"/>
-            </a:endParaRPr>
-          </a:p>
-          <a:p>
-            <a:endParaRPr lang="en-US" altLang="ko-KR" b="1" dirty="0">
-              <a:latin typeface="HY그래픽M" panose="02030600000101010101" pitchFamily="18" charset="-127"/>
-              <a:ea typeface="HY그래픽M" panose="02030600000101010101" pitchFamily="18" charset="-127"/>
-            </a:endParaRPr>
-          </a:p>
-        </p:txBody>
-      </p:sp>
-      <p:sp>
-        <p:nvSpPr>
-          <p:cNvPr id="8" name="사각형: 둥근 모서리 7">
-            <a:extLst>
-              <a:ext uri="{FF2B5EF4-FFF2-40B4-BE49-F238E27FC236}">
-                <a16:creationId xmlns:a16="http://schemas.microsoft.com/office/drawing/2014/main" id="{CF8DA16C-C0F8-4F61-BD5F-7C1AC05F3699}"/>
+                <a16:creationId xmlns:a16="http://schemas.microsoft.com/office/drawing/2014/main" id="{9333AA2B-9CDD-4DD4-A6C7-947D1F5B722B}"/>
               </a:ext>
             </a:extLst>
           </p:cNvPr>
@@ -4781,17 +7696,17 @@
                 <a:latin typeface="메이플스토리" panose="02000300000000000000" pitchFamily="2" charset="-127"/>
                 <a:ea typeface="메이플스토리" panose="02000300000000000000" pitchFamily="2" charset="-127"/>
               </a:rPr>
-              <a:t>리셋</a:t>
-            </a:r>
-          </a:p>
-        </p:txBody>
-      </p:sp>
-      <p:sp>
-        <p:nvSpPr>
-          <p:cNvPr id="9" name="직사각형 8">
+              <a:t>룸 이동</a:t>
+            </a:r>
+          </a:p>
+        </p:txBody>
+      </p:sp>
+      <p:sp>
+        <p:nvSpPr>
+          <p:cNvPr id="5" name="직사각형 4">
             <a:extLst>
               <a:ext uri="{FF2B5EF4-FFF2-40B4-BE49-F238E27FC236}">
-                <a16:creationId xmlns:a16="http://schemas.microsoft.com/office/drawing/2014/main" id="{1ABEC450-286A-433F-8463-3CE1C93A2AFF}"/>
+                <a16:creationId xmlns:a16="http://schemas.microsoft.com/office/drawing/2014/main" id="{731F5A55-4923-4916-8A45-2CA1066D83B3}"/>
               </a:ext>
             </a:extLst>
           </p:cNvPr>
@@ -4832,10 +7747,10 @@
       </p:sp>
       <p:sp>
         <p:nvSpPr>
-          <p:cNvPr id="5" name="TextBox 4">
+          <p:cNvPr id="6" name="TextBox 5">
             <a:extLst>
               <a:ext uri="{FF2B5EF4-FFF2-40B4-BE49-F238E27FC236}">
-                <a16:creationId xmlns:a16="http://schemas.microsoft.com/office/drawing/2014/main" id="{6F6C7BFE-8BCE-4FDD-ADD0-8F8962A88961}"/>
+                <a16:creationId xmlns:a16="http://schemas.microsoft.com/office/drawing/2014/main" id="{6CFACE0A-853D-4FBE-86C9-312BA41B65BD}"/>
               </a:ext>
             </a:extLst>
           </p:cNvPr>
@@ -4844,8 +7759,8 @@
         </p:nvSpPr>
         <p:spPr>
           <a:xfrm>
-            <a:off x="101601" y="4953000"/>
-            <a:ext cx="9169399" cy="369332"/>
+            <a:off x="101601" y="1445888"/>
+            <a:ext cx="13937577" cy="4247317"/>
           </a:xfrm>
           <a:prstGeom prst="rect">
             <a:avLst/>
@@ -4862,62 +7777,6 @@
           </a:bodyPr>
           <a:lstStyle/>
           <a:p>
-            <a:pPr marL="342900" indent="-342900" algn="ctr">
-              <a:buFont typeface="+mj-ea"/>
-              <a:buAutoNum type="circleNumDbPlain"/>
-            </a:pPr>
-            <a:r>
-              <a:rPr lang="ko-KR" altLang="en-US" b="1" dirty="0">
-                <a:solidFill>
-                  <a:schemeClr val="bg1"/>
-                </a:solidFill>
-                <a:latin typeface="HY그래픽M" panose="02030600000101010101" pitchFamily="18" charset="-127"/>
-                <a:ea typeface="HY그래픽M" panose="02030600000101010101" pitchFamily="18" charset="-127"/>
-              </a:rPr>
-              <a:t>플레이어 캐릭터가 사망</a:t>
-            </a:r>
-            <a:endParaRPr lang="en-US" altLang="ko-KR" b="1" dirty="0">
-              <a:solidFill>
-                <a:schemeClr val="bg1"/>
-              </a:solidFill>
-              <a:latin typeface="HY그래픽M" panose="02030600000101010101" pitchFamily="18" charset="-127"/>
-              <a:ea typeface="HY그래픽M" panose="02030600000101010101" pitchFamily="18" charset="-127"/>
-            </a:endParaRPr>
-          </a:p>
-        </p:txBody>
-      </p:sp>
-      <p:sp>
-        <p:nvSpPr>
-          <p:cNvPr id="10" name="TextBox 9">
-            <a:extLst>
-              <a:ext uri="{FF2B5EF4-FFF2-40B4-BE49-F238E27FC236}">
-                <a16:creationId xmlns:a16="http://schemas.microsoft.com/office/drawing/2014/main" id="{6CF9DF57-BA21-4291-8248-007ABDA301EA}"/>
-              </a:ext>
-            </a:extLst>
-          </p:cNvPr>
-          <p:cNvSpPr txBox="1"/>
-          <p:nvPr/>
-        </p:nvSpPr>
-        <p:spPr>
-          <a:xfrm>
-            <a:off x="101601" y="5463927"/>
-            <a:ext cx="9169399" cy="3416320"/>
-          </a:xfrm>
-          <a:prstGeom prst="rect">
-            <a:avLst/>
-          </a:prstGeom>
-          <a:solidFill>
-            <a:schemeClr val="bg1">
-              <a:alpha val="20000"/>
-            </a:schemeClr>
-          </a:solidFill>
-        </p:spPr>
-        <p:txBody>
-          <a:bodyPr wrap="square" rtlCol="0">
-            <a:spAutoFit/>
-          </a:bodyPr>
-          <a:lstStyle/>
-          <a:p>
             <a:pPr marL="285705" indent="-285705">
               <a:buFontTx/>
               <a:buChar char="-"/>
@@ -4927,7 +7786,7 @@
                 <a:latin typeface="HY그래픽M" panose="02030600000101010101" pitchFamily="18" charset="-127"/>
                 <a:ea typeface="HY그래픽M" panose="02030600000101010101" pitchFamily="18" charset="-127"/>
               </a:rPr>
-              <a:t> 플레이어 캐릭터의 </a:t>
+              <a:t>플레이어는 </a:t>
             </a:r>
             <a:r>
               <a:rPr lang="ko-KR" altLang="en-US" b="1" dirty="0">
@@ -4937,14 +7796,34 @@
                 <a:latin typeface="HY그래픽M" panose="02030600000101010101" pitchFamily="18" charset="-127"/>
                 <a:ea typeface="HY그래픽M" panose="02030600000101010101" pitchFamily="18" charset="-127"/>
               </a:rPr>
-              <a:t>사망 애니메이션 재생이 끝나면 리셋이 작동</a:t>
-            </a:r>
-            <a:r>
-              <a:rPr lang="ko-KR" altLang="en-US" b="1" dirty="0">
-                <a:latin typeface="HY그래픽M" panose="02030600000101010101" pitchFamily="18" charset="-127"/>
-                <a:ea typeface="HY그래픽M" panose="02030600000101010101" pitchFamily="18" charset="-127"/>
-              </a:rPr>
-              <a:t>한다</a:t>
+              <a:t>룸 사이에 이동통로가 되는 </a:t>
+            </a:r>
+            <a:r>
+              <a:rPr lang="en-US" altLang="ko-KR" b="1" dirty="0">
+                <a:solidFill>
+                  <a:schemeClr val="accent4"/>
+                </a:solidFill>
+                <a:latin typeface="HY그래픽M" panose="02030600000101010101" pitchFamily="18" charset="-127"/>
+                <a:ea typeface="HY그래픽M" panose="02030600000101010101" pitchFamily="18" charset="-127"/>
+              </a:rPr>
+              <a:t>Gate</a:t>
+            </a:r>
+            <a:r>
+              <a:rPr lang="ko-KR" altLang="en-US" b="1" dirty="0">
+                <a:solidFill>
+                  <a:schemeClr val="accent4"/>
+                </a:solidFill>
+                <a:latin typeface="HY그래픽M" panose="02030600000101010101" pitchFamily="18" charset="-127"/>
+                <a:ea typeface="HY그래픽M" panose="02030600000101010101" pitchFamily="18" charset="-127"/>
+              </a:rPr>
+              <a:t>를 통해 다른 룸으로 이동</a:t>
+            </a:r>
+            <a:r>
+              <a:rPr lang="ko-KR" altLang="en-US" b="1" dirty="0">
+                <a:latin typeface="HY그래픽M" panose="02030600000101010101" pitchFamily="18" charset="-127"/>
+                <a:ea typeface="HY그래픽M" panose="02030600000101010101" pitchFamily="18" charset="-127"/>
+              </a:rPr>
+              <a:t>할 수 있다</a:t>
             </a:r>
             <a:r>
               <a:rPr lang="en-US" altLang="ko-KR" b="1" dirty="0">
@@ -4974,14 +7853,14 @@
                 <a:latin typeface="HY그래픽M" panose="02030600000101010101" pitchFamily="18" charset="-127"/>
                 <a:ea typeface="HY그래픽M" panose="02030600000101010101" pitchFamily="18" charset="-127"/>
               </a:rPr>
-              <a:t> </a:t>
-            </a:r>
-            <a:r>
-              <a:rPr lang="ko-KR" altLang="en-US" b="1" dirty="0">
-                <a:latin typeface="HY그래픽M" panose="02030600000101010101" pitchFamily="18" charset="-127"/>
-                <a:ea typeface="HY그래픽M" panose="02030600000101010101" pitchFamily="18" charset="-127"/>
-              </a:rPr>
-              <a:t>리셋이 이루어지는 동안 </a:t>
+              <a:t>Gate</a:t>
+            </a:r>
+            <a:r>
+              <a:rPr lang="ko-KR" altLang="en-US" b="1" dirty="0">
+                <a:latin typeface="HY그래픽M" panose="02030600000101010101" pitchFamily="18" charset="-127"/>
+                <a:ea typeface="HY그래픽M" panose="02030600000101010101" pitchFamily="18" charset="-127"/>
+              </a:rPr>
+              <a:t>도 </a:t>
             </a:r>
             <a:r>
               <a:rPr lang="ko-KR" altLang="en-US" b="1" dirty="0">
@@ -4991,34 +7870,14 @@
                 <a:latin typeface="HY그래픽M" panose="02030600000101010101" pitchFamily="18" charset="-127"/>
                 <a:ea typeface="HY그래픽M" panose="02030600000101010101" pitchFamily="18" charset="-127"/>
               </a:rPr>
-              <a:t>플레이어의 화면이 잠시 </a:t>
-            </a:r>
-            <a:r>
-              <a:rPr lang="ko-KR" altLang="en-US" b="1" dirty="0" err="1">
-                <a:solidFill>
-                  <a:schemeClr val="accent4"/>
-                </a:solidFill>
-                <a:latin typeface="HY그래픽M" panose="02030600000101010101" pitchFamily="18" charset="-127"/>
-                <a:ea typeface="HY그래픽M" panose="02030600000101010101" pitchFamily="18" charset="-127"/>
-              </a:rPr>
-              <a:t>페이드</a:t>
-            </a:r>
-            <a:r>
-              <a:rPr lang="ko-KR" altLang="en-US" b="1" dirty="0">
-                <a:solidFill>
-                  <a:schemeClr val="accent4"/>
-                </a:solidFill>
-                <a:latin typeface="HY그래픽M" panose="02030600000101010101" pitchFamily="18" charset="-127"/>
-                <a:ea typeface="HY그래픽M" panose="02030600000101010101" pitchFamily="18" charset="-127"/>
-              </a:rPr>
-              <a:t> 아웃 </a:t>
-            </a:r>
-            <a:r>
-              <a:rPr lang="ko-KR" altLang="en-US" b="1" dirty="0">
-                <a:latin typeface="HY그래픽M" panose="02030600000101010101" pitchFamily="18" charset="-127"/>
-                <a:ea typeface="HY그래픽M" panose="02030600000101010101" pitchFamily="18" charset="-127"/>
-              </a:rPr>
-              <a:t>된다</a:t>
+              <a:t>퍼즐처럼 작동하여 상호작용키를 통해 이용 </a:t>
+            </a:r>
+            <a:r>
+              <a:rPr lang="ko-KR" altLang="en-US" b="1" dirty="0">
+                <a:latin typeface="HY그래픽M" panose="02030600000101010101" pitchFamily="18" charset="-127"/>
+                <a:ea typeface="HY그래픽M" panose="02030600000101010101" pitchFamily="18" charset="-127"/>
+              </a:rPr>
+              <a:t>가능하다</a:t>
             </a:r>
             <a:r>
               <a:rPr lang="en-US" altLang="ko-KR" b="1" dirty="0">
@@ -5048,62 +7907,75 @@
                 <a:latin typeface="HY그래픽M" panose="02030600000101010101" pitchFamily="18" charset="-127"/>
                 <a:ea typeface="HY그래픽M" panose="02030600000101010101" pitchFamily="18" charset="-127"/>
               </a:rPr>
-              <a:t> </a:t>
-            </a:r>
-            <a:r>
-              <a:rPr lang="ko-KR" altLang="en-US" b="1" dirty="0">
-                <a:latin typeface="HY그래픽M" panose="02030600000101010101" pitchFamily="18" charset="-127"/>
-                <a:ea typeface="HY그래픽M" panose="02030600000101010101" pitchFamily="18" charset="-127"/>
-              </a:rPr>
-              <a:t>룸의 모든 퍼즐은 자신이 갖고있던 </a:t>
-            </a:r>
-            <a:r>
-              <a:rPr lang="ko-KR" altLang="en-US" b="1" dirty="0" err="1">
+              <a:t>Gate</a:t>
+            </a:r>
+            <a:r>
+              <a:rPr lang="ko-KR" altLang="en-US" b="1" dirty="0">
+                <a:latin typeface="HY그래픽M" panose="02030600000101010101" pitchFamily="18" charset="-127"/>
+                <a:ea typeface="HY그래픽M" panose="02030600000101010101" pitchFamily="18" charset="-127"/>
+              </a:rPr>
+              <a:t>도 </a:t>
+            </a:r>
+            <a:r>
+              <a:rPr lang="en-US" altLang="ko-KR" b="1" dirty="0">
+                <a:latin typeface="HY그래픽M" panose="02030600000101010101" pitchFamily="18" charset="-127"/>
+                <a:ea typeface="HY그래픽M" panose="02030600000101010101" pitchFamily="18" charset="-127"/>
+              </a:rPr>
+              <a:t>switch</a:t>
+            </a:r>
+            <a:r>
+              <a:rPr lang="ko-KR" altLang="en-US" b="1" dirty="0">
+                <a:latin typeface="HY그래픽M" panose="02030600000101010101" pitchFamily="18" charset="-127"/>
+                <a:ea typeface="HY그래픽M" panose="02030600000101010101" pitchFamily="18" charset="-127"/>
+              </a:rPr>
+              <a:t>류 퍼즐처럼 </a:t>
+            </a:r>
+            <a:r>
+              <a:rPr lang="en-US" altLang="ko-KR" b="1" dirty="0">
                 <a:solidFill>
                   <a:schemeClr val="accent4"/>
                 </a:solidFill>
                 <a:latin typeface="HY그래픽M" panose="02030600000101010101" pitchFamily="18" charset="-127"/>
                 <a:ea typeface="HY그래픽M" panose="02030600000101010101" pitchFamily="18" charset="-127"/>
               </a:rPr>
-              <a:t>초기위치값</a:t>
-            </a:r>
-            <a:r>
-              <a:rPr lang="ko-KR" altLang="en-US" b="1" dirty="0" err="1">
-                <a:latin typeface="HY그래픽M" panose="02030600000101010101" pitchFamily="18" charset="-127"/>
-                <a:ea typeface="HY그래픽M" panose="02030600000101010101" pitchFamily="18" charset="-127"/>
-              </a:rPr>
-              <a:t>과</a:t>
-            </a:r>
-            <a:r>
-              <a:rPr lang="ko-KR" altLang="en-US" b="1" dirty="0">
-                <a:latin typeface="HY그래픽M" panose="02030600000101010101" pitchFamily="18" charset="-127"/>
-                <a:ea typeface="HY그래픽M" panose="02030600000101010101" pitchFamily="18" charset="-127"/>
-              </a:rPr>
-              <a:t> </a:t>
-            </a:r>
-            <a:r>
-              <a:rPr lang="ko-KR" altLang="en-US" b="1" dirty="0" err="1">
+              <a:t>on/off </a:t>
+            </a:r>
+            <a:r>
+              <a:rPr lang="ko-KR" altLang="en-US" b="1" dirty="0">
                 <a:solidFill>
                   <a:schemeClr val="accent4"/>
                 </a:solidFill>
                 <a:latin typeface="HY그래픽M" panose="02030600000101010101" pitchFamily="18" charset="-127"/>
                 <a:ea typeface="HY그래픽M" panose="02030600000101010101" pitchFamily="18" charset="-127"/>
               </a:rPr>
-              <a:t>상태값</a:t>
-            </a:r>
-            <a:r>
-              <a:rPr lang="ko-KR" altLang="en-US" b="1" dirty="0" err="1">
-                <a:latin typeface="HY그래픽M" panose="02030600000101010101" pitchFamily="18" charset="-127"/>
-                <a:ea typeface="HY그래픽M" panose="02030600000101010101" pitchFamily="18" charset="-127"/>
-              </a:rPr>
-              <a:t>으로</a:t>
-            </a:r>
-            <a:r>
-              <a:rPr lang="ko-KR" altLang="en-US" b="1" dirty="0">
-                <a:latin typeface="HY그래픽M" panose="02030600000101010101" pitchFamily="18" charset="-127"/>
-                <a:ea typeface="HY그래픽M" panose="02030600000101010101" pitchFamily="18" charset="-127"/>
-              </a:rPr>
-              <a:t> 되돌아간다</a:t>
+              <a:t>상태가 있고 </a:t>
+            </a:r>
+            <a:r>
+              <a:rPr lang="en-US" altLang="ko-KR" b="1" dirty="0">
+                <a:solidFill>
+                  <a:schemeClr val="accent4"/>
+                </a:solidFill>
+                <a:latin typeface="HY그래픽M" panose="02030600000101010101" pitchFamily="18" charset="-127"/>
+                <a:ea typeface="HY그래픽M" panose="02030600000101010101" pitchFamily="18" charset="-127"/>
+              </a:rPr>
+              <a:t>on</a:t>
+            </a:r>
+            <a:r>
+              <a:rPr lang="ko-KR" altLang="en-US" b="1" dirty="0">
+                <a:solidFill>
+                  <a:schemeClr val="accent4"/>
+                </a:solidFill>
+                <a:latin typeface="HY그래픽M" panose="02030600000101010101" pitchFamily="18" charset="-127"/>
+                <a:ea typeface="HY그래픽M" panose="02030600000101010101" pitchFamily="18" charset="-127"/>
+              </a:rPr>
+              <a:t>인 경우에만 상호작용이 가능</a:t>
+            </a:r>
+            <a:r>
+              <a:rPr lang="ko-KR" altLang="en-US" b="1" dirty="0">
+                <a:latin typeface="HY그래픽M" panose="02030600000101010101" pitchFamily="18" charset="-127"/>
+                <a:ea typeface="HY그래픽M" panose="02030600000101010101" pitchFamily="18" charset="-127"/>
+              </a:rPr>
+              <a:t>하다</a:t>
             </a:r>
             <a:r>
               <a:rPr lang="en-US" altLang="ko-KR" b="1" dirty="0">
@@ -5133,7 +8005,31 @@
                 <a:latin typeface="HY그래픽M" panose="02030600000101010101" pitchFamily="18" charset="-127"/>
                 <a:ea typeface="HY그래픽M" panose="02030600000101010101" pitchFamily="18" charset="-127"/>
               </a:rPr>
-              <a:t> 플레이어 캐릭터는 룸의 </a:t>
+              <a:t>룸 이동을 할 때</a:t>
+            </a:r>
+            <a:r>
+              <a:rPr lang="en-US" altLang="ko-KR" b="1" dirty="0">
+                <a:latin typeface="HY그래픽M" panose="02030600000101010101" pitchFamily="18" charset="-127"/>
+                <a:ea typeface="HY그래픽M" panose="02030600000101010101" pitchFamily="18" charset="-127"/>
+              </a:rPr>
+              <a:t>, </a:t>
+            </a:r>
+            <a:r>
+              <a:rPr lang="ko-KR" altLang="en-US" b="1" dirty="0">
+                <a:latin typeface="HY그래픽M" panose="02030600000101010101" pitchFamily="18" charset="-127"/>
+                <a:ea typeface="HY그래픽M" panose="02030600000101010101" pitchFamily="18" charset="-127"/>
+              </a:rPr>
+              <a:t>기존에 있던 룸의 </a:t>
+            </a:r>
+            <a:r>
+              <a:rPr lang="ko-KR" altLang="en-US" b="1" dirty="0">
+                <a:solidFill>
+                  <a:schemeClr val="accent4"/>
+                </a:solidFill>
+                <a:latin typeface="HY그래픽M" panose="02030600000101010101" pitchFamily="18" charset="-127"/>
+                <a:ea typeface="HY그래픽M" panose="02030600000101010101" pitchFamily="18" charset="-127"/>
+              </a:rPr>
+              <a:t>퍼즐이 해결 된 상태가 아니라면 퍼즐이 </a:t>
             </a:r>
             <a:r>
               <a:rPr lang="ko-KR" altLang="en-US" b="1" dirty="0" err="1">
@@ -5143,12 +8039,48 @@
                 <a:latin typeface="HY그래픽M" panose="02030600000101010101" pitchFamily="18" charset="-127"/>
                 <a:ea typeface="HY그래픽M" panose="02030600000101010101" pitchFamily="18" charset="-127"/>
               </a:rPr>
-              <a:t>리스폰포인트에서</a:t>
-            </a:r>
-            <a:r>
-              <a:rPr lang="ko-KR" altLang="en-US" b="1" dirty="0">
-                <a:solidFill>
-                  <a:schemeClr val="accent4"/>
+              <a:t>리셋</a:t>
+            </a:r>
+            <a:r>
+              <a:rPr lang="ko-KR" altLang="en-US" b="1" dirty="0" err="1">
+                <a:latin typeface="HY그래픽M" panose="02030600000101010101" pitchFamily="18" charset="-127"/>
+                <a:ea typeface="HY그래픽M" panose="02030600000101010101" pitchFamily="18" charset="-127"/>
+              </a:rPr>
+              <a:t>된다</a:t>
+            </a:r>
+            <a:r>
+              <a:rPr lang="en-US" altLang="ko-KR" b="1" dirty="0">
+                <a:latin typeface="HY그래픽M" panose="02030600000101010101" pitchFamily="18" charset="-127"/>
+                <a:ea typeface="HY그래픽M" panose="02030600000101010101" pitchFamily="18" charset="-127"/>
+              </a:rPr>
+              <a:t>.</a:t>
+            </a:r>
+          </a:p>
+          <a:p>
+            <a:r>
+              <a:rPr lang="en-US" altLang="ko-KR" b="1" dirty="0">
+                <a:solidFill>
+                  <a:schemeClr val="bg1"/>
+                </a:solidFill>
+                <a:latin typeface="HY그래픽M" panose="02030600000101010101" pitchFamily="18" charset="-127"/>
+                <a:ea typeface="HY그래픽M" panose="02030600000101010101" pitchFamily="18" charset="-127"/>
+              </a:rPr>
+              <a:t>(</a:t>
+            </a:r>
+            <a:r>
+              <a:rPr lang="ko-KR" altLang="en-US" b="1" dirty="0" err="1">
+                <a:solidFill>
+                  <a:schemeClr val="bg1"/>
+                </a:solidFill>
+                <a:latin typeface="HY그래픽M" panose="02030600000101010101" pitchFamily="18" charset="-127"/>
+                <a:ea typeface="HY그래픽M" panose="02030600000101010101" pitchFamily="18" charset="-127"/>
+              </a:rPr>
+              <a:t>리셋과정은</a:t>
+            </a:r>
+            <a:r>
+              <a:rPr lang="ko-KR" altLang="en-US" b="1" dirty="0">
+                <a:solidFill>
+                  <a:schemeClr val="bg1"/>
                 </a:solidFill>
                 <a:latin typeface="HY그래픽M" panose="02030600000101010101" pitchFamily="18" charset="-127"/>
                 <a:ea typeface="HY그래픽M" panose="02030600000101010101" pitchFamily="18" charset="-127"/>
@@ -5156,28 +8088,57 @@
               <a:t> </a:t>
             </a:r>
             <a:r>
-              <a:rPr lang="ko-KR" altLang="en-US" b="1" dirty="0" err="1">
-                <a:solidFill>
-                  <a:schemeClr val="accent4"/>
-                </a:solidFill>
-                <a:latin typeface="HY그래픽M" panose="02030600000101010101" pitchFamily="18" charset="-127"/>
-                <a:ea typeface="HY그래픽M" panose="02030600000101010101" pitchFamily="18" charset="-127"/>
-              </a:rPr>
-              <a:t>재생성</a:t>
-            </a:r>
-            <a:r>
-              <a:rPr lang="ko-KR" altLang="en-US" b="1" dirty="0" err="1">
-                <a:latin typeface="HY그래픽M" panose="02030600000101010101" pitchFamily="18" charset="-127"/>
-                <a:ea typeface="HY그래픽M" panose="02030600000101010101" pitchFamily="18" charset="-127"/>
-              </a:rPr>
-              <a:t>된다</a:t>
+              <a:rPr lang="ko-KR" altLang="en-US" b="1" dirty="0">
+                <a:solidFill>
+                  <a:schemeClr val="accent1">
+                    <a:lumMod val="60000"/>
+                    <a:lumOff val="40000"/>
+                  </a:schemeClr>
+                </a:solidFill>
+                <a:latin typeface="HY그래픽M" panose="02030600000101010101" pitchFamily="18" charset="-127"/>
+                <a:ea typeface="HY그래픽M" panose="02030600000101010101" pitchFamily="18" charset="-127"/>
+                <a:hlinkClick r:id="rId2" action="ppaction://hlinksldjump">
+                  <a:extLst>
+                    <a:ext uri="{A12FA001-AC4F-418D-AE19-62706E023703}">
+                      <ahyp:hlinkClr xmlns:ahyp="http://schemas.microsoft.com/office/drawing/2018/hyperlinkcolor" val="tx"/>
+                    </a:ext>
+                  </a:extLst>
+                </a:hlinkClick>
+              </a:rPr>
+              <a:t>룸의 리셋</a:t>
+            </a:r>
+            <a:r>
+              <a:rPr lang="ko-KR" altLang="en-US" b="1" dirty="0">
+                <a:solidFill>
+                  <a:schemeClr val="accent1">
+                    <a:lumMod val="60000"/>
+                    <a:lumOff val="40000"/>
+                  </a:schemeClr>
+                </a:solidFill>
+                <a:latin typeface="HY그래픽M" panose="02030600000101010101" pitchFamily="18" charset="-127"/>
+                <a:ea typeface="HY그래픽M" panose="02030600000101010101" pitchFamily="18" charset="-127"/>
+              </a:rPr>
+              <a:t> </a:t>
+            </a:r>
+            <a:r>
+              <a:rPr lang="ko-KR" altLang="en-US" b="1" dirty="0">
+                <a:solidFill>
+                  <a:schemeClr val="bg1"/>
+                </a:solidFill>
+                <a:latin typeface="HY그래픽M" panose="02030600000101010101" pitchFamily="18" charset="-127"/>
+                <a:ea typeface="HY그래픽M" panose="02030600000101010101" pitchFamily="18" charset="-127"/>
+              </a:rPr>
+              <a:t>페이지에서 확인</a:t>
             </a:r>
             <a:r>
               <a:rPr lang="en-US" altLang="ko-KR" b="1" dirty="0">
-                <a:latin typeface="HY그래픽M" panose="02030600000101010101" pitchFamily="18" charset="-127"/>
-                <a:ea typeface="HY그래픽M" panose="02030600000101010101" pitchFamily="18" charset="-127"/>
-              </a:rPr>
-              <a:t>.</a:t>
+                <a:solidFill>
+                  <a:schemeClr val="bg1"/>
+                </a:solidFill>
+                <a:latin typeface="HY그래픽M" panose="02030600000101010101" pitchFamily="18" charset="-127"/>
+                <a:ea typeface="HY그래픽M" panose="02030600000101010101" pitchFamily="18" charset="-127"/>
+              </a:rPr>
+              <a:t>)</a:t>
             </a:r>
           </a:p>
           <a:p>
@@ -5196,55 +8157,58 @@
               <a:buChar char="-"/>
             </a:pPr>
             <a:r>
-              <a:rPr lang="en-US" altLang="ko-KR" b="1" dirty="0">
+              <a:rPr lang="ko-KR" altLang="en-US" b="1" dirty="0">
+                <a:latin typeface="HY그래픽M" panose="02030600000101010101" pitchFamily="18" charset="-127"/>
+                <a:ea typeface="HY그래픽M" panose="02030600000101010101" pitchFamily="18" charset="-127"/>
+              </a:rPr>
+              <a:t>룸 이동은 플레이어 캐릭터를 </a:t>
+            </a:r>
+            <a:r>
+              <a:rPr lang="ko-KR" altLang="en-US" b="1" dirty="0">
+                <a:solidFill>
+                  <a:schemeClr val="accent4"/>
+                </a:solidFill>
+                <a:latin typeface="HY그래픽M" panose="02030600000101010101" pitchFamily="18" charset="-127"/>
+                <a:ea typeface="HY그래픽M" panose="02030600000101010101" pitchFamily="18" charset="-127"/>
+              </a:rPr>
+              <a:t>다른 룸의 특정 좌표로 </a:t>
+            </a:r>
+            <a:r>
+              <a:rPr lang="ko-KR" altLang="en-US" b="1" dirty="0" err="1">
+                <a:solidFill>
+                  <a:schemeClr val="accent4"/>
+                </a:solidFill>
+                <a:latin typeface="HY그래픽M" panose="02030600000101010101" pitchFamily="18" charset="-127"/>
+                <a:ea typeface="HY그래픽M" panose="02030600000101010101" pitchFamily="18" charset="-127"/>
+              </a:rPr>
+              <a:t>이동시키를</a:t>
+            </a:r>
+            <a:r>
+              <a:rPr lang="ko-KR" altLang="en-US" b="1" dirty="0">
+                <a:solidFill>
+                  <a:schemeClr val="accent4"/>
+                </a:solidFill>
                 <a:latin typeface="HY그래픽M" panose="02030600000101010101" pitchFamily="18" charset="-127"/>
                 <a:ea typeface="HY그래픽M" panose="02030600000101010101" pitchFamily="18" charset="-127"/>
               </a:rPr>
               <a:t> </a:t>
             </a:r>
             <a:r>
-              <a:rPr lang="ko-KR" altLang="en-US" b="1" dirty="0">
-                <a:latin typeface="HY그래픽M" panose="02030600000101010101" pitchFamily="18" charset="-127"/>
-                <a:ea typeface="HY그래픽M" panose="02030600000101010101" pitchFamily="18" charset="-127"/>
-              </a:rPr>
-              <a:t>리셋이 끝난 후엔 </a:t>
-            </a:r>
-            <a:r>
-              <a:rPr lang="ko-KR" altLang="en-US" b="1" dirty="0">
+              <a:rPr lang="ko-KR" altLang="en-US" b="1" dirty="0" err="1">
                 <a:solidFill>
                   <a:schemeClr val="accent4"/>
                 </a:solidFill>
                 <a:latin typeface="HY그래픽M" panose="02030600000101010101" pitchFamily="18" charset="-127"/>
                 <a:ea typeface="HY그래픽M" panose="02030600000101010101" pitchFamily="18" charset="-127"/>
               </a:rPr>
-              <a:t>플레이어의 화면이 </a:t>
+              <a:t>것</a:t>
             </a:r>
             <a:r>
               <a:rPr lang="ko-KR" altLang="en-US" b="1" dirty="0" err="1">
-                <a:solidFill>
-                  <a:schemeClr val="accent4"/>
-                </a:solidFill>
-                <a:latin typeface="HY그래픽M" panose="02030600000101010101" pitchFamily="18" charset="-127"/>
-                <a:ea typeface="HY그래픽M" panose="02030600000101010101" pitchFamily="18" charset="-127"/>
-              </a:rPr>
-              <a:t>페이드</a:t>
-            </a:r>
-            <a:r>
-              <a:rPr lang="ko-KR" altLang="en-US" b="1" dirty="0">
-                <a:solidFill>
-                  <a:schemeClr val="accent4"/>
-                </a:solidFill>
-                <a:latin typeface="HY그래픽M" panose="02030600000101010101" pitchFamily="18" charset="-127"/>
-                <a:ea typeface="HY그래픽M" panose="02030600000101010101" pitchFamily="18" charset="-127"/>
-              </a:rPr>
-              <a:t> 인 </a:t>
-            </a:r>
-            <a:r>
-              <a:rPr lang="ko-KR" altLang="en-US" b="1" dirty="0">
-                <a:latin typeface="HY그래픽M" panose="02030600000101010101" pitchFamily="18" charset="-127"/>
-                <a:ea typeface="HY그래픽M" panose="02030600000101010101" pitchFamily="18" charset="-127"/>
-              </a:rPr>
-              <a:t>된다</a:t>
+                <a:latin typeface="HY그래픽M" panose="02030600000101010101" pitchFamily="18" charset="-127"/>
+                <a:ea typeface="HY그래픽M" panose="02030600000101010101" pitchFamily="18" charset="-127"/>
+              </a:rPr>
+              <a:t>으로한다</a:t>
             </a:r>
             <a:r>
               <a:rPr lang="en-US" altLang="ko-KR" b="1" dirty="0">
@@ -5270,48 +8234,87 @@
               <a:buChar char="-"/>
             </a:pPr>
             <a:r>
+              <a:rPr lang="ko-KR" altLang="en-US" b="1" dirty="0">
+                <a:latin typeface="HY그래픽M" panose="02030600000101010101" pitchFamily="18" charset="-127"/>
+                <a:ea typeface="HY그래픽M" panose="02030600000101010101" pitchFamily="18" charset="-127"/>
+              </a:rPr>
+              <a:t>룸 이동시에 </a:t>
+            </a:r>
+            <a:r>
+              <a:rPr lang="ko-KR" altLang="en-US" b="1" dirty="0">
+                <a:solidFill>
+                  <a:schemeClr val="accent4"/>
+                </a:solidFill>
+                <a:latin typeface="HY그래픽M" panose="02030600000101010101" pitchFamily="18" charset="-127"/>
+                <a:ea typeface="HY그래픽M" panose="02030600000101010101" pitchFamily="18" charset="-127"/>
+              </a:rPr>
+              <a:t>특정 화면 연출이 있을 것</a:t>
+            </a:r>
+            <a:r>
+              <a:rPr lang="ko-KR" altLang="en-US" b="1" dirty="0">
+                <a:latin typeface="HY그래픽M" panose="02030600000101010101" pitchFamily="18" charset="-127"/>
+                <a:ea typeface="HY그래픽M" panose="02030600000101010101" pitchFamily="18" charset="-127"/>
+              </a:rPr>
+              <a:t>이다</a:t>
+            </a:r>
+            <a:r>
               <a:rPr lang="en-US" altLang="ko-KR" b="1" dirty="0">
                 <a:latin typeface="HY그래픽M" panose="02030600000101010101" pitchFamily="18" charset="-127"/>
                 <a:ea typeface="HY그래픽M" panose="02030600000101010101" pitchFamily="18" charset="-127"/>
               </a:rPr>
-              <a:t> </a:t>
-            </a:r>
-            <a:r>
-              <a:rPr lang="ko-KR" altLang="en-US" b="1" dirty="0">
-                <a:latin typeface="HY그래픽M" panose="02030600000101010101" pitchFamily="18" charset="-127"/>
-                <a:ea typeface="HY그래픽M" panose="02030600000101010101" pitchFamily="18" charset="-127"/>
-              </a:rPr>
-              <a:t>이미 </a:t>
-            </a:r>
-            <a:r>
-              <a:rPr lang="ko-KR" altLang="en-US" b="1" dirty="0" err="1">
-                <a:solidFill>
-                  <a:schemeClr val="accent4"/>
-                </a:solidFill>
-                <a:latin typeface="HY그래픽M" panose="02030600000101010101" pitchFamily="18" charset="-127"/>
-                <a:ea typeface="HY그래픽M" panose="02030600000101010101" pitchFamily="18" charset="-127"/>
-              </a:rPr>
-              <a:t>클리어된</a:t>
-            </a:r>
-            <a:r>
-              <a:rPr lang="ko-KR" altLang="en-US" b="1" dirty="0">
-                <a:solidFill>
-                  <a:schemeClr val="accent4"/>
-                </a:solidFill>
-                <a:latin typeface="HY그래픽M" panose="02030600000101010101" pitchFamily="18" charset="-127"/>
-                <a:ea typeface="HY그래픽M" panose="02030600000101010101" pitchFamily="18" charset="-127"/>
-              </a:rPr>
-              <a:t> 룸은 리셋이 되지 않는다</a:t>
-            </a:r>
+              <a:t>.</a:t>
+            </a:r>
+          </a:p>
+          <a:p>
             <a:r>
               <a:rPr lang="en-US" altLang="ko-KR" b="1" dirty="0">
                 <a:solidFill>
-                  <a:schemeClr val="accent4"/>
-                </a:solidFill>
-                <a:latin typeface="HY그래픽M" panose="02030600000101010101" pitchFamily="18" charset="-127"/>
-                <a:ea typeface="HY그래픽M" panose="02030600000101010101" pitchFamily="18" charset="-127"/>
-              </a:rPr>
-              <a:t>.</a:t>
+                  <a:schemeClr val="bg1"/>
+                </a:solidFill>
+                <a:latin typeface="HY그래픽M" panose="02030600000101010101" pitchFamily="18" charset="-127"/>
+                <a:ea typeface="HY그래픽M" panose="02030600000101010101" pitchFamily="18" charset="-127"/>
+              </a:rPr>
+              <a:t>(</a:t>
+            </a:r>
+            <a:r>
+              <a:rPr lang="ko-KR" altLang="en-US" b="1" dirty="0">
+                <a:solidFill>
+                  <a:schemeClr val="bg1"/>
+                </a:solidFill>
+                <a:latin typeface="HY그래픽M" panose="02030600000101010101" pitchFamily="18" charset="-127"/>
+                <a:ea typeface="HY그래픽M" panose="02030600000101010101" pitchFamily="18" charset="-127"/>
+              </a:rPr>
+              <a:t>지금으로서는 가장 간단한 페이드인</a:t>
+            </a:r>
+            <a:r>
+              <a:rPr lang="en-US" altLang="ko-KR" b="1" dirty="0">
+                <a:solidFill>
+                  <a:schemeClr val="bg1"/>
+                </a:solidFill>
+                <a:latin typeface="HY그래픽M" panose="02030600000101010101" pitchFamily="18" charset="-127"/>
+                <a:ea typeface="HY그래픽M" panose="02030600000101010101" pitchFamily="18" charset="-127"/>
+              </a:rPr>
+              <a:t>/</a:t>
+            </a:r>
+            <a:r>
+              <a:rPr lang="ko-KR" altLang="en-US" b="1" dirty="0">
+                <a:solidFill>
+                  <a:schemeClr val="bg1"/>
+                </a:solidFill>
+                <a:latin typeface="HY그래픽M" panose="02030600000101010101" pitchFamily="18" charset="-127"/>
+                <a:ea typeface="HY그래픽M" panose="02030600000101010101" pitchFamily="18" charset="-127"/>
+              </a:rPr>
+              <a:t>페이드아웃 을 생각하고 있으나 다른 연출도 고민중</a:t>
+            </a:r>
+            <a:r>
+              <a:rPr lang="en-US" altLang="ko-KR" b="1" dirty="0">
+                <a:solidFill>
+                  <a:schemeClr val="bg1"/>
+                </a:solidFill>
+                <a:latin typeface="HY그래픽M" panose="02030600000101010101" pitchFamily="18" charset="-127"/>
+                <a:ea typeface="HY그래픽M" panose="02030600000101010101" pitchFamily="18" charset="-127"/>
+              </a:rPr>
+              <a:t>)</a:t>
             </a:r>
           </a:p>
           <a:p>
@@ -5324,14 +8327,24 @@
               <a:ea typeface="HY그래픽M" panose="02030600000101010101" pitchFamily="18" charset="-127"/>
             </a:endParaRPr>
           </a:p>
+          <a:p>
+            <a:pPr marL="285705" indent="-285705">
+              <a:buFontTx/>
+              <a:buChar char="-"/>
+            </a:pPr>
+            <a:endParaRPr lang="en-US" altLang="ko-KR" b="1" dirty="0">
+              <a:latin typeface="HY그래픽M" panose="02030600000101010101" pitchFamily="18" charset="-127"/>
+              <a:ea typeface="HY그래픽M" panose="02030600000101010101" pitchFamily="18" charset="-127"/>
+            </a:endParaRPr>
+          </a:p>
         </p:txBody>
       </p:sp>
       <p:pic>
         <p:nvPicPr>
-          <p:cNvPr id="3" name="그림 2">
+          <p:cNvPr id="10" name="그림 9">
             <a:extLst>
               <a:ext uri="{FF2B5EF4-FFF2-40B4-BE49-F238E27FC236}">
-                <a16:creationId xmlns:a16="http://schemas.microsoft.com/office/drawing/2014/main" id="{BE12A9DF-5332-4ADF-83F7-890B34883F6E}"/>
+                <a16:creationId xmlns:a16="http://schemas.microsoft.com/office/drawing/2014/main" id="{80AF5CBD-DA8B-4056-B95C-2AD7E8795278}"/>
               </a:ext>
             </a:extLst>
           </p:cNvPr>
@@ -5341,7 +8354,7 @@
           <p:nvPr/>
         </p:nvPicPr>
         <p:blipFill>
-          <a:blip r:embed="rId2">
+          <a:blip r:embed="rId3">
             <a:extLst>
               <a:ext uri="{28A0092B-C50C-407E-A947-70E740481C1C}">
                 <a14:useLocalDpi xmlns:a14="http://schemas.microsoft.com/office/drawing/2010/main" val="0"/>
@@ -5354,593 +8367,18 @@
         </p:blipFill>
         <p:spPr>
           <a:xfrm>
-            <a:off x="14541259" y="1559268"/>
-            <a:ext cx="1707674" cy="7352877"/>
+            <a:off x="11838400" y="1445888"/>
+            <a:ext cx="4206272" cy="7906805"/>
           </a:xfrm>
           <a:prstGeom prst="rect">
             <a:avLst/>
           </a:prstGeom>
         </p:spPr>
       </p:pic>
-      <p:sp>
-        <p:nvSpPr>
-          <p:cNvPr id="11" name="TextBox 10">
-            <a:extLst>
-              <a:ext uri="{FF2B5EF4-FFF2-40B4-BE49-F238E27FC236}">
-                <a16:creationId xmlns:a16="http://schemas.microsoft.com/office/drawing/2014/main" id="{712D437B-44FC-4A34-8858-DA5A9DB71D94}"/>
-              </a:ext>
-            </a:extLst>
-          </p:cNvPr>
-          <p:cNvSpPr txBox="1"/>
-          <p:nvPr/>
-        </p:nvSpPr>
-        <p:spPr>
-          <a:xfrm>
-            <a:off x="9477339" y="4950951"/>
-            <a:ext cx="4561839" cy="369332"/>
-          </a:xfrm>
-          <a:prstGeom prst="rect">
-            <a:avLst/>
-          </a:prstGeom>
-          <a:solidFill>
-            <a:schemeClr val="bg1">
-              <a:alpha val="20000"/>
-            </a:schemeClr>
-          </a:solidFill>
-        </p:spPr>
-        <p:txBody>
-          <a:bodyPr wrap="square" rtlCol="0">
-            <a:spAutoFit/>
-          </a:bodyPr>
-          <a:lstStyle/>
-          <a:p>
-            <a:pPr algn="ctr"/>
-            <a:r>
-              <a:rPr lang="ko-KR" altLang="en-US" b="1" dirty="0">
-                <a:solidFill>
-                  <a:schemeClr val="bg1"/>
-                </a:solidFill>
-                <a:latin typeface="HY그래픽M" panose="02030600000101010101" pitchFamily="18" charset="-127"/>
-                <a:ea typeface="HY그래픽M" panose="02030600000101010101" pitchFamily="18" charset="-127"/>
-              </a:rPr>
-              <a:t>②플레이어 캐릭터가 다른 룸으로 이동</a:t>
-            </a:r>
-            <a:endParaRPr lang="en-US" altLang="ko-KR" b="1" dirty="0">
-              <a:solidFill>
-                <a:schemeClr val="bg1"/>
-              </a:solidFill>
-              <a:latin typeface="HY그래픽M" panose="02030600000101010101" pitchFamily="18" charset="-127"/>
-              <a:ea typeface="HY그래픽M" panose="02030600000101010101" pitchFamily="18" charset="-127"/>
-            </a:endParaRPr>
-          </a:p>
-        </p:txBody>
-      </p:sp>
-      <p:sp>
-        <p:nvSpPr>
-          <p:cNvPr id="12" name="TextBox 11">
-            <a:extLst>
-              <a:ext uri="{FF2B5EF4-FFF2-40B4-BE49-F238E27FC236}">
-                <a16:creationId xmlns:a16="http://schemas.microsoft.com/office/drawing/2014/main" id="{527922AD-F2F7-4DAC-9DEB-3599DECDBAD0}"/>
-              </a:ext>
-            </a:extLst>
-          </p:cNvPr>
-          <p:cNvSpPr txBox="1"/>
-          <p:nvPr/>
-        </p:nvSpPr>
-        <p:spPr>
-          <a:xfrm>
-            <a:off x="9477339" y="5463927"/>
-            <a:ext cx="4561839" cy="3416320"/>
-          </a:xfrm>
-          <a:prstGeom prst="rect">
-            <a:avLst/>
-          </a:prstGeom>
-          <a:solidFill>
-            <a:schemeClr val="bg1">
-              <a:alpha val="20000"/>
-            </a:schemeClr>
-          </a:solidFill>
-        </p:spPr>
-        <p:txBody>
-          <a:bodyPr wrap="square" rtlCol="0">
-            <a:spAutoFit/>
-          </a:bodyPr>
-          <a:lstStyle/>
-          <a:p>
-            <a:pPr marL="285705" indent="-285705">
-              <a:buFontTx/>
-              <a:buChar char="-"/>
-            </a:pPr>
-            <a:r>
-              <a:rPr lang="ko-KR" altLang="en-US" b="1" dirty="0">
-                <a:latin typeface="HY그래픽M" panose="02030600000101010101" pitchFamily="18" charset="-127"/>
-                <a:ea typeface="HY그래픽M" panose="02030600000101010101" pitchFamily="18" charset="-127"/>
-              </a:rPr>
-              <a:t> 플레이어 캐릭터가 </a:t>
-            </a:r>
-            <a:r>
-              <a:rPr lang="ko-KR" altLang="en-US" b="1" dirty="0">
-                <a:solidFill>
-                  <a:schemeClr val="accent4"/>
-                </a:solidFill>
-                <a:latin typeface="HY그래픽M" panose="02030600000101010101" pitchFamily="18" charset="-127"/>
-                <a:ea typeface="HY그래픽M" panose="02030600000101010101" pitchFamily="18" charset="-127"/>
-              </a:rPr>
-              <a:t>다른 룸으로 이동하면 작동</a:t>
-            </a:r>
-            <a:r>
-              <a:rPr lang="ko-KR" altLang="en-US" b="1" dirty="0">
-                <a:latin typeface="HY그래픽M" panose="02030600000101010101" pitchFamily="18" charset="-127"/>
-                <a:ea typeface="HY그래픽M" panose="02030600000101010101" pitchFamily="18" charset="-127"/>
-              </a:rPr>
-              <a:t>한다</a:t>
-            </a:r>
-            <a:r>
-              <a:rPr lang="en-US" altLang="ko-KR" b="1" dirty="0">
-                <a:latin typeface="HY그래픽M" panose="02030600000101010101" pitchFamily="18" charset="-127"/>
-                <a:ea typeface="HY그래픽M" panose="02030600000101010101" pitchFamily="18" charset="-127"/>
-              </a:rPr>
-              <a:t>.</a:t>
-            </a:r>
-          </a:p>
-          <a:p>
-            <a:pPr marL="285705" indent="-285705">
-              <a:buFontTx/>
-              <a:buChar char="-"/>
-            </a:pPr>
-            <a:endParaRPr lang="en-US" altLang="ko-KR" b="1" dirty="0">
-              <a:latin typeface="HY그래픽M" panose="02030600000101010101" pitchFamily="18" charset="-127"/>
-              <a:ea typeface="HY그래픽M" panose="02030600000101010101" pitchFamily="18" charset="-127"/>
-            </a:endParaRPr>
-          </a:p>
-          <a:p>
-            <a:pPr marL="285705" indent="-285705">
-              <a:buFontTx/>
-              <a:buChar char="-"/>
-            </a:pPr>
-            <a:r>
-              <a:rPr lang="ko-KR" altLang="en-US" b="1" dirty="0">
-                <a:latin typeface="HY그래픽M" panose="02030600000101010101" pitchFamily="18" charset="-127"/>
-                <a:ea typeface="HY그래픽M" panose="02030600000101010101" pitchFamily="18" charset="-127"/>
-              </a:rPr>
-              <a:t> </a:t>
-            </a:r>
-            <a:r>
-              <a:rPr lang="ko-KR" altLang="en-US" b="1" dirty="0">
-                <a:solidFill>
-                  <a:schemeClr val="bg1"/>
-                </a:solidFill>
-                <a:latin typeface="HY그래픽M" panose="02030600000101010101" pitchFamily="18" charset="-127"/>
-                <a:ea typeface="HY그래픽M" panose="02030600000101010101" pitchFamily="18" charset="-127"/>
-              </a:rPr>
-              <a:t>①</a:t>
-            </a:r>
-            <a:r>
-              <a:rPr lang="ko-KR" altLang="en-US" b="1" dirty="0">
-                <a:latin typeface="HY그래픽M" panose="02030600000101010101" pitchFamily="18" charset="-127"/>
-                <a:ea typeface="HY그래픽M" panose="02030600000101010101" pitchFamily="18" charset="-127"/>
-              </a:rPr>
-              <a:t>과 </a:t>
-            </a:r>
-            <a:r>
-              <a:rPr lang="ko-KR" altLang="en-US" b="1" dirty="0">
-                <a:solidFill>
-                  <a:schemeClr val="accent4"/>
-                </a:solidFill>
-                <a:latin typeface="HY그래픽M" panose="02030600000101010101" pitchFamily="18" charset="-127"/>
-                <a:ea typeface="HY그래픽M" panose="02030600000101010101" pitchFamily="18" charset="-127"/>
-              </a:rPr>
-              <a:t>기본적으로 동일하게 진행</a:t>
-            </a:r>
-            <a:r>
-              <a:rPr lang="ko-KR" altLang="en-US" b="1" dirty="0">
-                <a:latin typeface="HY그래픽M" panose="02030600000101010101" pitchFamily="18" charset="-127"/>
-                <a:ea typeface="HY그래픽M" panose="02030600000101010101" pitchFamily="18" charset="-127"/>
-              </a:rPr>
-              <a:t>된다</a:t>
-            </a:r>
-            <a:r>
-              <a:rPr lang="en-US" altLang="ko-KR" b="1" dirty="0">
-                <a:latin typeface="HY그래픽M" panose="02030600000101010101" pitchFamily="18" charset="-127"/>
-                <a:ea typeface="HY그래픽M" panose="02030600000101010101" pitchFamily="18" charset="-127"/>
-              </a:rPr>
-              <a:t>.</a:t>
-            </a:r>
-          </a:p>
-          <a:p>
-            <a:pPr marL="285705" indent="-285705">
-              <a:buFontTx/>
-              <a:buChar char="-"/>
-            </a:pPr>
-            <a:endParaRPr lang="en-US" altLang="ko-KR" b="1" dirty="0">
-              <a:latin typeface="HY그래픽M" panose="02030600000101010101" pitchFamily="18" charset="-127"/>
-              <a:ea typeface="HY그래픽M" panose="02030600000101010101" pitchFamily="18" charset="-127"/>
-            </a:endParaRPr>
-          </a:p>
-          <a:p>
-            <a:pPr marL="285705" indent="-285705">
-              <a:buFontTx/>
-              <a:buChar char="-"/>
-            </a:pPr>
-            <a:r>
-              <a:rPr lang="en-US" altLang="ko-KR" b="1" dirty="0">
-                <a:latin typeface="HY그래픽M" panose="02030600000101010101" pitchFamily="18" charset="-127"/>
-                <a:ea typeface="HY그래픽M" panose="02030600000101010101" pitchFamily="18" charset="-127"/>
-              </a:rPr>
-              <a:t> </a:t>
-            </a:r>
-            <a:r>
-              <a:rPr lang="ko-KR" altLang="en-US" b="1" dirty="0">
-                <a:latin typeface="HY그래픽M" panose="02030600000101010101" pitchFamily="18" charset="-127"/>
-                <a:ea typeface="HY그래픽M" panose="02030600000101010101" pitchFamily="18" charset="-127"/>
-              </a:rPr>
-              <a:t>플레이어 캐릭터는 </a:t>
-            </a:r>
-            <a:r>
-              <a:rPr lang="ko-KR" altLang="en-US" b="1" dirty="0" err="1">
-                <a:solidFill>
-                  <a:schemeClr val="accent4"/>
-                </a:solidFill>
-                <a:latin typeface="HY그래픽M" panose="02030600000101010101" pitchFamily="18" charset="-127"/>
-                <a:ea typeface="HY그래픽M" panose="02030600000101010101" pitchFamily="18" charset="-127"/>
-              </a:rPr>
-              <a:t>리스폰포인트에서</a:t>
-            </a:r>
-            <a:r>
-              <a:rPr lang="ko-KR" altLang="en-US" b="1" dirty="0">
-                <a:solidFill>
-                  <a:schemeClr val="accent4"/>
-                </a:solidFill>
-                <a:latin typeface="HY그래픽M" panose="02030600000101010101" pitchFamily="18" charset="-127"/>
-                <a:ea typeface="HY그래픽M" panose="02030600000101010101" pitchFamily="18" charset="-127"/>
-              </a:rPr>
-              <a:t> 재생성 되지 않는다</a:t>
-            </a:r>
-            <a:r>
-              <a:rPr lang="en-US" altLang="ko-KR" b="1" dirty="0">
-                <a:solidFill>
-                  <a:schemeClr val="accent4"/>
-                </a:solidFill>
-                <a:latin typeface="HY그래픽M" panose="02030600000101010101" pitchFamily="18" charset="-127"/>
-                <a:ea typeface="HY그래픽M" panose="02030600000101010101" pitchFamily="18" charset="-127"/>
-              </a:rPr>
-              <a:t>.</a:t>
-            </a:r>
-          </a:p>
-          <a:p>
-            <a:pPr marL="285705" indent="-285705">
-              <a:buFontTx/>
-              <a:buChar char="-"/>
-            </a:pPr>
-            <a:endParaRPr lang="en-US" altLang="ko-KR" b="1" dirty="0">
-              <a:latin typeface="HY그래픽M" panose="02030600000101010101" pitchFamily="18" charset="-127"/>
-              <a:ea typeface="HY그래픽M" panose="02030600000101010101" pitchFamily="18" charset="-127"/>
-            </a:endParaRPr>
-          </a:p>
-          <a:p>
-            <a:pPr marL="285705" indent="-285705">
-              <a:buFontTx/>
-              <a:buChar char="-"/>
-            </a:pPr>
-            <a:r>
-              <a:rPr lang="ko-KR" altLang="en-US" b="1" dirty="0">
-                <a:latin typeface="HY그래픽M" panose="02030600000101010101" pitchFamily="18" charset="-127"/>
-                <a:ea typeface="HY그래픽M" panose="02030600000101010101" pitchFamily="18" charset="-127"/>
-              </a:rPr>
-              <a:t> 플레이어는 </a:t>
-            </a:r>
-            <a:r>
-              <a:rPr lang="ko-KR" altLang="en-US" b="1" dirty="0" err="1">
-                <a:solidFill>
-                  <a:schemeClr val="accent4"/>
-                </a:solidFill>
-                <a:latin typeface="HY그래픽M" panose="02030600000101010101" pitchFamily="18" charset="-127"/>
-                <a:ea typeface="HY그래픽M" panose="02030600000101010101" pitchFamily="18" charset="-127"/>
-              </a:rPr>
-              <a:t>페이드</a:t>
-            </a:r>
-            <a:r>
-              <a:rPr lang="ko-KR" altLang="en-US" b="1" dirty="0">
-                <a:solidFill>
-                  <a:schemeClr val="accent4"/>
-                </a:solidFill>
-                <a:latin typeface="HY그래픽M" panose="02030600000101010101" pitchFamily="18" charset="-127"/>
-                <a:ea typeface="HY그래픽M" panose="02030600000101010101" pitchFamily="18" charset="-127"/>
-              </a:rPr>
-              <a:t> 인 이후 다른 룸에 있을 것</a:t>
-            </a:r>
-            <a:r>
-              <a:rPr lang="ko-KR" altLang="en-US" b="1" dirty="0">
-                <a:latin typeface="HY그래픽M" panose="02030600000101010101" pitchFamily="18" charset="-127"/>
-                <a:ea typeface="HY그래픽M" panose="02030600000101010101" pitchFamily="18" charset="-127"/>
-              </a:rPr>
-              <a:t>이다</a:t>
-            </a:r>
-            <a:r>
-              <a:rPr lang="en-US" altLang="ko-KR" b="1" dirty="0">
-                <a:latin typeface="HY그래픽M" panose="02030600000101010101" pitchFamily="18" charset="-127"/>
-                <a:ea typeface="HY그래픽M" panose="02030600000101010101" pitchFamily="18" charset="-127"/>
-              </a:rPr>
-              <a:t>.</a:t>
-            </a:r>
-          </a:p>
-          <a:p>
-            <a:pPr marL="285705" indent="-285705">
-              <a:buFontTx/>
-              <a:buChar char="-"/>
-            </a:pPr>
-            <a:endParaRPr lang="en-US" altLang="ko-KR" b="1" dirty="0">
-              <a:latin typeface="HY그래픽M" panose="02030600000101010101" pitchFamily="18" charset="-127"/>
-              <a:ea typeface="HY그래픽M" panose="02030600000101010101" pitchFamily="18" charset="-127"/>
-            </a:endParaRPr>
-          </a:p>
-          <a:p>
-            <a:pPr marL="285705" indent="-285705">
-              <a:buFontTx/>
-              <a:buChar char="-"/>
-            </a:pPr>
-            <a:endParaRPr lang="en-US" altLang="ko-KR" b="1" dirty="0">
-              <a:latin typeface="HY그래픽M" panose="02030600000101010101" pitchFamily="18" charset="-127"/>
-              <a:ea typeface="HY그래픽M" panose="02030600000101010101" pitchFamily="18" charset="-127"/>
-            </a:endParaRPr>
-          </a:p>
-        </p:txBody>
-      </p:sp>
-      <p:sp>
-        <p:nvSpPr>
-          <p:cNvPr id="13" name="직사각형 12">
-            <a:extLst>
-              <a:ext uri="{FF2B5EF4-FFF2-40B4-BE49-F238E27FC236}">
-                <a16:creationId xmlns:a16="http://schemas.microsoft.com/office/drawing/2014/main" id="{ACA2B6D6-ACCD-4E4D-9B32-07848808FACF}"/>
-              </a:ext>
-            </a:extLst>
-          </p:cNvPr>
-          <p:cNvSpPr/>
-          <p:nvPr/>
-        </p:nvSpPr>
-        <p:spPr>
-          <a:xfrm>
-            <a:off x="14237253" y="5827776"/>
-            <a:ext cx="2316480" cy="963168"/>
-          </a:xfrm>
-          <a:prstGeom prst="rect">
-            <a:avLst/>
-          </a:prstGeom>
-          <a:noFill/>
-          <a:ln w="57150">
-            <a:solidFill>
-              <a:srgbClr val="FF0000"/>
-            </a:solidFill>
-          </a:ln>
-        </p:spPr>
-        <p:style>
-          <a:lnRef idx="2">
-            <a:schemeClr val="accent1">
-              <a:shade val="50000"/>
-            </a:schemeClr>
-          </a:lnRef>
-          <a:fillRef idx="1">
-            <a:schemeClr val="accent1"/>
-          </a:fillRef>
-          <a:effectRef idx="0">
-            <a:schemeClr val="accent1"/>
-          </a:effectRef>
-          <a:fontRef idx="minor">
-            <a:schemeClr val="lt1"/>
-          </a:fontRef>
-        </p:style>
-        <p:txBody>
-          <a:bodyPr rtlCol="0" anchor="ctr"/>
-          <a:lstStyle/>
-          <a:p>
-            <a:pPr algn="ctr"/>
-            <a:endParaRPr lang="ko-KR" altLang="en-US"/>
-          </a:p>
-        </p:txBody>
-      </p:sp>
-      <p:sp>
-        <p:nvSpPr>
-          <p:cNvPr id="14" name="TextBox 13">
-            <a:extLst>
-              <a:ext uri="{FF2B5EF4-FFF2-40B4-BE49-F238E27FC236}">
-                <a16:creationId xmlns:a16="http://schemas.microsoft.com/office/drawing/2014/main" id="{6D99D553-0B49-4429-A49A-F1D8F187D0EB}"/>
-              </a:ext>
-            </a:extLst>
-          </p:cNvPr>
-          <p:cNvSpPr txBox="1"/>
-          <p:nvPr/>
-        </p:nvSpPr>
-        <p:spPr>
-          <a:xfrm>
-            <a:off x="16224549" y="6794135"/>
-            <a:ext cx="1823311" cy="830997"/>
-          </a:xfrm>
-          <a:prstGeom prst="rect">
-            <a:avLst/>
-          </a:prstGeom>
-          <a:noFill/>
-        </p:spPr>
-        <p:txBody>
-          <a:bodyPr wrap="square" rtlCol="0">
-            <a:spAutoFit/>
-          </a:bodyPr>
-          <a:lstStyle/>
-          <a:p>
-            <a:r>
-              <a:rPr lang="ko-KR" altLang="en-US" sz="2400" b="1" dirty="0">
-                <a:ln w="3175">
-                  <a:solidFill>
-                    <a:schemeClr val="bg1"/>
-                  </a:solidFill>
-                </a:ln>
-                <a:solidFill>
-                  <a:srgbClr val="FF0000"/>
-                </a:solidFill>
-              </a:rPr>
-              <a:t>②의 경우 </a:t>
-            </a:r>
-            <a:r>
-              <a:rPr lang="ko-KR" altLang="en-US" sz="2400" b="1" dirty="0" err="1">
-                <a:ln w="3175">
-                  <a:solidFill>
-                    <a:schemeClr val="bg1"/>
-                  </a:solidFill>
-                </a:ln>
-                <a:solidFill>
-                  <a:srgbClr val="FF0000"/>
-                </a:solidFill>
-              </a:rPr>
-              <a:t>스킵한다</a:t>
-            </a:r>
-            <a:endParaRPr lang="ko-KR" altLang="en-US" sz="2400" b="1" dirty="0">
-              <a:ln w="3175">
-                <a:solidFill>
-                  <a:schemeClr val="bg1"/>
-                </a:solidFill>
-              </a:ln>
-              <a:solidFill>
-                <a:srgbClr val="FF0000"/>
-              </a:solidFill>
-            </a:endParaRPr>
-          </a:p>
-        </p:txBody>
-      </p:sp>
     </p:spTree>
     <p:extLst>
       <p:ext uri="{BB962C8B-B14F-4D97-AF65-F5344CB8AC3E}">
-        <p14:creationId xmlns:p14="http://schemas.microsoft.com/office/powerpoint/2010/main" val="61941023"/>
-      </p:ext>
-    </p:extLst>
-  </p:cSld>
-  <p:clrMapOvr>
-    <a:masterClrMapping/>
-  </p:clrMapOvr>
-</p:sld>
-</file>
-
-<file path=ppt/slides/slide5.xml><?xml version="1.0" encoding="utf-8"?>
-<p:sld xmlns:a="http://schemas.openxmlformats.org/drawingml/2006/main" xmlns:r="http://schemas.openxmlformats.org/officeDocument/2006/relationships" xmlns:p="http://schemas.openxmlformats.org/presentationml/2006/main">
-  <p:cSld>
-    <p:spTree>
-      <p:nvGrpSpPr>
-        <p:cNvPr id="1" name=""/>
-        <p:cNvGrpSpPr/>
-        <p:nvPr/>
-      </p:nvGrpSpPr>
-      <p:grpSpPr>
-        <a:xfrm>
-          <a:off x="0" y="0"/>
-          <a:ext cx="0" cy="0"/>
-          <a:chOff x="0" y="0"/>
-          <a:chExt cx="0" cy="0"/>
-        </a:xfrm>
-      </p:grpSpPr>
-      <p:sp>
-        <p:nvSpPr>
-          <p:cNvPr id="4" name="직사각형 3">
-            <a:extLst>
-              <a:ext uri="{FF2B5EF4-FFF2-40B4-BE49-F238E27FC236}">
-                <a16:creationId xmlns:a16="http://schemas.microsoft.com/office/drawing/2014/main" id="{D6B81E73-48EE-48D8-ACDC-2D760E1F8B6D}"/>
-              </a:ext>
-            </a:extLst>
-          </p:cNvPr>
-          <p:cNvSpPr/>
-          <p:nvPr/>
-        </p:nvSpPr>
-        <p:spPr>
-          <a:xfrm>
-            <a:off x="8132804" y="33681"/>
-            <a:ext cx="1344535" cy="923330"/>
-          </a:xfrm>
-          <a:prstGeom prst="rect">
-            <a:avLst/>
-          </a:prstGeom>
-          <a:noFill/>
-        </p:spPr>
-        <p:txBody>
-          <a:bodyPr wrap="none" lIns="91440" tIns="45720" rIns="91440" bIns="45720">
-            <a:spAutoFit/>
-          </a:bodyPr>
-          <a:lstStyle/>
-          <a:p>
-            <a:pPr algn="ctr"/>
-            <a:r>
-              <a:rPr lang="en-US" altLang="ko-KR" sz="5400" b="1" dirty="0">
-                <a:ln w="0">
-                  <a:solidFill>
-                    <a:schemeClr val="bg1"/>
-                  </a:solidFill>
-                </a:ln>
-                <a:latin typeface="+mj-ea"/>
-                <a:ea typeface="+mj-ea"/>
-              </a:rPr>
-              <a:t>WA</a:t>
-            </a:r>
-          </a:p>
-        </p:txBody>
-      </p:sp>
-      <p:sp>
-        <p:nvSpPr>
-          <p:cNvPr id="5" name="사각형: 둥근 모서리 4">
-            <a:extLst>
-              <a:ext uri="{FF2B5EF4-FFF2-40B4-BE49-F238E27FC236}">
-                <a16:creationId xmlns:a16="http://schemas.microsoft.com/office/drawing/2014/main" id="{4EB81B37-F11E-42DD-978C-7E9E27E662C7}"/>
-              </a:ext>
-            </a:extLst>
-          </p:cNvPr>
-          <p:cNvSpPr/>
-          <p:nvPr/>
-        </p:nvSpPr>
-        <p:spPr>
-          <a:xfrm>
-            <a:off x="101601" y="993855"/>
-            <a:ext cx="17406942" cy="318170"/>
-          </a:xfrm>
-          <a:prstGeom prst="roundRect">
-            <a:avLst/>
-          </a:prstGeom>
-          <a:solidFill>
-            <a:schemeClr val="tx1"/>
-          </a:solidFill>
-          <a:ln>
-            <a:noFill/>
-          </a:ln>
-        </p:spPr>
-        <p:style>
-          <a:lnRef idx="2">
-            <a:schemeClr val="accent1">
-              <a:shade val="50000"/>
-            </a:schemeClr>
-          </a:lnRef>
-          <a:fillRef idx="1">
-            <a:schemeClr val="accent1"/>
-          </a:fillRef>
-          <a:effectRef idx="0">
-            <a:schemeClr val="accent1"/>
-          </a:effectRef>
-          <a:fontRef idx="minor">
-            <a:schemeClr val="lt1"/>
-          </a:fontRef>
-        </p:style>
-        <p:txBody>
-          <a:bodyPr rtlCol="0" anchor="ctr"/>
-          <a:lstStyle/>
-          <a:p>
-            <a:pPr algn="ctr"/>
-            <a:r>
-              <a:rPr lang="ko-KR" altLang="en-US" b="1" dirty="0">
-                <a:latin typeface="메이플스토리" panose="02000300000000000000" pitchFamily="2" charset="-127"/>
-                <a:ea typeface="메이플스토리" panose="02000300000000000000" pitchFamily="2" charset="-127"/>
-              </a:rPr>
-              <a:t>시야조정</a:t>
-            </a:r>
-          </a:p>
-        </p:txBody>
-      </p:sp>
-    </p:spTree>
-    <p:extLst>
-      <p:ext uri="{BB962C8B-B14F-4D97-AF65-F5344CB8AC3E}">
-        <p14:creationId xmlns:p14="http://schemas.microsoft.com/office/powerpoint/2010/main" val="2949689441"/>
+        <p14:creationId xmlns:p14="http://schemas.microsoft.com/office/powerpoint/2010/main" val="3416045151"/>
       </p:ext>
     </p:extLst>
   </p:cSld>
